--- a/ClassMaterials/EventBasedProgramming/Slides/EventBasedProgramming.pptx
+++ b/ClassMaterials/EventBasedProgramming/Slides/EventBasedProgramming.pptx
@@ -299,7 +299,7 @@
               <a:pPr>
                 <a:defRPr/>
               </a:pPr>
-              <a:t>4/5/2018</a:t>
+              <a:t>1/15/2020</a:t>
             </a:fld>
             <a:endParaRPr lang="en-US"/>
           </a:p>
@@ -534,7 +534,7 @@
               <a:pPr>
                 <a:defRPr/>
               </a:pPr>
-              <a:t>4/5/2018</a:t>
+              <a:t>1/15/2020</a:t>
             </a:fld>
             <a:endParaRPr lang="en-US"/>
           </a:p>
@@ -919,7 +919,7 @@
           </a:ln>
           <a:extLst>
             <a:ext uri="{909E8E84-426E-40dd-AFC4-6F175D3DCCD1}">
-              <a14:hiddenFill xmlns="" xmlns:a14="http://schemas.microsoft.com/office/drawing/2010/main">
+              <a14:hiddenFill xmlns:a14="http://schemas.microsoft.com/office/drawing/2010/main" xmlns="">
                 <a:solidFill>
                   <a:srgbClr val="FFFFFF"/>
                 </a:solidFill>
@@ -943,14 +943,14 @@
           <a:ln/>
           <a:extLst>
             <a:ext uri="{909E8E84-426E-40dd-AFC4-6F175D3DCCD1}">
-              <a14:hiddenFill xmlns="" xmlns:a14="http://schemas.microsoft.com/office/drawing/2010/main">
+              <a14:hiddenFill xmlns:a14="http://schemas.microsoft.com/office/drawing/2010/main" xmlns="">
                 <a:solidFill>
                   <a:srgbClr val="FFFFFF"/>
                 </a:solidFill>
               </a14:hiddenFill>
             </a:ext>
             <a:ext uri="{91240B29-F687-4f45-9708-019B960494DF}">
-              <a14:hiddenLine xmlns="" xmlns:a14="http://schemas.microsoft.com/office/drawing/2010/main" w="9525">
+              <a14:hiddenLine xmlns:a14="http://schemas.microsoft.com/office/drawing/2010/main" xmlns="" w="9525">
                 <a:solidFill>
                   <a:srgbClr val="000000"/>
                 </a:solidFill>
@@ -1031,14 +1031,14 @@
           <a:ln/>
           <a:extLst>
             <a:ext uri="{909E8E84-426E-40dd-AFC4-6F175D3DCCD1}">
-              <a14:hiddenFill xmlns="" xmlns:a14="http://schemas.microsoft.com/office/drawing/2010/main">
+              <a14:hiddenFill xmlns:a14="http://schemas.microsoft.com/office/drawing/2010/main" xmlns="">
                 <a:solidFill>
                   <a:srgbClr val="FFFFFF"/>
                 </a:solidFill>
               </a14:hiddenFill>
             </a:ext>
             <a:ext uri="{91240B29-F687-4f45-9708-019B960494DF}">
-              <a14:hiddenLine xmlns="" xmlns:a14="http://schemas.microsoft.com/office/drawing/2010/main" w="9525">
+              <a14:hiddenLine xmlns:a14="http://schemas.microsoft.com/office/drawing/2010/main" xmlns="" w="9525">
                 <a:solidFill>
                   <a:srgbClr val="000000"/>
                 </a:solidFill>
@@ -1225,7 +1225,7 @@
           </a:ln>
           <a:extLst>
             <a:ext uri="{909E8E84-426E-40dd-AFC4-6F175D3DCCD1}">
-              <a14:hiddenFill xmlns="" xmlns:a14="http://schemas.microsoft.com/office/drawing/2010/main">
+              <a14:hiddenFill xmlns:a14="http://schemas.microsoft.com/office/drawing/2010/main" xmlns="">
                 <a:solidFill>
                   <a:srgbClr val="FFFFFF"/>
                 </a:solidFill>
@@ -1249,14 +1249,14 @@
           <a:ln/>
           <a:extLst>
             <a:ext uri="{909E8E84-426E-40dd-AFC4-6F175D3DCCD1}">
-              <a14:hiddenFill xmlns="" xmlns:a14="http://schemas.microsoft.com/office/drawing/2010/main">
+              <a14:hiddenFill xmlns:a14="http://schemas.microsoft.com/office/drawing/2010/main" xmlns="">
                 <a:solidFill>
                   <a:srgbClr val="FFFFFF"/>
                 </a:solidFill>
               </a14:hiddenFill>
             </a:ext>
             <a:ext uri="{91240B29-F687-4f45-9708-019B960494DF}">
-              <a14:hiddenLine xmlns="" xmlns:a14="http://schemas.microsoft.com/office/drawing/2010/main" w="9525">
+              <a14:hiddenLine xmlns:a14="http://schemas.microsoft.com/office/drawing/2010/main" xmlns="" w="9525">
                 <a:solidFill>
                   <a:srgbClr val="000000"/>
                 </a:solidFill>
@@ -1273,13 +1273,8 @@
           <a:p>
             <a:r>
               <a:rPr lang="en-US" b="1" dirty="0" smtClean="0"/>
-              <a:t>DRAW N,S,E,W,CENTER on </a:t>
-            </a:r>
-            <a:r>
-              <a:rPr lang="en-US" b="1" dirty="0" smtClean="0"/>
-              <a:t>board or use next slide</a:t>
-            </a:r>
-            <a:endParaRPr lang="en-US" b="1" dirty="0" smtClean="0"/>
+              <a:t>DRAW N,S,E,W,CENTER on board or use next slide</a:t>
+            </a:r>
           </a:p>
           <a:p>
             <a:r>
@@ -1390,14 +1385,14 @@
           <a:ln/>
           <a:extLst>
             <a:ext uri="{909E8E84-426E-40dd-AFC4-6F175D3DCCD1}">
-              <a14:hiddenFill xmlns="" xmlns:a14="http://schemas.microsoft.com/office/drawing/2010/main">
+              <a14:hiddenFill xmlns:a14="http://schemas.microsoft.com/office/drawing/2010/main" xmlns="">
                 <a:solidFill>
                   <a:srgbClr val="FFFFFF"/>
                 </a:solidFill>
               </a14:hiddenFill>
             </a:ext>
             <a:ext uri="{91240B29-F687-4f45-9708-019B960494DF}">
-              <a14:hiddenLine xmlns="" xmlns:a14="http://schemas.microsoft.com/office/drawing/2010/main" w="9525">
+              <a14:hiddenLine xmlns:a14="http://schemas.microsoft.com/office/drawing/2010/main" xmlns="" w="9525">
                 <a:solidFill>
                   <a:srgbClr val="000000"/>
                 </a:solidFill>
@@ -1674,7 +1669,7 @@
           </a:ln>
           <a:extLst>
             <a:ext uri="{909E8E84-426E-40dd-AFC4-6F175D3DCCD1}">
-              <a14:hiddenFill xmlns="" xmlns:a14="http://schemas.microsoft.com/office/drawing/2010/main">
+              <a14:hiddenFill xmlns:a14="http://schemas.microsoft.com/office/drawing/2010/main" xmlns="">
                 <a:solidFill>
                   <a:srgbClr val="FFFFFF"/>
                 </a:solidFill>
@@ -1698,14 +1693,14 @@
           <a:ln/>
           <a:extLst>
             <a:ext uri="{909E8E84-426E-40dd-AFC4-6F175D3DCCD1}">
-              <a14:hiddenFill xmlns="" xmlns:a14="http://schemas.microsoft.com/office/drawing/2010/main">
+              <a14:hiddenFill xmlns:a14="http://schemas.microsoft.com/office/drawing/2010/main" xmlns="">
                 <a:solidFill>
                   <a:srgbClr val="FFFFFF"/>
                 </a:solidFill>
               </a14:hiddenFill>
             </a:ext>
             <a:ext uri="{91240B29-F687-4f45-9708-019B960494DF}">
-              <a14:hiddenLine xmlns="" xmlns:a14="http://schemas.microsoft.com/office/drawing/2010/main" w="9525">
+              <a14:hiddenLine xmlns:a14="http://schemas.microsoft.com/office/drawing/2010/main" xmlns="" w="9525">
                 <a:solidFill>
                   <a:srgbClr val="000000"/>
                 </a:solidFill>
@@ -1828,14 +1823,14 @@
           <a:ln/>
           <a:extLst>
             <a:ext uri="{909E8E84-426E-40dd-AFC4-6F175D3DCCD1}">
-              <a14:hiddenFill xmlns="" xmlns:a14="http://schemas.microsoft.com/office/drawing/2010/main">
+              <a14:hiddenFill xmlns:a14="http://schemas.microsoft.com/office/drawing/2010/main" xmlns="">
                 <a:solidFill>
                   <a:srgbClr val="FFFFFF"/>
                 </a:solidFill>
               </a14:hiddenFill>
             </a:ext>
             <a:ext uri="{91240B29-F687-4f45-9708-019B960494DF}">
-              <a14:hiddenLine xmlns="" xmlns:a14="http://schemas.microsoft.com/office/drawing/2010/main" w="9525">
+              <a14:hiddenLine xmlns:a14="http://schemas.microsoft.com/office/drawing/2010/main" xmlns="" w="9525">
                 <a:solidFill>
                   <a:srgbClr val="000000"/>
                 </a:solidFill>
@@ -2022,7 +2017,7 @@
           </a:ln>
           <a:extLst>
             <a:ext uri="{909E8E84-426E-40dd-AFC4-6F175D3DCCD1}">
-              <a14:hiddenFill xmlns="" xmlns:a14="http://schemas.microsoft.com/office/drawing/2010/main">
+              <a14:hiddenFill xmlns:a14="http://schemas.microsoft.com/office/drawing/2010/main" xmlns="">
                 <a:solidFill>
                   <a:srgbClr val="FFFFFF"/>
                 </a:solidFill>
@@ -2046,14 +2041,14 @@
           <a:ln/>
           <a:extLst>
             <a:ext uri="{909E8E84-426E-40dd-AFC4-6F175D3DCCD1}">
-              <a14:hiddenFill xmlns="" xmlns:a14="http://schemas.microsoft.com/office/drawing/2010/main">
+              <a14:hiddenFill xmlns:a14="http://schemas.microsoft.com/office/drawing/2010/main" xmlns="">
                 <a:solidFill>
                   <a:srgbClr val="FFFFFF"/>
                 </a:solidFill>
               </a14:hiddenFill>
             </a:ext>
             <a:ext uri="{91240B29-F687-4f45-9708-019B960494DF}">
-              <a14:hiddenLine xmlns="" xmlns:a14="http://schemas.microsoft.com/office/drawing/2010/main" w="9525">
+              <a14:hiddenLine xmlns:a14="http://schemas.microsoft.com/office/drawing/2010/main" xmlns="" w="9525">
                 <a:solidFill>
                   <a:srgbClr val="000000"/>
                 </a:solidFill>
@@ -2096,14 +2091,14 @@
           <a:ln/>
           <a:extLst>
             <a:ext uri="{909E8E84-426E-40dd-AFC4-6F175D3DCCD1}">
-              <a14:hiddenFill xmlns="" xmlns:a14="http://schemas.microsoft.com/office/drawing/2010/main">
+              <a14:hiddenFill xmlns:a14="http://schemas.microsoft.com/office/drawing/2010/main" xmlns="">
                 <a:solidFill>
                   <a:srgbClr val="FFFFFF"/>
                 </a:solidFill>
               </a14:hiddenFill>
             </a:ext>
             <a:ext uri="{91240B29-F687-4f45-9708-019B960494DF}">
-              <a14:hiddenLine xmlns="" xmlns:a14="http://schemas.microsoft.com/office/drawing/2010/main" w="9525">
+              <a14:hiddenLine xmlns:a14="http://schemas.microsoft.com/office/drawing/2010/main" xmlns="" w="9525">
                 <a:solidFill>
                   <a:srgbClr val="000000"/>
                 </a:solidFill>
@@ -2290,7 +2285,7 @@
           </a:ln>
           <a:extLst>
             <a:ext uri="{909E8E84-426E-40dd-AFC4-6F175D3DCCD1}">
-              <a14:hiddenFill xmlns="" xmlns:a14="http://schemas.microsoft.com/office/drawing/2010/main">
+              <a14:hiddenFill xmlns:a14="http://schemas.microsoft.com/office/drawing/2010/main" xmlns="">
                 <a:solidFill>
                   <a:srgbClr val="FFFFFF"/>
                 </a:solidFill>
@@ -2314,14 +2309,14 @@
           <a:ln/>
           <a:extLst>
             <a:ext uri="{909E8E84-426E-40dd-AFC4-6F175D3DCCD1}">
-              <a14:hiddenFill xmlns="" xmlns:a14="http://schemas.microsoft.com/office/drawing/2010/main">
+              <a14:hiddenFill xmlns:a14="http://schemas.microsoft.com/office/drawing/2010/main" xmlns="">
                 <a:solidFill>
                   <a:srgbClr val="FFFFFF"/>
                 </a:solidFill>
               </a14:hiddenFill>
             </a:ext>
             <a:ext uri="{91240B29-F687-4f45-9708-019B960494DF}">
-              <a14:hiddenLine xmlns="" xmlns:a14="http://schemas.microsoft.com/office/drawing/2010/main" w="9525">
+              <a14:hiddenLine xmlns:a14="http://schemas.microsoft.com/office/drawing/2010/main" xmlns="" w="9525">
                 <a:solidFill>
                   <a:srgbClr val="000000"/>
                 </a:solidFill>
@@ -2427,14 +2422,14 @@
           <a:ln/>
           <a:extLst>
             <a:ext uri="{909E8E84-426E-40dd-AFC4-6F175D3DCCD1}">
-              <a14:hiddenFill xmlns="" xmlns:a14="http://schemas.microsoft.com/office/drawing/2010/main">
+              <a14:hiddenFill xmlns:a14="http://schemas.microsoft.com/office/drawing/2010/main" xmlns="">
                 <a:solidFill>
                   <a:srgbClr val="FFFFFF"/>
                 </a:solidFill>
               </a14:hiddenFill>
             </a:ext>
             <a:ext uri="{91240B29-F687-4f45-9708-019B960494DF}">
-              <a14:hiddenLine xmlns="" xmlns:a14="http://schemas.microsoft.com/office/drawing/2010/main" w="9525">
+              <a14:hiddenLine xmlns:a14="http://schemas.microsoft.com/office/drawing/2010/main" xmlns="" w="9525">
                 <a:solidFill>
                   <a:srgbClr val="000000"/>
                 </a:solidFill>
@@ -2621,7 +2616,7 @@
           </a:ln>
           <a:extLst>
             <a:ext uri="{909E8E84-426E-40dd-AFC4-6F175D3DCCD1}">
-              <a14:hiddenFill xmlns="" xmlns:a14="http://schemas.microsoft.com/office/drawing/2010/main">
+              <a14:hiddenFill xmlns:a14="http://schemas.microsoft.com/office/drawing/2010/main" xmlns="">
                 <a:solidFill>
                   <a:srgbClr val="FFFFFF"/>
                 </a:solidFill>
@@ -2645,14 +2640,14 @@
           <a:ln/>
           <a:extLst>
             <a:ext uri="{909E8E84-426E-40dd-AFC4-6F175D3DCCD1}">
-              <a14:hiddenFill xmlns="" xmlns:a14="http://schemas.microsoft.com/office/drawing/2010/main">
+              <a14:hiddenFill xmlns:a14="http://schemas.microsoft.com/office/drawing/2010/main" xmlns="">
                 <a:solidFill>
                   <a:srgbClr val="FFFFFF"/>
                 </a:solidFill>
               </a14:hiddenFill>
             </a:ext>
             <a:ext uri="{91240B29-F687-4f45-9708-019B960494DF}">
-              <a14:hiddenLine xmlns="" xmlns:a14="http://schemas.microsoft.com/office/drawing/2010/main" w="9525">
+              <a14:hiddenLine xmlns:a14="http://schemas.microsoft.com/office/drawing/2010/main" xmlns="" w="9525">
                 <a:solidFill>
                   <a:srgbClr val="000000"/>
                 </a:solidFill>
@@ -2735,14 +2730,14 @@
           <a:ln/>
           <a:extLst>
             <a:ext uri="{909E8E84-426E-40dd-AFC4-6F175D3DCCD1}">
-              <a14:hiddenFill xmlns="" xmlns:a14="http://schemas.microsoft.com/office/drawing/2010/main">
+              <a14:hiddenFill xmlns:a14="http://schemas.microsoft.com/office/drawing/2010/main" xmlns="">
                 <a:solidFill>
                   <a:srgbClr val="FFFFFF"/>
                 </a:solidFill>
               </a14:hiddenFill>
             </a:ext>
             <a:ext uri="{91240B29-F687-4f45-9708-019B960494DF}">
-              <a14:hiddenLine xmlns="" xmlns:a14="http://schemas.microsoft.com/office/drawing/2010/main" w="9525">
+              <a14:hiddenLine xmlns:a14="http://schemas.microsoft.com/office/drawing/2010/main" xmlns="" w="9525">
                 <a:solidFill>
                   <a:srgbClr val="000000"/>
                 </a:solidFill>
@@ -2929,7 +2924,7 @@
           </a:ln>
           <a:extLst>
             <a:ext uri="{909E8E84-426E-40dd-AFC4-6F175D3DCCD1}">
-              <a14:hiddenFill xmlns="" xmlns:a14="http://schemas.microsoft.com/office/drawing/2010/main">
+              <a14:hiddenFill xmlns:a14="http://schemas.microsoft.com/office/drawing/2010/main" xmlns="">
                 <a:solidFill>
                   <a:srgbClr val="FFFFFF"/>
                 </a:solidFill>
@@ -2953,14 +2948,14 @@
           <a:ln/>
           <a:extLst>
             <a:ext uri="{909E8E84-426E-40dd-AFC4-6F175D3DCCD1}">
-              <a14:hiddenFill xmlns="" xmlns:a14="http://schemas.microsoft.com/office/drawing/2010/main">
+              <a14:hiddenFill xmlns:a14="http://schemas.microsoft.com/office/drawing/2010/main" xmlns="">
                 <a:solidFill>
                   <a:srgbClr val="FFFFFF"/>
                 </a:solidFill>
               </a14:hiddenFill>
             </a:ext>
             <a:ext uri="{91240B29-F687-4f45-9708-019B960494DF}">
-              <a14:hiddenLine xmlns="" xmlns:a14="http://schemas.microsoft.com/office/drawing/2010/main" w="9525">
+              <a14:hiddenLine xmlns:a14="http://schemas.microsoft.com/office/drawing/2010/main" xmlns="" w="9525">
                 <a:solidFill>
                   <a:srgbClr val="000000"/>
                 </a:solidFill>
@@ -2997,14 +2992,14 @@
           <a:ln/>
           <a:extLst>
             <a:ext uri="{909E8E84-426E-40dd-AFC4-6F175D3DCCD1}">
-              <a14:hiddenFill xmlns="" xmlns:a14="http://schemas.microsoft.com/office/drawing/2010/main">
+              <a14:hiddenFill xmlns:a14="http://schemas.microsoft.com/office/drawing/2010/main" xmlns="">
                 <a:solidFill>
                   <a:srgbClr val="FFFFFF"/>
                 </a:solidFill>
               </a14:hiddenFill>
             </a:ext>
             <a:ext uri="{91240B29-F687-4f45-9708-019B960494DF}">
-              <a14:hiddenLine xmlns="" xmlns:a14="http://schemas.microsoft.com/office/drawing/2010/main" w="9525">
+              <a14:hiddenLine xmlns:a14="http://schemas.microsoft.com/office/drawing/2010/main" xmlns="" w="9525">
                 <a:solidFill>
                   <a:srgbClr val="000000"/>
                 </a:solidFill>
@@ -3191,7 +3186,7 @@
           </a:ln>
           <a:extLst>
             <a:ext uri="{909E8E84-426E-40dd-AFC4-6F175D3DCCD1}">
-              <a14:hiddenFill xmlns="" xmlns:a14="http://schemas.microsoft.com/office/drawing/2010/main">
+              <a14:hiddenFill xmlns:a14="http://schemas.microsoft.com/office/drawing/2010/main" xmlns="">
                 <a:solidFill>
                   <a:srgbClr val="FFFFFF"/>
                 </a:solidFill>
@@ -3215,14 +3210,14 @@
           <a:ln/>
           <a:extLst>
             <a:ext uri="{909E8E84-426E-40dd-AFC4-6F175D3DCCD1}">
-              <a14:hiddenFill xmlns="" xmlns:a14="http://schemas.microsoft.com/office/drawing/2010/main">
+              <a14:hiddenFill xmlns:a14="http://schemas.microsoft.com/office/drawing/2010/main" xmlns="">
                 <a:solidFill>
                   <a:srgbClr val="FFFFFF"/>
                 </a:solidFill>
               </a14:hiddenFill>
             </a:ext>
             <a:ext uri="{91240B29-F687-4f45-9708-019B960494DF}">
-              <a14:hiddenLine xmlns="" xmlns:a14="http://schemas.microsoft.com/office/drawing/2010/main" w="9525">
+              <a14:hiddenLine xmlns:a14="http://schemas.microsoft.com/office/drawing/2010/main" xmlns="" w="9525">
                 <a:solidFill>
                   <a:srgbClr val="000000"/>
                 </a:solidFill>
@@ -3275,14 +3270,14 @@
           <a:ln/>
           <a:extLst>
             <a:ext uri="{909E8E84-426E-40dd-AFC4-6F175D3DCCD1}">
-              <a14:hiddenFill xmlns="" xmlns:a14="http://schemas.microsoft.com/office/drawing/2010/main">
+              <a14:hiddenFill xmlns:a14="http://schemas.microsoft.com/office/drawing/2010/main" xmlns="">
                 <a:solidFill>
                   <a:srgbClr val="FFFFFF"/>
                 </a:solidFill>
               </a14:hiddenFill>
             </a:ext>
             <a:ext uri="{91240B29-F687-4f45-9708-019B960494DF}">
-              <a14:hiddenLine xmlns="" xmlns:a14="http://schemas.microsoft.com/office/drawing/2010/main" w="9525">
+              <a14:hiddenLine xmlns:a14="http://schemas.microsoft.com/office/drawing/2010/main" xmlns="" w="9525">
                 <a:solidFill>
                   <a:srgbClr val="000000"/>
                 </a:solidFill>
@@ -3469,7 +3464,7 @@
           </a:ln>
           <a:extLst>
             <a:ext uri="{909E8E84-426E-40dd-AFC4-6F175D3DCCD1}">
-              <a14:hiddenFill xmlns="" xmlns:a14="http://schemas.microsoft.com/office/drawing/2010/main">
+              <a14:hiddenFill xmlns:a14="http://schemas.microsoft.com/office/drawing/2010/main" xmlns="">
                 <a:solidFill>
                   <a:srgbClr val="FFFFFF"/>
                 </a:solidFill>
@@ -3493,14 +3488,14 @@
           <a:ln/>
           <a:extLst>
             <a:ext uri="{909E8E84-426E-40dd-AFC4-6F175D3DCCD1}">
-              <a14:hiddenFill xmlns="" xmlns:a14="http://schemas.microsoft.com/office/drawing/2010/main">
+              <a14:hiddenFill xmlns:a14="http://schemas.microsoft.com/office/drawing/2010/main" xmlns="">
                 <a:solidFill>
                   <a:srgbClr val="FFFFFF"/>
                 </a:solidFill>
               </a14:hiddenFill>
             </a:ext>
             <a:ext uri="{91240B29-F687-4f45-9708-019B960494DF}">
-              <a14:hiddenLine xmlns="" xmlns:a14="http://schemas.microsoft.com/office/drawing/2010/main" w="9525">
+              <a14:hiddenLine xmlns:a14="http://schemas.microsoft.com/office/drawing/2010/main" xmlns="" w="9525">
                 <a:solidFill>
                   <a:srgbClr val="000000"/>
                 </a:solidFill>
@@ -3534,14 +3529,14 @@
           <a:ln/>
           <a:extLst>
             <a:ext uri="{909E8E84-426E-40dd-AFC4-6F175D3DCCD1}">
-              <a14:hiddenFill xmlns="" xmlns:a14="http://schemas.microsoft.com/office/drawing/2010/main">
+              <a14:hiddenFill xmlns:a14="http://schemas.microsoft.com/office/drawing/2010/main" xmlns="">
                 <a:solidFill>
                   <a:srgbClr val="FFFFFF"/>
                 </a:solidFill>
               </a14:hiddenFill>
             </a:ext>
             <a:ext uri="{91240B29-F687-4f45-9708-019B960494DF}">
-              <a14:hiddenLine xmlns="" xmlns:a14="http://schemas.microsoft.com/office/drawing/2010/main" w="9525">
+              <a14:hiddenLine xmlns:a14="http://schemas.microsoft.com/office/drawing/2010/main" xmlns="" w="9525">
                 <a:solidFill>
                   <a:srgbClr val="000000"/>
                 </a:solidFill>
@@ -3958,7 +3953,7 @@
           </a:ln>
           <a:extLst>
             <a:ext uri="{909E8E84-426E-40dd-AFC4-6F175D3DCCD1}">
-              <a14:hiddenFill xmlns="" xmlns:a14="http://schemas.microsoft.com/office/drawing/2010/main">
+              <a14:hiddenFill xmlns:a14="http://schemas.microsoft.com/office/drawing/2010/main" xmlns="">
                 <a:solidFill>
                   <a:srgbClr val="FFFFFF"/>
                 </a:solidFill>
@@ -3982,14 +3977,14 @@
           <a:ln/>
           <a:extLst>
             <a:ext uri="{909E8E84-426E-40dd-AFC4-6F175D3DCCD1}">
-              <a14:hiddenFill xmlns="" xmlns:a14="http://schemas.microsoft.com/office/drawing/2010/main">
+              <a14:hiddenFill xmlns:a14="http://schemas.microsoft.com/office/drawing/2010/main" xmlns="">
                 <a:solidFill>
                   <a:srgbClr val="FFFFFF"/>
                 </a:solidFill>
               </a14:hiddenFill>
             </a:ext>
             <a:ext uri="{91240B29-F687-4f45-9708-019B960494DF}">
-              <a14:hiddenLine xmlns="" xmlns:a14="http://schemas.microsoft.com/office/drawing/2010/main" w="9525">
+              <a14:hiddenLine xmlns:a14="http://schemas.microsoft.com/office/drawing/2010/main" xmlns="" w="9525">
                 <a:solidFill>
                   <a:srgbClr val="000000"/>
                 </a:solidFill>
@@ -4065,14 +4060,14 @@
           <a:ln/>
           <a:extLst>
             <a:ext uri="{909E8E84-426E-40dd-AFC4-6F175D3DCCD1}">
-              <a14:hiddenFill xmlns="" xmlns:a14="http://schemas.microsoft.com/office/drawing/2010/main">
+              <a14:hiddenFill xmlns:a14="http://schemas.microsoft.com/office/drawing/2010/main" xmlns="">
                 <a:solidFill>
                   <a:srgbClr val="FFFFFF"/>
                 </a:solidFill>
               </a14:hiddenFill>
             </a:ext>
             <a:ext uri="{91240B29-F687-4f45-9708-019B960494DF}">
-              <a14:hiddenLine xmlns="" xmlns:a14="http://schemas.microsoft.com/office/drawing/2010/main" w="9525">
+              <a14:hiddenLine xmlns:a14="http://schemas.microsoft.com/office/drawing/2010/main" xmlns="" w="9525">
                 <a:solidFill>
                   <a:srgbClr val="000000"/>
                 </a:solidFill>
@@ -4259,7 +4254,7 @@
           </a:ln>
           <a:extLst>
             <a:ext uri="{909E8E84-426E-40dd-AFC4-6F175D3DCCD1}">
-              <a14:hiddenFill xmlns="" xmlns:a14="http://schemas.microsoft.com/office/drawing/2010/main">
+              <a14:hiddenFill xmlns:a14="http://schemas.microsoft.com/office/drawing/2010/main" xmlns="">
                 <a:solidFill>
                   <a:srgbClr val="FFFFFF"/>
                 </a:solidFill>
@@ -4283,14 +4278,14 @@
           <a:ln/>
           <a:extLst>
             <a:ext uri="{909E8E84-426E-40dd-AFC4-6F175D3DCCD1}">
-              <a14:hiddenFill xmlns="" xmlns:a14="http://schemas.microsoft.com/office/drawing/2010/main">
+              <a14:hiddenFill xmlns:a14="http://schemas.microsoft.com/office/drawing/2010/main" xmlns="">
                 <a:solidFill>
                   <a:srgbClr val="FFFFFF"/>
                 </a:solidFill>
               </a14:hiddenFill>
             </a:ext>
             <a:ext uri="{91240B29-F687-4f45-9708-019B960494DF}">
-              <a14:hiddenLine xmlns="" xmlns:a14="http://schemas.microsoft.com/office/drawing/2010/main" w="9525">
+              <a14:hiddenLine xmlns:a14="http://schemas.microsoft.com/office/drawing/2010/main" xmlns="" w="9525">
                 <a:solidFill>
                   <a:srgbClr val="000000"/>
                 </a:solidFill>
@@ -4321,11 +4316,7 @@
           <a:p>
             <a:r>
               <a:rPr lang="en-US" dirty="0" smtClean="0"/>
-              <a:t>An </a:t>
-            </a:r>
-            <a:r>
-              <a:rPr lang="en-US" dirty="0" smtClean="0"/>
-              <a:t>event source is an object that can notify other classes of events.</a:t>
+              <a:t>An event source is an object that can notify other classes of events.</a:t>
             </a:r>
           </a:p>
           <a:p>
@@ -4419,14 +4410,14 @@
           <a:ln/>
           <a:extLst>
             <a:ext uri="{909E8E84-426E-40dd-AFC4-6F175D3DCCD1}">
-              <a14:hiddenFill xmlns="" xmlns:a14="http://schemas.microsoft.com/office/drawing/2010/main">
+              <a14:hiddenFill xmlns:a14="http://schemas.microsoft.com/office/drawing/2010/main" xmlns="">
                 <a:solidFill>
                   <a:srgbClr val="FFFFFF"/>
                 </a:solidFill>
               </a14:hiddenFill>
             </a:ext>
             <a:ext uri="{91240B29-F687-4f45-9708-019B960494DF}">
-              <a14:hiddenLine xmlns="" xmlns:a14="http://schemas.microsoft.com/office/drawing/2010/main" w="9525">
+              <a14:hiddenLine xmlns:a14="http://schemas.microsoft.com/office/drawing/2010/main" xmlns="" w="9525">
                 <a:solidFill>
                   <a:srgbClr val="000000"/>
                 </a:solidFill>
@@ -4861,15 +4852,7 @@
           <a:p>
             <a:r>
               <a:rPr lang="en-US" baseline="0" dirty="0" smtClean="0"/>
-              <a:t>Might want to demo how to have the button update the frame’s title (by passing in the </a:t>
-            </a:r>
-            <a:r>
-              <a:rPr lang="en-US" baseline="0" dirty="0" smtClean="0"/>
-              <a:t>frame </a:t>
-            </a:r>
-            <a:r>
-              <a:rPr lang="en-US" baseline="0" dirty="0" smtClean="0"/>
-              <a:t>to the listener’s constructor and calling back).</a:t>
+              <a:t>Might want to demo how to have the button update the frame’s title (by passing in the frame to the listener’s constructor and calling back).</a:t>
             </a:r>
             <a:endParaRPr lang="en-US" dirty="0"/>
           </a:p>
@@ -5212,7 +5195,7 @@
               <a:pPr>
                 <a:defRPr/>
               </a:pPr>
-              <a:t>Thursday, April 5, 2018</a:t>
+              <a:t>Wednesday, January 15, 2020</a:t>
             </a:fld>
             <a:endParaRPr lang="en-US" dirty="0"/>
           </a:p>
@@ -5397,7 +5380,7 @@
               <a:pPr>
                 <a:defRPr/>
               </a:pPr>
-              <a:t>Thursday, April 5, 2018</a:t>
+              <a:t>Wednesday, January 15, 2020</a:t>
             </a:fld>
             <a:endParaRPr lang="en-US" dirty="0"/>
           </a:p>
@@ -5592,7 +5575,7 @@
               <a:pPr>
                 <a:defRPr/>
               </a:pPr>
-              <a:t>Thursday, April 5, 2018</a:t>
+              <a:t>Wednesday, January 15, 2020</a:t>
             </a:fld>
             <a:endParaRPr lang="en-US" dirty="0"/>
           </a:p>
@@ -5777,7 +5760,7 @@
               <a:pPr>
                 <a:defRPr/>
               </a:pPr>
-              <a:t>Thursday, April 5, 2018</a:t>
+              <a:t>Wednesday, January 15, 2020</a:t>
             </a:fld>
             <a:endParaRPr lang="en-US" dirty="0"/>
           </a:p>
@@ -6038,7 +6021,7 @@
               <a:pPr>
                 <a:defRPr/>
               </a:pPr>
-              <a:t>Thursday, April 5, 2018</a:t>
+              <a:t>Wednesday, January 15, 2020</a:t>
             </a:fld>
             <a:endParaRPr lang="en-US"/>
           </a:p>
@@ -6341,7 +6324,7 @@
               <a:pPr>
                 <a:defRPr/>
               </a:pPr>
-              <a:t>Thursday, April 5, 2018</a:t>
+              <a:t>Wednesday, January 15, 2020</a:t>
             </a:fld>
             <a:endParaRPr lang="en-US"/>
           </a:p>
@@ -6778,7 +6761,7 @@
               <a:pPr>
                 <a:defRPr/>
               </a:pPr>
-              <a:t>Thursday, April 5, 2018</a:t>
+              <a:t>Wednesday, January 15, 2020</a:t>
             </a:fld>
             <a:endParaRPr lang="en-US"/>
           </a:p>
@@ -6911,7 +6894,7 @@
               <a:pPr>
                 <a:defRPr/>
               </a:pPr>
-              <a:t>Thursday, April 5, 2018</a:t>
+              <a:t>Wednesday, January 15, 2020</a:t>
             </a:fld>
             <a:endParaRPr lang="en-US"/>
           </a:p>
@@ -7021,7 +7004,7 @@
               <a:pPr>
                 <a:defRPr/>
               </a:pPr>
-              <a:t>Thursday, April 5, 2018</a:t>
+              <a:t>Wednesday, January 15, 2020</a:t>
             </a:fld>
             <a:endParaRPr lang="en-US" dirty="0"/>
           </a:p>
@@ -7313,7 +7296,7 @@
               <a:pPr>
                 <a:defRPr/>
               </a:pPr>
-              <a:t>Thursday, April 5, 2018</a:t>
+              <a:t>Wednesday, January 15, 2020</a:t>
             </a:fld>
             <a:endParaRPr lang="en-US"/>
           </a:p>
@@ -7581,7 +7564,7 @@
               <a:pPr>
                 <a:defRPr/>
               </a:pPr>
-              <a:t>Thursday, April 5, 2018</a:t>
+              <a:t>Wednesday, January 15, 2020</a:t>
             </a:fld>
             <a:endParaRPr lang="en-US"/>
           </a:p>
@@ -7809,7 +7792,7 @@
               <a:pPr>
                 <a:defRPr/>
               </a:pPr>
-              <a:t>Thursday, April 5, 2018</a:t>
+              <a:t>Wednesday, January 15, 2020</a:t>
             </a:fld>
             <a:endParaRPr lang="en-US" dirty="0"/>
           </a:p>
@@ -8291,20 +8274,25 @@
             </a:pPr>
             <a:r>
               <a:rPr lang="en-US" sz="2400" dirty="0"/>
-              <a:t>Check </a:t>
-            </a:r>
-            <a:r>
-              <a:rPr lang="en-US" sz="2400"/>
-              <a:t>out </a:t>
-            </a:r>
-            <a:r>
-              <a:rPr lang="en-US" sz="2400" i="1" smtClean="0"/>
-              <a:t>EventBasedProgramming </a:t>
+              <a:t>Check out </a:t>
+            </a:r>
+            <a:r>
+              <a:rPr lang="en-US" sz="2400" i="1" dirty="0" err="1" smtClean="0"/>
+              <a:t>EventBasedProgramming</a:t>
+            </a:r>
+            <a:r>
+              <a:rPr lang="en-US" sz="2400" i="1" dirty="0" smtClean="0"/>
+              <a:t> </a:t>
             </a:r>
             <a:r>
               <a:rPr lang="en-US" sz="2400" dirty="0"/>
-              <a:t>from SVN</a:t>
-            </a:r>
+              <a:t>from </a:t>
+            </a:r>
+            <a:r>
+              <a:rPr lang="en-US" sz="2400" dirty="0" err="1" smtClean="0"/>
+              <a:t>Git</a:t>
+            </a:r>
+            <a:endParaRPr lang="en-US" sz="2400" dirty="0"/>
           </a:p>
         </p:txBody>
       </p:sp>
@@ -13439,14 +13427,14 @@
           </a:ln>
           <a:extLst>
             <a:ext uri="{909E8E84-426E-40dd-AFC4-6F175D3DCCD1}">
-              <a14:hiddenFill xmlns="" xmlns:a14="http://schemas.microsoft.com/office/drawing/2010/main">
+              <a14:hiddenFill xmlns:a14="http://schemas.microsoft.com/office/drawing/2010/main" xmlns="">
                 <a:solidFill>
                   <a:srgbClr val="FFFFFF"/>
                 </a:solidFill>
               </a14:hiddenFill>
             </a:ext>
             <a:ext uri="{91240B29-F687-4f45-9708-019B960494DF}">
-              <a14:hiddenLine xmlns="" xmlns:a14="http://schemas.microsoft.com/office/drawing/2010/main" w="9525">
+              <a14:hiddenLine xmlns:a14="http://schemas.microsoft.com/office/drawing/2010/main" xmlns="" w="9525">
                 <a:solidFill>
                   <a:srgbClr val="000000"/>
                 </a:solidFill>
@@ -14350,8 +14338,25 @@
             <a:pPr lvl="1"/>
             <a:r>
               <a:rPr lang="en-US" dirty="0" smtClean="0"/>
-              <a:t>Measurable objects (return a measure)</a:t>
-            </a:r>
+              <a:t>Weighable </a:t>
+            </a:r>
+            <a:r>
+              <a:rPr lang="en-US" dirty="0" smtClean="0"/>
+              <a:t>objects (return </a:t>
+            </a:r>
+            <a:r>
+              <a:rPr lang="en-US" dirty="0" smtClean="0"/>
+              <a:t>weight in </a:t>
+            </a:r>
+            <a:r>
+              <a:rPr lang="en-US" dirty="0" err="1" smtClean="0"/>
+              <a:t>lbs</a:t>
+            </a:r>
+            <a:r>
+              <a:rPr lang="en-US" dirty="0" smtClean="0"/>
+              <a:t>)</a:t>
+            </a:r>
+            <a:endParaRPr lang="en-US" dirty="0" smtClean="0"/>
           </a:p>
           <a:p>
             <a:pPr lvl="1"/>
@@ -16059,9 +16064,16 @@
             <p:ph idx="1"/>
           </p:nvPr>
         </p:nvSpPr>
-        <p:spPr/>
-        <p:txBody>
-          <a:bodyPr/>
+        <p:spPr>
+          <a:xfrm>
+            <a:off x="228600" y="1600200"/>
+            <a:ext cx="8686800" cy="4525963"/>
+          </a:xfrm>
+        </p:spPr>
+        <p:txBody>
+          <a:bodyPr>
+            <a:normAutofit fontScale="92500"/>
+          </a:bodyPr>
           <a:lstStyle/>
           <a:p>
             <a:r>
@@ -16146,8 +16158,16 @@
               <a:t>The </a:t>
             </a:r>
             <a:r>
-              <a:rPr lang="en-US" i="1" dirty="0"/>
-              <a:t>declared type </a:t>
+              <a:rPr lang="en-US" sz="4400" i="1" u="sng" dirty="0"/>
+              <a:t>declared</a:t>
+            </a:r>
+            <a:r>
+              <a:rPr lang="en-US" sz="4800" i="1" u="sng" dirty="0"/>
+              <a:t> type</a:t>
+            </a:r>
+            <a:r>
+              <a:rPr lang="en-US" sz="4800" i="1" dirty="0"/>
+              <a:t> </a:t>
             </a:r>
             <a:r>
               <a:rPr lang="en-US" dirty="0"/>
@@ -16168,8 +16188,12 @@
               <a:t>The </a:t>
             </a:r>
             <a:r>
-              <a:rPr lang="en-US" i="1" dirty="0"/>
-              <a:t>instantiation type </a:t>
+              <a:rPr lang="en-US" sz="4400" i="1" u="sng" dirty="0"/>
+              <a:t>instantiation type</a:t>
+            </a:r>
+            <a:r>
+              <a:rPr lang="en-US" sz="4400" i="1" dirty="0"/>
+              <a:t> </a:t>
             </a:r>
             <a:r>
               <a:rPr lang="en-US" dirty="0"/>
@@ -16207,6 +16231,116 @@
             <a:pPr marL="0" indent="0">
               <a:buNone/>
             </a:pPr>
+            <a:endParaRPr lang="en-US" dirty="0"/>
+          </a:p>
+        </p:txBody>
+      </p:sp>
+      <p:sp>
+        <p:nvSpPr>
+          <p:cNvPr id="5" name="Line Callout 3 (Accent Bar) 4"/>
+          <p:cNvSpPr/>
+          <p:nvPr/>
+        </p:nvSpPr>
+        <p:spPr>
+          <a:xfrm>
+            <a:off x="401444" y="1302544"/>
+            <a:ext cx="1905000" cy="412750"/>
+          </a:xfrm>
+          <a:prstGeom prst="accentCallout3">
+            <a:avLst>
+              <a:gd name="adj1" fmla="val 10645"/>
+              <a:gd name="adj2" fmla="val -723"/>
+              <a:gd name="adj3" fmla="val 18750"/>
+              <a:gd name="adj4" fmla="val -16667"/>
+              <a:gd name="adj5" fmla="val 378856"/>
+              <a:gd name="adj6" fmla="val -1905"/>
+              <a:gd name="adj7" fmla="val 380038"/>
+              <a:gd name="adj8" fmla="val 46652"/>
+            </a:avLst>
+          </a:prstGeom>
+        </p:spPr>
+        <p:style>
+          <a:lnRef idx="2">
+            <a:schemeClr val="accent1">
+              <a:shade val="50000"/>
+            </a:schemeClr>
+          </a:lnRef>
+          <a:fillRef idx="1">
+            <a:schemeClr val="accent1"/>
+          </a:fillRef>
+          <a:effectRef idx="0">
+            <a:schemeClr val="accent1"/>
+          </a:effectRef>
+          <a:fontRef idx="minor">
+            <a:schemeClr val="lt1"/>
+          </a:fontRef>
+        </p:style>
+        <p:txBody>
+          <a:bodyPr anchor="ctr"/>
+          <a:lstStyle/>
+          <a:p>
+            <a:pPr algn="ctr">
+              <a:defRPr/>
+            </a:pPr>
+            <a:r>
+              <a:rPr lang="en-US" dirty="0" smtClean="0"/>
+              <a:t>Declared type</a:t>
+            </a:r>
+            <a:endParaRPr lang="en-US" dirty="0"/>
+          </a:p>
+        </p:txBody>
+      </p:sp>
+      <p:sp>
+        <p:nvSpPr>
+          <p:cNvPr id="6" name="Line Callout 3 (Accent Bar) 5"/>
+          <p:cNvSpPr/>
+          <p:nvPr/>
+        </p:nvSpPr>
+        <p:spPr>
+          <a:xfrm>
+            <a:off x="7086600" y="2133600"/>
+            <a:ext cx="1905000" cy="412750"/>
+          </a:xfrm>
+          <a:prstGeom prst="accentCallout3">
+            <a:avLst>
+              <a:gd name="adj1" fmla="val 70083"/>
+              <a:gd name="adj2" fmla="val 98789"/>
+              <a:gd name="adj3" fmla="val 197062"/>
+              <a:gd name="adj4" fmla="val 93967"/>
+              <a:gd name="adj5" fmla="val 227561"/>
+              <a:gd name="adj6" fmla="val 63071"/>
+              <a:gd name="adj7" fmla="val 185516"/>
+              <a:gd name="adj8" fmla="val 1578"/>
+            </a:avLst>
+          </a:prstGeom>
+        </p:spPr>
+        <p:style>
+          <a:lnRef idx="2">
+            <a:schemeClr val="accent1">
+              <a:shade val="50000"/>
+            </a:schemeClr>
+          </a:lnRef>
+          <a:fillRef idx="1">
+            <a:schemeClr val="accent1"/>
+          </a:fillRef>
+          <a:effectRef idx="0">
+            <a:schemeClr val="accent1"/>
+          </a:effectRef>
+          <a:fontRef idx="minor">
+            <a:schemeClr val="lt1"/>
+          </a:fontRef>
+        </p:style>
+        <p:txBody>
+          <a:bodyPr anchor="ctr"/>
+          <a:lstStyle/>
+          <a:p>
+            <a:pPr algn="ctr">
+              <a:defRPr/>
+            </a:pPr>
+            <a:r>
+              <a:rPr lang="en-US" dirty="0" smtClean="0"/>
+              <a:t>Instantiated type</a:t>
+            </a:r>
             <a:endParaRPr lang="en-US" dirty="0"/>
           </a:p>
         </p:txBody>
@@ -16559,14 +16693,14 @@
           </a:ln>
           <a:extLst>
             <a:ext uri="{909E8E84-426E-40dd-AFC4-6F175D3DCCD1}">
-              <a14:hiddenFill xmlns="" xmlns:a14="http://schemas.microsoft.com/office/drawing/2010/main">
+              <a14:hiddenFill xmlns:a14="http://schemas.microsoft.com/office/drawing/2010/main" xmlns="">
                 <a:solidFill>
                   <a:srgbClr val="FFFFFF"/>
                 </a:solidFill>
               </a14:hiddenFill>
             </a:ext>
             <a:ext uri="{91240B29-F687-4f45-9708-019B960494DF}">
-              <a14:hiddenLine xmlns="" xmlns:a14="http://schemas.microsoft.com/office/drawing/2010/main" w="9525">
+              <a14:hiddenLine xmlns:a14="http://schemas.microsoft.com/office/drawing/2010/main" xmlns="" w="9525">
                 <a:solidFill>
                   <a:srgbClr val="000000"/>
                 </a:solidFill>
@@ -16758,25 +16892,25 @@
           <a:p>
             <a:pPr lvl="2"/>
             <a:r>
-              <a:rPr lang="en-US" dirty="0" smtClean="0"/>
+              <a:rPr lang="en-US" b="1" dirty="0" smtClean="0"/>
               <a:t>Each list the other’s name in </a:t>
             </a:r>
             <a:r>
-              <a:rPr lang="en-US" dirty="0" err="1" smtClean="0"/>
+              <a:rPr lang="en-US" b="1" dirty="0" err="1" smtClean="0"/>
               <a:t>javadoc</a:t>
             </a:r>
             <a:r>
-              <a:rPr lang="en-US" dirty="0" smtClean="0"/>
+              <a:rPr lang="en-US" b="1" dirty="0" smtClean="0"/>
               <a:t> at top of file</a:t>
             </a:r>
           </a:p>
           <a:p>
             <a:pPr lvl="2"/>
             <a:r>
-              <a:rPr lang="en-US" dirty="0" smtClean="0"/>
+              <a:rPr lang="en-US" b="1" dirty="0" smtClean="0"/>
               <a:t>Both responsible for submitting own code</a:t>
             </a:r>
-            <a:endParaRPr lang="en-US" dirty="0"/>
+            <a:endParaRPr lang="en-US" b="1" dirty="0"/>
           </a:p>
         </p:txBody>
       </p:sp>

--- a/ClassMaterials/EventBasedProgramming/Slides/EventBasedProgramming.pptx
+++ b/ClassMaterials/EventBasedProgramming/Slides/EventBasedProgramming.pptx
@@ -299,7 +299,7 @@
               <a:pPr>
                 <a:defRPr/>
               </a:pPr>
-              <a:t>1/15/2020</a:t>
+              <a:t>2/24/22</a:t>
             </a:fld>
             <a:endParaRPr lang="en-US"/>
           </a:p>
@@ -534,7 +534,7 @@
               <a:pPr>
                 <a:defRPr/>
               </a:pPr>
-              <a:t>1/15/2020</a:t>
+              <a:t>2/24/22</a:t>
             </a:fld>
             <a:endParaRPr lang="en-US"/>
           </a:p>
@@ -610,39 +610,37 @@
           <a:p>
             <a:pPr lvl="0"/>
             <a:r>
-              <a:rPr lang="en-US" noProof="0" smtClean="0"/>
+              <a:rPr lang="en-US" noProof="0"/>
               <a:t>Click to edit Master text styles</a:t>
             </a:r>
-            <a:endParaRPr lang="en-US" noProof="0"/>
           </a:p>
           <a:p>
             <a:pPr lvl="1"/>
             <a:r>
-              <a:rPr lang="en-US" noProof="0" smtClean="0"/>
+              <a:rPr lang="en-US" noProof="0"/>
               <a:t>Second level</a:t>
             </a:r>
           </a:p>
           <a:p>
             <a:pPr lvl="2"/>
             <a:r>
-              <a:rPr lang="en-US" noProof="0" smtClean="0"/>
+              <a:rPr lang="en-US" noProof="0"/>
               <a:t>Third level</a:t>
             </a:r>
           </a:p>
           <a:p>
             <a:pPr lvl="3"/>
             <a:r>
-              <a:rPr lang="en-US" noProof="0" smtClean="0"/>
+              <a:rPr lang="en-US" noProof="0"/>
               <a:t>Fourth level</a:t>
             </a:r>
           </a:p>
           <a:p>
             <a:pPr lvl="4"/>
             <a:r>
-              <a:rPr lang="en-US" noProof="0" smtClean="0"/>
+              <a:rPr lang="en-US" noProof="0"/>
               <a:t>Fifth level</a:t>
             </a:r>
-            <a:endParaRPr lang="en-US" noProof="0"/>
           </a:p>
         </p:txBody>
       </p:sp>
@@ -919,7 +917,7 @@
           </a:ln>
           <a:extLst>
             <a:ext uri="{909E8E84-426E-40dd-AFC4-6F175D3DCCD1}">
-              <a14:hiddenFill xmlns:a14="http://schemas.microsoft.com/office/drawing/2010/main" xmlns="">
+              <a14:hiddenFill xmlns="" xmlns:a14="http://schemas.microsoft.com/office/drawing/2010/main">
                 <a:solidFill>
                   <a:srgbClr val="FFFFFF"/>
                 </a:solidFill>
@@ -943,14 +941,14 @@
           <a:ln/>
           <a:extLst>
             <a:ext uri="{909E8E84-426E-40dd-AFC4-6F175D3DCCD1}">
-              <a14:hiddenFill xmlns:a14="http://schemas.microsoft.com/office/drawing/2010/main" xmlns="">
+              <a14:hiddenFill xmlns="" xmlns:a14="http://schemas.microsoft.com/office/drawing/2010/main">
                 <a:solidFill>
                   <a:srgbClr val="FFFFFF"/>
                 </a:solidFill>
               </a14:hiddenFill>
             </a:ext>
             <a:ext uri="{91240B29-F687-4f45-9708-019B960494DF}">
-              <a14:hiddenLine xmlns:a14="http://schemas.microsoft.com/office/drawing/2010/main" xmlns="" w="9525">
+              <a14:hiddenLine xmlns="" xmlns:a14="http://schemas.microsoft.com/office/drawing/2010/main" w="9525">
                 <a:solidFill>
                   <a:srgbClr val="000000"/>
                 </a:solidFill>
@@ -971,27 +969,27 @@
               </a:spcBef>
             </a:pPr>
             <a:r>
-              <a:rPr lang="en-US" dirty="0" smtClean="0"/>
+              <a:rPr lang="en-US" dirty="0"/>
               <a:t>Bring hardcopy of </a:t>
             </a:r>
             <a:r>
-              <a:rPr lang="en-US" dirty="0" err="1" smtClean="0"/>
+              <a:rPr lang="en-US" dirty="0" err="1"/>
               <a:t>BreakfastMain</a:t>
             </a:r>
             <a:r>
-              <a:rPr lang="en-US" baseline="0" dirty="0" smtClean="0"/>
+              <a:rPr lang="en-US" baseline="0" dirty="0"/>
               <a:t> </a:t>
             </a:r>
             <a:r>
-              <a:rPr lang="en-US" dirty="0" smtClean="0"/>
+              <a:rPr lang="en-US" dirty="0"/>
               <a:t>from </a:t>
             </a:r>
             <a:r>
-              <a:rPr lang="en-US" dirty="0" err="1" smtClean="0"/>
+              <a:rPr lang="en-US" dirty="0" err="1"/>
               <a:t>EventBasedProgrammingSolution</a:t>
             </a:r>
             <a:r>
-              <a:rPr lang="en-US" dirty="0" smtClean="0"/>
+              <a:rPr lang="en-US" dirty="0"/>
               <a:t>.</a:t>
             </a:r>
           </a:p>
@@ -1001,7 +999,7 @@
                 <a:spcPct val="0"/>
               </a:spcBef>
             </a:pPr>
-            <a:endParaRPr lang="en-US" dirty="0" smtClean="0"/>
+            <a:endParaRPr lang="en-US" dirty="0"/>
           </a:p>
           <a:p>
             <a:pPr eaLnBrk="1" hangingPunct="1">
@@ -1010,7 +1008,7 @@
               </a:spcBef>
             </a:pPr>
             <a:r>
-              <a:rPr lang="en-US" dirty="0" smtClean="0"/>
+              <a:rPr lang="en-US" dirty="0"/>
               <a:t>Stay focused.  No time for tangents.  Give them time to work at the end.</a:t>
             </a:r>
           </a:p>
@@ -1031,14 +1029,14 @@
           <a:ln/>
           <a:extLst>
             <a:ext uri="{909E8E84-426E-40dd-AFC4-6F175D3DCCD1}">
-              <a14:hiddenFill xmlns:a14="http://schemas.microsoft.com/office/drawing/2010/main" xmlns="">
+              <a14:hiddenFill xmlns="" xmlns:a14="http://schemas.microsoft.com/office/drawing/2010/main">
                 <a:solidFill>
                   <a:srgbClr val="FFFFFF"/>
                 </a:solidFill>
               </a14:hiddenFill>
             </a:ext>
             <a:ext uri="{91240B29-F687-4f45-9708-019B960494DF}">
-              <a14:hiddenLine xmlns:a14="http://schemas.microsoft.com/office/drawing/2010/main" xmlns="" w="9525">
+              <a14:hiddenLine xmlns="" xmlns:a14="http://schemas.microsoft.com/office/drawing/2010/main" w="9525">
                 <a:solidFill>
                   <a:srgbClr val="000000"/>
                 </a:solidFill>
@@ -1167,7 +1165,7 @@
               <a:pPr eaLnBrk="1" hangingPunct="1"/>
               <a:t>1</a:t>
             </a:fld>
-            <a:endParaRPr lang="en-US" smtClean="0">
+            <a:endParaRPr lang="en-US">
               <a:latin typeface="Calibri" pitchFamily="34" charset="0"/>
             </a:endParaRPr>
           </a:p>
@@ -1225,7 +1223,7 @@
           </a:ln>
           <a:extLst>
             <a:ext uri="{909E8E84-426E-40dd-AFC4-6F175D3DCCD1}">
-              <a14:hiddenFill xmlns:a14="http://schemas.microsoft.com/office/drawing/2010/main" xmlns="">
+              <a14:hiddenFill xmlns="" xmlns:a14="http://schemas.microsoft.com/office/drawing/2010/main">
                 <a:solidFill>
                   <a:srgbClr val="FFFFFF"/>
                 </a:solidFill>
@@ -1249,14 +1247,14 @@
           <a:ln/>
           <a:extLst>
             <a:ext uri="{909E8E84-426E-40dd-AFC4-6F175D3DCCD1}">
-              <a14:hiddenFill xmlns:a14="http://schemas.microsoft.com/office/drawing/2010/main" xmlns="">
+              <a14:hiddenFill xmlns="" xmlns:a14="http://schemas.microsoft.com/office/drawing/2010/main">
                 <a:solidFill>
                   <a:srgbClr val="FFFFFF"/>
                 </a:solidFill>
               </a14:hiddenFill>
             </a:ext>
             <a:ext uri="{91240B29-F687-4f45-9708-019B960494DF}">
-              <a14:hiddenLine xmlns:a14="http://schemas.microsoft.com/office/drawing/2010/main" xmlns="" w="9525">
+              <a14:hiddenLine xmlns="" xmlns:a14="http://schemas.microsoft.com/office/drawing/2010/main" w="9525">
                 <a:solidFill>
                   <a:srgbClr val="000000"/>
                 </a:solidFill>
@@ -1272,101 +1270,101 @@
           <a:lstStyle/>
           <a:p>
             <a:r>
-              <a:rPr lang="en-US" b="1" dirty="0" smtClean="0"/>
+              <a:rPr lang="en-US" b="1" dirty="0"/>
               <a:t>DRAW N,S,E,W,CENTER on board or use next slide</a:t>
             </a:r>
           </a:p>
           <a:p>
             <a:r>
-              <a:rPr lang="en-US" b="1" dirty="0" smtClean="0"/>
+              <a:rPr lang="en-US" b="1" dirty="0"/>
               <a:t>Q</a:t>
             </a:r>
             <a:r>
-              <a:rPr lang="en-US" baseline="0" dirty="0" smtClean="0"/>
+              <a:rPr lang="en-US" baseline="0" dirty="0"/>
               <a:t> How many components can be added to a JFrame?</a:t>
             </a:r>
           </a:p>
           <a:p>
             <a:r>
-              <a:rPr lang="en-US" dirty="0" smtClean="0"/>
+              <a:rPr lang="en-US" dirty="0"/>
               <a:t>  	</a:t>
             </a:r>
             <a:r>
-              <a:rPr lang="en-US" dirty="0" err="1" smtClean="0"/>
+              <a:rPr lang="en-US" dirty="0" err="1"/>
               <a:t>BorderLayout.NORTH</a:t>
             </a:r>
             <a:r>
-              <a:rPr lang="en-US" dirty="0" smtClean="0"/>
+              <a:rPr lang="en-US" dirty="0"/>
               <a:t>, </a:t>
             </a:r>
             <a:r>
-              <a:rPr lang="en-US" dirty="0" err="1" smtClean="0"/>
+              <a:rPr lang="en-US" dirty="0" err="1"/>
               <a:t>BorderLayout.SOUTH</a:t>
             </a:r>
             <a:r>
-              <a:rPr lang="en-US" dirty="0" smtClean="0"/>
+              <a:rPr lang="en-US" dirty="0"/>
               <a:t>, </a:t>
             </a:r>
             <a:r>
-              <a:rPr lang="en-US" dirty="0" err="1" smtClean="0"/>
+              <a:rPr lang="en-US" dirty="0" err="1"/>
               <a:t>BorderLayout.EAST</a:t>
             </a:r>
             <a:r>
-              <a:rPr lang="en-US" dirty="0" smtClean="0"/>
+              <a:rPr lang="en-US" dirty="0"/>
               <a:t>, </a:t>
             </a:r>
             <a:r>
-              <a:rPr lang="en-US" dirty="0" err="1" smtClean="0"/>
+              <a:rPr lang="en-US" dirty="0" err="1"/>
               <a:t>BorderLayout.WEST</a:t>
             </a:r>
             <a:r>
-              <a:rPr lang="en-US" dirty="0" smtClean="0"/>
+              <a:rPr lang="en-US" dirty="0"/>
               <a:t>, </a:t>
             </a:r>
             <a:r>
-              <a:rPr lang="en-US" dirty="0" err="1" smtClean="0"/>
+              <a:rPr lang="en-US" dirty="0" err="1"/>
               <a:t>BorderLayout.CENTER</a:t>
             </a:r>
             <a:r>
-              <a:rPr lang="en-US" baseline="0" dirty="0" smtClean="0"/>
+              <a:rPr lang="en-US" baseline="0" dirty="0"/>
               <a:t> = 5</a:t>
             </a:r>
           </a:p>
           <a:p>
-            <a:endParaRPr lang="en-US" baseline="0" dirty="0" smtClean="0"/>
-          </a:p>
-          <a:p>
-            <a:r>
-              <a:rPr lang="en-US" b="1" baseline="0" dirty="0" smtClean="0"/>
+            <a:endParaRPr lang="en-US" baseline="0" dirty="0"/>
+          </a:p>
+          <a:p>
+            <a:r>
+              <a:rPr lang="en-US" b="1" baseline="0" dirty="0"/>
               <a:t>Q</a:t>
             </a:r>
             <a:r>
-              <a:rPr lang="en-US" baseline="0" dirty="0" smtClean="0"/>
+              <a:rPr lang="en-US" baseline="0" dirty="0"/>
               <a:t> What about a </a:t>
             </a:r>
             <a:r>
-              <a:rPr lang="en-US" baseline="0" dirty="0" err="1" smtClean="0"/>
+              <a:rPr lang="en-US" baseline="0" dirty="0" err="1"/>
               <a:t>JPanel</a:t>
             </a:r>
             <a:r>
-              <a:rPr lang="en-US" baseline="0" dirty="0" smtClean="0"/>
+              <a:rPr lang="en-US" baseline="0" dirty="0"/>
               <a:t>, how many components can be added to it?</a:t>
             </a:r>
           </a:p>
           <a:p>
             <a:r>
-              <a:rPr lang="en-US" baseline="0" dirty="0" smtClean="0"/>
+              <a:rPr lang="en-US" baseline="0" dirty="0"/>
               <a:t>	</a:t>
             </a:r>
             <a:r>
-              <a:rPr lang="en-US" baseline="0" dirty="0" err="1" smtClean="0"/>
+              <a:rPr lang="en-US" baseline="0" dirty="0" err="1"/>
               <a:t>JPanel</a:t>
             </a:r>
             <a:r>
-              <a:rPr lang="en-US" baseline="0" dirty="0" smtClean="0"/>
+              <a:rPr lang="en-US" baseline="0" dirty="0"/>
               <a:t> can hold as many as we want.</a:t>
             </a:r>
-            <a:endParaRPr lang="en-US" dirty="0" smtClean="0"/>
+            <a:endParaRPr lang="en-US" dirty="0"/>
           </a:p>
         </p:txBody>
       </p:sp>
@@ -1385,14 +1383,14 @@
           <a:ln/>
           <a:extLst>
             <a:ext uri="{909E8E84-426E-40dd-AFC4-6F175D3DCCD1}">
-              <a14:hiddenFill xmlns:a14="http://schemas.microsoft.com/office/drawing/2010/main" xmlns="">
+              <a14:hiddenFill xmlns="" xmlns:a14="http://schemas.microsoft.com/office/drawing/2010/main">
                 <a:solidFill>
                   <a:srgbClr val="FFFFFF"/>
                 </a:solidFill>
               </a14:hiddenFill>
             </a:ext>
             <a:ext uri="{91240B29-F687-4f45-9708-019B960494DF}">
-              <a14:hiddenLine xmlns:a14="http://schemas.microsoft.com/office/drawing/2010/main" xmlns="" w="9525">
+              <a14:hiddenLine xmlns="" xmlns:a14="http://schemas.microsoft.com/office/drawing/2010/main" w="9525">
                 <a:solidFill>
                   <a:srgbClr val="000000"/>
                 </a:solidFill>
@@ -1521,7 +1519,7 @@
               <a:pPr eaLnBrk="1" hangingPunct="1"/>
               <a:t>14</a:t>
             </a:fld>
-            <a:endParaRPr lang="en-US" smtClean="0">
+            <a:endParaRPr lang="en-US">
               <a:latin typeface="Calibri" pitchFamily="34" charset="0"/>
             </a:endParaRPr>
           </a:p>
@@ -1669,7 +1667,7 @@
           </a:ln>
           <a:extLst>
             <a:ext uri="{909E8E84-426E-40dd-AFC4-6F175D3DCCD1}">
-              <a14:hiddenFill xmlns:a14="http://schemas.microsoft.com/office/drawing/2010/main" xmlns="">
+              <a14:hiddenFill xmlns="" xmlns:a14="http://schemas.microsoft.com/office/drawing/2010/main">
                 <a:solidFill>
                   <a:srgbClr val="FFFFFF"/>
                 </a:solidFill>
@@ -1693,14 +1691,14 @@
           <a:ln/>
           <a:extLst>
             <a:ext uri="{909E8E84-426E-40dd-AFC4-6F175D3DCCD1}">
-              <a14:hiddenFill xmlns:a14="http://schemas.microsoft.com/office/drawing/2010/main" xmlns="">
+              <a14:hiddenFill xmlns="" xmlns:a14="http://schemas.microsoft.com/office/drawing/2010/main">
                 <a:solidFill>
                   <a:srgbClr val="FFFFFF"/>
                 </a:solidFill>
               </a14:hiddenFill>
             </a:ext>
             <a:ext uri="{91240B29-F687-4f45-9708-019B960494DF}">
-              <a14:hiddenLine xmlns:a14="http://schemas.microsoft.com/office/drawing/2010/main" xmlns="" w="9525">
+              <a14:hiddenLine xmlns="" xmlns:a14="http://schemas.microsoft.com/office/drawing/2010/main" w="9525">
                 <a:solidFill>
                   <a:srgbClr val="000000"/>
                 </a:solidFill>
@@ -1720,89 +1718,89 @@
               <a:buChar char="-"/>
             </a:pPr>
             <a:r>
-              <a:rPr lang="en-US" dirty="0" smtClean="0"/>
+              <a:rPr lang="en-US" dirty="0"/>
               <a:t>Implement draw listener for adding squares/circles to </a:t>
             </a:r>
             <a:r>
-              <a:rPr lang="en-US" dirty="0" err="1" smtClean="0"/>
+              <a:rPr lang="en-US" dirty="0" err="1"/>
               <a:t>DrawComponent</a:t>
             </a:r>
-            <a:endParaRPr lang="en-US" dirty="0" smtClean="0"/>
+            <a:endParaRPr lang="en-US" dirty="0"/>
           </a:p>
           <a:p>
             <a:pPr marL="171450" indent="-171450">
               <a:buFontTx/>
               <a:buChar char="-"/>
             </a:pPr>
-            <a:endParaRPr lang="en-US" dirty="0" smtClean="0"/>
-          </a:p>
-          <a:p>
-            <a:r>
-              <a:rPr lang="en-US" dirty="0" smtClean="0"/>
+            <a:endParaRPr lang="en-US" dirty="0"/>
+          </a:p>
+          <a:p>
+            <a:r>
+              <a:rPr lang="en-US" dirty="0"/>
               <a:t>[[[Probably</a:t>
             </a:r>
             <a:r>
-              <a:rPr lang="en-US" baseline="0" dirty="0" smtClean="0"/>
+              <a:rPr lang="en-US" baseline="0" dirty="0"/>
               <a:t> w</a:t>
             </a:r>
             <a:r>
-              <a:rPr lang="en-US" dirty="0" smtClean="0"/>
+              <a:rPr lang="en-US" dirty="0"/>
               <a:t>on’t have time</a:t>
             </a:r>
             <a:r>
-              <a:rPr lang="en-US" baseline="0" dirty="0" smtClean="0"/>
+              <a:rPr lang="en-US" baseline="0" dirty="0"/>
               <a:t> to</a:t>
             </a:r>
             <a:r>
-              <a:rPr lang="en-US" dirty="0" smtClean="0"/>
+              <a:rPr lang="en-US" dirty="0"/>
               <a:t> add </a:t>
             </a:r>
             <a:r>
-              <a:rPr lang="en-US" dirty="0" err="1" smtClean="0"/>
+              <a:rPr lang="en-US" dirty="0" err="1"/>
               <a:t>LinearCharges</a:t>
             </a:r>
             <a:r>
-              <a:rPr lang="en-US" dirty="0" smtClean="0"/>
+              <a:rPr lang="en-US" dirty="0"/>
               <a:t> to space.  Just use </a:t>
             </a:r>
             <a:r>
-              <a:rPr lang="en-US" dirty="0" err="1" smtClean="0"/>
+              <a:rPr lang="en-US" dirty="0" err="1"/>
               <a:t>mouseClicked</a:t>
             </a:r>
             <a:r>
-              <a:rPr lang="en-US" dirty="0" smtClean="0"/>
+              <a:rPr lang="en-US" dirty="0"/>
               <a:t> to add </a:t>
             </a:r>
             <a:r>
-              <a:rPr lang="en-US" dirty="0" err="1" smtClean="0"/>
+              <a:rPr lang="en-US" dirty="0" err="1"/>
               <a:t>PointCharges</a:t>
             </a:r>
             <a:r>
-              <a:rPr lang="en-US" dirty="0" smtClean="0"/>
+              <a:rPr lang="en-US" dirty="0"/>
               <a:t>.</a:t>
             </a:r>
             <a:r>
-              <a:rPr lang="en-US" baseline="0" dirty="0" smtClean="0"/>
+              <a:rPr lang="en-US" baseline="0" dirty="0"/>
               <a:t>  T</a:t>
             </a:r>
             <a:r>
-              <a:rPr lang="en-US" dirty="0" smtClean="0"/>
+              <a:rPr lang="en-US" dirty="0"/>
               <a:t>alk about issues we would need to address for </a:t>
             </a:r>
             <a:r>
-              <a:rPr lang="en-US" dirty="0" err="1" smtClean="0"/>
+              <a:rPr lang="en-US" dirty="0" err="1"/>
               <a:t>LinearCharges</a:t>
             </a:r>
             <a:r>
-              <a:rPr lang="en-US" dirty="0" smtClean="0"/>
+              <a:rPr lang="en-US" dirty="0"/>
               <a:t>,</a:t>
             </a:r>
             <a:r>
-              <a:rPr lang="en-US" baseline="0" dirty="0" smtClean="0"/>
+              <a:rPr lang="en-US" baseline="0" dirty="0"/>
               <a:t> like tracking down location and seeing if up location is different.</a:t>
             </a:r>
             <a:r>
-              <a:rPr lang="en-US" dirty="0" smtClean="0"/>
+              <a:rPr lang="en-US" dirty="0"/>
               <a:t>]</a:t>
             </a:r>
           </a:p>
@@ -1823,14 +1821,14 @@
           <a:ln/>
           <a:extLst>
             <a:ext uri="{909E8E84-426E-40dd-AFC4-6F175D3DCCD1}">
-              <a14:hiddenFill xmlns:a14="http://schemas.microsoft.com/office/drawing/2010/main" xmlns="">
+              <a14:hiddenFill xmlns="" xmlns:a14="http://schemas.microsoft.com/office/drawing/2010/main">
                 <a:solidFill>
                   <a:srgbClr val="FFFFFF"/>
                 </a:solidFill>
               </a14:hiddenFill>
             </a:ext>
             <a:ext uri="{91240B29-F687-4f45-9708-019B960494DF}">
-              <a14:hiddenLine xmlns:a14="http://schemas.microsoft.com/office/drawing/2010/main" xmlns="" w="9525">
+              <a14:hiddenLine xmlns="" xmlns:a14="http://schemas.microsoft.com/office/drawing/2010/main" w="9525">
                 <a:solidFill>
                   <a:srgbClr val="000000"/>
                 </a:solidFill>
@@ -1959,7 +1957,7 @@
               <a:pPr eaLnBrk="1" hangingPunct="1"/>
               <a:t>18</a:t>
             </a:fld>
-            <a:endParaRPr lang="en-US" smtClean="0">
+            <a:endParaRPr lang="en-US">
               <a:latin typeface="Calibri" pitchFamily="34" charset="0"/>
             </a:endParaRPr>
           </a:p>
@@ -2017,7 +2015,7 @@
           </a:ln>
           <a:extLst>
             <a:ext uri="{909E8E84-426E-40dd-AFC4-6F175D3DCCD1}">
-              <a14:hiddenFill xmlns:a14="http://schemas.microsoft.com/office/drawing/2010/main" xmlns="">
+              <a14:hiddenFill xmlns="" xmlns:a14="http://schemas.microsoft.com/office/drawing/2010/main">
                 <a:solidFill>
                   <a:srgbClr val="FFFFFF"/>
                 </a:solidFill>
@@ -2041,14 +2039,14 @@
           <a:ln/>
           <a:extLst>
             <a:ext uri="{909E8E84-426E-40dd-AFC4-6F175D3DCCD1}">
-              <a14:hiddenFill xmlns:a14="http://schemas.microsoft.com/office/drawing/2010/main" xmlns="">
+              <a14:hiddenFill xmlns="" xmlns:a14="http://schemas.microsoft.com/office/drawing/2010/main">
                 <a:solidFill>
                   <a:srgbClr val="FFFFFF"/>
                 </a:solidFill>
               </a14:hiddenFill>
             </a:ext>
             <a:ext uri="{91240B29-F687-4f45-9708-019B960494DF}">
-              <a14:hiddenLine xmlns:a14="http://schemas.microsoft.com/office/drawing/2010/main" xmlns="" w="9525">
+              <a14:hiddenLine xmlns="" xmlns:a14="http://schemas.microsoft.com/office/drawing/2010/main" w="9525">
                 <a:solidFill>
                   <a:srgbClr val="000000"/>
                 </a:solidFill>
@@ -2064,13 +2062,13 @@
           <a:lstStyle/>
           <a:p>
             <a:r>
-              <a:rPr lang="en-US" smtClean="0"/>
+              <a:rPr lang="en-US"/>
               <a:t>- User decides which actions to take</a:t>
             </a:r>
           </a:p>
           <a:p>
             <a:r>
-              <a:rPr lang="en-US" smtClean="0"/>
+              <a:rPr lang="en-US"/>
               <a:t>- Library decides when to update window</a:t>
             </a:r>
           </a:p>
@@ -2091,14 +2089,14 @@
           <a:ln/>
           <a:extLst>
             <a:ext uri="{909E8E84-426E-40dd-AFC4-6F175D3DCCD1}">
-              <a14:hiddenFill xmlns:a14="http://schemas.microsoft.com/office/drawing/2010/main" xmlns="">
+              <a14:hiddenFill xmlns="" xmlns:a14="http://schemas.microsoft.com/office/drawing/2010/main">
                 <a:solidFill>
                   <a:srgbClr val="FFFFFF"/>
                 </a:solidFill>
               </a14:hiddenFill>
             </a:ext>
             <a:ext uri="{91240B29-F687-4f45-9708-019B960494DF}">
-              <a14:hiddenLine xmlns:a14="http://schemas.microsoft.com/office/drawing/2010/main" xmlns="" w="9525">
+              <a14:hiddenLine xmlns="" xmlns:a14="http://schemas.microsoft.com/office/drawing/2010/main" w="9525">
                 <a:solidFill>
                   <a:srgbClr val="000000"/>
                 </a:solidFill>
@@ -2227,7 +2225,7 @@
               <a:pPr eaLnBrk="1" hangingPunct="1"/>
               <a:t>19</a:t>
             </a:fld>
-            <a:endParaRPr lang="en-US" smtClean="0">
+            <a:endParaRPr lang="en-US">
               <a:latin typeface="Calibri" pitchFamily="34" charset="0"/>
             </a:endParaRPr>
           </a:p>
@@ -2285,7 +2283,7 @@
           </a:ln>
           <a:extLst>
             <a:ext uri="{909E8E84-426E-40dd-AFC4-6F175D3DCCD1}">
-              <a14:hiddenFill xmlns:a14="http://schemas.microsoft.com/office/drawing/2010/main" xmlns="">
+              <a14:hiddenFill xmlns="" xmlns:a14="http://schemas.microsoft.com/office/drawing/2010/main">
                 <a:solidFill>
                   <a:srgbClr val="FFFFFF"/>
                 </a:solidFill>
@@ -2309,14 +2307,14 @@
           <a:ln/>
           <a:extLst>
             <a:ext uri="{909E8E84-426E-40dd-AFC4-6F175D3DCCD1}">
-              <a14:hiddenFill xmlns:a14="http://schemas.microsoft.com/office/drawing/2010/main" xmlns="">
+              <a14:hiddenFill xmlns="" xmlns:a14="http://schemas.microsoft.com/office/drawing/2010/main">
                 <a:solidFill>
                   <a:srgbClr val="FFFFFF"/>
                 </a:solidFill>
               </a14:hiddenFill>
             </a:ext>
             <a:ext uri="{91240B29-F687-4f45-9708-019B960494DF}">
-              <a14:hiddenLine xmlns:a14="http://schemas.microsoft.com/office/drawing/2010/main" xmlns="" w="9525">
+              <a14:hiddenLine xmlns="" xmlns:a14="http://schemas.microsoft.com/office/drawing/2010/main" w="9525">
                 <a:solidFill>
                   <a:srgbClr val="000000"/>
                 </a:solidFill>
@@ -2332,76 +2330,76 @@
           <a:lstStyle/>
           <a:p>
             <a:r>
-              <a:rPr lang="en-US" dirty="0" smtClean="0"/>
+              <a:rPr lang="en-US" dirty="0"/>
               <a:t>Get ideas for adding buttons to </a:t>
             </a:r>
             <a:r>
-              <a:rPr lang="en-US" dirty="0" err="1" smtClean="0"/>
+              <a:rPr lang="en-US" dirty="0" err="1"/>
               <a:t>JPanel</a:t>
             </a:r>
             <a:r>
-              <a:rPr lang="en-US" dirty="0" smtClean="0"/>
+              <a:rPr lang="en-US" dirty="0"/>
               <a:t>, then adding </a:t>
             </a:r>
             <a:r>
-              <a:rPr lang="en-US" dirty="0" err="1" smtClean="0"/>
+              <a:rPr lang="en-US" dirty="0" err="1"/>
               <a:t>JPanel</a:t>
             </a:r>
             <a:r>
-              <a:rPr lang="en-US" dirty="0" smtClean="0"/>
+              <a:rPr lang="en-US" dirty="0"/>
               <a:t> to the SOUTH of the JFrame.</a:t>
             </a:r>
           </a:p>
           <a:p>
-            <a:endParaRPr lang="en-US" dirty="0" smtClean="0"/>
-          </a:p>
-          <a:p>
-            <a:r>
-              <a:rPr lang="en-US" dirty="0" smtClean="0"/>
+            <a:endParaRPr lang="en-US" dirty="0"/>
+          </a:p>
+          <a:p>
+            <a:r>
+              <a:rPr lang="en-US" dirty="0"/>
               <a:t>Work on </a:t>
             </a:r>
             <a:r>
-              <a:rPr lang="en-US" dirty="0" err="1" smtClean="0"/>
+              <a:rPr lang="en-US" dirty="0" err="1"/>
               <a:t>ChargesMain</a:t>
             </a:r>
             <a:r>
-              <a:rPr lang="en-US" dirty="0" smtClean="0"/>
+              <a:rPr lang="en-US" dirty="0"/>
               <a:t>:</a:t>
             </a:r>
           </a:p>
           <a:p>
             <a:r>
-              <a:rPr lang="en-US" dirty="0" smtClean="0"/>
+              <a:rPr lang="en-US" dirty="0"/>
               <a:t>- add </a:t>
             </a:r>
             <a:r>
-              <a:rPr lang="en-US" dirty="0" err="1" smtClean="0"/>
+              <a:rPr lang="en-US" dirty="0" err="1"/>
               <a:t>JPanel</a:t>
             </a:r>
             <a:r>
-              <a:rPr lang="en-US" dirty="0" smtClean="0"/>
+              <a:rPr lang="en-US" dirty="0"/>
               <a:t> and </a:t>
             </a:r>
             <a:r>
-              <a:rPr lang="en-US" dirty="0" err="1" smtClean="0"/>
+              <a:rPr lang="en-US" dirty="0" err="1"/>
               <a:t>JButtons</a:t>
             </a:r>
             <a:r>
-              <a:rPr lang="en-US" dirty="0" smtClean="0"/>
+              <a:rPr lang="en-US" dirty="0"/>
               <a:t>, but no listeners</a:t>
             </a:r>
           </a:p>
           <a:p>
             <a:r>
-              <a:rPr lang="en-US" dirty="0" smtClean="0"/>
+              <a:rPr lang="en-US" dirty="0"/>
               <a:t>- add zoom in and zoom out listeners, requires </a:t>
             </a:r>
             <a:r>
-              <a:rPr lang="en-US" dirty="0" err="1" smtClean="0"/>
+              <a:rPr lang="en-US" dirty="0" err="1"/>
               <a:t>mutators</a:t>
             </a:r>
             <a:r>
-              <a:rPr lang="en-US" dirty="0" smtClean="0"/>
+              <a:rPr lang="en-US" dirty="0"/>
               <a:t> in Space also</a:t>
             </a:r>
           </a:p>
@@ -2422,14 +2420,14 @@
           <a:ln/>
           <a:extLst>
             <a:ext uri="{909E8E84-426E-40dd-AFC4-6F175D3DCCD1}">
-              <a14:hiddenFill xmlns:a14="http://schemas.microsoft.com/office/drawing/2010/main" xmlns="">
+              <a14:hiddenFill xmlns="" xmlns:a14="http://schemas.microsoft.com/office/drawing/2010/main">
                 <a:solidFill>
                   <a:srgbClr val="FFFFFF"/>
                 </a:solidFill>
               </a14:hiddenFill>
             </a:ext>
             <a:ext uri="{91240B29-F687-4f45-9708-019B960494DF}">
-              <a14:hiddenLine xmlns:a14="http://schemas.microsoft.com/office/drawing/2010/main" xmlns="" w="9525">
+              <a14:hiddenLine xmlns="" xmlns:a14="http://schemas.microsoft.com/office/drawing/2010/main" w="9525">
                 <a:solidFill>
                   <a:srgbClr val="000000"/>
                 </a:solidFill>
@@ -2558,7 +2556,7 @@
               <a:pPr eaLnBrk="1" hangingPunct="1"/>
               <a:t>20</a:t>
             </a:fld>
-            <a:endParaRPr lang="en-US" smtClean="0">
+            <a:endParaRPr lang="en-US">
               <a:latin typeface="Calibri" pitchFamily="34" charset="0"/>
             </a:endParaRPr>
           </a:p>
@@ -2616,7 +2614,7 @@
           </a:ln>
           <a:extLst>
             <a:ext uri="{909E8E84-426E-40dd-AFC4-6F175D3DCCD1}">
-              <a14:hiddenFill xmlns:a14="http://schemas.microsoft.com/office/drawing/2010/main" xmlns="">
+              <a14:hiddenFill xmlns="" xmlns:a14="http://schemas.microsoft.com/office/drawing/2010/main">
                 <a:solidFill>
                   <a:srgbClr val="FFFFFF"/>
                 </a:solidFill>
@@ -2640,14 +2638,14 @@
           <a:ln/>
           <a:extLst>
             <a:ext uri="{909E8E84-426E-40dd-AFC4-6F175D3DCCD1}">
-              <a14:hiddenFill xmlns:a14="http://schemas.microsoft.com/office/drawing/2010/main" xmlns="">
+              <a14:hiddenFill xmlns="" xmlns:a14="http://schemas.microsoft.com/office/drawing/2010/main">
                 <a:solidFill>
                   <a:srgbClr val="FFFFFF"/>
                 </a:solidFill>
               </a14:hiddenFill>
             </a:ext>
             <a:ext uri="{91240B29-F687-4f45-9708-019B960494DF}">
-              <a14:hiddenLine xmlns:a14="http://schemas.microsoft.com/office/drawing/2010/main" xmlns="" w="9525">
+              <a14:hiddenLine xmlns="" xmlns:a14="http://schemas.microsoft.com/office/drawing/2010/main" w="9525">
                 <a:solidFill>
                   <a:srgbClr val="000000"/>
                 </a:solidFill>
@@ -2663,55 +2661,55 @@
           <a:lstStyle/>
           <a:p>
             <a:r>
-              <a:rPr lang="en-US" dirty="0" smtClean="0"/>
+              <a:rPr lang="en-US" dirty="0"/>
               <a:t>Edit previous example: add an inner class, </a:t>
             </a:r>
             <a:r>
-              <a:rPr lang="en-US" dirty="0" err="1" smtClean="0"/>
+              <a:rPr lang="en-US" dirty="0" err="1"/>
               <a:t>MamaBearListener</a:t>
             </a:r>
             <a:r>
-              <a:rPr lang="en-US" dirty="0" smtClean="0"/>
+              <a:rPr lang="en-US" dirty="0"/>
               <a:t> that prints “</a:t>
             </a:r>
             <a:r>
-              <a:rPr lang="en-US" dirty="0" err="1" smtClean="0"/>
+              <a:rPr lang="en-US" dirty="0" err="1"/>
               <a:t>Eww</a:t>
             </a:r>
             <a:r>
-              <a:rPr lang="en-US" dirty="0" smtClean="0"/>
+              <a:rPr lang="en-US" dirty="0"/>
               <a:t>, too Cold!”  (Don’t include </a:t>
             </a:r>
             <a:r>
-              <a:rPr lang="en-US" dirty="0" err="1" smtClean="0"/>
+              <a:rPr lang="en-US" dirty="0" err="1"/>
               <a:t>tasteDescription</a:t>
             </a:r>
             <a:r>
-              <a:rPr lang="en-US" dirty="0" smtClean="0"/>
+              <a:rPr lang="en-US" dirty="0"/>
               <a:t>, let them do that</a:t>
             </a:r>
             <a:r>
-              <a:rPr lang="en-US" baseline="0" dirty="0" smtClean="0"/>
+              <a:rPr lang="en-US" baseline="0" dirty="0"/>
               <a:t> later.</a:t>
             </a:r>
             <a:r>
-              <a:rPr lang="en-US" dirty="0" smtClean="0"/>
+              <a:rPr lang="en-US" dirty="0"/>
               <a:t>)</a:t>
             </a:r>
           </a:p>
           <a:p>
-            <a:endParaRPr lang="en-US" dirty="0" smtClean="0"/>
-          </a:p>
-          <a:p>
-            <a:r>
-              <a:rPr lang="en-US" dirty="0" smtClean="0"/>
+            <a:endParaRPr lang="en-US" dirty="0"/>
+          </a:p>
+          <a:p>
+            <a:r>
+              <a:rPr lang="en-US" dirty="0"/>
               <a:t>STRESS TO THE STUDENTS that Java 8 messes</a:t>
             </a:r>
             <a:r>
-              <a:rPr lang="en-US" baseline="0" dirty="0" smtClean="0"/>
+              <a:rPr lang="en-US" baseline="0" dirty="0"/>
               <a:t> up the whole idea about inner class variables…  We will be testing this on the exam, and if they use Java 8, they can REALLY mess this up.</a:t>
             </a:r>
-            <a:endParaRPr lang="en-US" dirty="0" smtClean="0"/>
+            <a:endParaRPr lang="en-US" dirty="0"/>
           </a:p>
         </p:txBody>
       </p:sp>
@@ -2730,14 +2728,14 @@
           <a:ln/>
           <a:extLst>
             <a:ext uri="{909E8E84-426E-40dd-AFC4-6F175D3DCCD1}">
-              <a14:hiddenFill xmlns:a14="http://schemas.microsoft.com/office/drawing/2010/main" xmlns="">
+              <a14:hiddenFill xmlns="" xmlns:a14="http://schemas.microsoft.com/office/drawing/2010/main">
                 <a:solidFill>
                   <a:srgbClr val="FFFFFF"/>
                 </a:solidFill>
               </a14:hiddenFill>
             </a:ext>
             <a:ext uri="{91240B29-F687-4f45-9708-019B960494DF}">
-              <a14:hiddenLine xmlns:a14="http://schemas.microsoft.com/office/drawing/2010/main" xmlns="" w="9525">
+              <a14:hiddenLine xmlns="" xmlns:a14="http://schemas.microsoft.com/office/drawing/2010/main" w="9525">
                 <a:solidFill>
                   <a:srgbClr val="000000"/>
                 </a:solidFill>
@@ -2866,7 +2864,7 @@
               <a:pPr eaLnBrk="1" hangingPunct="1"/>
               <a:t>21</a:t>
             </a:fld>
-            <a:endParaRPr lang="en-US" dirty="0" smtClean="0">
+            <a:endParaRPr lang="en-US" dirty="0">
               <a:latin typeface="Calibri" pitchFamily="34" charset="0"/>
             </a:endParaRPr>
           </a:p>
@@ -2924,7 +2922,7 @@
           </a:ln>
           <a:extLst>
             <a:ext uri="{909E8E84-426E-40dd-AFC4-6F175D3DCCD1}">
-              <a14:hiddenFill xmlns:a14="http://schemas.microsoft.com/office/drawing/2010/main" xmlns="">
+              <a14:hiddenFill xmlns="" xmlns:a14="http://schemas.microsoft.com/office/drawing/2010/main">
                 <a:solidFill>
                   <a:srgbClr val="FFFFFF"/>
                 </a:solidFill>
@@ -2948,14 +2946,14 @@
           <a:ln/>
           <a:extLst>
             <a:ext uri="{909E8E84-426E-40dd-AFC4-6F175D3DCCD1}">
-              <a14:hiddenFill xmlns:a14="http://schemas.microsoft.com/office/drawing/2010/main" xmlns="">
+              <a14:hiddenFill xmlns="" xmlns:a14="http://schemas.microsoft.com/office/drawing/2010/main">
                 <a:solidFill>
                   <a:srgbClr val="FFFFFF"/>
                 </a:solidFill>
               </a14:hiddenFill>
             </a:ext>
             <a:ext uri="{91240B29-F687-4f45-9708-019B960494DF}">
-              <a14:hiddenLine xmlns:a14="http://schemas.microsoft.com/office/drawing/2010/main" xmlns="" w="9525">
+              <a14:hiddenLine xmlns="" xmlns:a14="http://schemas.microsoft.com/office/drawing/2010/main" w="9525">
                 <a:solidFill>
                   <a:srgbClr val="000000"/>
                 </a:solidFill>
@@ -2971,7 +2969,7 @@
           <a:lstStyle/>
           <a:p>
             <a:r>
-              <a:rPr lang="en-US" dirty="0" smtClean="0"/>
+              <a:rPr lang="en-US" dirty="0"/>
               <a:t>Edit example again: add an anonymous class, print “Hmm.  Just right.”</a:t>
             </a:r>
           </a:p>
@@ -2992,14 +2990,14 @@
           <a:ln/>
           <a:extLst>
             <a:ext uri="{909E8E84-426E-40dd-AFC4-6F175D3DCCD1}">
-              <a14:hiddenFill xmlns:a14="http://schemas.microsoft.com/office/drawing/2010/main" xmlns="">
+              <a14:hiddenFill xmlns="" xmlns:a14="http://schemas.microsoft.com/office/drawing/2010/main">
                 <a:solidFill>
                   <a:srgbClr val="FFFFFF"/>
                 </a:solidFill>
               </a14:hiddenFill>
             </a:ext>
             <a:ext uri="{91240B29-F687-4f45-9708-019B960494DF}">
-              <a14:hiddenLine xmlns:a14="http://schemas.microsoft.com/office/drawing/2010/main" xmlns="" w="9525">
+              <a14:hiddenLine xmlns="" xmlns:a14="http://schemas.microsoft.com/office/drawing/2010/main" w="9525">
                 <a:solidFill>
                   <a:srgbClr val="000000"/>
                 </a:solidFill>
@@ -3128,7 +3126,7 @@
               <a:pPr eaLnBrk="1" hangingPunct="1"/>
               <a:t>22</a:t>
             </a:fld>
-            <a:endParaRPr lang="en-US" smtClean="0">
+            <a:endParaRPr lang="en-US">
               <a:latin typeface="Calibri" pitchFamily="34" charset="0"/>
             </a:endParaRPr>
           </a:p>
@@ -3186,7 +3184,7 @@
           </a:ln>
           <a:extLst>
             <a:ext uri="{909E8E84-426E-40dd-AFC4-6F175D3DCCD1}">
-              <a14:hiddenFill xmlns:a14="http://schemas.microsoft.com/office/drawing/2010/main" xmlns="">
+              <a14:hiddenFill xmlns="" xmlns:a14="http://schemas.microsoft.com/office/drawing/2010/main">
                 <a:solidFill>
                   <a:srgbClr val="FFFFFF"/>
                 </a:solidFill>
@@ -3210,14 +3208,14 @@
           <a:ln/>
           <a:extLst>
             <a:ext uri="{909E8E84-426E-40dd-AFC4-6F175D3DCCD1}">
-              <a14:hiddenFill xmlns:a14="http://schemas.microsoft.com/office/drawing/2010/main" xmlns="">
+              <a14:hiddenFill xmlns="" xmlns:a14="http://schemas.microsoft.com/office/drawing/2010/main">
                 <a:solidFill>
                   <a:srgbClr val="FFFFFF"/>
                 </a:solidFill>
               </a14:hiddenFill>
             </a:ext>
             <a:ext uri="{91240B29-F687-4f45-9708-019B960494DF}">
-              <a14:hiddenLine xmlns:a14="http://schemas.microsoft.com/office/drawing/2010/main" xmlns="" w="9525">
+              <a14:hiddenLine xmlns="" xmlns:a14="http://schemas.microsoft.com/office/drawing/2010/main" w="9525">
                 <a:solidFill>
                   <a:srgbClr val="000000"/>
                 </a:solidFill>
@@ -3233,23 +3231,23 @@
           <a:lstStyle/>
           <a:p>
             <a:r>
-              <a:rPr lang="en-US" dirty="0" smtClean="0"/>
+              <a:rPr lang="en-US" dirty="0"/>
               <a:t>Finish last TODO in </a:t>
             </a:r>
             <a:r>
-              <a:rPr lang="en-US" dirty="0" err="1" smtClean="0"/>
+              <a:rPr lang="en-US" dirty="0" err="1"/>
               <a:t>BreakfastMain</a:t>
             </a:r>
             <a:r>
-              <a:rPr lang="en-US" dirty="0" smtClean="0"/>
+              <a:rPr lang="en-US" dirty="0"/>
               <a:t> – </a:t>
             </a:r>
             <a:r>
-              <a:rPr lang="en-US" dirty="0" err="1" smtClean="0"/>
+              <a:rPr lang="en-US" dirty="0" err="1"/>
               <a:t>tasteDescription</a:t>
             </a:r>
             <a:r>
-              <a:rPr lang="en-US" dirty="0" smtClean="0"/>
+              <a:rPr lang="en-US" dirty="0"/>
               <a:t>.</a:t>
             </a:r>
           </a:p>
@@ -3270,14 +3268,14 @@
           <a:ln/>
           <a:extLst>
             <a:ext uri="{909E8E84-426E-40dd-AFC4-6F175D3DCCD1}">
-              <a14:hiddenFill xmlns:a14="http://schemas.microsoft.com/office/drawing/2010/main" xmlns="">
+              <a14:hiddenFill xmlns="" xmlns:a14="http://schemas.microsoft.com/office/drawing/2010/main">
                 <a:solidFill>
                   <a:srgbClr val="FFFFFF"/>
                 </a:solidFill>
               </a14:hiddenFill>
             </a:ext>
             <a:ext uri="{91240B29-F687-4f45-9708-019B960494DF}">
-              <a14:hiddenLine xmlns:a14="http://schemas.microsoft.com/office/drawing/2010/main" xmlns="" w="9525">
+              <a14:hiddenLine xmlns="" xmlns:a14="http://schemas.microsoft.com/office/drawing/2010/main" w="9525">
                 <a:solidFill>
                   <a:srgbClr val="000000"/>
                 </a:solidFill>
@@ -3406,7 +3404,7 @@
               <a:pPr eaLnBrk="1" hangingPunct="1"/>
               <a:t>23</a:t>
             </a:fld>
-            <a:endParaRPr lang="en-US" smtClean="0">
+            <a:endParaRPr lang="en-US">
               <a:latin typeface="Calibri" pitchFamily="34" charset="0"/>
             </a:endParaRPr>
           </a:p>
@@ -3464,7 +3462,7 @@
           </a:ln>
           <a:extLst>
             <a:ext uri="{909E8E84-426E-40dd-AFC4-6F175D3DCCD1}">
-              <a14:hiddenFill xmlns:a14="http://schemas.microsoft.com/office/drawing/2010/main" xmlns="">
+              <a14:hiddenFill xmlns="" xmlns:a14="http://schemas.microsoft.com/office/drawing/2010/main">
                 <a:solidFill>
                   <a:srgbClr val="FFFFFF"/>
                 </a:solidFill>
@@ -3488,14 +3486,14 @@
           <a:ln/>
           <a:extLst>
             <a:ext uri="{909E8E84-426E-40dd-AFC4-6F175D3DCCD1}">
-              <a14:hiddenFill xmlns:a14="http://schemas.microsoft.com/office/drawing/2010/main" xmlns="">
+              <a14:hiddenFill xmlns="" xmlns:a14="http://schemas.microsoft.com/office/drawing/2010/main">
                 <a:solidFill>
                   <a:srgbClr val="FFFFFF"/>
                 </a:solidFill>
               </a14:hiddenFill>
             </a:ext>
             <a:ext uri="{91240B29-F687-4f45-9708-019B960494DF}">
-              <a14:hiddenLine xmlns:a14="http://schemas.microsoft.com/office/drawing/2010/main" xmlns="" w="9525">
+              <a14:hiddenLine xmlns="" xmlns:a14="http://schemas.microsoft.com/office/drawing/2010/main" w="9525">
                 <a:solidFill>
                   <a:srgbClr val="000000"/>
                 </a:solidFill>
@@ -3510,7 +3508,7 @@
           <a:bodyPr/>
           <a:lstStyle/>
           <a:p>
-            <a:endParaRPr lang="en-US" dirty="0" smtClean="0"/>
+            <a:endParaRPr lang="en-US" dirty="0"/>
           </a:p>
         </p:txBody>
       </p:sp>
@@ -3529,14 +3527,14 @@
           <a:ln/>
           <a:extLst>
             <a:ext uri="{909E8E84-426E-40dd-AFC4-6F175D3DCCD1}">
-              <a14:hiddenFill xmlns:a14="http://schemas.microsoft.com/office/drawing/2010/main" xmlns="">
+              <a14:hiddenFill xmlns="" xmlns:a14="http://schemas.microsoft.com/office/drawing/2010/main">
                 <a:solidFill>
                   <a:srgbClr val="FFFFFF"/>
                 </a:solidFill>
               </a14:hiddenFill>
             </a:ext>
             <a:ext uri="{91240B29-F687-4f45-9708-019B960494DF}">
-              <a14:hiddenLine xmlns:a14="http://schemas.microsoft.com/office/drawing/2010/main" xmlns="" w="9525">
+              <a14:hiddenLine xmlns="" xmlns:a14="http://schemas.microsoft.com/office/drawing/2010/main" w="9525">
                 <a:solidFill>
                   <a:srgbClr val="000000"/>
                 </a:solidFill>
@@ -3665,7 +3663,7 @@
               <a:pPr eaLnBrk="1" hangingPunct="1"/>
               <a:t>24</a:t>
             </a:fld>
-            <a:endParaRPr lang="en-US" smtClean="0">
+            <a:endParaRPr lang="en-US">
               <a:latin typeface="Calibri" pitchFamily="34" charset="0"/>
             </a:endParaRPr>
           </a:p>
@@ -3729,35 +3727,35 @@
           <a:lstStyle/>
           <a:p>
             <a:r>
-              <a:rPr lang="en-US" dirty="0" smtClean="0"/>
+              <a:rPr lang="en-US" dirty="0"/>
               <a:t>If you find it helpful you can ask:</a:t>
             </a:r>
           </a:p>
           <a:p>
-            <a:endParaRPr lang="en-US" dirty="0" smtClean="0"/>
-          </a:p>
-          <a:p>
-            <a:r>
-              <a:rPr lang="en-US" dirty="0" smtClean="0"/>
+            <a:endParaRPr lang="en-US" dirty="0"/>
+          </a:p>
+          <a:p>
+            <a:r>
+              <a:rPr lang="en-US" dirty="0"/>
               <a:t>If I run</a:t>
             </a:r>
             <a:r>
-              <a:rPr lang="en-US" baseline="0" dirty="0" smtClean="0"/>
+              <a:rPr lang="en-US" baseline="0" dirty="0"/>
               <a:t> “Pet p = new Dog();”</a:t>
             </a:r>
           </a:p>
           <a:p>
             <a:r>
-              <a:rPr lang="en-US" baseline="0" dirty="0" smtClean="0"/>
+              <a:rPr lang="en-US" baseline="0" dirty="0"/>
               <a:t>What is the type?  (confusion… Both?) </a:t>
             </a:r>
           </a:p>
           <a:p>
-            <a:endParaRPr lang="en-US" dirty="0" smtClean="0"/>
-          </a:p>
-          <a:p>
-            <a:r>
-              <a:rPr lang="en-US" dirty="0" smtClean="0"/>
+            <a:endParaRPr lang="en-US" dirty="0"/>
+          </a:p>
+          <a:p>
+            <a:r>
+              <a:rPr lang="en-US" dirty="0"/>
               <a:t>There is a declared (Pet) and actual (Dog) type.</a:t>
             </a:r>
           </a:p>
@@ -3853,19 +3851,19 @@
           <a:lstStyle/>
           <a:p>
             <a:r>
-              <a:rPr lang="en-US" dirty="0" smtClean="0"/>
+              <a:rPr lang="en-US" dirty="0"/>
               <a:t>Coupling,</a:t>
             </a:r>
             <a:r>
-              <a:rPr lang="en-US" baseline="0" dirty="0" smtClean="0"/>
+              <a:rPr lang="en-US" baseline="0" dirty="0"/>
               <a:t> a</a:t>
             </a:r>
             <a:r>
-              <a:rPr lang="en-US" dirty="0" smtClean="0"/>
+              <a:rPr lang="en-US" dirty="0"/>
               <a:t>lso</a:t>
             </a:r>
             <a:r>
-              <a:rPr lang="en-US" baseline="0" dirty="0" smtClean="0"/>
+              <a:rPr lang="en-US" baseline="0" dirty="0"/>
               <a:t> dependencies</a:t>
             </a:r>
             <a:endParaRPr lang="en-US" dirty="0"/>
@@ -3953,7 +3951,7 @@
           </a:ln>
           <a:extLst>
             <a:ext uri="{909E8E84-426E-40dd-AFC4-6F175D3DCCD1}">
-              <a14:hiddenFill xmlns:a14="http://schemas.microsoft.com/office/drawing/2010/main" xmlns="">
+              <a14:hiddenFill xmlns="" xmlns:a14="http://schemas.microsoft.com/office/drawing/2010/main">
                 <a:solidFill>
                   <a:srgbClr val="FFFFFF"/>
                 </a:solidFill>
@@ -3977,14 +3975,14 @@
           <a:ln/>
           <a:extLst>
             <a:ext uri="{909E8E84-426E-40dd-AFC4-6F175D3DCCD1}">
-              <a14:hiddenFill xmlns:a14="http://schemas.microsoft.com/office/drawing/2010/main" xmlns="">
+              <a14:hiddenFill xmlns="" xmlns:a14="http://schemas.microsoft.com/office/drawing/2010/main">
                 <a:solidFill>
                   <a:srgbClr val="FFFFFF"/>
                 </a:solidFill>
               </a14:hiddenFill>
             </a:ext>
             <a:ext uri="{91240B29-F687-4f45-9708-019B960494DF}">
-              <a14:hiddenLine xmlns:a14="http://schemas.microsoft.com/office/drawing/2010/main" xmlns="" w="9525">
+              <a14:hiddenLine xmlns="" xmlns:a14="http://schemas.microsoft.com/office/drawing/2010/main" w="9525">
                 <a:solidFill>
                   <a:srgbClr val="000000"/>
                 </a:solidFill>
@@ -4000,48 +3998,48 @@
           <a:lstStyle/>
           <a:p>
             <a:r>
-              <a:rPr lang="en-US" dirty="0" smtClean="0"/>
+              <a:rPr lang="en-US" dirty="0"/>
               <a:t>Define each of the highlighted terms</a:t>
             </a:r>
           </a:p>
           <a:p>
             <a:r>
-              <a:rPr lang="en-US" dirty="0" smtClean="0"/>
+              <a:rPr lang="en-US" dirty="0"/>
               <a:t>A callback is a mechanism for specifying a block of code so it can be executed later.</a:t>
             </a:r>
           </a:p>
           <a:p>
             <a:r>
-              <a:rPr lang="en-US" dirty="0" smtClean="0"/>
+              <a:rPr lang="en-US" dirty="0"/>
               <a:t>An event is a notification to the program that a</a:t>
             </a:r>
             <a:r>
-              <a:rPr lang="en-US" baseline="0" dirty="0" smtClean="0"/>
+              <a:rPr lang="en-US" baseline="0" dirty="0"/>
               <a:t> user</a:t>
             </a:r>
             <a:r>
-              <a:rPr lang="en-US" dirty="0" smtClean="0"/>
+              <a:rPr lang="en-US" dirty="0"/>
               <a:t> action (key press,</a:t>
             </a:r>
             <a:r>
-              <a:rPr lang="en-US" baseline="0" dirty="0" smtClean="0"/>
+              <a:rPr lang="en-US" baseline="0" dirty="0"/>
               <a:t> mouse move, menu selection, etc</a:t>
             </a:r>
             <a:r>
-              <a:rPr lang="en-US" dirty="0" smtClean="0"/>
+              <a:rPr lang="en-US" dirty="0"/>
               <a:t>) has occurred.</a:t>
             </a:r>
           </a:p>
           <a:p>
             <a:r>
-              <a:rPr lang="en-US" dirty="0" smtClean="0"/>
+              <a:rPr lang="en-US" dirty="0"/>
               <a:t>We handle events</a:t>
             </a:r>
             <a:r>
-              <a:rPr lang="en-US" baseline="0" dirty="0" smtClean="0"/>
+              <a:rPr lang="en-US" baseline="0" dirty="0"/>
               <a:t> by writing code that respond to them so that the user receives the appropriate response.</a:t>
             </a:r>
-            <a:endParaRPr lang="en-US" dirty="0" smtClean="0"/>
+            <a:endParaRPr lang="en-US" dirty="0"/>
           </a:p>
         </p:txBody>
       </p:sp>
@@ -4060,14 +4058,14 @@
           <a:ln/>
           <a:extLst>
             <a:ext uri="{909E8E84-426E-40dd-AFC4-6F175D3DCCD1}">
-              <a14:hiddenFill xmlns:a14="http://schemas.microsoft.com/office/drawing/2010/main" xmlns="">
+              <a14:hiddenFill xmlns="" xmlns:a14="http://schemas.microsoft.com/office/drawing/2010/main">
                 <a:solidFill>
                   <a:srgbClr val="FFFFFF"/>
                 </a:solidFill>
               </a14:hiddenFill>
             </a:ext>
             <a:ext uri="{91240B29-F687-4f45-9708-019B960494DF}">
-              <a14:hiddenLine xmlns:a14="http://schemas.microsoft.com/office/drawing/2010/main" xmlns="" w="9525">
+              <a14:hiddenLine xmlns="" xmlns:a14="http://schemas.microsoft.com/office/drawing/2010/main" w="9525">
                 <a:solidFill>
                   <a:srgbClr val="000000"/>
                 </a:solidFill>
@@ -4196,7 +4194,7 @@
               <a:pPr eaLnBrk="1" hangingPunct="1"/>
               <a:t>7</a:t>
             </a:fld>
-            <a:endParaRPr lang="en-US" smtClean="0">
+            <a:endParaRPr lang="en-US">
               <a:latin typeface="Calibri" pitchFamily="34" charset="0"/>
             </a:endParaRPr>
           </a:p>
@@ -4254,7 +4252,7 @@
           </a:ln>
           <a:extLst>
             <a:ext uri="{909E8E84-426E-40dd-AFC4-6F175D3DCCD1}">
-              <a14:hiddenFill xmlns:a14="http://schemas.microsoft.com/office/drawing/2010/main" xmlns="">
+              <a14:hiddenFill xmlns="" xmlns:a14="http://schemas.microsoft.com/office/drawing/2010/main">
                 <a:solidFill>
                   <a:srgbClr val="FFFFFF"/>
                 </a:solidFill>
@@ -4278,14 +4276,14 @@
           <a:ln/>
           <a:extLst>
             <a:ext uri="{909E8E84-426E-40dd-AFC4-6F175D3DCCD1}">
-              <a14:hiddenFill xmlns:a14="http://schemas.microsoft.com/office/drawing/2010/main" xmlns="">
+              <a14:hiddenFill xmlns="" xmlns:a14="http://schemas.microsoft.com/office/drawing/2010/main">
                 <a:solidFill>
                   <a:srgbClr val="FFFFFF"/>
                 </a:solidFill>
               </a14:hiddenFill>
             </a:ext>
             <a:ext uri="{91240B29-F687-4f45-9708-019B960494DF}">
-              <a14:hiddenLine xmlns:a14="http://schemas.microsoft.com/office/drawing/2010/main" xmlns="" w="9525">
+              <a14:hiddenLine xmlns="" xmlns:a14="http://schemas.microsoft.com/office/drawing/2010/main" w="9525">
                 <a:solidFill>
                   <a:srgbClr val="000000"/>
                 </a:solidFill>
@@ -4301,27 +4299,27 @@
           <a:lstStyle/>
           <a:p>
             <a:r>
-              <a:rPr lang="en-US" dirty="0" smtClean="0"/>
+              <a:rPr lang="en-US" dirty="0"/>
               <a:t>QUIZ QUESTION 1  - things that happen,</a:t>
             </a:r>
             <a:r>
-              <a:rPr lang="en-US" baseline="0" dirty="0" smtClean="0"/>
+              <a:rPr lang="en-US" baseline="0" dirty="0"/>
               <a:t> where they come from</a:t>
             </a:r>
-            <a:endParaRPr lang="en-US" dirty="0" smtClean="0"/>
-          </a:p>
-          <a:p>
-            <a:endParaRPr lang="en-US" dirty="0" smtClean="0"/>
-          </a:p>
-          <a:p>
-            <a:r>
-              <a:rPr lang="en-US" dirty="0" smtClean="0"/>
+            <a:endParaRPr lang="en-US" dirty="0"/>
+          </a:p>
+          <a:p>
+            <a:endParaRPr lang="en-US" dirty="0"/>
+          </a:p>
+          <a:p>
+            <a:r>
+              <a:rPr lang="en-US" dirty="0"/>
               <a:t>An event source is an object that can notify other classes of events.</a:t>
             </a:r>
           </a:p>
           <a:p>
             <a:r>
-              <a:rPr lang="en-US" sz="1200" kern="1200" dirty="0" err="1" smtClean="0">
+              <a:rPr lang="en-US" sz="1200" kern="1200" dirty="0" err="1">
                 <a:solidFill>
                   <a:schemeClr val="tx1"/>
                 </a:solidFill>
@@ -4332,7 +4330,7 @@
               <a:t>ActionListener</a:t>
             </a:r>
             <a:r>
-              <a:rPr lang="en-US" sz="1200" kern="1200" dirty="0" smtClean="0">
+              <a:rPr lang="en-US" sz="1200" kern="1200" dirty="0">
                 <a:solidFill>
                   <a:schemeClr val="tx1"/>
                 </a:solidFill>
@@ -4343,7 +4341,7 @@
               <a:t> is an interface that MUST be implemented</a:t>
             </a:r>
             <a:r>
-              <a:rPr lang="en-US" sz="1200" kern="1200" baseline="0" dirty="0" smtClean="0">
+              <a:rPr lang="en-US" sz="1200" kern="1200" baseline="0" dirty="0">
                 <a:solidFill>
                   <a:schemeClr val="tx1"/>
                 </a:solidFill>
@@ -4356,7 +4354,7 @@
           </a:p>
           <a:p>
             <a:r>
-              <a:rPr lang="en-US" sz="1200" kern="1200" dirty="0" err="1" smtClean="0">
+              <a:rPr lang="en-US" sz="1200" kern="1200" dirty="0" err="1">
                 <a:solidFill>
                   <a:schemeClr val="tx1"/>
                 </a:solidFill>
@@ -4367,7 +4365,7 @@
               <a:t>MouseListener</a:t>
             </a:r>
             <a:r>
-              <a:rPr lang="en-US" sz="1200" kern="1200" dirty="0" smtClean="0">
+              <a:rPr lang="en-US" sz="1200" kern="1200" dirty="0">
                 <a:solidFill>
                   <a:schemeClr val="tx1"/>
                 </a:solidFill>
@@ -4378,7 +4376,7 @@
               <a:t> is an interface that declares the mouse functions</a:t>
             </a:r>
             <a:r>
-              <a:rPr lang="en-US" sz="1200" kern="1200" baseline="0" dirty="0" smtClean="0">
+              <a:rPr lang="en-US" sz="1200" kern="1200" baseline="0" dirty="0">
                 <a:solidFill>
                   <a:schemeClr val="tx1"/>
                 </a:solidFill>
@@ -4388,10 +4386,10 @@
               </a:rPr>
               <a:t> listed in the first bullet.</a:t>
             </a:r>
-            <a:endParaRPr lang="en-US" dirty="0" smtClean="0"/>
-          </a:p>
-          <a:p>
-            <a:endParaRPr lang="en-US" dirty="0" smtClean="0"/>
+            <a:endParaRPr lang="en-US" dirty="0"/>
+          </a:p>
+          <a:p>
+            <a:endParaRPr lang="en-US" dirty="0"/>
           </a:p>
         </p:txBody>
       </p:sp>
@@ -4410,14 +4408,14 @@
           <a:ln/>
           <a:extLst>
             <a:ext uri="{909E8E84-426E-40dd-AFC4-6F175D3DCCD1}">
-              <a14:hiddenFill xmlns:a14="http://schemas.microsoft.com/office/drawing/2010/main" xmlns="">
+              <a14:hiddenFill xmlns="" xmlns:a14="http://schemas.microsoft.com/office/drawing/2010/main">
                 <a:solidFill>
                   <a:srgbClr val="FFFFFF"/>
                 </a:solidFill>
               </a14:hiddenFill>
             </a:ext>
             <a:ext uri="{91240B29-F687-4f45-9708-019B960494DF}">
-              <a14:hiddenLine xmlns:a14="http://schemas.microsoft.com/office/drawing/2010/main" xmlns="" w="9525">
+              <a14:hiddenLine xmlns="" xmlns:a14="http://schemas.microsoft.com/office/drawing/2010/main" w="9525">
                 <a:solidFill>
                   <a:srgbClr val="000000"/>
                 </a:solidFill>
@@ -4546,7 +4544,7 @@
               <a:pPr eaLnBrk="1" hangingPunct="1"/>
               <a:t>9</a:t>
             </a:fld>
-            <a:endParaRPr lang="en-US" smtClean="0">
+            <a:endParaRPr lang="en-US">
               <a:latin typeface="Calibri" pitchFamily="34" charset="0"/>
             </a:endParaRPr>
           </a:p>
@@ -4610,11 +4608,11 @@
           <a:lstStyle/>
           <a:p>
             <a:r>
-              <a:rPr lang="en-US" dirty="0" smtClean="0"/>
+              <a:rPr lang="en-US" dirty="0"/>
               <a:t>Animated to walk through the idea of events being generated</a:t>
             </a:r>
             <a:r>
-              <a:rPr lang="en-US" baseline="0" dirty="0" smtClean="0"/>
+              <a:rPr lang="en-US" baseline="0" dirty="0"/>
               <a:t> and then Listeners which can be registered to them.</a:t>
             </a:r>
           </a:p>
@@ -4623,7 +4621,7 @@
               <a:buAutoNum type="arabicPeriod"/>
             </a:pPr>
             <a:r>
-              <a:rPr lang="en-US" baseline="0" dirty="0" smtClean="0"/>
+              <a:rPr lang="en-US" baseline="0" dirty="0"/>
               <a:t>If we do not register/attach our listener to an event source, then nothing happens</a:t>
             </a:r>
           </a:p>
@@ -4632,7 +4630,7 @@
               <a:buAutoNum type="arabicPeriod"/>
             </a:pPr>
             <a:r>
-              <a:rPr lang="en-US" baseline="0" dirty="0" smtClean="0"/>
+              <a:rPr lang="en-US" baseline="0" dirty="0"/>
               <a:t>We have to decide what happens when our listener is triggered</a:t>
             </a:r>
             <a:endParaRPr lang="en-US" dirty="0"/>
@@ -4726,17 +4724,17 @@
           <a:lstStyle/>
           <a:p>
             <a:r>
-              <a:rPr lang="en-US" dirty="0" smtClean="0"/>
+              <a:rPr lang="en-US" dirty="0"/>
               <a:t>This slide is animated and offers a chance to show how what</a:t>
             </a:r>
             <a:r>
-              <a:rPr lang="en-US" baseline="0" dirty="0" smtClean="0"/>
+              <a:rPr lang="en-US" baseline="0" dirty="0"/>
               <a:t> is happening conceptually in the code connects to the code that causes it.</a:t>
             </a:r>
           </a:p>
           <a:p>
             <a:r>
-              <a:rPr lang="en-US" baseline="0" dirty="0" smtClean="0"/>
+              <a:rPr lang="en-US" baseline="0" dirty="0"/>
               <a:t>This could be used before live coding or after if desired to review what was done.</a:t>
             </a:r>
             <a:endParaRPr lang="en-US" dirty="0"/>
@@ -4830,28 +4828,28 @@
           <a:lstStyle/>
           <a:p>
             <a:r>
-              <a:rPr lang="en-US" dirty="0" smtClean="0"/>
+              <a:rPr lang="en-US" dirty="0"/>
               <a:t>This is a reminder to do the</a:t>
             </a:r>
             <a:r>
-              <a:rPr lang="en-US" baseline="0" dirty="0" smtClean="0"/>
+              <a:rPr lang="en-US" baseline="0" dirty="0"/>
               <a:t> first part only (external listener) of </a:t>
             </a:r>
             <a:r>
-              <a:rPr lang="en-US" baseline="0" dirty="0" err="1" smtClean="0"/>
+              <a:rPr lang="en-US" baseline="0" dirty="0" err="1"/>
               <a:t>BreakfastMain.java</a:t>
             </a:r>
             <a:r>
-              <a:rPr lang="en-US" baseline="0" dirty="0" smtClean="0"/>
+              <a:rPr lang="en-US" baseline="0" dirty="0"/>
               <a:t> in the slides package.</a:t>
             </a:r>
           </a:p>
           <a:p>
-            <a:endParaRPr lang="en-US" baseline="0" dirty="0" smtClean="0"/>
-          </a:p>
-          <a:p>
-            <a:r>
-              <a:rPr lang="en-US" baseline="0" dirty="0" smtClean="0"/>
+            <a:endParaRPr lang="en-US" baseline="0" dirty="0"/>
+          </a:p>
+          <a:p>
+            <a:r>
+              <a:rPr lang="en-US" baseline="0" dirty="0"/>
               <a:t>Might want to demo how to have the button update the frame’s title (by passing in the frame to the listener’s constructor and calling back).</a:t>
             </a:r>
             <a:endParaRPr lang="en-US" dirty="0"/>
@@ -4945,24 +4943,23 @@
           <a:lstStyle/>
           <a:p>
             <a:r>
-              <a:rPr lang="en-US" dirty="0" smtClean="0"/>
+              <a:rPr lang="en-US" dirty="0"/>
               <a:t>Students will try to add multiple Buttons to the Frame and wonder where they went. </a:t>
             </a:r>
           </a:p>
           <a:p>
             <a:r>
-              <a:rPr lang="en-US" dirty="0" smtClean="0"/>
+              <a:rPr lang="en-US" dirty="0"/>
               <a:t>Let them do this for just a minute or two before you show them about </a:t>
             </a:r>
             <a:r>
-              <a:rPr lang="en-US" dirty="0" err="1" smtClean="0"/>
+              <a:rPr lang="en-US" dirty="0" err="1"/>
               <a:t>JPanels</a:t>
             </a:r>
             <a:r>
-              <a:rPr lang="en-US" dirty="0" smtClean="0"/>
+              <a:rPr lang="en-US" dirty="0"/>
               <a:t>.</a:t>
             </a:r>
-            <a:endParaRPr lang="en-US" dirty="0"/>
           </a:p>
         </p:txBody>
       </p:sp>
@@ -5046,10 +5043,9 @@
           <a:lstStyle/>
           <a:p>
             <a:r>
-              <a:rPr lang="en-US" smtClean="0"/>
+              <a:rPr lang="en-US"/>
               <a:t>Click to edit Master title style</a:t>
             </a:r>
-            <a:endParaRPr lang="en-US"/>
           </a:p>
         </p:txBody>
       </p:sp>
@@ -5165,10 +5161,9 @@
           </a:lstStyle>
           <a:p>
             <a:r>
-              <a:rPr lang="en-US" smtClean="0"/>
+              <a:rPr lang="en-US"/>
               <a:t>Click to edit Master subtitle style</a:t>
             </a:r>
-            <a:endParaRPr lang="en-US"/>
           </a:p>
         </p:txBody>
       </p:sp>
@@ -5195,7 +5190,7 @@
               <a:pPr>
                 <a:defRPr/>
               </a:pPr>
-              <a:t>Wednesday, January 15, 2020</a:t>
+              <a:t>Thursday, February 24, 2022</a:t>
             </a:fld>
             <a:endParaRPr lang="en-US" dirty="0"/>
           </a:p>
@@ -5298,10 +5293,9 @@
           <a:lstStyle/>
           <a:p>
             <a:r>
-              <a:rPr lang="en-US" smtClean="0"/>
+              <a:rPr lang="en-US"/>
               <a:t>Click to edit Master title style</a:t>
             </a:r>
-            <a:endParaRPr lang="en-US"/>
           </a:p>
         </p:txBody>
       </p:sp>
@@ -5322,38 +5316,37 @@
           <a:p>
             <a:pPr lvl="0"/>
             <a:r>
-              <a:rPr lang="en-US" smtClean="0"/>
+              <a:rPr lang="en-US"/>
               <a:t>Click to edit Master text styles</a:t>
             </a:r>
           </a:p>
           <a:p>
             <a:pPr lvl="1"/>
             <a:r>
-              <a:rPr lang="en-US" smtClean="0"/>
+              <a:rPr lang="en-US"/>
               <a:t>Second level</a:t>
             </a:r>
           </a:p>
           <a:p>
             <a:pPr lvl="2"/>
             <a:r>
-              <a:rPr lang="en-US" smtClean="0"/>
+              <a:rPr lang="en-US"/>
               <a:t>Third level</a:t>
             </a:r>
           </a:p>
           <a:p>
             <a:pPr lvl="3"/>
             <a:r>
-              <a:rPr lang="en-US" smtClean="0"/>
+              <a:rPr lang="en-US"/>
               <a:t>Fourth level</a:t>
             </a:r>
           </a:p>
           <a:p>
             <a:pPr lvl="4"/>
             <a:r>
-              <a:rPr lang="en-US" smtClean="0"/>
+              <a:rPr lang="en-US"/>
               <a:t>Fifth level</a:t>
             </a:r>
-            <a:endParaRPr lang="en-US"/>
           </a:p>
         </p:txBody>
       </p:sp>
@@ -5380,7 +5373,7 @@
               <a:pPr>
                 <a:defRPr/>
               </a:pPr>
-              <a:t>Wednesday, January 15, 2020</a:t>
+              <a:t>Thursday, February 24, 2022</a:t>
             </a:fld>
             <a:endParaRPr lang="en-US" dirty="0"/>
           </a:p>
@@ -5488,10 +5481,9 @@
           <a:lstStyle/>
           <a:p>
             <a:r>
-              <a:rPr lang="en-US" smtClean="0"/>
+              <a:rPr lang="en-US"/>
               <a:t>Click to edit Master title style</a:t>
             </a:r>
-            <a:endParaRPr lang="en-US"/>
           </a:p>
         </p:txBody>
       </p:sp>
@@ -5517,38 +5509,37 @@
           <a:p>
             <a:pPr lvl="0"/>
             <a:r>
-              <a:rPr lang="en-US" smtClean="0"/>
+              <a:rPr lang="en-US"/>
               <a:t>Click to edit Master text styles</a:t>
             </a:r>
           </a:p>
           <a:p>
             <a:pPr lvl="1"/>
             <a:r>
-              <a:rPr lang="en-US" smtClean="0"/>
+              <a:rPr lang="en-US"/>
               <a:t>Second level</a:t>
             </a:r>
           </a:p>
           <a:p>
             <a:pPr lvl="2"/>
             <a:r>
-              <a:rPr lang="en-US" smtClean="0"/>
+              <a:rPr lang="en-US"/>
               <a:t>Third level</a:t>
             </a:r>
           </a:p>
           <a:p>
             <a:pPr lvl="3"/>
             <a:r>
-              <a:rPr lang="en-US" smtClean="0"/>
+              <a:rPr lang="en-US"/>
               <a:t>Fourth level</a:t>
             </a:r>
           </a:p>
           <a:p>
             <a:pPr lvl="4"/>
             <a:r>
-              <a:rPr lang="en-US" smtClean="0"/>
+              <a:rPr lang="en-US"/>
               <a:t>Fifth level</a:t>
             </a:r>
-            <a:endParaRPr lang="en-US"/>
           </a:p>
         </p:txBody>
       </p:sp>
@@ -5575,7 +5566,7 @@
               <a:pPr>
                 <a:defRPr/>
               </a:pPr>
-              <a:t>Wednesday, January 15, 2020</a:t>
+              <a:t>Thursday, February 24, 2022</a:t>
             </a:fld>
             <a:endParaRPr lang="en-US" dirty="0"/>
           </a:p>
@@ -5678,10 +5669,9 @@
           <a:lstStyle/>
           <a:p>
             <a:r>
-              <a:rPr lang="en-US" smtClean="0"/>
+              <a:rPr lang="en-US"/>
               <a:t>Click to edit Master title style</a:t>
             </a:r>
-            <a:endParaRPr lang="en-US"/>
           </a:p>
         </p:txBody>
       </p:sp>
@@ -5702,38 +5692,37 @@
           <a:p>
             <a:pPr lvl="0"/>
             <a:r>
-              <a:rPr lang="en-US" smtClean="0"/>
+              <a:rPr lang="en-US"/>
               <a:t>Click to edit Master text styles</a:t>
             </a:r>
           </a:p>
           <a:p>
             <a:pPr lvl="1"/>
             <a:r>
-              <a:rPr lang="en-US" smtClean="0"/>
+              <a:rPr lang="en-US"/>
               <a:t>Second level</a:t>
             </a:r>
           </a:p>
           <a:p>
             <a:pPr lvl="2"/>
             <a:r>
-              <a:rPr lang="en-US" smtClean="0"/>
+              <a:rPr lang="en-US"/>
               <a:t>Third level</a:t>
             </a:r>
           </a:p>
           <a:p>
             <a:pPr lvl="3"/>
             <a:r>
-              <a:rPr lang="en-US" smtClean="0"/>
+              <a:rPr lang="en-US"/>
               <a:t>Fourth level</a:t>
             </a:r>
           </a:p>
           <a:p>
             <a:pPr lvl="4"/>
             <a:r>
-              <a:rPr lang="en-US" smtClean="0"/>
+              <a:rPr lang="en-US"/>
               <a:t>Fifth level</a:t>
             </a:r>
-            <a:endParaRPr lang="en-US"/>
           </a:p>
         </p:txBody>
       </p:sp>
@@ -5760,7 +5749,7 @@
               <a:pPr>
                 <a:defRPr/>
               </a:pPr>
-              <a:t>Wednesday, January 15, 2020</a:t>
+              <a:t>Thursday, February 24, 2022</a:t>
             </a:fld>
             <a:endParaRPr lang="en-US" dirty="0"/>
           </a:p>
@@ -5872,10 +5861,9 @@
           </a:lstStyle>
           <a:p>
             <a:r>
-              <a:rPr lang="en-US" smtClean="0"/>
+              <a:rPr lang="en-US"/>
               <a:t>Click to edit Master title style</a:t>
             </a:r>
-            <a:endParaRPr lang="en-US"/>
           </a:p>
         </p:txBody>
       </p:sp>
@@ -5992,7 +5980,7 @@
           <a:p>
             <a:pPr lvl="0"/>
             <a:r>
-              <a:rPr lang="en-US" smtClean="0"/>
+              <a:rPr lang="en-US"/>
               <a:t>Click to edit Master text styles</a:t>
             </a:r>
           </a:p>
@@ -6021,7 +6009,7 @@
               <a:pPr>
                 <a:defRPr/>
               </a:pPr>
-              <a:t>Wednesday, January 15, 2020</a:t>
+              <a:t>Thursday, February 24, 2022</a:t>
             </a:fld>
             <a:endParaRPr lang="en-US"/>
           </a:p>
@@ -6124,10 +6112,9 @@
           <a:lstStyle/>
           <a:p>
             <a:r>
-              <a:rPr lang="en-US" smtClean="0"/>
+              <a:rPr lang="en-US"/>
               <a:t>Click to edit Master title style</a:t>
             </a:r>
-            <a:endParaRPr lang="en-US"/>
           </a:p>
         </p:txBody>
       </p:sp>
@@ -6181,38 +6168,37 @@
           <a:p>
             <a:pPr lvl="0"/>
             <a:r>
-              <a:rPr lang="en-US" smtClean="0"/>
+              <a:rPr lang="en-US"/>
               <a:t>Click to edit Master text styles</a:t>
             </a:r>
           </a:p>
           <a:p>
             <a:pPr lvl="1"/>
             <a:r>
-              <a:rPr lang="en-US" smtClean="0"/>
+              <a:rPr lang="en-US"/>
               <a:t>Second level</a:t>
             </a:r>
           </a:p>
           <a:p>
             <a:pPr lvl="2"/>
             <a:r>
-              <a:rPr lang="en-US" smtClean="0"/>
+              <a:rPr lang="en-US"/>
               <a:t>Third level</a:t>
             </a:r>
           </a:p>
           <a:p>
             <a:pPr lvl="3"/>
             <a:r>
-              <a:rPr lang="en-US" smtClean="0"/>
+              <a:rPr lang="en-US"/>
               <a:t>Fourth level</a:t>
             </a:r>
           </a:p>
           <a:p>
             <a:pPr lvl="4"/>
             <a:r>
-              <a:rPr lang="en-US" smtClean="0"/>
+              <a:rPr lang="en-US"/>
               <a:t>Fifth level</a:t>
             </a:r>
-            <a:endParaRPr lang="en-US"/>
           </a:p>
         </p:txBody>
       </p:sp>
@@ -6266,38 +6252,37 @@
           <a:p>
             <a:pPr lvl="0"/>
             <a:r>
-              <a:rPr lang="en-US" smtClean="0"/>
+              <a:rPr lang="en-US"/>
               <a:t>Click to edit Master text styles</a:t>
             </a:r>
           </a:p>
           <a:p>
             <a:pPr lvl="1"/>
             <a:r>
-              <a:rPr lang="en-US" smtClean="0"/>
+              <a:rPr lang="en-US"/>
               <a:t>Second level</a:t>
             </a:r>
           </a:p>
           <a:p>
             <a:pPr lvl="2"/>
             <a:r>
-              <a:rPr lang="en-US" smtClean="0"/>
+              <a:rPr lang="en-US"/>
               <a:t>Third level</a:t>
             </a:r>
           </a:p>
           <a:p>
             <a:pPr lvl="3"/>
             <a:r>
-              <a:rPr lang="en-US" smtClean="0"/>
+              <a:rPr lang="en-US"/>
               <a:t>Fourth level</a:t>
             </a:r>
           </a:p>
           <a:p>
             <a:pPr lvl="4"/>
             <a:r>
-              <a:rPr lang="en-US" smtClean="0"/>
+              <a:rPr lang="en-US"/>
               <a:t>Fifth level</a:t>
             </a:r>
-            <a:endParaRPr lang="en-US"/>
           </a:p>
         </p:txBody>
       </p:sp>
@@ -6324,7 +6309,7 @@
               <a:pPr>
                 <a:defRPr/>
               </a:pPr>
-              <a:t>Wednesday, January 15, 2020</a:t>
+              <a:t>Thursday, February 24, 2022</a:t>
             </a:fld>
             <a:endParaRPr lang="en-US"/>
           </a:p>
@@ -6431,10 +6416,9 @@
           </a:lstStyle>
           <a:p>
             <a:r>
-              <a:rPr lang="en-US" smtClean="0"/>
+              <a:rPr lang="en-US"/>
               <a:t>Click to edit Master title style</a:t>
             </a:r>
-            <a:endParaRPr lang="en-US"/>
           </a:p>
         </p:txBody>
       </p:sp>
@@ -6497,7 +6481,7 @@
           <a:p>
             <a:pPr lvl="0"/>
             <a:r>
-              <a:rPr lang="en-US" smtClean="0"/>
+              <a:rPr lang="en-US"/>
               <a:t>Click to edit Master text styles</a:t>
             </a:r>
           </a:p>
@@ -6553,38 +6537,37 @@
           <a:p>
             <a:pPr lvl="0"/>
             <a:r>
-              <a:rPr lang="en-US" smtClean="0"/>
+              <a:rPr lang="en-US"/>
               <a:t>Click to edit Master text styles</a:t>
             </a:r>
           </a:p>
           <a:p>
             <a:pPr lvl="1"/>
             <a:r>
-              <a:rPr lang="en-US" smtClean="0"/>
+              <a:rPr lang="en-US"/>
               <a:t>Second level</a:t>
             </a:r>
           </a:p>
           <a:p>
             <a:pPr lvl="2"/>
             <a:r>
-              <a:rPr lang="en-US" smtClean="0"/>
+              <a:rPr lang="en-US"/>
               <a:t>Third level</a:t>
             </a:r>
           </a:p>
           <a:p>
             <a:pPr lvl="3"/>
             <a:r>
-              <a:rPr lang="en-US" smtClean="0"/>
+              <a:rPr lang="en-US"/>
               <a:t>Fourth level</a:t>
             </a:r>
           </a:p>
           <a:p>
             <a:pPr lvl="4"/>
             <a:r>
-              <a:rPr lang="en-US" smtClean="0"/>
+              <a:rPr lang="en-US"/>
               <a:t>Fifth level</a:t>
             </a:r>
-            <a:endParaRPr lang="en-US"/>
           </a:p>
         </p:txBody>
       </p:sp>
@@ -6647,7 +6630,7 @@
           <a:p>
             <a:pPr lvl="0"/>
             <a:r>
-              <a:rPr lang="en-US" smtClean="0"/>
+              <a:rPr lang="en-US"/>
               <a:t>Click to edit Master text styles</a:t>
             </a:r>
           </a:p>
@@ -6703,38 +6686,37 @@
           <a:p>
             <a:pPr lvl="0"/>
             <a:r>
-              <a:rPr lang="en-US" smtClean="0"/>
+              <a:rPr lang="en-US"/>
               <a:t>Click to edit Master text styles</a:t>
             </a:r>
           </a:p>
           <a:p>
             <a:pPr lvl="1"/>
             <a:r>
-              <a:rPr lang="en-US" smtClean="0"/>
+              <a:rPr lang="en-US"/>
               <a:t>Second level</a:t>
             </a:r>
           </a:p>
           <a:p>
             <a:pPr lvl="2"/>
             <a:r>
-              <a:rPr lang="en-US" smtClean="0"/>
+              <a:rPr lang="en-US"/>
               <a:t>Third level</a:t>
             </a:r>
           </a:p>
           <a:p>
             <a:pPr lvl="3"/>
             <a:r>
-              <a:rPr lang="en-US" smtClean="0"/>
+              <a:rPr lang="en-US"/>
               <a:t>Fourth level</a:t>
             </a:r>
           </a:p>
           <a:p>
             <a:pPr lvl="4"/>
             <a:r>
-              <a:rPr lang="en-US" smtClean="0"/>
+              <a:rPr lang="en-US"/>
               <a:t>Fifth level</a:t>
             </a:r>
-            <a:endParaRPr lang="en-US"/>
           </a:p>
         </p:txBody>
       </p:sp>
@@ -6761,7 +6743,7 @@
               <a:pPr>
                 <a:defRPr/>
               </a:pPr>
-              <a:t>Wednesday, January 15, 2020</a:t>
+              <a:t>Thursday, February 24, 2022</a:t>
             </a:fld>
             <a:endParaRPr lang="en-US"/>
           </a:p>
@@ -6864,10 +6846,9 @@
           <a:lstStyle/>
           <a:p>
             <a:r>
-              <a:rPr lang="en-US" smtClean="0"/>
+              <a:rPr lang="en-US"/>
               <a:t>Click to edit Master title style</a:t>
             </a:r>
-            <a:endParaRPr lang="en-US"/>
           </a:p>
         </p:txBody>
       </p:sp>
@@ -6894,7 +6875,7 @@
               <a:pPr>
                 <a:defRPr/>
               </a:pPr>
-              <a:t>Wednesday, January 15, 2020</a:t>
+              <a:t>Thursday, February 24, 2022</a:t>
             </a:fld>
             <a:endParaRPr lang="en-US"/>
           </a:p>
@@ -7004,7 +6985,7 @@
               <a:pPr>
                 <a:defRPr/>
               </a:pPr>
-              <a:t>Wednesday, January 15, 2020</a:t>
+              <a:t>Thursday, February 24, 2022</a:t>
             </a:fld>
             <a:endParaRPr lang="en-US" dirty="0"/>
           </a:p>
@@ -7116,10 +7097,9 @@
           </a:lstStyle>
           <a:p>
             <a:r>
-              <a:rPr lang="en-US" smtClean="0"/>
+              <a:rPr lang="en-US"/>
               <a:t>Click to edit Master title style</a:t>
             </a:r>
-            <a:endParaRPr lang="en-US"/>
           </a:p>
         </p:txBody>
       </p:sp>
@@ -7173,38 +7153,37 @@
           <a:p>
             <a:pPr lvl="0"/>
             <a:r>
-              <a:rPr lang="en-US" smtClean="0"/>
+              <a:rPr lang="en-US"/>
               <a:t>Click to edit Master text styles</a:t>
             </a:r>
           </a:p>
           <a:p>
             <a:pPr lvl="1"/>
             <a:r>
-              <a:rPr lang="en-US" smtClean="0"/>
+              <a:rPr lang="en-US"/>
               <a:t>Second level</a:t>
             </a:r>
           </a:p>
           <a:p>
             <a:pPr lvl="2"/>
             <a:r>
-              <a:rPr lang="en-US" smtClean="0"/>
+              <a:rPr lang="en-US"/>
               <a:t>Third level</a:t>
             </a:r>
           </a:p>
           <a:p>
             <a:pPr lvl="3"/>
             <a:r>
-              <a:rPr lang="en-US" smtClean="0"/>
+              <a:rPr lang="en-US"/>
               <a:t>Fourth level</a:t>
             </a:r>
           </a:p>
           <a:p>
             <a:pPr lvl="4"/>
             <a:r>
-              <a:rPr lang="en-US" smtClean="0"/>
+              <a:rPr lang="en-US"/>
               <a:t>Fifth level</a:t>
             </a:r>
-            <a:endParaRPr lang="en-US"/>
           </a:p>
         </p:txBody>
       </p:sp>
@@ -7267,7 +7246,7 @@
           <a:p>
             <a:pPr lvl="0"/>
             <a:r>
-              <a:rPr lang="en-US" smtClean="0"/>
+              <a:rPr lang="en-US"/>
               <a:t>Click to edit Master text styles</a:t>
             </a:r>
           </a:p>
@@ -7296,7 +7275,7 @@
               <a:pPr>
                 <a:defRPr/>
               </a:pPr>
-              <a:t>Wednesday, January 15, 2020</a:t>
+              <a:t>Thursday, February 24, 2022</a:t>
             </a:fld>
             <a:endParaRPr lang="en-US"/>
           </a:p>
@@ -7408,10 +7387,9 @@
           </a:lstStyle>
           <a:p>
             <a:r>
-              <a:rPr lang="en-US" smtClean="0"/>
+              <a:rPr lang="en-US"/>
               <a:t>Click to edit Master title style</a:t>
             </a:r>
-            <a:endParaRPr lang="en-US"/>
           </a:p>
         </p:txBody>
       </p:sp>
@@ -7535,7 +7513,7 @@
           <a:p>
             <a:pPr lvl="0"/>
             <a:r>
-              <a:rPr lang="en-US" smtClean="0"/>
+              <a:rPr lang="en-US"/>
               <a:t>Click to edit Master text styles</a:t>
             </a:r>
           </a:p>
@@ -7564,7 +7542,7 @@
               <a:pPr>
                 <a:defRPr/>
               </a:pPr>
-              <a:t>Wednesday, January 15, 2020</a:t>
+              <a:t>Thursday, February 24, 2022</a:t>
             </a:fld>
             <a:endParaRPr lang="en-US"/>
           </a:p>
@@ -7682,10 +7660,9 @@
           <a:lstStyle/>
           <a:p>
             <a:r>
-              <a:rPr lang="en-US" smtClean="0"/>
+              <a:rPr lang="en-US"/>
               <a:t>Click to edit Master title style</a:t>
             </a:r>
-            <a:endParaRPr lang="en-US"/>
           </a:p>
         </p:txBody>
       </p:sp>
@@ -7716,38 +7693,37 @@
           <a:p>
             <a:pPr lvl="0"/>
             <a:r>
-              <a:rPr lang="en-US" smtClean="0"/>
+              <a:rPr lang="en-US"/>
               <a:t>Click to edit Master text styles</a:t>
             </a:r>
           </a:p>
           <a:p>
             <a:pPr lvl="1"/>
             <a:r>
-              <a:rPr lang="en-US" smtClean="0"/>
+              <a:rPr lang="en-US"/>
               <a:t>Second level</a:t>
             </a:r>
           </a:p>
           <a:p>
             <a:pPr lvl="2"/>
             <a:r>
-              <a:rPr lang="en-US" smtClean="0"/>
+              <a:rPr lang="en-US"/>
               <a:t>Third level</a:t>
             </a:r>
           </a:p>
           <a:p>
             <a:pPr lvl="3"/>
             <a:r>
-              <a:rPr lang="en-US" smtClean="0"/>
+              <a:rPr lang="en-US"/>
               <a:t>Fourth level</a:t>
             </a:r>
           </a:p>
           <a:p>
             <a:pPr lvl="4"/>
             <a:r>
-              <a:rPr lang="en-US" smtClean="0"/>
+              <a:rPr lang="en-US"/>
               <a:t>Fifth level</a:t>
             </a:r>
-            <a:endParaRPr lang="en-US"/>
           </a:p>
         </p:txBody>
       </p:sp>
@@ -7792,7 +7768,7 @@
               <a:pPr>
                 <a:defRPr/>
               </a:pPr>
-              <a:t>Wednesday, January 15, 2020</a:t>
+              <a:t>Thursday, February 24, 2022</a:t>
             </a:fld>
             <a:endParaRPr lang="en-US" dirty="0"/>
           </a:p>
@@ -8198,10 +8174,9 @@
               <a:defRPr/>
             </a:pPr>
             <a:r>
-              <a:rPr lang="en-US" dirty="0" smtClean="0"/>
+              <a:rPr lang="en-US" dirty="0"/>
               <a:t>CSSE 220</a:t>
             </a:r>
-            <a:endParaRPr lang="en-US" dirty="0"/>
           </a:p>
         </p:txBody>
       </p:sp>
@@ -8226,7 +8201,7 @@
               </a:lnSpc>
             </a:pPr>
             <a:r>
-              <a:rPr lang="en-US" sz="2500" dirty="0" smtClean="0"/>
+              <a:rPr lang="en-US" sz="2500" dirty="0"/>
               <a:t>Event Based Programming</a:t>
             </a:r>
           </a:p>
@@ -8234,18 +8209,27 @@
       </p:sp>
       <p:sp>
         <p:nvSpPr>
-          <p:cNvPr id="4" name="TextBox 3"/>
-          <p:cNvSpPr txBox="1"/>
+          <p:cNvPr id="5" name="Rectangle 4">
+            <a:extLst>
+              <a:ext uri="{FF2B5EF4-FFF2-40B4-BE49-F238E27FC236}">
+                <a16:creationId xmlns:a16="http://schemas.microsoft.com/office/drawing/2014/main" id="{68C68915-9A64-8242-A658-100DC318114C}"/>
+              </a:ext>
+            </a:extLst>
+          </p:cNvPr>
+          <p:cNvSpPr/>
           <p:nvPr/>
         </p:nvSpPr>
         <p:spPr>
           <a:xfrm>
-            <a:off x="285750" y="6242050"/>
-            <a:ext cx="7486650" cy="461665"/>
+            <a:off x="304800" y="5105400"/>
+            <a:ext cx="8534400" cy="1295400"/>
           </a:xfrm>
           <a:prstGeom prst="rect">
             <a:avLst/>
           </a:prstGeom>
+          <a:solidFill>
+            <a:schemeClr val="accent3"/>
+          </a:solidFill>
         </p:spPr>
         <p:style>
           <a:lnRef idx="2">
@@ -8264,35 +8248,55 @@
           </a:fontRef>
         </p:style>
         <p:txBody>
-          <a:bodyPr wrap="square">
-            <a:spAutoFit/>
-          </a:bodyPr>
+          <a:bodyPr rtlCol="0" anchor="ctr"/>
           <a:lstStyle/>
           <a:p>
-            <a:pPr>
-              <a:defRPr/>
+            <a:r>
+              <a:rPr lang="en-US" sz="2400" dirty="0">
+                <a:solidFill>
+                  <a:srgbClr val="FFFFFF"/>
+                </a:solidFill>
+              </a:rPr>
+              <a:t>The </a:t>
+            </a:r>
+            <a:r>
+              <a:rPr lang="en-US" sz="2400" i="1" dirty="0">
+                <a:solidFill>
+                  <a:srgbClr val="FFFFFF"/>
+                </a:solidFill>
+              </a:rPr>
+              <a:t>git</a:t>
+            </a:r>
+            <a:r>
+              <a:rPr lang="en-US" sz="2400" dirty="0">
+                <a:solidFill>
+                  <a:srgbClr val="FFFFFF"/>
+                </a:solidFill>
+              </a:rPr>
+              <a:t> projects for today are:</a:t>
+            </a:r>
+          </a:p>
+          <a:p>
+            <a:pPr marL="342900" indent="-342900">
+              <a:buFont typeface="Arial" panose="020B0604020202020204" pitchFamily="34" charset="0"/>
+              <a:buChar char="•"/>
             </a:pPr>
             <a:r>
-              <a:rPr lang="en-US" sz="2400" dirty="0"/>
-              <a:t>Check out </a:t>
-            </a:r>
-            <a:r>
-              <a:rPr lang="en-US" sz="2400" i="1" dirty="0" err="1" smtClean="0"/>
-              <a:t>EventBasedProgramming</a:t>
-            </a:r>
-            <a:r>
-              <a:rPr lang="en-US" sz="2400" i="1" dirty="0" smtClean="0"/>
-              <a:t> </a:t>
-            </a:r>
-            <a:r>
-              <a:rPr lang="en-US" sz="2400" dirty="0"/>
-              <a:t>from </a:t>
-            </a:r>
-            <a:r>
-              <a:rPr lang="en-US" sz="2400" dirty="0" err="1" smtClean="0"/>
-              <a:t>Git</a:t>
-            </a:r>
-            <a:endParaRPr lang="en-US" sz="2400" dirty="0"/>
+              <a:rPr lang="en-US" sz="2400" i="1" dirty="0" err="1"/>
+              <a:t>PracticeEventBasedProgramming</a:t>
+            </a:r>
+            <a:endParaRPr lang="en-US" sz="2400" i="1" dirty="0"/>
+          </a:p>
+          <a:p>
+            <a:pPr marL="342900" indent="-342900">
+              <a:buFont typeface="Arial" panose="020B0604020202020204" pitchFamily="34" charset="0"/>
+              <a:buChar char="•"/>
+            </a:pPr>
+            <a:r>
+              <a:rPr lang="en-US" sz="2400" i="1" dirty="0" err="1"/>
+              <a:t>PracticeEventBasedProgrammingSolution</a:t>
+            </a:r>
+            <a:endParaRPr lang="en-US" sz="2400" i="1" dirty="0"/>
           </a:p>
         </p:txBody>
       </p:sp>
@@ -8301,13 +8305,6 @@
   <p:clrMapOvr>
     <a:masterClrMapping/>
   </p:clrMapOvr>
-  <p:timing>
-    <p:tnLst>
-      <p:par>
-        <p:cTn id="1" dur="indefinite" restart="never" nodeType="tmRoot"/>
-      </p:par>
-    </p:tnLst>
-  </p:timing>
 </p:sld>
 </file>
 
@@ -8349,10 +8346,9 @@
           <a:lstStyle/>
           <a:p>
             <a:r>
-              <a:rPr lang="en-US" dirty="0" smtClean="0"/>
+              <a:rPr lang="en-US" dirty="0"/>
               <a:t>Events</a:t>
             </a:r>
-            <a:endParaRPr lang="en-US" dirty="0"/>
           </a:p>
         </p:txBody>
       </p:sp>
@@ -8739,10 +8735,9 @@
           <a:lstStyle/>
           <a:p>
             <a:r>
-              <a:rPr lang="en-US" sz="2800" dirty="0" smtClean="0"/>
+              <a:rPr lang="en-US" sz="2800" dirty="0"/>
               <a:t>Mouse</a:t>
             </a:r>
-            <a:endParaRPr lang="en-US" sz="2800" dirty="0"/>
           </a:p>
         </p:txBody>
       </p:sp>
@@ -8769,10 +8764,9 @@
           <a:lstStyle/>
           <a:p>
             <a:r>
-              <a:rPr lang="en-US" sz="2800" dirty="0" smtClean="0"/>
+              <a:rPr lang="en-US" sz="2800" dirty="0"/>
               <a:t>Button</a:t>
             </a:r>
-            <a:endParaRPr lang="en-US" sz="2800" dirty="0"/>
           </a:p>
         </p:txBody>
       </p:sp>
@@ -8799,10 +8793,9 @@
           <a:lstStyle/>
           <a:p>
             <a:r>
-              <a:rPr lang="en-US" sz="2800" dirty="0" smtClean="0"/>
+              <a:rPr lang="en-US" sz="2800" dirty="0"/>
               <a:t>Keyboard</a:t>
             </a:r>
-            <a:endParaRPr lang="en-US" sz="2800" dirty="0"/>
           </a:p>
         </p:txBody>
       </p:sp>
@@ -9011,7 +9004,7 @@
               </a:spcAft>
             </a:pPr>
             <a:r>
-              <a:rPr lang="en-US" dirty="0" smtClean="0"/>
+              <a:rPr lang="en-US" dirty="0"/>
               <a:t>Event </a:t>
             </a:r>
           </a:p>
@@ -9022,10 +9015,9 @@
               </a:spcAft>
             </a:pPr>
             <a:r>
-              <a:rPr lang="en-US" dirty="0" smtClean="0"/>
+              <a:rPr lang="en-US" dirty="0"/>
               <a:t>Sources</a:t>
             </a:r>
-            <a:endParaRPr lang="en-US" dirty="0"/>
           </a:p>
         </p:txBody>
       </p:sp>
@@ -9073,7 +9065,7 @@
               </a:spcAft>
             </a:pPr>
             <a:r>
-              <a:rPr lang="en-US" dirty="0" smtClean="0"/>
+              <a:rPr lang="en-US" dirty="0"/>
               <a:t>Event</a:t>
             </a:r>
           </a:p>
@@ -9084,10 +9076,9 @@
               </a:spcAft>
             </a:pPr>
             <a:r>
-              <a:rPr lang="en-US" dirty="0" smtClean="0"/>
+              <a:rPr lang="en-US" dirty="0"/>
               <a:t>Listeners</a:t>
             </a:r>
-            <a:endParaRPr lang="en-US" dirty="0"/>
           </a:p>
         </p:txBody>
       </p:sp>
@@ -9114,10 +9105,10 @@
           <a:lstStyle/>
           <a:p>
             <a:r>
-              <a:rPr lang="en-US" dirty="0" err="1" smtClean="0"/>
+              <a:rPr lang="en-US" dirty="0" err="1"/>
               <a:t>ActionEvents</a:t>
             </a:r>
-            <a:endParaRPr lang="en-US" dirty="0" smtClean="0"/>
+            <a:endParaRPr lang="en-US" dirty="0"/>
           </a:p>
           <a:p>
             <a:endParaRPr lang="en-US" sz="2800" dirty="0"/>
@@ -9147,10 +9138,10 @@
           <a:lstStyle/>
           <a:p>
             <a:r>
-              <a:rPr lang="en-US" dirty="0" err="1" smtClean="0"/>
+              <a:rPr lang="en-US" dirty="0" err="1"/>
               <a:t>MouseEvents</a:t>
             </a:r>
-            <a:endParaRPr lang="en-US" dirty="0" smtClean="0"/>
+            <a:endParaRPr lang="en-US" dirty="0"/>
           </a:p>
         </p:txBody>
       </p:sp>
@@ -9177,10 +9168,10 @@
           <a:lstStyle/>
           <a:p>
             <a:r>
-              <a:rPr lang="en-US" dirty="0" err="1" smtClean="0"/>
+              <a:rPr lang="en-US" dirty="0" err="1"/>
               <a:t>KeyEvents</a:t>
             </a:r>
-            <a:endParaRPr lang="en-US" dirty="0" smtClean="0"/>
+            <a:endParaRPr lang="en-US" dirty="0"/>
           </a:p>
           <a:p>
             <a:endParaRPr lang="en-US" sz="2800" dirty="0"/>
@@ -9210,10 +9201,10 @@
           <a:lstStyle/>
           <a:p>
             <a:r>
-              <a:rPr lang="en-US" dirty="0" err="1" smtClean="0"/>
+              <a:rPr lang="en-US" dirty="0" err="1"/>
               <a:t>ActionListener</a:t>
             </a:r>
-            <a:endParaRPr lang="en-US" dirty="0" smtClean="0"/>
+            <a:endParaRPr lang="en-US" dirty="0"/>
           </a:p>
           <a:p>
             <a:endParaRPr lang="en-US" sz="2800" dirty="0"/>
@@ -9243,15 +9234,15 @@
           <a:lstStyle/>
           <a:p>
             <a:r>
-              <a:rPr lang="en-US" dirty="0" smtClean="0"/>
+              <a:rPr lang="en-US" dirty="0"/>
               <a:t>(</a:t>
             </a:r>
             <a:r>
-              <a:rPr lang="en-US" dirty="0" err="1" smtClean="0"/>
+              <a:rPr lang="en-US" dirty="0" err="1"/>
               <a:t>KeyListener</a:t>
             </a:r>
             <a:r>
-              <a:rPr lang="en-US" dirty="0" smtClean="0"/>
+              <a:rPr lang="en-US" dirty="0"/>
               <a:t>)</a:t>
             </a:r>
           </a:p>
@@ -9283,15 +9274,15 @@
           <a:lstStyle/>
           <a:p>
             <a:r>
-              <a:rPr lang="en-US" dirty="0" smtClean="0"/>
+              <a:rPr lang="en-US" dirty="0"/>
               <a:t>(</a:t>
             </a:r>
             <a:r>
-              <a:rPr lang="en-US" dirty="0" err="1" smtClean="0"/>
+              <a:rPr lang="en-US" dirty="0" err="1"/>
               <a:t>MouseListener</a:t>
             </a:r>
             <a:r>
-              <a:rPr lang="en-US" dirty="0" smtClean="0"/>
+              <a:rPr lang="en-US" dirty="0"/>
               <a:t>)</a:t>
             </a:r>
           </a:p>
@@ -9413,7 +9404,7 @@
           <a:lstStyle/>
           <a:p>
             <a:r>
-              <a:rPr lang="en-US" b="1" dirty="0" smtClean="0">
+              <a:rPr lang="en-US" b="1" dirty="0">
                 <a:solidFill>
                   <a:srgbClr val="FF0000"/>
                 </a:solidFill>
@@ -9421,18 +9412,13 @@
               <a:t>Register</a:t>
             </a:r>
             <a:r>
-              <a:rPr lang="en-US" dirty="0" smtClean="0">
+              <a:rPr lang="en-US" dirty="0">
                 <a:solidFill>
                   <a:srgbClr val="FF0000"/>
                 </a:solidFill>
               </a:rPr>
               <a:t>!</a:t>
             </a:r>
-            <a:endParaRPr lang="en-US" dirty="0">
-              <a:solidFill>
-                <a:srgbClr val="FF0000"/>
-              </a:solidFill>
-            </a:endParaRPr>
           </a:p>
         </p:txBody>
       </p:sp>
@@ -10675,10 +10661,9 @@
           <a:lstStyle/>
           <a:p>
             <a:r>
-              <a:rPr lang="en-US" sz="3200" dirty="0" smtClean="0"/>
+              <a:rPr lang="en-US" sz="3200" dirty="0"/>
               <a:t>Simple Interactive GUI Workflow</a:t>
             </a:r>
-            <a:endParaRPr lang="en-US" sz="3200" dirty="0"/>
           </a:p>
         </p:txBody>
       </p:sp>
@@ -10708,11 +10693,11 @@
               <a:buNone/>
             </a:pPr>
             <a:r>
-              <a:rPr lang="en-US" sz="2000" dirty="0" smtClean="0"/>
+              <a:rPr lang="en-US" sz="2000" dirty="0"/>
               <a:t>1. Create JFrame   </a:t>
             </a:r>
             <a:r>
-              <a:rPr lang="en-US" sz="2000" i="1" dirty="0" smtClean="0"/>
+              <a:rPr lang="en-US" sz="2000" i="1" dirty="0"/>
               <a:t>(Needs additional configuration)</a:t>
             </a:r>
           </a:p>
@@ -10720,46 +10705,46 @@
             <a:pPr marL="0" indent="0">
               <a:buNone/>
             </a:pPr>
-            <a:endParaRPr lang="en-US" sz="2000" dirty="0" smtClean="0"/>
+            <a:endParaRPr lang="en-US" sz="2000" dirty="0"/>
           </a:p>
           <a:p>
             <a:pPr marL="0" indent="0">
               <a:buNone/>
             </a:pPr>
-            <a:endParaRPr lang="en-US" sz="2000" dirty="0" smtClean="0"/>
+            <a:endParaRPr lang="en-US" sz="2000" dirty="0"/>
           </a:p>
           <a:p>
             <a:pPr marL="0" indent="0">
               <a:buNone/>
             </a:pPr>
             <a:r>
-              <a:rPr lang="en-US" sz="2000" dirty="0" smtClean="0"/>
+              <a:rPr lang="en-US" sz="2000" dirty="0"/>
               <a:t>2. Create </a:t>
             </a:r>
             <a:r>
-              <a:rPr lang="en-US" sz="2000" dirty="0" err="1" smtClean="0"/>
+              <a:rPr lang="en-US" sz="2000" dirty="0" err="1"/>
               <a:t>JButton</a:t>
             </a:r>
-            <a:endParaRPr lang="en-US" sz="2000" dirty="0" smtClean="0"/>
+            <a:endParaRPr lang="en-US" sz="2000" dirty="0"/>
           </a:p>
           <a:p>
             <a:pPr marL="0" indent="0">
               <a:buNone/>
             </a:pPr>
             <a:r>
-              <a:rPr lang="en-US" sz="2000" dirty="0" smtClean="0"/>
+              <a:rPr lang="en-US" sz="2000" dirty="0"/>
               <a:t>   </a:t>
             </a:r>
             <a:r>
-              <a:rPr lang="en-US" sz="2000" i="1" dirty="0" smtClean="0"/>
+              <a:rPr lang="en-US" sz="2000" i="1" dirty="0"/>
               <a:t>(</a:t>
             </a:r>
             <a:r>
-              <a:rPr lang="en-US" sz="2000" i="1" dirty="0" err="1" smtClean="0"/>
+              <a:rPr lang="en-US" sz="2000" i="1" dirty="0" err="1"/>
               <a:t>JButton</a:t>
             </a:r>
             <a:r>
-              <a:rPr lang="en-US" sz="2000" i="1" dirty="0" smtClean="0"/>
+              <a:rPr lang="en-US" sz="2000" i="1" dirty="0"/>
               <a:t> initially untethered and invisible)</a:t>
             </a:r>
           </a:p>
@@ -10767,36 +10752,36 @@
             <a:pPr marL="0" indent="0">
               <a:buNone/>
             </a:pPr>
-            <a:endParaRPr lang="en-US" sz="2000" dirty="0" smtClean="0"/>
+            <a:endParaRPr lang="en-US" sz="2000" dirty="0"/>
           </a:p>
           <a:p>
             <a:pPr marL="0" indent="0">
               <a:buNone/>
             </a:pPr>
-            <a:endParaRPr lang="en-US" sz="2000" dirty="0" smtClean="0"/>
+            <a:endParaRPr lang="en-US" sz="2000" dirty="0"/>
           </a:p>
           <a:p>
             <a:pPr marL="0" indent="0">
               <a:buNone/>
             </a:pPr>
             <a:r>
-              <a:rPr lang="en-US" sz="2000" dirty="0" smtClean="0"/>
+              <a:rPr lang="en-US" sz="2000" dirty="0"/>
               <a:t>3. Add </a:t>
             </a:r>
             <a:r>
-              <a:rPr lang="en-US" sz="2000" dirty="0" err="1" smtClean="0"/>
+              <a:rPr lang="en-US" sz="2000" dirty="0" err="1"/>
               <a:t>JButton</a:t>
             </a:r>
             <a:r>
-              <a:rPr lang="en-US" sz="2000" dirty="0" smtClean="0"/>
+              <a:rPr lang="en-US" sz="2000" dirty="0"/>
               <a:t> to JFrame  (Can also be added to a </a:t>
             </a:r>
             <a:r>
-              <a:rPr lang="en-US" sz="2000" dirty="0" err="1" smtClean="0"/>
+              <a:rPr lang="en-US" sz="2000" dirty="0" err="1"/>
               <a:t>JPanel</a:t>
             </a:r>
             <a:r>
-              <a:rPr lang="en-US" sz="2000" dirty="0" smtClean="0"/>
+              <a:rPr lang="en-US" sz="2000" dirty="0"/>
               <a:t>)</a:t>
             </a:r>
           </a:p>
@@ -10804,28 +10789,28 @@
             <a:pPr marL="0" indent="0">
               <a:buNone/>
             </a:pPr>
-            <a:endParaRPr lang="en-US" sz="2000" dirty="0" smtClean="0"/>
+            <a:endParaRPr lang="en-US" sz="2000" dirty="0"/>
           </a:p>
           <a:p>
             <a:pPr marL="0" indent="0">
               <a:buNone/>
             </a:pPr>
-            <a:endParaRPr lang="en-US" sz="2000" dirty="0" smtClean="0"/>
+            <a:endParaRPr lang="en-US" sz="2000" dirty="0"/>
           </a:p>
           <a:p>
             <a:pPr marL="0" indent="0">
               <a:buNone/>
             </a:pPr>
             <a:r>
-              <a:rPr lang="en-US" sz="2000" dirty="0" smtClean="0"/>
+              <a:rPr lang="en-US" sz="2000" dirty="0"/>
               <a:t>4. Create </a:t>
             </a:r>
             <a:r>
-              <a:rPr lang="en-US" sz="2000" dirty="0" err="1" smtClean="0"/>
+              <a:rPr lang="en-US" sz="2000" dirty="0" err="1"/>
               <a:t>ActionListener</a:t>
             </a:r>
             <a:r>
-              <a:rPr lang="en-US" sz="2000" dirty="0" smtClean="0"/>
+              <a:rPr lang="en-US" sz="2000" dirty="0"/>
               <a:t>  (must code what it does) </a:t>
             </a:r>
           </a:p>
@@ -10834,15 +10819,15 @@
               <a:buNone/>
             </a:pPr>
             <a:r>
-              <a:rPr lang="en-US" sz="2000" dirty="0" smtClean="0"/>
+              <a:rPr lang="en-US" sz="2000" dirty="0"/>
               <a:t>(Not connected to </a:t>
             </a:r>
             <a:r>
-              <a:rPr lang="en-US" sz="2000" dirty="0" err="1" smtClean="0"/>
+              <a:rPr lang="en-US" sz="2000" dirty="0" err="1"/>
               <a:t>JButton</a:t>
             </a:r>
             <a:r>
-              <a:rPr lang="en-US" sz="2000" dirty="0" smtClean="0"/>
+              <a:rPr lang="en-US" sz="2000" dirty="0"/>
               <a:t>, does nothing!)</a:t>
             </a:r>
           </a:p>
@@ -10850,41 +10835,41 @@
             <a:pPr marL="0" indent="0">
               <a:buNone/>
             </a:pPr>
-            <a:endParaRPr lang="en-US" sz="2000" dirty="0" smtClean="0"/>
+            <a:endParaRPr lang="en-US" sz="2000" dirty="0"/>
           </a:p>
           <a:p>
             <a:pPr marL="0" indent="0">
               <a:buNone/>
             </a:pPr>
-            <a:endParaRPr lang="en-US" sz="2000" dirty="0" smtClean="0"/>
+            <a:endParaRPr lang="en-US" sz="2000" dirty="0"/>
           </a:p>
           <a:p>
             <a:pPr marL="0" indent="0">
               <a:buNone/>
             </a:pPr>
             <a:r>
-              <a:rPr lang="en-US" sz="2000" dirty="0" smtClean="0"/>
+              <a:rPr lang="en-US" sz="2000" dirty="0"/>
               <a:t>5. Attach </a:t>
             </a:r>
             <a:r>
-              <a:rPr lang="en-US" sz="2000" dirty="0" err="1" smtClean="0"/>
+              <a:rPr lang="en-US" sz="2000" dirty="0" err="1"/>
               <a:t>ActionListener</a:t>
             </a:r>
             <a:r>
-              <a:rPr lang="en-US" sz="2000" dirty="0" smtClean="0"/>
+              <a:rPr lang="en-US" sz="2000" dirty="0"/>
               <a:t> to </a:t>
             </a:r>
             <a:r>
-              <a:rPr lang="en-US" sz="2000" dirty="0" err="1" smtClean="0"/>
+              <a:rPr lang="en-US" sz="2000" dirty="0" err="1"/>
               <a:t>JButton</a:t>
             </a:r>
-            <a:endParaRPr lang="en-US" sz="2000" dirty="0" smtClean="0"/>
+            <a:endParaRPr lang="en-US" sz="2000" dirty="0"/>
           </a:p>
           <a:p>
             <a:pPr marL="0" indent="0">
               <a:buNone/>
             </a:pPr>
-            <a:endParaRPr lang="en-US" sz="2000" dirty="0" smtClean="0"/>
+            <a:endParaRPr lang="en-US" sz="2000" dirty="0"/>
           </a:p>
         </p:txBody>
       </p:sp>
@@ -11475,14 +11460,11 @@
           <a:lstStyle/>
           <a:p>
             <a:r>
-              <a:rPr lang="en-US" sz="1600" dirty="0" smtClean="0">
+              <a:rPr lang="en-US" sz="1600" dirty="0">
                 <a:latin typeface="Consolas" panose="020B0609020204030204" pitchFamily="49" charset="0"/>
               </a:rPr>
               <a:t>JFrame frame = new JFrame(“Breakfast for Goldilocks”);</a:t>
             </a:r>
-            <a:endParaRPr lang="en-US" sz="1600" dirty="0">
-              <a:latin typeface="Consolas" panose="020B0609020204030204" pitchFamily="49" charset="0"/>
-            </a:endParaRPr>
           </a:p>
         </p:txBody>
       </p:sp>
@@ -11514,32 +11496,29 @@
           <a:lstStyle/>
           <a:p>
             <a:r>
-              <a:rPr lang="en-US" sz="1600" dirty="0" err="1" smtClean="0">
+              <a:rPr lang="en-US" sz="1600" dirty="0" err="1">
                 <a:latin typeface="Consolas" panose="020B0609020204030204" pitchFamily="49" charset="0"/>
               </a:rPr>
               <a:t>JButton</a:t>
             </a:r>
             <a:r>
-              <a:rPr lang="en-US" sz="1600" dirty="0" smtClean="0">
+              <a:rPr lang="en-US" sz="1600" dirty="0">
                 <a:latin typeface="Consolas" panose="020B0609020204030204" pitchFamily="49" charset="0"/>
               </a:rPr>
               <a:t> button = new </a:t>
             </a:r>
             <a:r>
-              <a:rPr lang="en-US" sz="1600" dirty="0" err="1" smtClean="0">
+              <a:rPr lang="en-US" sz="1600" dirty="0" err="1">
                 <a:latin typeface="Consolas" panose="020B0609020204030204" pitchFamily="49" charset="0"/>
               </a:rPr>
               <a:t>JButton</a:t>
             </a:r>
             <a:r>
-              <a:rPr lang="en-US" sz="1600" dirty="0" smtClean="0">
+              <a:rPr lang="en-US" sz="1600" dirty="0">
                 <a:latin typeface="Consolas" panose="020B0609020204030204" pitchFamily="49" charset="0"/>
               </a:rPr>
               <a:t>(“Eat Porridge”);</a:t>
             </a:r>
-            <a:endParaRPr lang="en-US" sz="1600" dirty="0">
-              <a:latin typeface="Consolas" panose="020B0609020204030204" pitchFamily="49" charset="0"/>
-            </a:endParaRPr>
           </a:p>
         </p:txBody>
       </p:sp>
@@ -11571,20 +11550,17 @@
           <a:lstStyle/>
           <a:p>
             <a:r>
-              <a:rPr lang="en-US" sz="1600" dirty="0" err="1" smtClean="0">
+              <a:rPr lang="en-US" sz="1600" dirty="0" err="1">
                 <a:latin typeface="Consolas" panose="020B0609020204030204" pitchFamily="49" charset="0"/>
               </a:rPr>
               <a:t>frame.add</a:t>
             </a:r>
             <a:r>
-              <a:rPr lang="en-US" sz="1600" dirty="0" smtClean="0">
+              <a:rPr lang="en-US" sz="1600" dirty="0">
                 <a:latin typeface="Consolas" panose="020B0609020204030204" pitchFamily="49" charset="0"/>
               </a:rPr>
               <a:t>( button );</a:t>
             </a:r>
-            <a:endParaRPr lang="en-US" sz="1600" dirty="0">
-              <a:latin typeface="Consolas" panose="020B0609020204030204" pitchFamily="49" charset="0"/>
-            </a:endParaRPr>
           </a:p>
         </p:txBody>
       </p:sp>
@@ -11616,32 +11592,29 @@
           <a:lstStyle/>
           <a:p>
             <a:r>
-              <a:rPr lang="en-US" sz="1600" dirty="0" err="1" smtClean="0">
+              <a:rPr lang="en-US" sz="1600" dirty="0" err="1">
                 <a:latin typeface="Consolas" panose="020B0609020204030204" pitchFamily="49" charset="0"/>
               </a:rPr>
               <a:t>ActionListener</a:t>
             </a:r>
             <a:r>
-              <a:rPr lang="en-US" sz="1600" dirty="0" smtClean="0">
+              <a:rPr lang="en-US" sz="1600" dirty="0">
                 <a:latin typeface="Consolas" panose="020B0609020204030204" pitchFamily="49" charset="0"/>
               </a:rPr>
               <a:t> ear = new </a:t>
             </a:r>
             <a:r>
-              <a:rPr lang="en-US" sz="1600" dirty="0" err="1" smtClean="0">
+              <a:rPr lang="en-US" sz="1600" dirty="0" err="1">
                 <a:latin typeface="Consolas" panose="020B0609020204030204" pitchFamily="49" charset="0"/>
               </a:rPr>
               <a:t>MyListener</a:t>
             </a:r>
             <a:r>
-              <a:rPr lang="en-US" sz="1600" dirty="0" smtClean="0">
+              <a:rPr lang="en-US" sz="1600" dirty="0">
                 <a:latin typeface="Consolas" panose="020B0609020204030204" pitchFamily="49" charset="0"/>
               </a:rPr>
               <a:t>();</a:t>
             </a:r>
-            <a:endParaRPr lang="en-US" sz="1600" dirty="0">
-              <a:latin typeface="Consolas" panose="020B0609020204030204" pitchFamily="49" charset="0"/>
-            </a:endParaRPr>
           </a:p>
         </p:txBody>
       </p:sp>
@@ -11673,20 +11646,17 @@
           <a:lstStyle/>
           <a:p>
             <a:r>
-              <a:rPr lang="en-US" sz="1600" dirty="0" err="1" smtClean="0">
+              <a:rPr lang="en-US" sz="1600" dirty="0" err="1">
                 <a:latin typeface="Consolas" panose="020B0609020204030204" pitchFamily="49" charset="0"/>
               </a:rPr>
               <a:t>button.addActionListener</a:t>
             </a:r>
             <a:r>
-              <a:rPr lang="en-US" sz="1600" dirty="0" smtClean="0">
+              <a:rPr lang="en-US" sz="1600" dirty="0">
                 <a:latin typeface="Consolas" panose="020B0609020204030204" pitchFamily="49" charset="0"/>
               </a:rPr>
               <a:t>( ear );</a:t>
             </a:r>
-            <a:endParaRPr lang="en-US" sz="1600" dirty="0">
-              <a:latin typeface="Consolas" panose="020B0609020204030204" pitchFamily="49" charset="0"/>
-            </a:endParaRPr>
           </a:p>
         </p:txBody>
       </p:sp>
@@ -12478,10 +12448,9 @@
           <a:lstStyle/>
           <a:p>
             <a:r>
-              <a:rPr lang="en-US" dirty="0" smtClean="0"/>
+              <a:rPr lang="en-US" dirty="0"/>
               <a:t>Live Coding</a:t>
             </a:r>
-            <a:endParaRPr lang="en-US" dirty="0"/>
           </a:p>
         </p:txBody>
       </p:sp>
@@ -12517,13 +12486,6 @@
   <p:clrMapOvr>
     <a:masterClrMapping/>
   </p:clrMapOvr>
-  <p:timing>
-    <p:tnLst>
-      <p:par>
-        <p:cTn id="1" dur="indefinite" restart="never" nodeType="tmRoot"/>
-      </p:par>
-    </p:tnLst>
-  </p:timing>
 </p:sld>
 </file>
 
@@ -12560,10 +12522,9 @@
           <a:lstStyle/>
           <a:p>
             <a:r>
-              <a:rPr lang="en-US" dirty="0" smtClean="0"/>
+              <a:rPr lang="en-US" dirty="0"/>
               <a:t>In Class Activity 1</a:t>
             </a:r>
-            <a:endParaRPr lang="en-US" dirty="0"/>
           </a:p>
         </p:txBody>
       </p:sp>
@@ -12583,41 +12544,36 @@
           <a:lstStyle/>
           <a:p>
             <a:r>
-              <a:rPr lang="en-US" dirty="0" smtClean="0"/>
+              <a:rPr lang="en-US" dirty="0"/>
               <a:t>In pairs or individually</a:t>
             </a:r>
           </a:p>
           <a:p>
             <a:r>
-              <a:rPr lang="en-US" dirty="0" smtClean="0"/>
+              <a:rPr lang="en-US" dirty="0"/>
               <a:t>Look at the code in the capitalization example</a:t>
             </a:r>
           </a:p>
           <a:p>
             <a:r>
-              <a:rPr lang="en-US" dirty="0" smtClean="0"/>
+              <a:rPr lang="en-US" dirty="0"/>
               <a:t>Then solve the </a:t>
             </a:r>
             <a:r>
-              <a:rPr lang="en-US" dirty="0" err="1" smtClean="0"/>
+              <a:rPr lang="en-US" dirty="0" err="1"/>
               <a:t>addLettersProblem</a:t>
             </a:r>
-            <a:endParaRPr lang="en-US" dirty="0" smtClean="0"/>
-          </a:p>
-          <a:p>
-            <a:r>
-              <a:rPr lang="en-US" dirty="0" smtClean="0">
+            <a:endParaRPr lang="en-US" dirty="0"/>
+          </a:p>
+          <a:p>
+            <a:r>
+              <a:rPr lang="en-US" dirty="0">
                 <a:solidFill>
                   <a:srgbClr val="FF0000"/>
                 </a:solidFill>
               </a:rPr>
               <a:t>Get buttons and text to show up FIRST!</a:t>
             </a:r>
-            <a:endParaRPr lang="en-US" dirty="0">
-              <a:solidFill>
-                <a:srgbClr val="FF0000"/>
-              </a:solidFill>
-            </a:endParaRPr>
           </a:p>
         </p:txBody>
       </p:sp>
@@ -12655,13 +12611,6 @@
   <p:clrMapOvr>
     <a:masterClrMapping/>
   </p:clrMapOvr>
-  <p:timing>
-    <p:tnLst>
-      <p:par>
-        <p:cTn id="1" dur="indefinite" restart="never" nodeType="tmRoot"/>
-      </p:par>
-    </p:tnLst>
-  </p:timing>
 </p:sld>
 </file>
 
@@ -12701,10 +12650,9 @@
               <a:defRPr/>
             </a:pPr>
             <a:r>
-              <a:rPr lang="en-US" dirty="0" smtClean="0"/>
+              <a:rPr lang="en-US" dirty="0"/>
               <a:t>Key Layout Ideas</a:t>
             </a:r>
-            <a:endParaRPr lang="en-US" dirty="0"/>
           </a:p>
         </p:txBody>
       </p:sp>
@@ -12726,78 +12674,78 @@
           <a:lstStyle/>
           <a:p>
             <a:r>
-              <a:rPr lang="en-US" dirty="0" err="1" smtClean="0"/>
+              <a:rPr lang="en-US" dirty="0" err="1"/>
               <a:t>JFrame’s</a:t>
             </a:r>
             <a:r>
-              <a:rPr lang="en-US" dirty="0" smtClean="0"/>
+              <a:rPr lang="en-US" dirty="0"/>
               <a:t> add(Component c) method</a:t>
             </a:r>
           </a:p>
           <a:p>
             <a:pPr lvl="1"/>
             <a:r>
-              <a:rPr lang="en-US" dirty="0" smtClean="0"/>
+              <a:rPr lang="en-US" dirty="0"/>
               <a:t>Adds a new component to be drawn</a:t>
             </a:r>
           </a:p>
           <a:p>
             <a:pPr lvl="1"/>
             <a:r>
-              <a:rPr lang="en-US" dirty="0" smtClean="0"/>
+              <a:rPr lang="en-US" dirty="0"/>
               <a:t>Throws out the old one!</a:t>
             </a:r>
           </a:p>
           <a:p>
             <a:r>
-              <a:rPr lang="en-US" dirty="0" smtClean="0"/>
+              <a:rPr lang="en-US" dirty="0"/>
               <a:t>JFrame also has method </a:t>
             </a:r>
             <a:br>
-              <a:rPr lang="en-US" dirty="0" smtClean="0"/>
+              <a:rPr lang="en-US" dirty="0"/>
             </a:br>
             <a:r>
-              <a:rPr lang="en-US" dirty="0" smtClean="0"/>
+              <a:rPr lang="en-US" dirty="0"/>
               <a:t>add(Component c, Object constraint)</a:t>
             </a:r>
           </a:p>
           <a:p>
             <a:pPr lvl="1"/>
             <a:r>
-              <a:rPr lang="en-US" dirty="0" smtClean="0"/>
+              <a:rPr lang="en-US" dirty="0"/>
               <a:t>Typical constraints:</a:t>
             </a:r>
           </a:p>
           <a:p>
             <a:pPr lvl="2"/>
             <a:r>
-              <a:rPr lang="en-US" dirty="0" err="1" smtClean="0"/>
+              <a:rPr lang="en-US" dirty="0" err="1"/>
               <a:t>BorderLayout.NORTH</a:t>
             </a:r>
             <a:r>
-              <a:rPr lang="en-US" dirty="0" smtClean="0"/>
+              <a:rPr lang="en-US" dirty="0"/>
               <a:t>, </a:t>
             </a:r>
             <a:r>
-              <a:rPr lang="en-US" dirty="0" err="1" smtClean="0"/>
+              <a:rPr lang="en-US" dirty="0" err="1"/>
               <a:t>BorderLayout.CENTER</a:t>
             </a:r>
-            <a:endParaRPr lang="en-US" dirty="0" smtClean="0"/>
+            <a:endParaRPr lang="en-US" dirty="0"/>
           </a:p>
           <a:p>
             <a:pPr lvl="1"/>
             <a:r>
-              <a:rPr lang="en-US" dirty="0" smtClean="0"/>
+              <a:rPr lang="en-US" dirty="0"/>
               <a:t>Can add one thing to each “direction”, plus center</a:t>
             </a:r>
           </a:p>
           <a:p>
             <a:r>
-              <a:rPr lang="en-US" dirty="0" err="1" smtClean="0"/>
+              <a:rPr lang="en-US" dirty="0" err="1"/>
               <a:t>JPanel</a:t>
             </a:r>
             <a:r>
-              <a:rPr lang="en-US" dirty="0" smtClean="0"/>
+              <a:rPr lang="en-US" dirty="0"/>
               <a:t> is a container (a thing!) that can display multiple components</a:t>
             </a:r>
           </a:p>
@@ -12841,10 +12789,9 @@
           <a:lstStyle/>
           <a:p>
             <a:r>
-              <a:rPr lang="en-US" dirty="0" smtClean="0"/>
+              <a:rPr lang="en-US" dirty="0"/>
               <a:t>Q2,3</a:t>
             </a:r>
-            <a:endParaRPr lang="en-US" dirty="0"/>
           </a:p>
         </p:txBody>
       </p:sp>
@@ -12853,13 +12800,6 @@
   <p:clrMapOvr>
     <a:masterClrMapping/>
   </p:clrMapOvr>
-  <p:timing>
-    <p:tnLst>
-      <p:par>
-        <p:cTn id="1" dur="indefinite" restart="never" nodeType="tmRoot"/>
-      </p:par>
-    </p:tnLst>
-  </p:timing>
 </p:sld>
 </file>
 
@@ -12896,11 +12836,11 @@
           <a:lstStyle/>
           <a:p>
             <a:r>
-              <a:rPr lang="en-US" dirty="0" smtClean="0"/>
+              <a:rPr lang="en-US" dirty="0"/>
               <a:t>JFrame </a:t>
             </a:r>
             <a:r>
-              <a:rPr lang="en-US" dirty="0" err="1" smtClean="0"/>
+              <a:rPr lang="en-US" dirty="0" err="1"/>
               <a:t>BorderLayout</a:t>
             </a:r>
             <a:endParaRPr lang="en-US" dirty="0"/>
@@ -12958,13 +12898,6 @@
   <p:clrMapOvr>
     <a:masterClrMapping/>
   </p:clrMapOvr>
-  <p:timing>
-    <p:tnLst>
-      <p:par>
-        <p:cTn id="1" dur="indefinite" restart="never" nodeType="tmRoot"/>
-      </p:par>
-    </p:tnLst>
-  </p:timing>
 </p:sld>
 </file>
 
@@ -13001,10 +12934,9 @@
           <a:lstStyle/>
           <a:p>
             <a:r>
-              <a:rPr lang="en-US" dirty="0" smtClean="0"/>
+              <a:rPr lang="en-US" dirty="0"/>
               <a:t>Advice</a:t>
             </a:r>
-            <a:endParaRPr lang="en-US" dirty="0"/>
           </a:p>
         </p:txBody>
       </p:sp>
@@ -13054,66 +12986,65 @@
           </a:p>
           <a:p>
             <a:r>
-              <a:rPr lang="en-US" dirty="0" smtClean="0"/>
+              <a:rPr lang="en-US" dirty="0"/>
               <a:t>Stage 1: </a:t>
             </a:r>
           </a:p>
           <a:p>
             <a:pPr lvl="1"/>
             <a:r>
-              <a:rPr lang="en-US" dirty="0" smtClean="0"/>
+              <a:rPr lang="en-US" dirty="0"/>
               <a:t>Make sure buttons show up</a:t>
             </a:r>
           </a:p>
           <a:p>
             <a:pPr lvl="1"/>
             <a:r>
-              <a:rPr lang="en-US" dirty="0" smtClean="0"/>
+              <a:rPr lang="en-US" dirty="0"/>
               <a:t>Make sure you can get message (</a:t>
             </a:r>
             <a:r>
-              <a:rPr lang="en-US" dirty="0" err="1" smtClean="0"/>
+              <a:rPr lang="en-US" dirty="0" err="1"/>
               <a:t>JLabel</a:t>
             </a:r>
             <a:r>
-              <a:rPr lang="en-US" dirty="0" smtClean="0"/>
+              <a:rPr lang="en-US" dirty="0"/>
               <a:t>) to appear</a:t>
             </a:r>
           </a:p>
           <a:p>
             <a:r>
-              <a:rPr lang="en-US" dirty="0" smtClean="0"/>
+              <a:rPr lang="en-US" dirty="0"/>
               <a:t>Stage 2: Make sure buttons do ANYTHING </a:t>
             </a:r>
           </a:p>
           <a:p>
             <a:pPr lvl="1"/>
             <a:r>
-              <a:rPr lang="en-US" dirty="0" smtClean="0"/>
+              <a:rPr lang="en-US" dirty="0"/>
               <a:t>Just have them </a:t>
             </a:r>
             <a:r>
-              <a:rPr lang="en-US" dirty="0" err="1" smtClean="0"/>
+              <a:rPr lang="en-US" dirty="0" err="1"/>
               <a:t>System.out.println</a:t>
             </a:r>
             <a:r>
-              <a:rPr lang="en-US" dirty="0" smtClean="0"/>
+              <a:rPr lang="en-US" dirty="0"/>
               <a:t>(“pressed”)</a:t>
             </a:r>
           </a:p>
           <a:p>
             <a:r>
-              <a:rPr lang="en-US" dirty="0" smtClean="0"/>
+              <a:rPr lang="en-US" dirty="0"/>
               <a:t>Stage 3: </a:t>
             </a:r>
           </a:p>
           <a:p>
             <a:pPr lvl="1"/>
             <a:r>
-              <a:rPr lang="en-US" dirty="0" smtClean="0"/>
+              <a:rPr lang="en-US" dirty="0"/>
               <a:t>Have the buttons perform desired behavior</a:t>
             </a:r>
-            <a:endParaRPr lang="en-US" dirty="0"/>
           </a:p>
         </p:txBody>
       </p:sp>
@@ -13127,13 +13058,6 @@
   <p:clrMapOvr>
     <a:masterClrMapping/>
   </p:clrMapOvr>
-  <p:timing>
-    <p:tnLst>
-      <p:par>
-        <p:cTn id="1" dur="indefinite" restart="never" nodeType="tmRoot"/>
-      </p:par>
-    </p:tnLst>
-  </p:timing>
 </p:sld>
 </file>
 
@@ -13172,10 +13096,9 @@
           <a:lstStyle/>
           <a:p>
             <a:r>
-              <a:rPr lang="en-US" dirty="0" smtClean="0"/>
+              <a:rPr lang="en-US" dirty="0"/>
               <a:t>General GUI Development Workflow</a:t>
             </a:r>
-            <a:endParaRPr lang="en-US" dirty="0"/>
           </a:p>
         </p:txBody>
       </p:sp>
@@ -13205,7 +13128,7 @@
               <a:buNone/>
             </a:pPr>
             <a:r>
-              <a:rPr lang="en-US" sz="2400" dirty="0" smtClean="0"/>
+              <a:rPr lang="en-US" sz="2400" dirty="0"/>
               <a:t>1. Create JFrame  (configure!)</a:t>
             </a:r>
           </a:p>
@@ -13214,45 +13137,45 @@
               <a:buNone/>
             </a:pPr>
             <a:r>
-              <a:rPr lang="en-US" sz="2400" dirty="0" smtClean="0"/>
+              <a:rPr lang="en-US" sz="2400" dirty="0"/>
               <a:t>2. Create </a:t>
             </a:r>
             <a:r>
-              <a:rPr lang="en-US" sz="2400" dirty="0" err="1" smtClean="0"/>
+              <a:rPr lang="en-US" sz="2400" dirty="0" err="1"/>
               <a:t>JPanel</a:t>
             </a:r>
-            <a:endParaRPr lang="en-US" sz="2400" dirty="0" smtClean="0"/>
+            <a:endParaRPr lang="en-US" sz="2400" dirty="0"/>
           </a:p>
           <a:p>
             <a:pPr marL="0" indent="0">
               <a:buNone/>
             </a:pPr>
             <a:r>
-              <a:rPr lang="en-US" sz="2400" dirty="0" smtClean="0"/>
+              <a:rPr lang="en-US" sz="2400" dirty="0"/>
               <a:t>3. Put </a:t>
             </a:r>
             <a:r>
-              <a:rPr lang="en-US" sz="2400" dirty="0" err="1" smtClean="0"/>
+              <a:rPr lang="en-US" sz="2400" dirty="0" err="1"/>
               <a:t>JButtons</a:t>
             </a:r>
             <a:r>
-              <a:rPr lang="en-US" sz="2400" dirty="0" smtClean="0"/>
+              <a:rPr lang="en-US" sz="2400" dirty="0"/>
               <a:t> (or </a:t>
             </a:r>
             <a:r>
-              <a:rPr lang="en-US" sz="2400" dirty="0" err="1" smtClean="0"/>
+              <a:rPr lang="en-US" sz="2400" dirty="0" err="1"/>
               <a:t>JComponents</a:t>
             </a:r>
             <a:r>
-              <a:rPr lang="en-US" sz="2400" dirty="0" smtClean="0"/>
+              <a:rPr lang="en-US" sz="2400" dirty="0"/>
               <a:t>) into </a:t>
             </a:r>
             <a:r>
-              <a:rPr lang="en-US" sz="2400" dirty="0" err="1" smtClean="0"/>
+              <a:rPr lang="en-US" sz="2400" dirty="0" err="1"/>
               <a:t>JPanel</a:t>
             </a:r>
             <a:r>
-              <a:rPr lang="en-US" sz="2400" dirty="0" smtClean="0"/>
+              <a:rPr lang="en-US" sz="2400" dirty="0"/>
               <a:t> </a:t>
             </a:r>
           </a:p>
@@ -13261,15 +13184,15 @@
               <a:buNone/>
             </a:pPr>
             <a:r>
-              <a:rPr lang="en-US" sz="2400" dirty="0" smtClean="0"/>
+              <a:rPr lang="en-US" sz="2400" dirty="0"/>
               <a:t>4. Add </a:t>
             </a:r>
             <a:r>
-              <a:rPr lang="en-US" sz="2400" dirty="0" err="1" smtClean="0"/>
+              <a:rPr lang="en-US" sz="2400" dirty="0" err="1"/>
               <a:t>JPanel</a:t>
             </a:r>
             <a:r>
-              <a:rPr lang="en-US" sz="2400" dirty="0" smtClean="0"/>
+              <a:rPr lang="en-US" sz="2400" dirty="0"/>
               <a:t> to JFrame</a:t>
             </a:r>
           </a:p>
@@ -13278,21 +13201,21 @@
               <a:buNone/>
             </a:pPr>
             <a:r>
-              <a:rPr lang="en-US" sz="2400" dirty="0" smtClean="0"/>
+              <a:rPr lang="en-US" sz="2400" dirty="0"/>
               <a:t>5. Create </a:t>
             </a:r>
             <a:r>
-              <a:rPr lang="en-US" sz="2400" dirty="0" err="1" smtClean="0"/>
+              <a:rPr lang="en-US" sz="2400" dirty="0" err="1"/>
               <a:t>ActionListener</a:t>
             </a:r>
-            <a:endParaRPr lang="en-US" sz="2400" dirty="0" smtClean="0"/>
+            <a:endParaRPr lang="en-US" sz="2400" dirty="0"/>
           </a:p>
           <a:p>
             <a:pPr marL="0" indent="0">
               <a:buNone/>
             </a:pPr>
             <a:r>
-              <a:rPr lang="en-US" sz="2400" dirty="0" smtClean="0"/>
+              <a:rPr lang="en-US" sz="2400" dirty="0"/>
               <a:t>    (Might need to create class!)</a:t>
             </a:r>
           </a:p>
@@ -13301,29 +13224,29 @@
               <a:buNone/>
             </a:pPr>
             <a:r>
-              <a:rPr lang="en-US" sz="2400" dirty="0" smtClean="0"/>
+              <a:rPr lang="en-US" sz="2400" dirty="0"/>
               <a:t>6. Attach </a:t>
             </a:r>
             <a:r>
-              <a:rPr lang="en-US" sz="2400" dirty="0" err="1" smtClean="0"/>
+              <a:rPr lang="en-US" sz="2400" dirty="0" err="1"/>
               <a:t>ActionListener</a:t>
             </a:r>
             <a:r>
-              <a:rPr lang="en-US" sz="2400" dirty="0" smtClean="0"/>
+              <a:rPr lang="en-US" sz="2400" dirty="0"/>
               <a:t> to </a:t>
             </a:r>
             <a:r>
-              <a:rPr lang="en-US" sz="2400" dirty="0" err="1" smtClean="0"/>
+              <a:rPr lang="en-US" sz="2400" dirty="0" err="1"/>
               <a:t>JButton</a:t>
             </a:r>
-            <a:endParaRPr lang="en-US" sz="2400" dirty="0" smtClean="0"/>
+            <a:endParaRPr lang="en-US" sz="2400" dirty="0"/>
           </a:p>
           <a:p>
             <a:pPr marL="0" indent="0">
               <a:buNone/>
             </a:pPr>
             <a:r>
-              <a:rPr lang="en-US" sz="2400" dirty="0" smtClean="0"/>
+              <a:rPr lang="en-US" sz="2400" dirty="0"/>
               <a:t>7. Does </a:t>
             </a:r>
             <a:r>
@@ -13332,11 +13255,7 @@
             </a:r>
             <a:r>
               <a:rPr lang="en-US" sz="2400" dirty="0"/>
-              <a:t> </a:t>
-            </a:r>
-            <a:r>
-              <a:rPr lang="en-US" sz="2400" dirty="0" smtClean="0"/>
-              <a:t>have what it needs? </a:t>
+              <a:t> have what it needs? </a:t>
             </a:r>
           </a:p>
           <a:p>
@@ -13345,13 +13264,8 @@
             </a:pPr>
             <a:r>
               <a:rPr lang="en-US" sz="2400" dirty="0"/>
-              <a:t> </a:t>
-            </a:r>
-            <a:r>
-              <a:rPr lang="en-US" sz="2400" dirty="0" smtClean="0"/>
-              <a:t>     (If not, pass it in the constructor!)</a:t>
-            </a:r>
-            <a:endParaRPr lang="en-US" sz="2400" dirty="0"/>
+              <a:t>      (If not, pass it in the constructor!)</a:t>
+            </a:r>
           </a:p>
         </p:txBody>
       </p:sp>
@@ -13365,13 +13279,6 @@
   <p:clrMapOvr>
     <a:masterClrMapping/>
   </p:clrMapOvr>
-  <p:timing>
-    <p:tnLst>
-      <p:par>
-        <p:cTn id="1" dur="indefinite" restart="never" nodeType="tmRoot"/>
-      </p:par>
-    </p:tnLst>
-  </p:timing>
 </p:sld>
 </file>
 
@@ -13427,14 +13334,14 @@
           </a:ln>
           <a:extLst>
             <a:ext uri="{909E8E84-426E-40dd-AFC4-6F175D3DCCD1}">
-              <a14:hiddenFill xmlns:a14="http://schemas.microsoft.com/office/drawing/2010/main" xmlns="">
+              <a14:hiddenFill xmlns="" xmlns:a14="http://schemas.microsoft.com/office/drawing/2010/main">
                 <a:solidFill>
                   <a:srgbClr val="FFFFFF"/>
                 </a:solidFill>
               </a14:hiddenFill>
             </a:ext>
             <a:ext uri="{91240B29-F687-4f45-9708-019B960494DF}">
-              <a14:hiddenLine xmlns:a14="http://schemas.microsoft.com/office/drawing/2010/main" xmlns="" w="9525">
+              <a14:hiddenLine xmlns="" xmlns:a14="http://schemas.microsoft.com/office/drawing/2010/main" w="9525">
                 <a:solidFill>
                   <a:srgbClr val="000000"/>
                 </a:solidFill>
@@ -13465,10 +13372,9 @@
               <a:defRPr/>
             </a:pPr>
             <a:r>
-              <a:rPr lang="en-US" dirty="0" smtClean="0"/>
+              <a:rPr lang="en-US" dirty="0"/>
               <a:t>Mouse Listeners</a:t>
             </a:r>
-            <a:endParaRPr lang="en-US" dirty="0"/>
           </a:p>
         </p:txBody>
       </p:sp>
@@ -13503,7 +13409,7 @@
               <a:defRPr/>
             </a:pPr>
             <a:r>
-              <a:rPr lang="en-US" sz="2400" b="1" dirty="0" smtClean="0">
+              <a:rPr lang="en-US" sz="2400" b="1" dirty="0">
                 <a:solidFill>
                   <a:schemeClr val="accent3"/>
                 </a:solidFill>
@@ -13512,7 +13418,7 @@
               <a:t>public interface </a:t>
             </a:r>
             <a:r>
-              <a:rPr lang="en-US" sz="2400" b="1" dirty="0" err="1" smtClean="0">
+              <a:rPr lang="en-US" sz="2400" b="1" dirty="0" err="1">
                 <a:solidFill>
                   <a:schemeClr val="accent3"/>
                 </a:solidFill>
@@ -13521,7 +13427,7 @@
               <a:t>MouseListener</a:t>
             </a:r>
             <a:r>
-              <a:rPr lang="en-US" sz="2400" b="1" dirty="0" smtClean="0">
+              <a:rPr lang="en-US" sz="2400" b="1" dirty="0">
                 <a:solidFill>
                   <a:schemeClr val="accent3"/>
                 </a:solidFill>
@@ -13540,7 +13446,7 @@
               <a:defRPr/>
             </a:pPr>
             <a:r>
-              <a:rPr lang="en-US" sz="2400" b="1" dirty="0" smtClean="0">
+              <a:rPr lang="en-US" sz="2400" b="1" dirty="0">
                 <a:solidFill>
                   <a:schemeClr val="accent3"/>
                 </a:solidFill>
@@ -13549,7 +13455,7 @@
               <a:t>	public void </a:t>
             </a:r>
             <a:r>
-              <a:rPr lang="en-US" sz="2400" b="1" dirty="0" err="1" smtClean="0">
+              <a:rPr lang="en-US" sz="2400" b="1" dirty="0" err="1">
                 <a:solidFill>
                   <a:schemeClr val="accent3"/>
                 </a:solidFill>
@@ -13558,7 +13464,7 @@
               <a:t>mouseClicked</a:t>
             </a:r>
             <a:r>
-              <a:rPr lang="en-US" sz="2400" b="1" dirty="0" smtClean="0">
+              <a:rPr lang="en-US" sz="2400" b="1" dirty="0">
                 <a:solidFill>
                   <a:schemeClr val="accent3"/>
                 </a:solidFill>
@@ -13567,7 +13473,7 @@
               <a:t>(</a:t>
             </a:r>
             <a:r>
-              <a:rPr lang="en-US" sz="2400" b="1" dirty="0" err="1" smtClean="0">
+              <a:rPr lang="en-US" sz="2400" b="1" dirty="0" err="1">
                 <a:solidFill>
                   <a:schemeClr val="accent3"/>
                 </a:solidFill>
@@ -13576,7 +13482,7 @@
               <a:t>MouseEvent</a:t>
             </a:r>
             <a:r>
-              <a:rPr lang="en-US" sz="2400" b="1" dirty="0" smtClean="0">
+              <a:rPr lang="en-US" sz="2400" b="1" dirty="0">
                 <a:solidFill>
                   <a:schemeClr val="accent3"/>
                 </a:solidFill>
@@ -13595,7 +13501,7 @@
               <a:defRPr/>
             </a:pPr>
             <a:r>
-              <a:rPr lang="en-US" sz="2400" b="1" dirty="0" smtClean="0">
+              <a:rPr lang="en-US" sz="2400" b="1" dirty="0">
                 <a:solidFill>
                   <a:schemeClr val="accent3"/>
                 </a:solidFill>
@@ -13604,7 +13510,7 @@
               <a:t>	public void </a:t>
             </a:r>
             <a:r>
-              <a:rPr lang="en-US" sz="2400" b="1" dirty="0" err="1" smtClean="0">
+              <a:rPr lang="en-US" sz="2400" b="1" dirty="0" err="1">
                 <a:solidFill>
                   <a:schemeClr val="accent3"/>
                 </a:solidFill>
@@ -13613,7 +13519,7 @@
               <a:t>mouseEntered</a:t>
             </a:r>
             <a:r>
-              <a:rPr lang="en-US" sz="2400" b="1" dirty="0" smtClean="0">
+              <a:rPr lang="en-US" sz="2400" b="1" dirty="0">
                 <a:solidFill>
                   <a:schemeClr val="accent3"/>
                 </a:solidFill>
@@ -13622,7 +13528,7 @@
               <a:t>(</a:t>
             </a:r>
             <a:r>
-              <a:rPr lang="en-US" sz="2400" b="1" dirty="0" err="1" smtClean="0">
+              <a:rPr lang="en-US" sz="2400" b="1" dirty="0" err="1">
                 <a:solidFill>
                   <a:schemeClr val="accent3"/>
                 </a:solidFill>
@@ -13631,7 +13537,7 @@
               <a:t>MouseEvent</a:t>
             </a:r>
             <a:r>
-              <a:rPr lang="en-US" sz="2400" b="1" dirty="0" smtClean="0">
+              <a:rPr lang="en-US" sz="2400" b="1" dirty="0">
                 <a:solidFill>
                   <a:schemeClr val="accent3"/>
                 </a:solidFill>
@@ -13650,7 +13556,7 @@
               <a:defRPr/>
             </a:pPr>
             <a:r>
-              <a:rPr lang="en-US" sz="2400" b="1" dirty="0" smtClean="0">
+              <a:rPr lang="en-US" sz="2400" b="1" dirty="0">
                 <a:solidFill>
                   <a:schemeClr val="accent3"/>
                 </a:solidFill>
@@ -13659,7 +13565,7 @@
               <a:t>	public void </a:t>
             </a:r>
             <a:r>
-              <a:rPr lang="en-US" sz="2400" b="1" dirty="0" err="1" smtClean="0">
+              <a:rPr lang="en-US" sz="2400" b="1" dirty="0" err="1">
                 <a:solidFill>
                   <a:schemeClr val="accent3"/>
                 </a:solidFill>
@@ -13668,7 +13574,7 @@
               <a:t>mouseExited</a:t>
             </a:r>
             <a:r>
-              <a:rPr lang="en-US" sz="2400" b="1" dirty="0" smtClean="0">
+              <a:rPr lang="en-US" sz="2400" b="1" dirty="0">
                 <a:solidFill>
                   <a:schemeClr val="accent3"/>
                 </a:solidFill>
@@ -13677,7 +13583,7 @@
               <a:t>(</a:t>
             </a:r>
             <a:r>
-              <a:rPr lang="en-US" sz="2400" b="1" dirty="0" err="1" smtClean="0">
+              <a:rPr lang="en-US" sz="2400" b="1" dirty="0" err="1">
                 <a:solidFill>
                   <a:schemeClr val="accent3"/>
                 </a:solidFill>
@@ -13686,7 +13592,7 @@
               <a:t>MouseEvent</a:t>
             </a:r>
             <a:r>
-              <a:rPr lang="en-US" sz="2400" b="1" dirty="0" smtClean="0">
+              <a:rPr lang="en-US" sz="2400" b="1" dirty="0">
                 <a:solidFill>
                   <a:schemeClr val="accent3"/>
                 </a:solidFill>
@@ -13705,7 +13611,7 @@
               <a:defRPr/>
             </a:pPr>
             <a:r>
-              <a:rPr lang="en-US" sz="2400" b="1" dirty="0" smtClean="0">
+              <a:rPr lang="en-US" sz="2400" b="1" dirty="0">
                 <a:solidFill>
                   <a:schemeClr val="accent3"/>
                 </a:solidFill>
@@ -13714,7 +13620,7 @@
               <a:t>	public void </a:t>
             </a:r>
             <a:r>
-              <a:rPr lang="en-US" sz="2400" b="1" dirty="0" err="1" smtClean="0">
+              <a:rPr lang="en-US" sz="2400" b="1" dirty="0" err="1">
                 <a:solidFill>
                   <a:schemeClr val="accent3"/>
                 </a:solidFill>
@@ -13723,7 +13629,7 @@
               <a:t>mousePressed</a:t>
             </a:r>
             <a:r>
-              <a:rPr lang="en-US" sz="2400" b="1" dirty="0" smtClean="0">
+              <a:rPr lang="en-US" sz="2400" b="1" dirty="0">
                 <a:solidFill>
                   <a:schemeClr val="accent3"/>
                 </a:solidFill>
@@ -13732,7 +13638,7 @@
               <a:t>(</a:t>
             </a:r>
             <a:r>
-              <a:rPr lang="en-US" sz="2400" b="1" dirty="0" err="1" smtClean="0">
+              <a:rPr lang="en-US" sz="2400" b="1" dirty="0" err="1">
                 <a:solidFill>
                   <a:schemeClr val="accent3"/>
                 </a:solidFill>
@@ -13741,7 +13647,7 @@
               <a:t>MouseEvent</a:t>
             </a:r>
             <a:r>
-              <a:rPr lang="en-US" sz="2400" b="1" dirty="0" smtClean="0">
+              <a:rPr lang="en-US" sz="2400" b="1" dirty="0">
                 <a:solidFill>
                   <a:schemeClr val="accent3"/>
                 </a:solidFill>
@@ -13760,7 +13666,7 @@
               <a:defRPr/>
             </a:pPr>
             <a:r>
-              <a:rPr lang="en-US" sz="2400" b="1" dirty="0" smtClean="0">
+              <a:rPr lang="en-US" sz="2400" b="1" dirty="0">
                 <a:solidFill>
                   <a:schemeClr val="accent3"/>
                 </a:solidFill>
@@ -13769,7 +13675,7 @@
               <a:t>	public void </a:t>
             </a:r>
             <a:r>
-              <a:rPr lang="en-US" sz="2400" b="1" dirty="0" err="1" smtClean="0">
+              <a:rPr lang="en-US" sz="2400" b="1" dirty="0" err="1">
                 <a:solidFill>
                   <a:schemeClr val="accent3"/>
                 </a:solidFill>
@@ -13778,7 +13684,7 @@
               <a:t>mouseReleased</a:t>
             </a:r>
             <a:r>
-              <a:rPr lang="en-US" sz="2400" b="1" dirty="0" smtClean="0">
+              <a:rPr lang="en-US" sz="2400" b="1" dirty="0">
                 <a:solidFill>
                   <a:schemeClr val="accent3"/>
                 </a:solidFill>
@@ -13787,7 +13693,7 @@
               <a:t>(</a:t>
             </a:r>
             <a:r>
-              <a:rPr lang="en-US" sz="2400" b="1" dirty="0" err="1" smtClean="0">
+              <a:rPr lang="en-US" sz="2400" b="1" dirty="0" err="1">
                 <a:solidFill>
                   <a:schemeClr val="accent3"/>
                 </a:solidFill>
@@ -13796,7 +13702,7 @@
               <a:t>MouseEvent</a:t>
             </a:r>
             <a:r>
-              <a:rPr lang="en-US" sz="2400" b="1" dirty="0" smtClean="0">
+              <a:rPr lang="en-US" sz="2400" b="1" dirty="0">
                 <a:solidFill>
                   <a:schemeClr val="accent3"/>
                 </a:solidFill>
@@ -13815,7 +13721,7 @@
               <a:defRPr/>
             </a:pPr>
             <a:r>
-              <a:rPr lang="en-US" sz="2400" b="1" dirty="0" smtClean="0">
+              <a:rPr lang="en-US" sz="2400" b="1" dirty="0">
                 <a:solidFill>
                   <a:schemeClr val="accent3"/>
                 </a:solidFill>
@@ -13823,12 +13729,6 @@
               </a:rPr>
               <a:t>}</a:t>
             </a:r>
-            <a:endParaRPr lang="en-US" sz="2400" b="1" dirty="0">
-              <a:solidFill>
-                <a:schemeClr val="accent3"/>
-              </a:solidFill>
-              <a:latin typeface="Lucida Sans Typewriter" pitchFamily="49" charset="0"/>
-            </a:endParaRPr>
           </a:p>
         </p:txBody>
       </p:sp>
@@ -13870,10 +13770,9 @@
           <a:lstStyle/>
           <a:p>
             <a:r>
-              <a:rPr lang="en-US" dirty="0" smtClean="0"/>
+              <a:rPr lang="en-US" dirty="0"/>
               <a:t>Q5</a:t>
             </a:r>
-            <a:endParaRPr lang="en-US" dirty="0"/>
           </a:p>
         </p:txBody>
       </p:sp>
@@ -13882,13 +13781,6 @@
   <p:clrMapOvr>
     <a:masterClrMapping/>
   </p:clrMapOvr>
-  <p:timing>
-    <p:tnLst>
-      <p:par>
-        <p:cTn id="1" dur="indefinite" restart="never" nodeType="tmRoot"/>
-      </p:par>
-    </p:tnLst>
-  </p:timing>
 </p:sld>
 </file>
 
@@ -13928,7 +13820,7 @@
               <a:defRPr/>
             </a:pPr>
             <a:r>
-              <a:rPr lang="en-US" dirty="0" smtClean="0">
+              <a:rPr lang="en-US" dirty="0">
                 <a:solidFill>
                   <a:schemeClr val="accent3"/>
                 </a:solidFill>
@@ -13936,10 +13828,9 @@
               <a:t>Repaint</a:t>
             </a:r>
             <a:r>
-              <a:rPr lang="en-US" dirty="0" smtClean="0"/>
+              <a:rPr lang="en-US" dirty="0"/>
               <a:t> (and thin no more)</a:t>
             </a:r>
-            <a:endParaRPr lang="en-US" dirty="0"/>
           </a:p>
         </p:txBody>
       </p:sp>
@@ -13964,14 +13855,14 @@
               <a:buNone/>
               <a:defRPr/>
             </a:pPr>
-            <a:endParaRPr lang="en-US" dirty="0" smtClean="0"/>
+            <a:endParaRPr lang="en-US" dirty="0"/>
           </a:p>
           <a:p>
             <a:pPr>
               <a:defRPr/>
             </a:pPr>
             <a:r>
-              <a:rPr lang="en-US" dirty="0" smtClean="0"/>
+              <a:rPr lang="en-US" dirty="0"/>
               <a:t>To update graphics:</a:t>
             </a:r>
           </a:p>
@@ -13980,7 +13871,7 @@
               <a:defRPr/>
             </a:pPr>
             <a:r>
-              <a:rPr lang="en-US" dirty="0" smtClean="0"/>
+              <a:rPr lang="en-US" dirty="0"/>
               <a:t>We tell Java library that we need to be redrawn:</a:t>
             </a:r>
           </a:p>
@@ -13989,7 +13880,7 @@
               <a:defRPr/>
             </a:pPr>
             <a:r>
-              <a:rPr lang="en-US" b="1" dirty="0" err="1" smtClean="0">
+              <a:rPr lang="en-US" b="1" dirty="0" err="1">
                 <a:solidFill>
                   <a:schemeClr val="accent3"/>
                 </a:solidFill>
@@ -13998,7 +13889,7 @@
               <a:t>drawComponent.repaint</a:t>
             </a:r>
             <a:r>
-              <a:rPr lang="en-US" b="1" dirty="0" smtClean="0">
+              <a:rPr lang="en-US" b="1" dirty="0">
                 <a:solidFill>
                   <a:schemeClr val="accent3"/>
                 </a:solidFill>
@@ -14012,11 +13903,11 @@
               <a:defRPr/>
             </a:pPr>
             <a:r>
-              <a:rPr lang="en-US" dirty="0" smtClean="0"/>
+              <a:rPr lang="en-US" dirty="0"/>
               <a:t>Library calls </a:t>
             </a:r>
             <a:r>
-              <a:rPr lang="en-US" b="1" dirty="0" err="1" smtClean="0">
+              <a:rPr lang="en-US" b="1" dirty="0" err="1">
                 <a:solidFill>
                   <a:schemeClr val="accent3"/>
                 </a:solidFill>
@@ -14025,7 +13916,7 @@
               <a:t>paintComponent</a:t>
             </a:r>
             <a:r>
-              <a:rPr lang="en-US" b="1" dirty="0" smtClean="0">
+              <a:rPr lang="en-US" b="1" dirty="0">
                 <a:solidFill>
                   <a:schemeClr val="accent3"/>
                 </a:solidFill>
@@ -14034,7 +13925,7 @@
               <a:t>() </a:t>
             </a:r>
             <a:r>
-              <a:rPr lang="en-US" dirty="0" smtClean="0"/>
+              <a:rPr lang="en-US" dirty="0"/>
               <a:t>when it’s ready</a:t>
             </a:r>
           </a:p>
@@ -14042,14 +13933,14 @@
             <a:pPr lvl="1">
               <a:defRPr/>
             </a:pPr>
-            <a:endParaRPr lang="en-US" dirty="0" smtClean="0"/>
+            <a:endParaRPr lang="en-US" dirty="0"/>
           </a:p>
           <a:p>
             <a:pPr>
               <a:defRPr/>
             </a:pPr>
             <a:r>
-              <a:rPr lang="en-US" b="1" dirty="0" smtClean="0">
+              <a:rPr lang="en-US" b="1" dirty="0">
                 <a:solidFill>
                   <a:schemeClr val="accent2"/>
                 </a:solidFill>
@@ -14057,7 +13948,7 @@
               <a:t>Don’t call </a:t>
             </a:r>
             <a:r>
-              <a:rPr lang="en-US" b="1" dirty="0" err="1" smtClean="0">
+              <a:rPr lang="en-US" b="1" dirty="0" err="1">
                 <a:solidFill>
                   <a:schemeClr val="accent2"/>
                 </a:solidFill>
@@ -14066,7 +13957,7 @@
               <a:t>paintComponent</a:t>
             </a:r>
             <a:r>
-              <a:rPr lang="en-US" b="1" dirty="0" smtClean="0">
+              <a:rPr lang="en-US" b="1" dirty="0">
                 <a:solidFill>
                   <a:schemeClr val="accent2"/>
                 </a:solidFill>
@@ -14075,7 +13966,7 @@
               <a:t>()</a:t>
             </a:r>
             <a:r>
-              <a:rPr lang="en-US" b="1" dirty="0" smtClean="0">
+              <a:rPr lang="en-US" b="1" dirty="0">
                 <a:solidFill>
                   <a:schemeClr val="accent2"/>
                 </a:solidFill>
@@ -14129,10 +14020,9 @@
           <a:lstStyle/>
           <a:p>
             <a:r>
-              <a:rPr lang="en-US" dirty="0" smtClean="0"/>
+              <a:rPr lang="en-US" dirty="0"/>
               <a:t>Q4</a:t>
             </a:r>
-            <a:endParaRPr lang="en-US" dirty="0"/>
           </a:p>
         </p:txBody>
       </p:sp>
@@ -14271,10 +14161,9 @@
           <a:lstStyle/>
           <a:p>
             <a:r>
-              <a:rPr lang="en-US" dirty="0" smtClean="0"/>
+              <a:rPr lang="en-US" dirty="0"/>
               <a:t>Interfaces - Review</a:t>
             </a:r>
-            <a:endParaRPr lang="en-US" dirty="0"/>
           </a:p>
         </p:txBody>
       </p:sp>
@@ -14301,117 +14190,108 @@
           <a:lstStyle/>
           <a:p>
             <a:r>
-              <a:rPr lang="en-US" dirty="0" smtClean="0"/>
+              <a:rPr lang="en-US" dirty="0"/>
               <a:t>Interfaces are contracts</a:t>
             </a:r>
           </a:p>
           <a:p>
             <a:pPr lvl="1"/>
             <a:r>
-              <a:rPr lang="en-US" dirty="0" smtClean="0"/>
+              <a:rPr lang="en-US" dirty="0"/>
               <a:t>Any class that </a:t>
             </a:r>
             <a:r>
-              <a:rPr lang="en-US" b="1" i="1" dirty="0" smtClean="0"/>
+              <a:rPr lang="en-US" b="1" i="1" dirty="0"/>
               <a:t>implements</a:t>
             </a:r>
             <a:r>
-              <a:rPr lang="en-US" dirty="0" smtClean="0"/>
+              <a:rPr lang="en-US" dirty="0"/>
               <a:t> an interface </a:t>
             </a:r>
             <a:r>
-              <a:rPr lang="en-US" b="1" u="sng" dirty="0" smtClean="0"/>
+              <a:rPr lang="en-US" b="1" u="sng" dirty="0"/>
               <a:t>MUST</a:t>
             </a:r>
             <a:r>
-              <a:rPr lang="en-US" dirty="0" smtClean="0"/>
+              <a:rPr lang="en-US" dirty="0"/>
               <a:t> provide an implementation for all methods defined in the interface.</a:t>
             </a:r>
           </a:p>
           <a:p>
             <a:r>
-              <a:rPr lang="en-US" dirty="0" smtClean="0"/>
+              <a:rPr lang="en-US" dirty="0"/>
               <a:t>Interfaces represent the abstract idea (and what it can do):</a:t>
             </a:r>
           </a:p>
           <a:p>
             <a:pPr lvl="1"/>
             <a:r>
-              <a:rPr lang="en-US" dirty="0" smtClean="0"/>
-              <a:t>Weighable </a:t>
-            </a:r>
-            <a:r>
-              <a:rPr lang="en-US" dirty="0" smtClean="0"/>
-              <a:t>objects (return </a:t>
-            </a:r>
-            <a:r>
-              <a:rPr lang="en-US" dirty="0" smtClean="0"/>
-              <a:t>weight in </a:t>
-            </a:r>
-            <a:r>
-              <a:rPr lang="en-US" dirty="0" err="1" smtClean="0"/>
+              <a:rPr lang="en-US" dirty="0"/>
+              <a:t>Weighable objects (return weight in </a:t>
+            </a:r>
+            <a:r>
+              <a:rPr lang="en-US" dirty="0" err="1"/>
               <a:t>lbs</a:t>
             </a:r>
             <a:r>
-              <a:rPr lang="en-US" dirty="0" smtClean="0"/>
+              <a:rPr lang="en-US" dirty="0"/>
               <a:t>)</a:t>
             </a:r>
-            <a:endParaRPr lang="en-US" dirty="0" smtClean="0"/>
           </a:p>
           <a:p>
             <a:pPr lvl="1"/>
             <a:r>
-              <a:rPr lang="en-US" dirty="0" err="1" smtClean="0"/>
+              <a:rPr lang="en-US" dirty="0" err="1"/>
               <a:t>NumberSequences</a:t>
             </a:r>
             <a:r>
-              <a:rPr lang="en-US" dirty="0" smtClean="0"/>
+              <a:rPr lang="en-US" dirty="0"/>
               <a:t> (get the next number, reset)</a:t>
             </a:r>
           </a:p>
           <a:p>
             <a:pPr lvl="1"/>
             <a:r>
-              <a:rPr lang="en-US" dirty="0" smtClean="0"/>
+              <a:rPr lang="en-US" dirty="0"/>
               <a:t>Pet (Can be fed, can tell if eating, can tell name)</a:t>
             </a:r>
           </a:p>
           <a:p>
             <a:r>
-              <a:rPr lang="en-US" dirty="0" smtClean="0"/>
+              <a:rPr lang="en-US" dirty="0"/>
               <a:t>Classes represent the concrete idea:</a:t>
             </a:r>
           </a:p>
           <a:p>
             <a:pPr lvl="1"/>
             <a:r>
-              <a:rPr lang="en-US" dirty="0" smtClean="0"/>
+              <a:rPr lang="en-US" dirty="0"/>
               <a:t>Country, Bank Account</a:t>
             </a:r>
           </a:p>
           <a:p>
             <a:pPr lvl="1"/>
             <a:r>
-              <a:rPr lang="en-US" dirty="0" err="1" smtClean="0"/>
+              <a:rPr lang="en-US" dirty="0" err="1"/>
               <a:t>AddOne</a:t>
             </a:r>
             <a:r>
-              <a:rPr lang="en-US" dirty="0" smtClean="0"/>
+              <a:rPr lang="en-US" dirty="0"/>
               <a:t>, </a:t>
             </a:r>
             <a:r>
-              <a:rPr lang="en-US" dirty="0" err="1" smtClean="0"/>
+              <a:rPr lang="en-US" dirty="0" err="1"/>
               <a:t>PowersOfTwo</a:t>
             </a:r>
             <a:r>
-              <a:rPr lang="en-US" dirty="0" smtClean="0"/>
+              <a:rPr lang="en-US" dirty="0"/>
               <a:t>. </a:t>
             </a:r>
           </a:p>
           <a:p>
             <a:pPr lvl="1"/>
             <a:r>
-              <a:rPr lang="en-US" dirty="0" smtClean="0"/>
+              <a:rPr lang="en-US" dirty="0"/>
               <a:t>Dog, Cat, Fish</a:t>
             </a:r>
           </a:p>
@@ -14427,13 +14307,6 @@
   <p:clrMapOvr>
     <a:masterClrMapping/>
   </p:clrMapOvr>
-  <p:timing>
-    <p:tnLst>
-      <p:par>
-        <p:cTn id="1" dur="indefinite" restart="never" nodeType="tmRoot"/>
-      </p:par>
-    </p:tnLst>
-  </p:timing>
 </p:sld>
 </file>
 
@@ -14500,7 +14373,7 @@
           <a:lstStyle/>
           <a:p>
             <a:r>
-              <a:rPr lang="en-US" sz="2400" b="1" dirty="0" smtClean="0">
+              <a:rPr lang="en-US" sz="2400" b="1" dirty="0">
                 <a:solidFill>
                   <a:srgbClr val="000000"/>
                 </a:solidFill>
@@ -14519,7 +14392,7 @@
           </a:p>
           <a:p>
             <a:r>
-              <a:rPr lang="en-US" sz="2400" dirty="0" smtClean="0">
+              <a:rPr lang="en-US" sz="2400" dirty="0">
                 <a:solidFill>
                   <a:srgbClr val="000000"/>
                 </a:solidFill>
@@ -14528,7 +14401,7 @@
               <a:t>Read the code in the </a:t>
             </a:r>
             <a:r>
-              <a:rPr lang="en-US" sz="2400" b="1" dirty="0" err="1" smtClean="0">
+              <a:rPr lang="en-US" sz="2400" b="1" dirty="0" err="1">
                 <a:solidFill>
                   <a:srgbClr val="000000"/>
                 </a:solidFill>
@@ -14537,7 +14410,7 @@
               <a:t>rectangleExample</a:t>
             </a:r>
             <a:r>
-              <a:rPr lang="en-US" sz="2400" dirty="0" smtClean="0">
+              <a:rPr lang="en-US" sz="2400" dirty="0">
                 <a:solidFill>
                   <a:srgbClr val="000000"/>
                 </a:solidFill>
@@ -14546,7 +14419,7 @@
               <a:t>, then individually or in pairs solve the </a:t>
             </a:r>
             <a:r>
-              <a:rPr lang="en-US" sz="2400" b="1" dirty="0" err="1" smtClean="0">
+              <a:rPr lang="en-US" sz="2400" b="1" dirty="0" err="1">
                 <a:solidFill>
                   <a:srgbClr val="000000"/>
                 </a:solidFill>
@@ -14555,7 +14428,7 @@
               <a:t>clicksProblem</a:t>
             </a:r>
             <a:r>
-              <a:rPr lang="en-US" sz="2400" dirty="0" smtClean="0">
+              <a:rPr lang="en-US" sz="2400" dirty="0">
                 <a:solidFill>
                   <a:srgbClr val="000000"/>
                 </a:solidFill>
@@ -14574,49 +14447,13 @@
           </a:p>
           <a:p>
             <a:r>
-              <a:rPr lang="en-US" sz="2400" dirty="0" smtClean="0">
+              <a:rPr lang="en-US" sz="2400" dirty="0">
                 <a:solidFill>
                   <a:srgbClr val="000000"/>
                 </a:solidFill>
                 <a:latin typeface="+mn-lt"/>
               </a:rPr>
-              <a:t>Draw </a:t>
-            </a:r>
-            <a:r>
-              <a:rPr lang="en-US" sz="2400" dirty="0">
-                <a:solidFill>
-                  <a:srgbClr val="000000"/>
-                </a:solidFill>
-                <a:latin typeface="+mn-lt"/>
-              </a:rPr>
-              <a:t>a </a:t>
-            </a:r>
-            <a:r>
-              <a:rPr lang="en-US" sz="2400" dirty="0" smtClean="0">
-                <a:solidFill>
-                  <a:srgbClr val="000000"/>
-                </a:solidFill>
-                <a:latin typeface="+mn-lt"/>
-              </a:rPr>
-              <a:t>20x20 blue </a:t>
-            </a:r>
-            <a:r>
-              <a:rPr lang="en-US" sz="2400" dirty="0">
-                <a:solidFill>
-                  <a:srgbClr val="000000"/>
-                </a:solidFill>
-                <a:latin typeface="+mn-lt"/>
-              </a:rPr>
-              <a:t>circle </a:t>
-            </a:r>
-            <a:r>
-              <a:rPr lang="en-US" sz="2400" dirty="0" smtClean="0">
-                <a:solidFill>
-                  <a:srgbClr val="000000"/>
-                </a:solidFill>
-                <a:latin typeface="+mn-lt"/>
-              </a:rPr>
-              <a:t>upon left-click, centered on click</a:t>
+              <a:t>Draw a 20x20 blue circle upon left-click, centered on click</a:t>
             </a:r>
           </a:p>
           <a:p>
@@ -14629,7 +14466,7 @@
           </a:p>
           <a:p>
             <a:r>
-              <a:rPr lang="en-US" sz="2400" dirty="0" smtClean="0">
+              <a:rPr lang="en-US" sz="2400" dirty="0">
                 <a:solidFill>
                   <a:srgbClr val="000000"/>
                 </a:solidFill>
@@ -14648,7 +14485,7 @@
           </a:p>
           <a:p>
             <a:r>
-              <a:rPr lang="en-US" sz="2400" dirty="0" smtClean="0">
+              <a:rPr lang="en-US" sz="2400" dirty="0">
                 <a:solidFill>
                   <a:srgbClr val="000000"/>
                 </a:solidFill>
@@ -14672,13 +14509,6 @@
   <p:clrMapOvr>
     <a:masterClrMapping/>
   </p:clrMapOvr>
-  <p:timing>
-    <p:tnLst>
-      <p:par>
-        <p:cTn id="1" dur="indefinite" restart="never" nodeType="tmRoot"/>
-      </p:par>
-    </p:tnLst>
-  </p:timing>
 </p:sld>
 </file>
 
@@ -14718,22 +14548,17 @@
               <a:defRPr/>
             </a:pPr>
             <a:r>
-              <a:rPr lang="en-US" dirty="0" smtClean="0"/>
+              <a:rPr lang="en-US" dirty="0"/>
               <a:t>Using </a:t>
             </a:r>
             <a:r>
-              <a:rPr lang="en-US" dirty="0" smtClean="0">
+              <a:rPr lang="en-US" dirty="0">
                 <a:solidFill>
                   <a:schemeClr val="accent3"/>
                 </a:solidFill>
               </a:rPr>
               <a:t>Inner Classes</a:t>
             </a:r>
-            <a:endParaRPr lang="en-US" dirty="0">
-              <a:solidFill>
-                <a:schemeClr val="accent3"/>
-              </a:solidFill>
-            </a:endParaRPr>
           </a:p>
         </p:txBody>
       </p:sp>
@@ -14758,15 +14583,15 @@
               <a:defRPr/>
             </a:pPr>
             <a:r>
-              <a:rPr lang="en-US" dirty="0" smtClean="0"/>
+              <a:rPr lang="en-US" dirty="0"/>
               <a:t>Classes can be defined </a:t>
             </a:r>
             <a:r>
-              <a:rPr lang="en-US" b="1" dirty="0" smtClean="0"/>
+              <a:rPr lang="en-US" b="1" dirty="0"/>
               <a:t>inside</a:t>
             </a:r>
             <a:r>
-              <a:rPr lang="en-US" dirty="0" smtClean="0"/>
+              <a:rPr lang="en-US" dirty="0"/>
               <a:t> other classes or methods</a:t>
             </a:r>
           </a:p>
@@ -14775,7 +14600,7 @@
               <a:defRPr/>
             </a:pPr>
             <a:r>
-              <a:rPr lang="en-US" dirty="0" smtClean="0"/>
+              <a:rPr lang="en-US" dirty="0"/>
               <a:t>Used for “smallish” helper classes</a:t>
             </a:r>
           </a:p>
@@ -14783,18 +14608,18 @@
             <a:pPr>
               <a:defRPr/>
             </a:pPr>
-            <a:endParaRPr lang="en-US" dirty="0" smtClean="0"/>
+            <a:endParaRPr lang="en-US" dirty="0"/>
           </a:p>
           <a:p>
             <a:pPr>
               <a:defRPr/>
             </a:pPr>
             <a:r>
-              <a:rPr lang="en-US" dirty="0" smtClean="0"/>
+              <a:rPr lang="en-US" dirty="0"/>
               <a:t>Example: </a:t>
             </a:r>
             <a:r>
-              <a:rPr lang="en-US" b="1" dirty="0" smtClean="0">
+              <a:rPr lang="en-US" b="1" dirty="0">
                 <a:solidFill>
                   <a:schemeClr val="accent3"/>
                 </a:solidFill>
@@ -14807,30 +14632,30 @@
             <a:pPr>
               <a:defRPr/>
             </a:pPr>
-            <a:endParaRPr lang="en-US" dirty="0" smtClean="0"/>
+            <a:endParaRPr lang="en-US" dirty="0"/>
           </a:p>
           <a:p>
             <a:pPr>
               <a:defRPr/>
             </a:pPr>
-            <a:endParaRPr lang="en-US" dirty="0" smtClean="0"/>
+            <a:endParaRPr lang="en-US" dirty="0"/>
           </a:p>
           <a:p>
             <a:pPr>
               <a:defRPr/>
             </a:pPr>
-            <a:endParaRPr lang="en-US" dirty="0" smtClean="0"/>
+            <a:endParaRPr lang="en-US" dirty="0"/>
           </a:p>
           <a:p>
             <a:pPr>
               <a:defRPr/>
             </a:pPr>
             <a:r>
-              <a:rPr lang="en-US" dirty="0" smtClean="0"/>
+              <a:rPr lang="en-US" dirty="0"/>
               <a:t>Often used for </a:t>
             </a:r>
             <a:r>
-              <a:rPr lang="en-US" b="1" dirty="0" err="1" smtClean="0">
+              <a:rPr lang="en-US" b="1" dirty="0" err="1">
                 <a:solidFill>
                   <a:schemeClr val="accent3"/>
                 </a:solidFill>
@@ -14839,11 +14664,11 @@
               <a:t>ActionListener</a:t>
             </a:r>
             <a:r>
-              <a:rPr lang="en-US" dirty="0" err="1" smtClean="0"/>
+              <a:rPr lang="en-US" dirty="0" err="1"/>
               <a:t>s</a:t>
             </a:r>
             <a:r>
-              <a:rPr lang="en-US" dirty="0" smtClean="0"/>
+              <a:rPr lang="en-US" dirty="0"/>
               <a:t>…</a:t>
             </a:r>
           </a:p>
@@ -14852,10 +14677,9 @@
               <a:defRPr/>
             </a:pPr>
             <a:r>
-              <a:rPr lang="en-US" dirty="0" smtClean="0"/>
+              <a:rPr lang="en-US" dirty="0"/>
               <a:t>Add to Breakfast program?</a:t>
             </a:r>
-            <a:endParaRPr lang="en-US" dirty="0"/>
           </a:p>
         </p:txBody>
       </p:sp>
@@ -15001,10 +14825,9 @@
           <a:lstStyle/>
           <a:p>
             <a:r>
-              <a:rPr lang="en-US" dirty="0" smtClean="0"/>
+              <a:rPr lang="en-US" dirty="0"/>
               <a:t>Q6</a:t>
             </a:r>
-            <a:endParaRPr lang="en-US" dirty="0"/>
           </a:p>
         </p:txBody>
       </p:sp>
@@ -15018,13 +14841,6 @@
   <p:clrMapOvr>
     <a:masterClrMapping/>
   </p:clrMapOvr>
-  <p:timing>
-    <p:tnLst>
-      <p:par>
-        <p:cTn id="1" dur="indefinite" restart="never" nodeType="tmRoot"/>
-      </p:par>
-    </p:tnLst>
-  </p:timing>
 </p:sld>
 </file>
 
@@ -15064,10 +14880,9 @@
               <a:defRPr/>
             </a:pPr>
             <a:r>
-              <a:rPr lang="en-US" dirty="0" smtClean="0"/>
+              <a:rPr lang="en-US" dirty="0"/>
               <a:t>Anonymous Classes</a:t>
             </a:r>
-            <a:endParaRPr lang="en-US" dirty="0"/>
           </a:p>
         </p:txBody>
       </p:sp>
@@ -15090,7 +14905,7 @@
               <a:defRPr/>
             </a:pPr>
             <a:r>
-              <a:rPr lang="en-US" dirty="0" smtClean="0"/>
+              <a:rPr lang="en-US" dirty="0"/>
               <a:t>Sometimes very small helper classes are only used once</a:t>
             </a:r>
           </a:p>
@@ -15099,7 +14914,7 @@
               <a:defRPr/>
             </a:pPr>
             <a:r>
-              <a:rPr lang="en-US" dirty="0" smtClean="0"/>
+              <a:rPr lang="en-US" dirty="0"/>
               <a:t>This is a job for an anonymous class!</a:t>
             </a:r>
           </a:p>
@@ -15107,14 +14922,14 @@
             <a:pPr lvl="1">
               <a:defRPr/>
             </a:pPr>
-            <a:endParaRPr lang="en-US" dirty="0" smtClean="0"/>
+            <a:endParaRPr lang="en-US" dirty="0"/>
           </a:p>
           <a:p>
             <a:pPr>
               <a:defRPr/>
             </a:pPr>
             <a:r>
-              <a:rPr lang="en-US" b="1" dirty="0" smtClean="0">
+              <a:rPr lang="en-US" b="1" dirty="0">
                 <a:solidFill>
                   <a:schemeClr val="accent3"/>
                 </a:solidFill>
@@ -15122,11 +14937,11 @@
               <a:t>Anonymous</a:t>
             </a:r>
             <a:r>
-              <a:rPr lang="en-US" dirty="0" smtClean="0"/>
+              <a:rPr lang="en-US" dirty="0"/>
               <a:t> </a:t>
             </a:r>
             <a:r>
-              <a:rPr lang="en-US" dirty="0" smtClean="0">
+              <a:rPr lang="en-US" dirty="0">
                 <a:sym typeface="Wingdings" pitchFamily="2" charset="2"/>
               </a:rPr>
               <a:t> no name</a:t>
@@ -15137,7 +14952,7 @@
               <a:defRPr/>
             </a:pPr>
             <a:r>
-              <a:rPr lang="en-US" dirty="0" smtClean="0">
+              <a:rPr lang="en-US" dirty="0">
                 <a:sym typeface="Wingdings" pitchFamily="2" charset="2"/>
               </a:rPr>
               <a:t>A special case of inner classes</a:t>
@@ -15147,7 +14962,7 @@
             <a:pPr>
               <a:defRPr/>
             </a:pPr>
-            <a:endParaRPr lang="en-US" dirty="0" smtClean="0">
+            <a:endParaRPr lang="en-US" dirty="0">
               <a:sym typeface="Wingdings" pitchFamily="2" charset="2"/>
             </a:endParaRPr>
           </a:p>
@@ -15156,13 +14971,13 @@
               <a:defRPr/>
             </a:pPr>
             <a:r>
-              <a:rPr lang="en-US" dirty="0" smtClean="0">
+              <a:rPr lang="en-US" dirty="0">
                 <a:sym typeface="Wingdings" pitchFamily="2" charset="2"/>
               </a:rPr>
               <a:t>Used for the simplest </a:t>
             </a:r>
             <a:r>
-              <a:rPr lang="en-US" b="1" dirty="0" err="1" smtClean="0">
+              <a:rPr lang="en-US" b="1" dirty="0" err="1">
                 <a:solidFill>
                   <a:schemeClr val="accent3"/>
                 </a:solidFill>
@@ -15172,13 +14987,13 @@
               <a:t>ActionListener</a:t>
             </a:r>
             <a:r>
-              <a:rPr lang="en-US" dirty="0" err="1" smtClean="0">
+              <a:rPr lang="en-US" dirty="0" err="1">
                 <a:sym typeface="Wingdings" pitchFamily="2" charset="2"/>
               </a:rPr>
               <a:t>s</a:t>
             </a:r>
             <a:r>
-              <a:rPr lang="en-US" dirty="0" smtClean="0">
+              <a:rPr lang="en-US" dirty="0">
                 <a:sym typeface="Wingdings" pitchFamily="2" charset="2"/>
               </a:rPr>
               <a:t>…</a:t>
@@ -15197,13 +15012,6 @@
   <p:clrMapOvr>
     <a:masterClrMapping/>
   </p:clrMapOvr>
-  <p:timing>
-    <p:tnLst>
-      <p:par>
-        <p:cTn id="1" dur="indefinite" restart="never" nodeType="tmRoot"/>
-      </p:par>
-    </p:tnLst>
-  </p:timing>
 </p:sld>
 </file>
 
@@ -15243,10 +15051,9 @@
               <a:defRPr/>
             </a:pPr>
             <a:r>
-              <a:rPr lang="en-US" dirty="0" smtClean="0"/>
+              <a:rPr lang="en-US" dirty="0"/>
               <a:t>Inner Classes and Scope</a:t>
             </a:r>
-            <a:endParaRPr lang="en-US" dirty="0"/>
           </a:p>
         </p:txBody>
       </p:sp>
@@ -15271,7 +15078,7 @@
               <a:defRPr/>
             </a:pPr>
             <a:r>
-              <a:rPr lang="en-US" b="1" dirty="0" smtClean="0">
+              <a:rPr lang="en-US" b="1" dirty="0">
                 <a:solidFill>
                   <a:schemeClr val="accent3"/>
                 </a:solidFill>
@@ -15283,14 +15090,14 @@
             <a:pPr>
               <a:defRPr/>
             </a:pPr>
-            <a:endParaRPr lang="en-US" dirty="0" smtClean="0"/>
+            <a:endParaRPr lang="en-US" dirty="0"/>
           </a:p>
           <a:p>
             <a:pPr>
               <a:defRPr/>
             </a:pPr>
             <a:r>
-              <a:rPr lang="en-US" dirty="0" smtClean="0"/>
+              <a:rPr lang="en-US" dirty="0"/>
               <a:t>Caveats:</a:t>
             </a:r>
           </a:p>
@@ -15299,7 +15106,7 @@
               <a:defRPr/>
             </a:pPr>
             <a:r>
-              <a:rPr lang="en-US" dirty="0" smtClean="0"/>
+              <a:rPr lang="en-US" dirty="0"/>
               <a:t>Can only use instance fields of surrounding scope if we’re inside an instance method</a:t>
             </a:r>
           </a:p>
@@ -15307,14 +15114,14 @@
             <a:pPr lvl="1">
               <a:defRPr/>
             </a:pPr>
-            <a:endParaRPr lang="en-US" dirty="0" smtClean="0"/>
+            <a:endParaRPr lang="en-US" dirty="0"/>
           </a:p>
           <a:p>
             <a:pPr>
               <a:defRPr/>
             </a:pPr>
             <a:r>
-              <a:rPr lang="en-US" dirty="0" smtClean="0"/>
+              <a:rPr lang="en-US" dirty="0"/>
               <a:t>Example: </a:t>
             </a:r>
           </a:p>
@@ -15323,10 +15130,9 @@
               <a:defRPr/>
             </a:pPr>
             <a:r>
-              <a:rPr lang="en-US" dirty="0" smtClean="0"/>
+              <a:rPr lang="en-US" dirty="0"/>
               <a:t>Prompt user for what porridge tastes like</a:t>
             </a:r>
-            <a:endParaRPr lang="en-US" dirty="0"/>
           </a:p>
         </p:txBody>
       </p:sp>
@@ -15340,13 +15146,6 @@
   <p:clrMapOvr>
     <a:masterClrMapping/>
   </p:clrMapOvr>
-  <p:timing>
-    <p:tnLst>
-      <p:par>
-        <p:cTn id="1" dur="indefinite" restart="never" nodeType="tmRoot"/>
-      </p:par>
-    </p:tnLst>
-  </p:timing>
 </p:sld>
 </file>
 
@@ -15386,10 +15185,9 @@
               <a:defRPr/>
             </a:pPr>
             <a:r>
-              <a:rPr lang="en-US" dirty="0" smtClean="0"/>
+              <a:rPr lang="en-US" dirty="0"/>
               <a:t>Work Time</a:t>
             </a:r>
-            <a:endParaRPr lang="en-US" dirty="0"/>
           </a:p>
         </p:txBody>
       </p:sp>
@@ -15409,10 +15207,10 @@
           <a:lstStyle/>
           <a:p>
             <a:r>
-              <a:rPr lang="en-US" dirty="0" err="1" smtClean="0"/>
+              <a:rPr lang="en-US" dirty="0" err="1"/>
               <a:t>LinearLightsOut</a:t>
             </a:r>
-            <a:endParaRPr lang="en-US" dirty="0" smtClean="0"/>
+            <a:endParaRPr lang="en-US" dirty="0"/>
           </a:p>
         </p:txBody>
       </p:sp>
@@ -15421,13 +15219,6 @@
   <p:clrMapOvr>
     <a:masterClrMapping/>
   </p:clrMapOvr>
-  <p:timing>
-    <p:tnLst>
-      <p:par>
-        <p:cTn id="1" dur="indefinite" restart="never" nodeType="tmRoot"/>
-      </p:par>
-    </p:tnLst>
-  </p:timing>
 </p:sld>
 </file>
 
@@ -15467,10 +15258,9 @@
               <a:defRPr/>
             </a:pPr>
             <a:r>
-              <a:rPr lang="en-US" dirty="0" smtClean="0"/>
+              <a:rPr lang="en-US" dirty="0"/>
               <a:t>Polymorphism! (A quick intro)</a:t>
             </a:r>
-            <a:endParaRPr lang="en-US" dirty="0"/>
           </a:p>
         </p:txBody>
       </p:sp>
@@ -15500,7 +15290,7 @@
               <a:defRPr/>
             </a:pPr>
             <a:r>
-              <a:rPr lang="en-US" dirty="0" smtClean="0"/>
+              <a:rPr lang="en-US" dirty="0"/>
               <a:t>Etymology:</a:t>
             </a:r>
           </a:p>
@@ -15509,11 +15299,11 @@
               <a:defRPr/>
             </a:pPr>
             <a:r>
-              <a:rPr lang="en-US" dirty="0" smtClean="0"/>
+              <a:rPr lang="en-US" dirty="0"/>
               <a:t>Poly </a:t>
             </a:r>
             <a:r>
-              <a:rPr lang="en-US" dirty="0" smtClean="0">
+              <a:rPr lang="en-US" dirty="0">
                 <a:sym typeface="Wingdings" pitchFamily="2" charset="2"/>
               </a:rPr>
               <a:t> many</a:t>
@@ -15524,13 +15314,13 @@
               <a:defRPr/>
             </a:pPr>
             <a:r>
-              <a:rPr lang="en-US" dirty="0" err="1" smtClean="0">
+              <a:rPr lang="en-US" dirty="0" err="1">
                 <a:sym typeface="Wingdings" pitchFamily="2" charset="2"/>
               </a:rPr>
               <a:t>Morphism</a:t>
             </a:r>
             <a:r>
-              <a:rPr lang="en-US" dirty="0" smtClean="0">
+              <a:rPr lang="en-US" dirty="0">
                 <a:sym typeface="Wingdings" pitchFamily="2" charset="2"/>
               </a:rPr>
               <a:t>  shape</a:t>
@@ -15540,7 +15330,7 @@
             <a:pPr>
               <a:defRPr/>
             </a:pPr>
-            <a:endParaRPr lang="en-US" dirty="0" smtClean="0">
+            <a:endParaRPr lang="en-US" dirty="0">
               <a:sym typeface="Wingdings" pitchFamily="2" charset="2"/>
             </a:endParaRPr>
           </a:p>
@@ -15549,31 +15339,31 @@
               <a:defRPr/>
             </a:pPr>
             <a:r>
-              <a:rPr lang="en-US" dirty="0" smtClean="0">
+              <a:rPr lang="en-US" dirty="0">
                 <a:sym typeface="Wingdings" pitchFamily="2" charset="2"/>
               </a:rPr>
               <a:t>Polymorphism means: An </a:t>
             </a:r>
             <a:r>
-              <a:rPr lang="en-US" b="1" dirty="0" smtClean="0">
+              <a:rPr lang="en-US" b="1" dirty="0">
                 <a:sym typeface="Wingdings" pitchFamily="2" charset="2"/>
               </a:rPr>
               <a:t>Interface</a:t>
             </a:r>
             <a:r>
-              <a:rPr lang="en-US" dirty="0" smtClean="0">
+              <a:rPr lang="en-US" dirty="0">
                 <a:sym typeface="Wingdings" pitchFamily="2" charset="2"/>
               </a:rPr>
               <a:t> can take </a:t>
             </a:r>
             <a:r>
-              <a:rPr lang="en-US" b="1" dirty="0" smtClean="0">
+              <a:rPr lang="en-US" b="1" dirty="0">
                 <a:sym typeface="Wingdings" pitchFamily="2" charset="2"/>
               </a:rPr>
               <a:t>many shapes</a:t>
             </a:r>
             <a:r>
-              <a:rPr lang="en-US" dirty="0" smtClean="0">
+              <a:rPr lang="en-US" dirty="0">
                 <a:sym typeface="Wingdings" pitchFamily="2" charset="2"/>
               </a:rPr>
               <a:t>.</a:t>
@@ -15584,12 +15374,12 @@
               <a:defRPr/>
             </a:pPr>
             <a:r>
-              <a:rPr lang="en-US" dirty="0" smtClean="0">
+              <a:rPr lang="en-US" dirty="0">
                 <a:sym typeface="Wingdings" pitchFamily="2" charset="2"/>
               </a:rPr>
               <a:t>A Pet variable could actually contain a Cat, Dog, or Fish</a:t>
             </a:r>
-            <a:endParaRPr lang="en-US" b="1" dirty="0" smtClean="0">
+            <a:endParaRPr lang="en-US" b="1" dirty="0">
               <a:sym typeface="Wingdings" pitchFamily="2" charset="2"/>
             </a:endParaRPr>
           </a:p>
@@ -15844,10 +15634,9 @@
           <a:lstStyle/>
           <a:p>
             <a:r>
-              <a:rPr lang="en-US" dirty="0" smtClean="0"/>
+              <a:rPr lang="en-US" dirty="0"/>
               <a:t>Polymorphic method calls</a:t>
             </a:r>
-            <a:endParaRPr lang="en-US" dirty="0"/>
           </a:p>
         </p:txBody>
       </p:sp>
@@ -15869,40 +15658,40 @@
           <a:lstStyle/>
           <a:p>
             <a:r>
-              <a:rPr lang="en-US" dirty="0" err="1" smtClean="0"/>
+              <a:rPr lang="en-US" dirty="0" err="1"/>
               <a:t>pet.feed</a:t>
             </a:r>
             <a:r>
-              <a:rPr lang="en-US" dirty="0" smtClean="0"/>
+              <a:rPr lang="en-US" dirty="0"/>
               <a:t>() </a:t>
             </a:r>
             <a:r>
-              <a:rPr lang="en-US" b="1" dirty="0" smtClean="0"/>
+              <a:rPr lang="en-US" b="1" dirty="0"/>
               <a:t>could </a:t>
             </a:r>
             <a:r>
-              <a:rPr lang="en-US" dirty="0" smtClean="0"/>
+              <a:rPr lang="en-US" dirty="0"/>
               <a:t>call:</a:t>
             </a:r>
           </a:p>
           <a:p>
             <a:pPr lvl="1"/>
             <a:r>
-              <a:rPr lang="en-US" dirty="0" smtClean="0"/>
+              <a:rPr lang="en-US" dirty="0"/>
               <a:t>Dog’s feed()</a:t>
             </a:r>
           </a:p>
           <a:p>
             <a:pPr lvl="1"/>
             <a:r>
-              <a:rPr lang="en-US" dirty="0" smtClean="0"/>
+              <a:rPr lang="en-US" dirty="0"/>
               <a:t>Cat’s feed()</a:t>
             </a:r>
           </a:p>
           <a:p>
             <a:pPr lvl="1"/>
             <a:r>
-              <a:rPr lang="en-US" dirty="0" smtClean="0"/>
+              <a:rPr lang="en-US" dirty="0"/>
               <a:t>Fish’s feed()</a:t>
             </a:r>
           </a:p>
@@ -15911,48 +15700,47 @@
           </a:p>
           <a:p>
             <a:r>
-              <a:rPr lang="en-US" dirty="0" smtClean="0"/>
+              <a:rPr lang="en-US" dirty="0"/>
               <a:t>Your code is well designed if:</a:t>
             </a:r>
           </a:p>
           <a:p>
             <a:pPr lvl="1"/>
             <a:r>
-              <a:rPr lang="en-US" dirty="0" smtClean="0"/>
+              <a:rPr lang="en-US" dirty="0"/>
               <a:t>You </a:t>
             </a:r>
             <a:r>
-              <a:rPr lang="en-US" b="1" dirty="0" smtClean="0"/>
+              <a:rPr lang="en-US" b="1" dirty="0"/>
               <a:t>don’t</a:t>
             </a:r>
             <a:r>
-              <a:rPr lang="en-US" dirty="0" smtClean="0"/>
+              <a:rPr lang="en-US" dirty="0"/>
               <a:t> </a:t>
             </a:r>
             <a:r>
-              <a:rPr lang="en-US" b="1" dirty="0" smtClean="0"/>
+              <a:rPr lang="en-US" b="1" dirty="0"/>
               <a:t>need</a:t>
             </a:r>
             <a:r>
-              <a:rPr lang="en-US" dirty="0" smtClean="0"/>
+              <a:rPr lang="en-US" dirty="0"/>
               <a:t> </a:t>
             </a:r>
             <a:r>
-              <a:rPr lang="en-US" b="1" dirty="0" smtClean="0"/>
+              <a:rPr lang="en-US" b="1" dirty="0"/>
               <a:t>to know</a:t>
             </a:r>
             <a:r>
-              <a:rPr lang="en-US" dirty="0" smtClean="0"/>
+              <a:rPr lang="en-US" dirty="0"/>
               <a:t> which implementation is used.</a:t>
             </a:r>
           </a:p>
           <a:p>
             <a:pPr lvl="1"/>
             <a:r>
-              <a:rPr lang="en-US" dirty="0" smtClean="0"/>
+              <a:rPr lang="en-US" dirty="0"/>
               <a:t>The end result is the same. (“pet is fed”)</a:t>
             </a:r>
-            <a:endParaRPr lang="en-US" dirty="0"/>
           </a:p>
         </p:txBody>
       </p:sp>
@@ -15994,10 +15782,9 @@
           <a:lstStyle/>
           <a:p>
             <a:r>
-              <a:rPr lang="en-US" dirty="0" smtClean="0"/>
+              <a:rPr lang="en-US" dirty="0"/>
               <a:t>Q5</a:t>
             </a:r>
-            <a:endParaRPr lang="en-US" dirty="0"/>
           </a:p>
         </p:txBody>
       </p:sp>
@@ -16047,10 +15834,9 @@
           <a:lstStyle/>
           <a:p>
             <a:r>
-              <a:rPr lang="en-US" dirty="0" smtClean="0"/>
+              <a:rPr lang="en-US" dirty="0"/>
               <a:t>Interfaces – Review (continued)</a:t>
             </a:r>
-            <a:endParaRPr lang="en-US" dirty="0"/>
           </a:p>
         </p:txBody>
       </p:sp>
@@ -16086,75 +15872,54 @@
               <a:buNone/>
             </a:pPr>
             <a:r>
-              <a:rPr lang="en-US" dirty="0" smtClean="0"/>
-              <a:t>	</a:t>
-            </a:r>
-            <a:r>
-              <a:rPr lang="en-US" dirty="0"/>
-              <a:t> </a:t>
-            </a:r>
-            <a:r>
-              <a:rPr lang="en-US" dirty="0" smtClean="0"/>
-              <a:t>Sequence sequence </a:t>
-            </a:r>
-            <a:r>
-              <a:rPr lang="en-US" dirty="0"/>
-              <a:t>= new </a:t>
-            </a:r>
-            <a:r>
-              <a:rPr lang="en-US" dirty="0" err="1" smtClean="0"/>
+              <a:rPr lang="en-US" dirty="0"/>
+              <a:t>	 Sequence sequence = new </a:t>
+            </a:r>
+            <a:r>
+              <a:rPr lang="en-US" dirty="0" err="1"/>
               <a:t>PowersOfTwo</a:t>
             </a:r>
             <a:r>
-              <a:rPr lang="en-US" dirty="0" smtClean="0"/>
+              <a:rPr lang="en-US" dirty="0"/>
               <a:t>();</a:t>
             </a:r>
-            <a:endParaRPr lang="en-US" dirty="0"/>
           </a:p>
           <a:p>
             <a:pPr marL="457200" lvl="1" indent="0">
               <a:buNone/>
             </a:pPr>
             <a:r>
-              <a:rPr lang="en-US" dirty="0" smtClean="0"/>
-              <a:t>	</a:t>
-            </a:r>
-            <a:r>
-              <a:rPr lang="en-US" dirty="0"/>
-              <a:t> </a:t>
-            </a:r>
-            <a:r>
-              <a:rPr lang="en-US" dirty="0" smtClean="0"/>
-              <a:t> </a:t>
-            </a:r>
-            <a:r>
-              <a:rPr lang="en-US" dirty="0" err="1" smtClean="0"/>
+              <a:rPr lang="en-US" dirty="0"/>
+              <a:t>	  </a:t>
+            </a:r>
+            <a:r>
+              <a:rPr lang="en-US" dirty="0" err="1"/>
               <a:t>System.</a:t>
             </a:r>
             <a:r>
-              <a:rPr lang="en-US" b="1" i="1" dirty="0" err="1" smtClean="0"/>
+              <a:rPr lang="en-US" b="1" i="1" dirty="0" err="1"/>
               <a:t>out.println</a:t>
             </a:r>
             <a:r>
-              <a:rPr lang="en-US" b="1" i="1" dirty="0" smtClean="0"/>
+              <a:rPr lang="en-US" b="1" i="1" dirty="0"/>
               <a:t>(</a:t>
             </a:r>
             <a:r>
-              <a:rPr lang="en-US" b="1" i="1" dirty="0" err="1" smtClean="0"/>
+              <a:rPr lang="en-US" b="1" i="1" dirty="0" err="1"/>
               <a:t>sequence.next</a:t>
             </a:r>
             <a:r>
-              <a:rPr lang="en-US" b="1" i="1" dirty="0" smtClean="0"/>
+              <a:rPr lang="en-US" b="1" i="1" dirty="0"/>
               <a:t>());</a:t>
             </a:r>
-            <a:endParaRPr lang="en-US" dirty="0" smtClean="0"/>
+            <a:endParaRPr lang="en-US" dirty="0"/>
           </a:p>
           <a:p>
             <a:pPr marL="457200" lvl="1" indent="0">
               <a:buNone/>
             </a:pPr>
             <a:r>
-              <a:rPr lang="en-US" dirty="0" smtClean="0"/>
+              <a:rPr lang="en-US" dirty="0"/>
               <a:t>The </a:t>
             </a:r>
             <a:r>
@@ -16174,10 +15939,9 @@
               <a:t>of operation is </a:t>
             </a:r>
             <a:r>
-              <a:rPr lang="en-US" b="1" dirty="0" smtClean="0"/>
+              <a:rPr lang="en-US" b="1" dirty="0"/>
               <a:t>Sequence</a:t>
             </a:r>
-            <a:endParaRPr lang="en-US" b="1" dirty="0"/>
           </a:p>
           <a:p>
             <a:pPr marL="457200" lvl="1" indent="0">
@@ -16200,7 +15964,7 @@
               <a:t>is </a:t>
             </a:r>
             <a:r>
-              <a:rPr lang="en-US" b="1" dirty="0" err="1" smtClean="0"/>
+              <a:rPr lang="en-US" b="1" dirty="0" err="1"/>
               <a:t>PowersOfTwo</a:t>
             </a:r>
             <a:endParaRPr lang="en-US" dirty="0"/>
@@ -16210,22 +15974,21 @@
               <a:buNone/>
             </a:pPr>
             <a:r>
-              <a:rPr lang="en-US" dirty="0" smtClean="0"/>
+              <a:rPr lang="en-US" dirty="0"/>
               <a:t>At runtime, Java will use the method implementation of next() from the </a:t>
             </a:r>
             <a:r>
-              <a:rPr lang="en-US" b="1" dirty="0" err="1" smtClean="0"/>
+              <a:rPr lang="en-US" b="1" dirty="0" err="1"/>
               <a:t>PowersOfTwo</a:t>
             </a:r>
             <a:r>
-              <a:rPr lang="en-US" b="1" dirty="0" smtClean="0"/>
+              <a:rPr lang="en-US" b="1" dirty="0"/>
               <a:t> </a:t>
             </a:r>
             <a:r>
-              <a:rPr lang="en-US" dirty="0" smtClean="0"/>
+              <a:rPr lang="en-US" dirty="0"/>
               <a:t>class, thanks to late-binding.</a:t>
             </a:r>
-            <a:endParaRPr lang="en-US" dirty="0"/>
           </a:p>
           <a:p>
             <a:pPr marL="0" indent="0">
@@ -16283,10 +16046,9 @@
               <a:defRPr/>
             </a:pPr>
             <a:r>
-              <a:rPr lang="en-US" dirty="0" smtClean="0"/>
+              <a:rPr lang="en-US" dirty="0"/>
               <a:t>Declared type</a:t>
             </a:r>
-            <a:endParaRPr lang="en-US" dirty="0"/>
           </a:p>
         </p:txBody>
       </p:sp>
@@ -16338,10 +16100,9 @@
               <a:defRPr/>
             </a:pPr>
             <a:r>
-              <a:rPr lang="en-US" dirty="0" smtClean="0"/>
+              <a:rPr lang="en-US" dirty="0"/>
               <a:t>Instantiated type</a:t>
             </a:r>
-            <a:endParaRPr lang="en-US" dirty="0"/>
           </a:p>
         </p:txBody>
       </p:sp>
@@ -16355,13 +16116,6 @@
   <p:clrMapOvr>
     <a:masterClrMapping/>
   </p:clrMapOvr>
-  <p:timing>
-    <p:tnLst>
-      <p:par>
-        <p:cTn id="1" dur="indefinite" restart="never" nodeType="tmRoot"/>
-      </p:par>
-    </p:tnLst>
-  </p:timing>
 </p:sld>
 </file>
 
@@ -16398,10 +16152,9 @@
           <a:lstStyle/>
           <a:p>
             <a:r>
-              <a:rPr lang="en-US" dirty="0" smtClean="0"/>
+              <a:rPr lang="en-US" dirty="0"/>
               <a:t>Finish the sentence</a:t>
             </a:r>
-            <a:endParaRPr lang="en-US" dirty="0"/>
           </a:p>
         </p:txBody>
       </p:sp>
@@ -16426,7 +16179,7 @@
               <a:buNone/>
             </a:pPr>
             <a:r>
-              <a:rPr lang="en-US" dirty="0" smtClean="0"/>
+              <a:rPr lang="en-US" dirty="0"/>
               <a:t>Using interfaces can help reduce _______ between classes.</a:t>
             </a:r>
           </a:p>
@@ -16436,7 +16189,7 @@
               <a:buAutoNum type="arabicPeriod"/>
             </a:pPr>
             <a:r>
-              <a:rPr lang="en-US" dirty="0" smtClean="0"/>
+              <a:rPr lang="en-US" dirty="0"/>
               <a:t>Coupling</a:t>
             </a:r>
           </a:p>
@@ -16446,7 +16199,7 @@
               <a:buAutoNum type="arabicPeriod"/>
             </a:pPr>
             <a:r>
-              <a:rPr lang="en-US" dirty="0" smtClean="0"/>
+              <a:rPr lang="en-US" dirty="0"/>
               <a:t>Cohesion</a:t>
             </a:r>
           </a:p>
@@ -16456,7 +16209,7 @@
               <a:buAutoNum type="arabicPeriod"/>
             </a:pPr>
             <a:r>
-              <a:rPr lang="en-US" dirty="0" smtClean="0"/>
+              <a:rPr lang="en-US" dirty="0"/>
               <a:t>Encapsulation</a:t>
             </a:r>
           </a:p>
@@ -16466,7 +16219,7 @@
               <a:buAutoNum type="arabicPeriod"/>
             </a:pPr>
             <a:r>
-              <a:rPr lang="en-US" dirty="0" smtClean="0"/>
+              <a:rPr lang="en-US" dirty="0"/>
               <a:t>Polymorphism</a:t>
             </a:r>
           </a:p>
@@ -16482,10 +16235,9 @@
               <a:buNone/>
             </a:pPr>
             <a:r>
-              <a:rPr lang="en-US" dirty="0" smtClean="0"/>
+              <a:rPr lang="en-US" dirty="0"/>
               <a:t>We need interfaces for event-based programming in Java.</a:t>
             </a:r>
-            <a:endParaRPr lang="en-US" dirty="0"/>
           </a:p>
         </p:txBody>
       </p:sp>
@@ -16499,13 +16251,6 @@
   <p:clrMapOvr>
     <a:masterClrMapping/>
   </p:clrMapOvr>
-  <p:timing>
-    <p:tnLst>
-      <p:par>
-        <p:cTn id="1" dur="indefinite" restart="never" nodeType="tmRoot"/>
-      </p:par>
-    </p:tnLst>
-  </p:timing>
 </p:sld>
 </file>
 
@@ -16547,7 +16292,7 @@
               <a:defRPr/>
             </a:pPr>
             <a:r>
-              <a:rPr lang="en-US" dirty="0" smtClean="0">
+              <a:rPr lang="en-US" dirty="0">
                 <a:solidFill>
                   <a:schemeClr val="accent2"/>
                 </a:solidFill>
@@ -16555,10 +16300,9 @@
               <a:t>Graphical User Interfaces </a:t>
             </a:r>
             <a:r>
-              <a:rPr lang="en-US" dirty="0" smtClean="0"/>
+              <a:rPr lang="en-US" dirty="0"/>
               <a:t>in Java</a:t>
             </a:r>
-            <a:endParaRPr lang="en-US" dirty="0"/>
           </a:p>
         </p:txBody>
       </p:sp>
@@ -16585,37 +16329,37 @@
           <a:lstStyle/>
           <a:p>
             <a:r>
-              <a:rPr lang="en-US" dirty="0" smtClean="0"/>
+              <a:rPr lang="en-US" dirty="0"/>
               <a:t>We say what to draw</a:t>
             </a:r>
           </a:p>
           <a:p>
-            <a:endParaRPr lang="en-US" dirty="0" smtClean="0"/>
-          </a:p>
-          <a:p>
-            <a:r>
-              <a:rPr lang="en-US" dirty="0" smtClean="0"/>
+            <a:endParaRPr lang="en-US" dirty="0"/>
+          </a:p>
+          <a:p>
+            <a:r>
+              <a:rPr lang="en-US" dirty="0"/>
               <a:t>Java windowing library:</a:t>
             </a:r>
           </a:p>
           <a:p>
             <a:pPr lvl="1"/>
             <a:r>
-              <a:rPr lang="en-US" dirty="0" smtClean="0"/>
+              <a:rPr lang="en-US" dirty="0"/>
               <a:t>Draws it</a:t>
             </a:r>
           </a:p>
           <a:p>
             <a:pPr lvl="1"/>
             <a:r>
-              <a:rPr lang="en-US" dirty="0" smtClean="0"/>
+              <a:rPr lang="en-US" dirty="0"/>
               <a:t>Gets user input</a:t>
             </a:r>
           </a:p>
           <a:p>
             <a:pPr lvl="1"/>
             <a:r>
-              <a:rPr lang="en-US" dirty="0" smtClean="0">
+              <a:rPr lang="en-US" dirty="0">
                 <a:solidFill>
                   <a:schemeClr val="accent2"/>
                 </a:solidFill>
@@ -16623,11 +16367,11 @@
               <a:t>Calls back </a:t>
             </a:r>
             <a:r>
-              <a:rPr lang="en-US" dirty="0" smtClean="0"/>
+              <a:rPr lang="en-US" dirty="0"/>
               <a:t>to us with </a:t>
             </a:r>
             <a:r>
-              <a:rPr lang="en-US" dirty="0" smtClean="0">
+              <a:rPr lang="en-US" dirty="0">
                 <a:solidFill>
                   <a:schemeClr val="accent2"/>
                 </a:solidFill>
@@ -16636,15 +16380,15 @@
             </a:r>
           </a:p>
           <a:p>
-            <a:endParaRPr lang="en-US" dirty="0" smtClean="0"/>
-          </a:p>
-          <a:p>
-            <a:r>
-              <a:rPr lang="en-US" dirty="0" smtClean="0"/>
+            <a:endParaRPr lang="en-US" dirty="0"/>
+          </a:p>
+          <a:p>
+            <a:r>
+              <a:rPr lang="en-US" dirty="0"/>
               <a:t>We </a:t>
             </a:r>
             <a:r>
-              <a:rPr lang="en-US" dirty="0" smtClean="0">
+              <a:rPr lang="en-US" dirty="0">
                 <a:solidFill>
                   <a:schemeClr val="accent2"/>
                 </a:solidFill>
@@ -16652,7 +16396,7 @@
               <a:t>handle</a:t>
             </a:r>
             <a:r>
-              <a:rPr lang="en-US" dirty="0" smtClean="0"/>
+              <a:rPr lang="en-US" dirty="0"/>
               <a:t> events</a:t>
             </a:r>
           </a:p>
@@ -16693,14 +16437,14 @@
           </a:ln>
           <a:extLst>
             <a:ext uri="{909E8E84-426E-40dd-AFC4-6F175D3DCCD1}">
-              <a14:hiddenFill xmlns:a14="http://schemas.microsoft.com/office/drawing/2010/main" xmlns="">
+              <a14:hiddenFill xmlns="" xmlns:a14="http://schemas.microsoft.com/office/drawing/2010/main">
                 <a:solidFill>
                   <a:srgbClr val="FFFFFF"/>
                 </a:solidFill>
               </a14:hiddenFill>
             </a:ext>
             <a:ext uri="{91240B29-F687-4f45-9708-019B960494DF}">
-              <a14:hiddenLine xmlns:a14="http://schemas.microsoft.com/office/drawing/2010/main" xmlns="" w="9525">
+              <a14:hiddenLine xmlns="" xmlns:a14="http://schemas.microsoft.com/office/drawing/2010/main" w="9525">
                 <a:solidFill>
                   <a:srgbClr val="000000"/>
                 </a:solidFill>
@@ -16805,13 +16549,6 @@
   <p:clrMapOvr>
     <a:masterClrMapping/>
   </p:clrMapOvr>
-  <p:timing>
-    <p:tnLst>
-      <p:par>
-        <p:cTn id="1" dur="indefinite" restart="never" nodeType="tmRoot"/>
-      </p:par>
-    </p:tnLst>
-  </p:timing>
 </p:sld>
 </file>
 
@@ -16848,10 +16585,9 @@
           <a:lstStyle/>
           <a:p>
             <a:r>
-              <a:rPr lang="en-US" dirty="0" smtClean="0"/>
+              <a:rPr lang="en-US" dirty="0"/>
               <a:t>Next Assignment Preview</a:t>
             </a:r>
-            <a:endParaRPr lang="en-US" dirty="0"/>
           </a:p>
         </p:txBody>
       </p:sp>
@@ -16871,46 +16607,45 @@
           <a:lstStyle/>
           <a:p>
             <a:r>
-              <a:rPr lang="en-US" dirty="0" smtClean="0"/>
+              <a:rPr lang="en-US" dirty="0"/>
               <a:t>Two stages</a:t>
             </a:r>
           </a:p>
           <a:p>
             <a:pPr lvl="1"/>
             <a:r>
-              <a:rPr lang="en-US" dirty="0" smtClean="0"/>
+              <a:rPr lang="en-US" dirty="0"/>
               <a:t>Part 1: Ball Strike Counter (individual)</a:t>
             </a:r>
           </a:p>
           <a:p>
             <a:pPr lvl="1"/>
             <a:r>
-              <a:rPr lang="en-US" dirty="0" smtClean="0"/>
+              <a:rPr lang="en-US" dirty="0"/>
               <a:t>Part 2: Optionally work with 1 partner</a:t>
             </a:r>
           </a:p>
           <a:p>
             <a:pPr lvl="2"/>
             <a:r>
-              <a:rPr lang="en-US" b="1" dirty="0" smtClean="0"/>
+              <a:rPr lang="en-US" b="1" dirty="0"/>
               <a:t>Each list the other’s name in </a:t>
             </a:r>
             <a:r>
-              <a:rPr lang="en-US" b="1" dirty="0" err="1" smtClean="0"/>
+              <a:rPr lang="en-US" b="1" dirty="0" err="1"/>
               <a:t>javadoc</a:t>
             </a:r>
             <a:r>
-              <a:rPr lang="en-US" b="1" dirty="0" smtClean="0"/>
+              <a:rPr lang="en-US" b="1" dirty="0"/>
               <a:t> at top of file</a:t>
             </a:r>
           </a:p>
           <a:p>
             <a:pPr lvl="2"/>
             <a:r>
-              <a:rPr lang="en-US" b="1" dirty="0" smtClean="0"/>
+              <a:rPr lang="en-US" b="1" dirty="0"/>
               <a:t>Both responsible for submitting own code</a:t>
             </a:r>
-            <a:endParaRPr lang="en-US" b="1" dirty="0"/>
           </a:p>
         </p:txBody>
       </p:sp>
@@ -16924,13 +16659,6 @@
   <p:clrMapOvr>
     <a:masterClrMapping/>
   </p:clrMapOvr>
-  <p:timing>
-    <p:tnLst>
-      <p:par>
-        <p:cTn id="1" dur="indefinite" restart="never" nodeType="tmRoot"/>
-      </p:par>
-    </p:tnLst>
-  </p:timing>
 </p:sld>
 </file>
 
@@ -16970,10 +16698,9 @@
               <a:defRPr/>
             </a:pPr>
             <a:r>
-              <a:rPr lang="en-US" dirty="0" smtClean="0"/>
+              <a:rPr lang="en-US" dirty="0"/>
               <a:t>Handling Events</a:t>
             </a:r>
-            <a:endParaRPr lang="en-US" dirty="0"/>
           </a:p>
         </p:txBody>
       </p:sp>
@@ -16998,7 +16725,7 @@
               <a:defRPr/>
             </a:pPr>
             <a:r>
-              <a:rPr lang="en-US" dirty="0" smtClean="0"/>
+              <a:rPr lang="en-US" dirty="0"/>
               <a:t>Many kinds of events:</a:t>
             </a:r>
           </a:p>
@@ -17007,7 +16734,7 @@
               <a:defRPr/>
             </a:pPr>
             <a:r>
-              <a:rPr lang="en-US" dirty="0" smtClean="0"/>
+              <a:rPr lang="en-US" dirty="0"/>
               <a:t>Mouse pressed, mouse released, mouse moved, mouse clicked, button clicked, key pressed, menu item selected, …</a:t>
             </a:r>
           </a:p>
@@ -17015,18 +16742,18 @@
             <a:pPr lvl="1">
               <a:defRPr/>
             </a:pPr>
-            <a:endParaRPr lang="en-US" dirty="0" smtClean="0"/>
+            <a:endParaRPr lang="en-US" dirty="0"/>
           </a:p>
           <a:p>
             <a:pPr>
               <a:defRPr/>
             </a:pPr>
             <a:r>
-              <a:rPr lang="en-US" dirty="0" smtClean="0"/>
+              <a:rPr lang="en-US" dirty="0"/>
               <a:t>We create </a:t>
             </a:r>
             <a:r>
-              <a:rPr lang="en-US" b="1" dirty="0" smtClean="0">
+              <a:rPr lang="en-US" b="1" dirty="0">
                 <a:solidFill>
                   <a:schemeClr val="accent3"/>
                 </a:solidFill>
@@ -17039,11 +16766,11 @@
               <a:defRPr/>
             </a:pPr>
             <a:r>
-              <a:rPr lang="en-US" dirty="0" smtClean="0"/>
+              <a:rPr lang="en-US" dirty="0"/>
               <a:t>that implement the right </a:t>
             </a:r>
             <a:r>
-              <a:rPr lang="en-US" b="1" dirty="0" smtClean="0"/>
+              <a:rPr lang="en-US" b="1" dirty="0"/>
               <a:t>interface</a:t>
             </a:r>
           </a:p>
@@ -17052,7 +16779,7 @@
               <a:defRPr/>
             </a:pPr>
             <a:r>
-              <a:rPr lang="en-US" dirty="0" smtClean="0"/>
+              <a:rPr lang="en-US" dirty="0"/>
               <a:t>that handle the event as we wish</a:t>
             </a:r>
           </a:p>
@@ -17060,18 +16787,18 @@
             <a:pPr lvl="1">
               <a:defRPr/>
             </a:pPr>
-            <a:endParaRPr lang="en-US" dirty="0" smtClean="0"/>
+            <a:endParaRPr lang="en-US" dirty="0"/>
           </a:p>
           <a:p>
             <a:pPr>
               <a:defRPr/>
             </a:pPr>
             <a:r>
-              <a:rPr lang="en-US" dirty="0" smtClean="0"/>
+              <a:rPr lang="en-US" dirty="0"/>
               <a:t>We </a:t>
             </a:r>
             <a:r>
-              <a:rPr lang="en-US" b="1" dirty="0" smtClean="0">
+              <a:rPr lang="en-US" b="1" dirty="0">
                 <a:solidFill>
                   <a:schemeClr val="accent3"/>
                 </a:solidFill>
@@ -17079,11 +16806,11 @@
               <a:t>register</a:t>
             </a:r>
             <a:r>
-              <a:rPr lang="en-US" dirty="0" smtClean="0"/>
+              <a:rPr lang="en-US" dirty="0"/>
               <a:t> our listener with an </a:t>
             </a:r>
             <a:r>
-              <a:rPr lang="en-US" b="1" dirty="0" smtClean="0">
+              <a:rPr lang="en-US" b="1" dirty="0">
                 <a:solidFill>
                   <a:schemeClr val="accent3"/>
                 </a:solidFill>
@@ -17096,7 +16823,7 @@
               <a:defRPr/>
             </a:pPr>
             <a:r>
-              <a:rPr lang="en-US" dirty="0" smtClean="0"/>
+              <a:rPr lang="en-US" dirty="0"/>
               <a:t>Sources: buttons, menu items, graphics area, …</a:t>
             </a:r>
           </a:p>
@@ -17140,10 +16867,9 @@
           <a:lstStyle/>
           <a:p>
             <a:r>
-              <a:rPr lang="en-US" dirty="0" smtClean="0"/>
+              <a:rPr lang="en-US" dirty="0"/>
               <a:t>Q1</a:t>
             </a:r>
-            <a:endParaRPr lang="en-US" dirty="0"/>
           </a:p>
         </p:txBody>
       </p:sp>
@@ -17226,13 +16952,6 @@
   <p:clrMapOvr>
     <a:masterClrMapping/>
   </p:clrMapOvr>
-  <p:timing>
-    <p:tnLst>
-      <p:par>
-        <p:cTn id="1" dur="indefinite" restart="never" nodeType="tmRoot"/>
-      </p:par>
-    </p:tnLst>
-  </p:timing>
 </p:sld>
 </file>
 

--- a/ClassMaterials/EventBasedProgramming/Slides/EventBasedProgramming.pptx
+++ b/ClassMaterials/EventBasedProgramming/Slides/EventBasedProgramming.pptx
@@ -5,36 +5,39 @@
     <p:sldMasterId id="2147484233" r:id="rId1"/>
   </p:sldMasterIdLst>
   <p:notesMasterIdLst>
-    <p:notesMasterId r:id="rId26"/>
+    <p:notesMasterId r:id="rId29"/>
   </p:notesMasterIdLst>
   <p:handoutMasterIdLst>
-    <p:handoutMasterId r:id="rId27"/>
+    <p:handoutMasterId r:id="rId30"/>
   </p:handoutMasterIdLst>
   <p:sldIdLst>
     <p:sldId id="256" r:id="rId2"/>
     <p:sldId id="381" r:id="rId3"/>
     <p:sldId id="402" r:id="rId4"/>
-    <p:sldId id="401" r:id="rId5"/>
-    <p:sldId id="382" r:id="rId6"/>
-    <p:sldId id="380" r:id="rId7"/>
-    <p:sldId id="370" r:id="rId8"/>
-    <p:sldId id="389" r:id="rId9"/>
-    <p:sldId id="371" r:id="rId10"/>
-    <p:sldId id="397" r:id="rId11"/>
-    <p:sldId id="392" r:id="rId12"/>
-    <p:sldId id="387" r:id="rId13"/>
-    <p:sldId id="391" r:id="rId14"/>
-    <p:sldId id="376" r:id="rId15"/>
-    <p:sldId id="399" r:id="rId16"/>
-    <p:sldId id="390" r:id="rId17"/>
-    <p:sldId id="400" r:id="rId18"/>
-    <p:sldId id="378" r:id="rId19"/>
-    <p:sldId id="377" r:id="rId20"/>
-    <p:sldId id="386" r:id="rId21"/>
-    <p:sldId id="383" r:id="rId22"/>
-    <p:sldId id="384" r:id="rId23"/>
-    <p:sldId id="385" r:id="rId24"/>
-    <p:sldId id="379" r:id="rId25"/>
+    <p:sldId id="288" r:id="rId5"/>
+    <p:sldId id="403" r:id="rId6"/>
+    <p:sldId id="404" r:id="rId7"/>
+    <p:sldId id="380" r:id="rId8"/>
+    <p:sldId id="273" r:id="rId9"/>
+    <p:sldId id="405" r:id="rId10"/>
+    <p:sldId id="370" r:id="rId11"/>
+    <p:sldId id="389" r:id="rId12"/>
+    <p:sldId id="371" r:id="rId13"/>
+    <p:sldId id="397" r:id="rId14"/>
+    <p:sldId id="392" r:id="rId15"/>
+    <p:sldId id="387" r:id="rId16"/>
+    <p:sldId id="391" r:id="rId17"/>
+    <p:sldId id="376" r:id="rId18"/>
+    <p:sldId id="399" r:id="rId19"/>
+    <p:sldId id="390" r:id="rId20"/>
+    <p:sldId id="400" r:id="rId21"/>
+    <p:sldId id="378" r:id="rId22"/>
+    <p:sldId id="377" r:id="rId23"/>
+    <p:sldId id="386" r:id="rId24"/>
+    <p:sldId id="383" r:id="rId25"/>
+    <p:sldId id="384" r:id="rId26"/>
+    <p:sldId id="385" r:id="rId27"/>
+    <p:sldId id="379" r:id="rId28"/>
   </p:sldIdLst>
   <p:sldSz cx="9144000" cy="6858000" type="screen4x3"/>
   <p:notesSz cx="7010400" cy="9296400"/>
@@ -299,7 +302,7 @@
               <a:pPr>
                 <a:defRPr/>
               </a:pPr>
-              <a:t>2/24/22</a:t>
+              <a:t>3/1/22</a:t>
             </a:fld>
             <a:endParaRPr lang="en-US"/>
           </a:p>
@@ -534,7 +537,7 @@
               <a:pPr>
                 <a:defRPr/>
               </a:pPr>
-              <a:t>2/24/22</a:t>
+              <a:t>3/1/22</a:t>
             </a:fld>
             <a:endParaRPr lang="en-US"/>
           </a:p>
@@ -917,7 +920,7 @@
           </a:ln>
           <a:extLst>
             <a:ext uri="{909E8E84-426E-40dd-AFC4-6F175D3DCCD1}">
-              <a14:hiddenFill xmlns="" xmlns:a14="http://schemas.microsoft.com/office/drawing/2010/main">
+              <a14:hiddenFill xmlns:a14="http://schemas.microsoft.com/office/drawing/2010/main" xmlns="">
                 <a:solidFill>
                   <a:srgbClr val="FFFFFF"/>
                 </a:solidFill>
@@ -941,14 +944,14 @@
           <a:ln/>
           <a:extLst>
             <a:ext uri="{909E8E84-426E-40dd-AFC4-6F175D3DCCD1}">
-              <a14:hiddenFill xmlns="" xmlns:a14="http://schemas.microsoft.com/office/drawing/2010/main">
+              <a14:hiddenFill xmlns:a14="http://schemas.microsoft.com/office/drawing/2010/main" xmlns="">
                 <a:solidFill>
                   <a:srgbClr val="FFFFFF"/>
                 </a:solidFill>
               </a14:hiddenFill>
             </a:ext>
             <a:ext uri="{91240B29-F687-4f45-9708-019B960494DF}">
-              <a14:hiddenLine xmlns="" xmlns:a14="http://schemas.microsoft.com/office/drawing/2010/main" w="9525">
+              <a14:hiddenLine xmlns:a14="http://schemas.microsoft.com/office/drawing/2010/main" xmlns="" w="9525">
                 <a:solidFill>
                   <a:srgbClr val="000000"/>
                 </a:solidFill>
@@ -1029,14 +1032,14 @@
           <a:ln/>
           <a:extLst>
             <a:ext uri="{909E8E84-426E-40dd-AFC4-6F175D3DCCD1}">
-              <a14:hiddenFill xmlns="" xmlns:a14="http://schemas.microsoft.com/office/drawing/2010/main">
+              <a14:hiddenFill xmlns:a14="http://schemas.microsoft.com/office/drawing/2010/main" xmlns="">
                 <a:solidFill>
                   <a:srgbClr val="FFFFFF"/>
                 </a:solidFill>
               </a14:hiddenFill>
             </a:ext>
             <a:ext uri="{91240B29-F687-4f45-9708-019B960494DF}">
-              <a14:hiddenLine xmlns="" xmlns:a14="http://schemas.microsoft.com/office/drawing/2010/main" w="9525">
+              <a14:hiddenLine xmlns:a14="http://schemas.microsoft.com/office/drawing/2010/main" xmlns="" w="9525">
                 <a:solidFill>
                   <a:srgbClr val="000000"/>
                 </a:solidFill>
@@ -1203,38 +1206,19 @@
       </p:grpSpPr>
       <p:sp>
         <p:nvSpPr>
-          <p:cNvPr id="33794" name="Slide Image Placeholder 1"/>
+          <p:cNvPr id="2" name="Slide Image Placeholder 1"/>
           <p:cNvSpPr>
-            <a:spLocks noGrp="1" noRot="1" noChangeAspect="1" noTextEdit="1"/>
+            <a:spLocks noGrp="1" noRot="1" noChangeAspect="1"/>
           </p:cNvSpPr>
           <p:nvPr>
             <p:ph type="sldImg"/>
           </p:nvPr>
         </p:nvSpPr>
-        <p:spPr bwMode="auto">
-          <a:noFill/>
-          <a:ln>
-            <a:solidFill>
-              <a:srgbClr val="000000"/>
-            </a:solidFill>
-            <a:miter lim="800000"/>
-            <a:headEnd/>
-            <a:tailEnd/>
-          </a:ln>
-          <a:extLst>
-            <a:ext uri="{909E8E84-426E-40dd-AFC4-6F175D3DCCD1}">
-              <a14:hiddenFill xmlns="" xmlns:a14="http://schemas.microsoft.com/office/drawing/2010/main">
-                <a:solidFill>
-                  <a:srgbClr val="FFFFFF"/>
-                </a:solidFill>
-              </a14:hiddenFill>
-            </a:ext>
-          </a:extLst>
-        </p:spPr>
-      </p:sp>
-      <p:sp>
-        <p:nvSpPr>
-          <p:cNvPr id="33795" name="Notes Placeholder 2"/>
+        <p:spPr/>
+      </p:sp>
+      <p:sp>
+        <p:nvSpPr>
+          <p:cNvPr id="3" name="Notes Placeholder 2"/>
           <p:cNvSpPr>
             <a:spLocks noGrp="1"/>
           </p:cNvSpPr>
@@ -1242,127 +1226,24 @@
             <p:ph type="body" idx="1"/>
           </p:nvPr>
         </p:nvSpPr>
-        <p:spPr>
-          <a:noFill/>
-          <a:ln/>
-          <a:extLst>
-            <a:ext uri="{909E8E84-426E-40dd-AFC4-6F175D3DCCD1}">
-              <a14:hiddenFill xmlns="" xmlns:a14="http://schemas.microsoft.com/office/drawing/2010/main">
-                <a:solidFill>
-                  <a:srgbClr val="FFFFFF"/>
-                </a:solidFill>
-              </a14:hiddenFill>
-            </a:ext>
-            <a:ext uri="{91240B29-F687-4f45-9708-019B960494DF}">
-              <a14:hiddenLine xmlns="" xmlns:a14="http://schemas.microsoft.com/office/drawing/2010/main" w="9525">
-                <a:solidFill>
-                  <a:srgbClr val="000000"/>
-                </a:solidFill>
-                <a:miter lim="800000"/>
-                <a:headEnd/>
-                <a:tailEnd/>
-              </a14:hiddenLine>
-            </a:ext>
-          </a:extLst>
-        </p:spPr>
+        <p:spPr/>
         <p:txBody>
           <a:bodyPr/>
           <a:lstStyle/>
           <a:p>
             <a:r>
-              <a:rPr lang="en-US" b="1" dirty="0"/>
-              <a:t>DRAW N,S,E,W,CENTER on board or use next slide</a:t>
-            </a:r>
-          </a:p>
-          <a:p>
-            <a:r>
-              <a:rPr lang="en-US" b="1" dirty="0"/>
-              <a:t>Q</a:t>
+              <a:rPr lang="en-US" dirty="0"/>
+              <a:t>This slide is animated and offers a chance to show how what</a:t>
             </a:r>
             <a:r>
               <a:rPr lang="en-US" baseline="0" dirty="0"/>
-              <a:t> How many components can be added to a JFrame?</a:t>
-            </a:r>
-          </a:p>
-          <a:p>
-            <a:r>
-              <a:rPr lang="en-US" dirty="0"/>
-              <a:t>  	</a:t>
-            </a:r>
-            <a:r>
-              <a:rPr lang="en-US" dirty="0" err="1"/>
-              <a:t>BorderLayout.NORTH</a:t>
-            </a:r>
-            <a:r>
-              <a:rPr lang="en-US" dirty="0"/>
-              <a:t>, </a:t>
-            </a:r>
-            <a:r>
-              <a:rPr lang="en-US" dirty="0" err="1"/>
-              <a:t>BorderLayout.SOUTH</a:t>
-            </a:r>
-            <a:r>
-              <a:rPr lang="en-US" dirty="0"/>
-              <a:t>, </a:t>
-            </a:r>
-            <a:r>
-              <a:rPr lang="en-US" dirty="0" err="1"/>
-              <a:t>BorderLayout.EAST</a:t>
-            </a:r>
-            <a:r>
-              <a:rPr lang="en-US" dirty="0"/>
-              <a:t>, </a:t>
-            </a:r>
-            <a:r>
-              <a:rPr lang="en-US" dirty="0" err="1"/>
-              <a:t>BorderLayout.WEST</a:t>
-            </a:r>
-            <a:r>
-              <a:rPr lang="en-US" dirty="0"/>
-              <a:t>, </a:t>
-            </a:r>
-            <a:r>
-              <a:rPr lang="en-US" dirty="0" err="1"/>
-              <a:t>BorderLayout.CENTER</a:t>
-            </a:r>
+              <a:t> is happening conceptually in the code connects to the code that causes it.</a:t>
+            </a:r>
+          </a:p>
+          <a:p>
             <a:r>
               <a:rPr lang="en-US" baseline="0" dirty="0"/>
-              <a:t> = 5</a:t>
-            </a:r>
-          </a:p>
-          <a:p>
-            <a:endParaRPr lang="en-US" baseline="0" dirty="0"/>
-          </a:p>
-          <a:p>
-            <a:r>
-              <a:rPr lang="en-US" b="1" baseline="0" dirty="0"/>
-              <a:t>Q</a:t>
-            </a:r>
-            <a:r>
-              <a:rPr lang="en-US" baseline="0" dirty="0"/>
-              <a:t> What about a </a:t>
-            </a:r>
-            <a:r>
-              <a:rPr lang="en-US" baseline="0" dirty="0" err="1"/>
-              <a:t>JPanel</a:t>
-            </a:r>
-            <a:r>
-              <a:rPr lang="en-US" baseline="0" dirty="0"/>
-              <a:t>, how many components can be added to it?</a:t>
-            </a:r>
-          </a:p>
-          <a:p>
-            <a:r>
-              <a:rPr lang="en-US" baseline="0" dirty="0"/>
-              <a:t>	</a:t>
-            </a:r>
-            <a:r>
-              <a:rPr lang="en-US" baseline="0" dirty="0" err="1"/>
-              <a:t>JPanel</a:t>
-            </a:r>
-            <a:r>
-              <a:rPr lang="en-US" baseline="0" dirty="0"/>
-              <a:t> can hold as many as we want.</a:t>
+              <a:t>This could be used before live coding or after if desired to review what was done.</a:t>
             </a:r>
             <a:endParaRPr lang="en-US" dirty="0"/>
           </a:p>
@@ -1370,165 +1251,37 @@
       </p:sp>
       <p:sp>
         <p:nvSpPr>
-          <p:cNvPr id="33796" name="Slide Number Placeholder 3"/>
+          <p:cNvPr id="4" name="Slide Number Placeholder 3"/>
           <p:cNvSpPr>
             <a:spLocks noGrp="1"/>
           </p:cNvSpPr>
           <p:nvPr>
-            <p:ph type="sldNum" sz="quarter" idx="5"/>
+            <p:ph type="sldNum" sz="quarter" idx="10"/>
           </p:nvPr>
         </p:nvSpPr>
-        <p:spPr>
-          <a:noFill/>
-          <a:ln/>
-          <a:extLst>
-            <a:ext uri="{909E8E84-426E-40dd-AFC4-6F175D3DCCD1}">
-              <a14:hiddenFill xmlns="" xmlns:a14="http://schemas.microsoft.com/office/drawing/2010/main">
-                <a:solidFill>
-                  <a:srgbClr val="FFFFFF"/>
-                </a:solidFill>
-              </a14:hiddenFill>
-            </a:ext>
-            <a:ext uri="{91240B29-F687-4f45-9708-019B960494DF}">
-              <a14:hiddenLine xmlns="" xmlns:a14="http://schemas.microsoft.com/office/drawing/2010/main" w="9525">
-                <a:solidFill>
-                  <a:srgbClr val="000000"/>
-                </a:solidFill>
-                <a:miter lim="800000"/>
-                <a:headEnd/>
-                <a:tailEnd/>
-              </a14:hiddenLine>
-            </a:ext>
-          </a:extLst>
-        </p:spPr>
+        <p:spPr/>
         <p:txBody>
           <a:bodyPr/>
-          <a:lstStyle>
-            <a:lvl1pPr defTabSz="913525" eaLnBrk="0" hangingPunct="0">
-              <a:defRPr>
-                <a:solidFill>
-                  <a:schemeClr val="tx1"/>
-                </a:solidFill>
-                <a:latin typeface="Arial" charset="0"/>
-                <a:cs typeface="Arial" charset="0"/>
-              </a:defRPr>
-            </a:lvl1pPr>
-            <a:lvl2pPr marL="716130" indent="-275434" defTabSz="913525" eaLnBrk="0" hangingPunct="0">
-              <a:defRPr>
-                <a:solidFill>
-                  <a:schemeClr val="tx1"/>
-                </a:solidFill>
-                <a:latin typeface="Arial" charset="0"/>
-                <a:cs typeface="Arial" charset="0"/>
-              </a:defRPr>
-            </a:lvl2pPr>
-            <a:lvl3pPr marL="1101738" indent="-220348" defTabSz="913525" eaLnBrk="0" hangingPunct="0">
-              <a:defRPr>
-                <a:solidFill>
-                  <a:schemeClr val="tx1"/>
-                </a:solidFill>
-                <a:latin typeface="Arial" charset="0"/>
-                <a:cs typeface="Arial" charset="0"/>
-              </a:defRPr>
-            </a:lvl3pPr>
-            <a:lvl4pPr marL="1542433" indent="-220348" defTabSz="913525" eaLnBrk="0" hangingPunct="0">
-              <a:defRPr>
-                <a:solidFill>
-                  <a:schemeClr val="tx1"/>
-                </a:solidFill>
-                <a:latin typeface="Arial" charset="0"/>
-                <a:cs typeface="Arial" charset="0"/>
-              </a:defRPr>
-            </a:lvl4pPr>
-            <a:lvl5pPr marL="1983128" indent="-220348" defTabSz="913525" eaLnBrk="0" hangingPunct="0">
-              <a:defRPr>
-                <a:solidFill>
-                  <a:schemeClr val="tx1"/>
-                </a:solidFill>
-                <a:latin typeface="Arial" charset="0"/>
-                <a:cs typeface="Arial" charset="0"/>
-              </a:defRPr>
-            </a:lvl5pPr>
-            <a:lvl6pPr marL="2423823" indent="-220348" defTabSz="913525" eaLnBrk="0" fontAlgn="base" hangingPunct="0">
-              <a:spcBef>
-                <a:spcPct val="0"/>
-              </a:spcBef>
-              <a:spcAft>
-                <a:spcPct val="0"/>
-              </a:spcAft>
-              <a:defRPr>
-                <a:solidFill>
-                  <a:schemeClr val="tx1"/>
-                </a:solidFill>
-                <a:latin typeface="Arial" charset="0"/>
-                <a:cs typeface="Arial" charset="0"/>
-              </a:defRPr>
-            </a:lvl6pPr>
-            <a:lvl7pPr marL="2864518" indent="-220348" defTabSz="913525" eaLnBrk="0" fontAlgn="base" hangingPunct="0">
-              <a:spcBef>
-                <a:spcPct val="0"/>
-              </a:spcBef>
-              <a:spcAft>
-                <a:spcPct val="0"/>
-              </a:spcAft>
-              <a:defRPr>
-                <a:solidFill>
-                  <a:schemeClr val="tx1"/>
-                </a:solidFill>
-                <a:latin typeface="Arial" charset="0"/>
-                <a:cs typeface="Arial" charset="0"/>
-              </a:defRPr>
-            </a:lvl7pPr>
-            <a:lvl8pPr marL="3305213" indent="-220348" defTabSz="913525" eaLnBrk="0" fontAlgn="base" hangingPunct="0">
-              <a:spcBef>
-                <a:spcPct val="0"/>
-              </a:spcBef>
-              <a:spcAft>
-                <a:spcPct val="0"/>
-              </a:spcAft>
-              <a:defRPr>
-                <a:solidFill>
-                  <a:schemeClr val="tx1"/>
-                </a:solidFill>
-                <a:latin typeface="Arial" charset="0"/>
-                <a:cs typeface="Arial" charset="0"/>
-              </a:defRPr>
-            </a:lvl8pPr>
-            <a:lvl9pPr marL="3745908" indent="-220348" defTabSz="913525" eaLnBrk="0" fontAlgn="base" hangingPunct="0">
-              <a:spcBef>
-                <a:spcPct val="0"/>
-              </a:spcBef>
-              <a:spcAft>
-                <a:spcPct val="0"/>
-              </a:spcAft>
-              <a:defRPr>
-                <a:solidFill>
-                  <a:schemeClr val="tx1"/>
-                </a:solidFill>
-                <a:latin typeface="Arial" charset="0"/>
-                <a:cs typeface="Arial" charset="0"/>
-              </a:defRPr>
-            </a:lvl9pPr>
-          </a:lstStyle>
-          <a:p>
-            <a:pPr eaLnBrk="1" hangingPunct="1"/>
-            <a:fld id="{42DC7C6A-C3CD-4A88-B33A-F669CAD861D4}" type="slidenum">
-              <a:rPr lang="en-US" smtClean="0">
-                <a:latin typeface="Calibri" pitchFamily="34" charset="0"/>
-              </a:rPr>
-              <a:pPr eaLnBrk="1" hangingPunct="1"/>
+          <a:lstStyle/>
+          <a:p>
+            <a:pPr>
+              <a:defRPr/>
+            </a:pPr>
+            <a:fld id="{DA7F4447-3C62-46B7-AE80-9244D33714A7}" type="slidenum">
+              <a:rPr lang="en-US" smtClean="0"/>
+              <a:pPr>
+                <a:defRPr/>
+              </a:pPr>
               <a:t>14</a:t>
             </a:fld>
-            <a:endParaRPr lang="en-US">
-              <a:latin typeface="Calibri" pitchFamily="34" charset="0"/>
-            </a:endParaRPr>
+            <a:endParaRPr lang="en-US"/>
           </a:p>
         </p:txBody>
       </p:sp>
     </p:spTree>
     <p:extLst>
       <p:ext uri="{BB962C8B-B14F-4D97-AF65-F5344CB8AC3E}">
-        <p14:creationId xmlns:p14="http://schemas.microsoft.com/office/powerpoint/2010/main" val="1924325661"/>
+        <p14:creationId xmlns:p14="http://schemas.microsoft.com/office/powerpoint/2010/main" val="458040626"/>
       </p:ext>
     </p:extLst>
   </p:cSld>
@@ -1582,6 +1335,31 @@
           <a:bodyPr/>
           <a:lstStyle/>
           <a:p>
+            <a:r>
+              <a:rPr lang="en-US" dirty="0"/>
+              <a:t>This is a reminder to do the</a:t>
+            </a:r>
+            <a:r>
+              <a:rPr lang="en-US" baseline="0" dirty="0"/>
+              <a:t> first part only (external listener) of </a:t>
+            </a:r>
+            <a:r>
+              <a:rPr lang="en-US" baseline="0" dirty="0" err="1"/>
+              <a:t>BreakfastMain.java</a:t>
+            </a:r>
+            <a:r>
+              <a:rPr lang="en-US" baseline="0" dirty="0"/>
+              <a:t> in the slides package.</a:t>
+            </a:r>
+          </a:p>
+          <a:p>
+            <a:endParaRPr lang="en-US" baseline="0" dirty="0"/>
+          </a:p>
+          <a:p>
+            <a:r>
+              <a:rPr lang="en-US" baseline="0" dirty="0"/>
+              <a:t>Might want to demo how to have the button update the frame’s title (by passing in the frame to the listener’s constructor and calling back).</a:t>
+            </a:r>
             <a:endParaRPr lang="en-US" dirty="0"/>
           </a:p>
         </p:txBody>
@@ -1609,7 +1387,7 @@
               <a:pPr>
                 <a:defRPr/>
               </a:pPr>
-              <a:t>16</a:t>
+              <a:t>15</a:t>
             </a:fld>
             <a:endParaRPr lang="en-US"/>
           </a:p>
@@ -1618,7 +1396,7 @@
     </p:spTree>
     <p:extLst>
       <p:ext uri="{BB962C8B-B14F-4D97-AF65-F5344CB8AC3E}">
-        <p14:creationId xmlns:p14="http://schemas.microsoft.com/office/powerpoint/2010/main" val="2790286530"/>
+        <p14:creationId xmlns:p14="http://schemas.microsoft.com/office/powerpoint/2010/main" val="724160813"/>
       </p:ext>
     </p:extLst>
   </p:cSld>
@@ -1647,38 +1425,19 @@
       </p:grpSpPr>
       <p:sp>
         <p:nvSpPr>
-          <p:cNvPr id="36866" name="Slide Image Placeholder 1"/>
+          <p:cNvPr id="2" name="Slide Image Placeholder 1"/>
           <p:cNvSpPr>
-            <a:spLocks noGrp="1" noRot="1" noChangeAspect="1" noTextEdit="1"/>
+            <a:spLocks noGrp="1" noRot="1" noChangeAspect="1"/>
           </p:cNvSpPr>
           <p:nvPr>
             <p:ph type="sldImg"/>
           </p:nvPr>
         </p:nvSpPr>
-        <p:spPr bwMode="auto">
-          <a:noFill/>
-          <a:ln>
-            <a:solidFill>
-              <a:srgbClr val="000000"/>
-            </a:solidFill>
-            <a:miter lim="800000"/>
-            <a:headEnd/>
-            <a:tailEnd/>
-          </a:ln>
-          <a:extLst>
-            <a:ext uri="{909E8E84-426E-40dd-AFC4-6F175D3DCCD1}">
-              <a14:hiddenFill xmlns="" xmlns:a14="http://schemas.microsoft.com/office/drawing/2010/main">
-                <a:solidFill>
-                  <a:srgbClr val="FFFFFF"/>
-                </a:solidFill>
-              </a14:hiddenFill>
-            </a:ext>
-          </a:extLst>
-        </p:spPr>
-      </p:sp>
-      <p:sp>
-        <p:nvSpPr>
-          <p:cNvPr id="36867" name="Notes Placeholder 2"/>
+        <p:spPr/>
+      </p:sp>
+      <p:sp>
+        <p:nvSpPr>
+          <p:cNvPr id="3" name="Notes Placeholder 2"/>
           <p:cNvSpPr>
             <a:spLocks noGrp="1"/>
           </p:cNvSpPr>
@@ -1686,287 +1445,65 @@
             <p:ph type="body" idx="1"/>
           </p:nvPr>
         </p:nvSpPr>
-        <p:spPr>
-          <a:noFill/>
-          <a:ln/>
-          <a:extLst>
-            <a:ext uri="{909E8E84-426E-40dd-AFC4-6F175D3DCCD1}">
-              <a14:hiddenFill xmlns="" xmlns:a14="http://schemas.microsoft.com/office/drawing/2010/main">
-                <a:solidFill>
-                  <a:srgbClr val="FFFFFF"/>
-                </a:solidFill>
-              </a14:hiddenFill>
-            </a:ext>
-            <a:ext uri="{91240B29-F687-4f45-9708-019B960494DF}">
-              <a14:hiddenLine xmlns="" xmlns:a14="http://schemas.microsoft.com/office/drawing/2010/main" w="9525">
-                <a:solidFill>
-                  <a:srgbClr val="000000"/>
-                </a:solidFill>
-                <a:miter lim="800000"/>
-                <a:headEnd/>
-                <a:tailEnd/>
-              </a14:hiddenLine>
-            </a:ext>
-          </a:extLst>
-        </p:spPr>
+        <p:spPr/>
         <p:txBody>
           <a:bodyPr/>
           <a:lstStyle/>
           <a:p>
-            <a:pPr marL="171450" indent="-171450">
-              <a:buFontTx/>
-              <a:buChar char="-"/>
-            </a:pPr>
-            <a:r>
-              <a:rPr lang="en-US" dirty="0"/>
-              <a:t>Implement draw listener for adding squares/circles to </a:t>
+            <a:r>
+              <a:rPr lang="en-US" dirty="0"/>
+              <a:t>Students will try to add multiple Buttons to the Frame and wonder where they went. </a:t>
+            </a:r>
+          </a:p>
+          <a:p>
+            <a:r>
+              <a:rPr lang="en-US" dirty="0"/>
+              <a:t>Let them do this for just a minute or two before you show them about </a:t>
             </a:r>
             <a:r>
               <a:rPr lang="en-US" dirty="0" err="1"/>
-              <a:t>DrawComponent</a:t>
-            </a:r>
-            <a:endParaRPr lang="en-US" dirty="0"/>
-          </a:p>
-          <a:p>
-            <a:pPr marL="171450" indent="-171450">
-              <a:buFontTx/>
-              <a:buChar char="-"/>
-            </a:pPr>
-            <a:endParaRPr lang="en-US" dirty="0"/>
-          </a:p>
-          <a:p>
-            <a:r>
-              <a:rPr lang="en-US" dirty="0"/>
-              <a:t>[[[Probably</a:t>
-            </a:r>
-            <a:r>
-              <a:rPr lang="en-US" baseline="0" dirty="0"/>
-              <a:t> w</a:t>
-            </a:r>
-            <a:r>
-              <a:rPr lang="en-US" dirty="0"/>
-              <a:t>on’t have time</a:t>
-            </a:r>
-            <a:r>
-              <a:rPr lang="en-US" baseline="0" dirty="0"/>
-              <a:t> to</a:t>
-            </a:r>
-            <a:r>
-              <a:rPr lang="en-US" dirty="0"/>
-              <a:t> add </a:t>
-            </a:r>
-            <a:r>
-              <a:rPr lang="en-US" dirty="0" err="1"/>
-              <a:t>LinearCharges</a:t>
-            </a:r>
-            <a:r>
-              <a:rPr lang="en-US" dirty="0"/>
-              <a:t> to space.  Just use </a:t>
-            </a:r>
-            <a:r>
-              <a:rPr lang="en-US" dirty="0" err="1"/>
-              <a:t>mouseClicked</a:t>
-            </a:r>
-            <a:r>
-              <a:rPr lang="en-US" dirty="0"/>
-              <a:t> to add </a:t>
-            </a:r>
-            <a:r>
-              <a:rPr lang="en-US" dirty="0" err="1"/>
-              <a:t>PointCharges</a:t>
+              <a:t>JPanels</a:t>
             </a:r>
             <a:r>
               <a:rPr lang="en-US" dirty="0"/>
               <a:t>.</a:t>
             </a:r>
-            <a:r>
-              <a:rPr lang="en-US" baseline="0" dirty="0"/>
-              <a:t>  T</a:t>
-            </a:r>
-            <a:r>
-              <a:rPr lang="en-US" dirty="0"/>
-              <a:t>alk about issues we would need to address for </a:t>
-            </a:r>
-            <a:r>
-              <a:rPr lang="en-US" dirty="0" err="1"/>
-              <a:t>LinearCharges</a:t>
-            </a:r>
-            <a:r>
-              <a:rPr lang="en-US" dirty="0"/>
-              <a:t>,</a:t>
-            </a:r>
-            <a:r>
-              <a:rPr lang="en-US" baseline="0" dirty="0"/>
-              <a:t> like tracking down location and seeing if up location is different.</a:t>
-            </a:r>
-            <a:r>
-              <a:rPr lang="en-US" dirty="0"/>
-              <a:t>]</a:t>
-            </a:r>
-          </a:p>
-        </p:txBody>
-      </p:sp>
-      <p:sp>
-        <p:nvSpPr>
-          <p:cNvPr id="36868" name="Slide Number Placeholder 3"/>
+          </a:p>
+        </p:txBody>
+      </p:sp>
+      <p:sp>
+        <p:nvSpPr>
+          <p:cNvPr id="4" name="Slide Number Placeholder 3"/>
           <p:cNvSpPr>
             <a:spLocks noGrp="1"/>
           </p:cNvSpPr>
           <p:nvPr>
-            <p:ph type="sldNum" sz="quarter" idx="5"/>
+            <p:ph type="sldNum" sz="quarter" idx="10"/>
           </p:nvPr>
         </p:nvSpPr>
-        <p:spPr>
-          <a:noFill/>
-          <a:ln/>
-          <a:extLst>
-            <a:ext uri="{909E8E84-426E-40dd-AFC4-6F175D3DCCD1}">
-              <a14:hiddenFill xmlns="" xmlns:a14="http://schemas.microsoft.com/office/drawing/2010/main">
-                <a:solidFill>
-                  <a:srgbClr val="FFFFFF"/>
-                </a:solidFill>
-              </a14:hiddenFill>
-            </a:ext>
-            <a:ext uri="{91240B29-F687-4f45-9708-019B960494DF}">
-              <a14:hiddenLine xmlns="" xmlns:a14="http://schemas.microsoft.com/office/drawing/2010/main" w="9525">
-                <a:solidFill>
-                  <a:srgbClr val="000000"/>
-                </a:solidFill>
-                <a:miter lim="800000"/>
-                <a:headEnd/>
-                <a:tailEnd/>
-              </a14:hiddenLine>
-            </a:ext>
-          </a:extLst>
-        </p:spPr>
+        <p:spPr/>
         <p:txBody>
           <a:bodyPr/>
-          <a:lstStyle>
-            <a:lvl1pPr defTabSz="913525" eaLnBrk="0" hangingPunct="0">
-              <a:defRPr>
-                <a:solidFill>
-                  <a:schemeClr val="tx1"/>
-                </a:solidFill>
-                <a:latin typeface="Arial" charset="0"/>
-                <a:cs typeface="Arial" charset="0"/>
-              </a:defRPr>
-            </a:lvl1pPr>
-            <a:lvl2pPr marL="716130" indent="-275434" defTabSz="913525" eaLnBrk="0" hangingPunct="0">
-              <a:defRPr>
-                <a:solidFill>
-                  <a:schemeClr val="tx1"/>
-                </a:solidFill>
-                <a:latin typeface="Arial" charset="0"/>
-                <a:cs typeface="Arial" charset="0"/>
-              </a:defRPr>
-            </a:lvl2pPr>
-            <a:lvl3pPr marL="1101738" indent="-220348" defTabSz="913525" eaLnBrk="0" hangingPunct="0">
-              <a:defRPr>
-                <a:solidFill>
-                  <a:schemeClr val="tx1"/>
-                </a:solidFill>
-                <a:latin typeface="Arial" charset="0"/>
-                <a:cs typeface="Arial" charset="0"/>
-              </a:defRPr>
-            </a:lvl3pPr>
-            <a:lvl4pPr marL="1542433" indent="-220348" defTabSz="913525" eaLnBrk="0" hangingPunct="0">
-              <a:defRPr>
-                <a:solidFill>
-                  <a:schemeClr val="tx1"/>
-                </a:solidFill>
-                <a:latin typeface="Arial" charset="0"/>
-                <a:cs typeface="Arial" charset="0"/>
-              </a:defRPr>
-            </a:lvl4pPr>
-            <a:lvl5pPr marL="1983128" indent="-220348" defTabSz="913525" eaLnBrk="0" hangingPunct="0">
-              <a:defRPr>
-                <a:solidFill>
-                  <a:schemeClr val="tx1"/>
-                </a:solidFill>
-                <a:latin typeface="Arial" charset="0"/>
-                <a:cs typeface="Arial" charset="0"/>
-              </a:defRPr>
-            </a:lvl5pPr>
-            <a:lvl6pPr marL="2423823" indent="-220348" defTabSz="913525" eaLnBrk="0" fontAlgn="base" hangingPunct="0">
-              <a:spcBef>
-                <a:spcPct val="0"/>
-              </a:spcBef>
-              <a:spcAft>
-                <a:spcPct val="0"/>
-              </a:spcAft>
-              <a:defRPr>
-                <a:solidFill>
-                  <a:schemeClr val="tx1"/>
-                </a:solidFill>
-                <a:latin typeface="Arial" charset="0"/>
-                <a:cs typeface="Arial" charset="0"/>
-              </a:defRPr>
-            </a:lvl6pPr>
-            <a:lvl7pPr marL="2864518" indent="-220348" defTabSz="913525" eaLnBrk="0" fontAlgn="base" hangingPunct="0">
-              <a:spcBef>
-                <a:spcPct val="0"/>
-              </a:spcBef>
-              <a:spcAft>
-                <a:spcPct val="0"/>
-              </a:spcAft>
-              <a:defRPr>
-                <a:solidFill>
-                  <a:schemeClr val="tx1"/>
-                </a:solidFill>
-                <a:latin typeface="Arial" charset="0"/>
-                <a:cs typeface="Arial" charset="0"/>
-              </a:defRPr>
-            </a:lvl7pPr>
-            <a:lvl8pPr marL="3305213" indent="-220348" defTabSz="913525" eaLnBrk="0" fontAlgn="base" hangingPunct="0">
-              <a:spcBef>
-                <a:spcPct val="0"/>
-              </a:spcBef>
-              <a:spcAft>
-                <a:spcPct val="0"/>
-              </a:spcAft>
-              <a:defRPr>
-                <a:solidFill>
-                  <a:schemeClr val="tx1"/>
-                </a:solidFill>
-                <a:latin typeface="Arial" charset="0"/>
-                <a:cs typeface="Arial" charset="0"/>
-              </a:defRPr>
-            </a:lvl8pPr>
-            <a:lvl9pPr marL="3745908" indent="-220348" defTabSz="913525" eaLnBrk="0" fontAlgn="base" hangingPunct="0">
-              <a:spcBef>
-                <a:spcPct val="0"/>
-              </a:spcBef>
-              <a:spcAft>
-                <a:spcPct val="0"/>
-              </a:spcAft>
-              <a:defRPr>
-                <a:solidFill>
-                  <a:schemeClr val="tx1"/>
-                </a:solidFill>
-                <a:latin typeface="Arial" charset="0"/>
-                <a:cs typeface="Arial" charset="0"/>
-              </a:defRPr>
-            </a:lvl9pPr>
-          </a:lstStyle>
-          <a:p>
-            <a:pPr eaLnBrk="1" hangingPunct="1"/>
-            <a:fld id="{BF9B7CFB-6836-4C08-8E83-F985244DBB2C}" type="slidenum">
-              <a:rPr lang="en-US" smtClean="0">
-                <a:latin typeface="Calibri" pitchFamily="34" charset="0"/>
-              </a:rPr>
-              <a:pPr eaLnBrk="1" hangingPunct="1"/>
-              <a:t>18</a:t>
+          <a:lstStyle/>
+          <a:p>
+            <a:pPr>
+              <a:defRPr/>
+            </a:pPr>
+            <a:fld id="{DA7F4447-3C62-46B7-AE80-9244D33714A7}" type="slidenum">
+              <a:rPr lang="en-US" smtClean="0"/>
+              <a:pPr>
+                <a:defRPr/>
+              </a:pPr>
+              <a:t>16</a:t>
             </a:fld>
-            <a:endParaRPr lang="en-US">
-              <a:latin typeface="Calibri" pitchFamily="34" charset="0"/>
-            </a:endParaRPr>
+            <a:endParaRPr lang="en-US"/>
           </a:p>
         </p:txBody>
       </p:sp>
     </p:spTree>
     <p:extLst>
       <p:ext uri="{BB962C8B-B14F-4D97-AF65-F5344CB8AC3E}">
-        <p14:creationId xmlns:p14="http://schemas.microsoft.com/office/powerpoint/2010/main" val="2750227930"/>
+        <p14:creationId xmlns:p14="http://schemas.microsoft.com/office/powerpoint/2010/main" val="3974534740"/>
       </p:ext>
     </p:extLst>
   </p:cSld>
@@ -1995,7 +1532,7 @@
       </p:grpSpPr>
       <p:sp>
         <p:nvSpPr>
-          <p:cNvPr id="35842" name="Slide Image Placeholder 1"/>
+          <p:cNvPr id="33794" name="Slide Image Placeholder 1"/>
           <p:cNvSpPr>
             <a:spLocks noGrp="1" noRot="1" noChangeAspect="1" noTextEdit="1"/>
           </p:cNvSpPr>
@@ -2015,7 +1552,7 @@
           </a:ln>
           <a:extLst>
             <a:ext uri="{909E8E84-426E-40dd-AFC4-6F175D3DCCD1}">
-              <a14:hiddenFill xmlns="" xmlns:a14="http://schemas.microsoft.com/office/drawing/2010/main">
+              <a14:hiddenFill xmlns:a14="http://schemas.microsoft.com/office/drawing/2010/main" xmlns="">
                 <a:solidFill>
                   <a:srgbClr val="FFFFFF"/>
                 </a:solidFill>
@@ -2026,7 +1563,7 @@
       </p:sp>
       <p:sp>
         <p:nvSpPr>
-          <p:cNvPr id="35843" name="Notes Placeholder 2"/>
+          <p:cNvPr id="33795" name="Notes Placeholder 2"/>
           <p:cNvSpPr>
             <a:spLocks noGrp="1"/>
           </p:cNvSpPr>
@@ -2039,14 +1576,14 @@
           <a:ln/>
           <a:extLst>
             <a:ext uri="{909E8E84-426E-40dd-AFC4-6F175D3DCCD1}">
-              <a14:hiddenFill xmlns="" xmlns:a14="http://schemas.microsoft.com/office/drawing/2010/main">
+              <a14:hiddenFill xmlns:a14="http://schemas.microsoft.com/office/drawing/2010/main" xmlns="">
                 <a:solidFill>
                   <a:srgbClr val="FFFFFF"/>
                 </a:solidFill>
               </a14:hiddenFill>
             </a:ext>
             <a:ext uri="{91240B29-F687-4f45-9708-019B960494DF}">
-              <a14:hiddenLine xmlns="" xmlns:a14="http://schemas.microsoft.com/office/drawing/2010/main" w="9525">
+              <a14:hiddenLine xmlns:a14="http://schemas.microsoft.com/office/drawing/2010/main" xmlns="" w="9525">
                 <a:solidFill>
                   <a:srgbClr val="000000"/>
                 </a:solidFill>
@@ -2062,21 +1599,107 @@
           <a:lstStyle/>
           <a:p>
             <a:r>
-              <a:rPr lang="en-US"/>
-              <a:t>- User decides which actions to take</a:t>
-            </a:r>
-          </a:p>
-          <a:p>
-            <a:r>
-              <a:rPr lang="en-US"/>
-              <a:t>- Library decides when to update window</a:t>
-            </a:r>
-          </a:p>
-        </p:txBody>
-      </p:sp>
-      <p:sp>
-        <p:nvSpPr>
-          <p:cNvPr id="35844" name="Slide Number Placeholder 3"/>
+              <a:rPr lang="en-US" b="1" dirty="0"/>
+              <a:t>DRAW N,S,E,W,CENTER on board or use next slide</a:t>
+            </a:r>
+          </a:p>
+          <a:p>
+            <a:r>
+              <a:rPr lang="en-US" b="1" dirty="0"/>
+              <a:t>Q</a:t>
+            </a:r>
+            <a:r>
+              <a:rPr lang="en-US" baseline="0" dirty="0"/>
+              <a:t> How many components can be added to a JFrame?</a:t>
+            </a:r>
+          </a:p>
+          <a:p>
+            <a:r>
+              <a:rPr lang="en-US" dirty="0"/>
+              <a:t>  	</a:t>
+            </a:r>
+            <a:r>
+              <a:rPr lang="en-US" dirty="0" err="1"/>
+              <a:t>BorderLayout.NORTH</a:t>
+            </a:r>
+            <a:r>
+              <a:rPr lang="en-US" dirty="0"/>
+              <a:t>, </a:t>
+            </a:r>
+            <a:r>
+              <a:rPr lang="en-US" dirty="0" err="1"/>
+              <a:t>BorderLayout.SOUTH</a:t>
+            </a:r>
+            <a:r>
+              <a:rPr lang="en-US" dirty="0"/>
+              <a:t>, </a:t>
+            </a:r>
+            <a:r>
+              <a:rPr lang="en-US" dirty="0" err="1"/>
+              <a:t>BorderLayout.EAST</a:t>
+            </a:r>
+            <a:r>
+              <a:rPr lang="en-US" dirty="0"/>
+              <a:t>, </a:t>
+            </a:r>
+            <a:r>
+              <a:rPr lang="en-US" dirty="0" err="1"/>
+              <a:t>BorderLayout.WEST</a:t>
+            </a:r>
+            <a:r>
+              <a:rPr lang="en-US" dirty="0"/>
+              <a:t>, </a:t>
+            </a:r>
+            <a:r>
+              <a:rPr lang="en-US" dirty="0" err="1"/>
+              <a:t>BorderLayout.CENTER</a:t>
+            </a:r>
+            <a:r>
+              <a:rPr lang="en-US" baseline="0" dirty="0"/>
+              <a:t> = 5</a:t>
+            </a:r>
+          </a:p>
+          <a:p>
+            <a:endParaRPr lang="en-US" baseline="0" dirty="0"/>
+          </a:p>
+          <a:p>
+            <a:r>
+              <a:rPr lang="en-US" b="1" baseline="0" dirty="0"/>
+              <a:t>Q</a:t>
+            </a:r>
+            <a:r>
+              <a:rPr lang="en-US" baseline="0" dirty="0"/>
+              <a:t> What about a </a:t>
+            </a:r>
+            <a:r>
+              <a:rPr lang="en-US" baseline="0" dirty="0" err="1"/>
+              <a:t>JPanel</a:t>
+            </a:r>
+            <a:r>
+              <a:rPr lang="en-US" baseline="0" dirty="0"/>
+              <a:t>, how many components can be added to it?</a:t>
+            </a:r>
+          </a:p>
+          <a:p>
+            <a:r>
+              <a:rPr lang="en-US" baseline="0" dirty="0"/>
+              <a:t>	</a:t>
+            </a:r>
+            <a:r>
+              <a:rPr lang="en-US" baseline="0" dirty="0" err="1"/>
+              <a:t>JPanel</a:t>
+            </a:r>
+            <a:r>
+              <a:rPr lang="en-US" baseline="0" dirty="0"/>
+              <a:t> can hold as many as we want.</a:t>
+            </a:r>
+            <a:endParaRPr lang="en-US" dirty="0"/>
+          </a:p>
+        </p:txBody>
+      </p:sp>
+      <p:sp>
+        <p:nvSpPr>
+          <p:cNvPr id="33796" name="Slide Number Placeholder 3"/>
           <p:cNvSpPr>
             <a:spLocks noGrp="1"/>
           </p:cNvSpPr>
@@ -2089,14 +1712,14 @@
           <a:ln/>
           <a:extLst>
             <a:ext uri="{909E8E84-426E-40dd-AFC4-6F175D3DCCD1}">
-              <a14:hiddenFill xmlns="" xmlns:a14="http://schemas.microsoft.com/office/drawing/2010/main">
+              <a14:hiddenFill xmlns:a14="http://schemas.microsoft.com/office/drawing/2010/main" xmlns="">
                 <a:solidFill>
                   <a:srgbClr val="FFFFFF"/>
                 </a:solidFill>
               </a14:hiddenFill>
             </a:ext>
             <a:ext uri="{91240B29-F687-4f45-9708-019B960494DF}">
-              <a14:hiddenLine xmlns="" xmlns:a14="http://schemas.microsoft.com/office/drawing/2010/main" w="9525">
+              <a14:hiddenLine xmlns:a14="http://schemas.microsoft.com/office/drawing/2010/main" xmlns="" w="9525">
                 <a:solidFill>
                   <a:srgbClr val="000000"/>
                 </a:solidFill>
@@ -2218,12 +1841,12 @@
           </a:lstStyle>
           <a:p>
             <a:pPr eaLnBrk="1" hangingPunct="1"/>
-            <a:fld id="{7004A8EF-C486-46F4-BD1E-89E21A0B62AF}" type="slidenum">
+            <a:fld id="{42DC7C6A-C3CD-4A88-B33A-F669CAD861D4}" type="slidenum">
               <a:rPr lang="en-US" smtClean="0">
                 <a:latin typeface="Calibri" pitchFamily="34" charset="0"/>
               </a:rPr>
               <a:pPr eaLnBrk="1" hangingPunct="1"/>
-              <a:t>19</a:t>
+              <a:t>17</a:t>
             </a:fld>
             <a:endParaRPr lang="en-US">
               <a:latin typeface="Calibri" pitchFamily="34" charset="0"/>
@@ -2234,7 +1857,7 @@
     </p:spTree>
     <p:extLst>
       <p:ext uri="{BB962C8B-B14F-4D97-AF65-F5344CB8AC3E}">
-        <p14:creationId xmlns:p14="http://schemas.microsoft.com/office/powerpoint/2010/main" val="3973521013"/>
+        <p14:creationId xmlns:p14="http://schemas.microsoft.com/office/powerpoint/2010/main" val="1924325661"/>
       </p:ext>
     </p:extLst>
   </p:cSld>
@@ -2263,38 +1886,19 @@
       </p:grpSpPr>
       <p:sp>
         <p:nvSpPr>
-          <p:cNvPr id="34818" name="Slide Image Placeholder 1"/>
+          <p:cNvPr id="2" name="Slide Image Placeholder 1"/>
           <p:cNvSpPr>
-            <a:spLocks noGrp="1" noRot="1" noChangeAspect="1" noTextEdit="1"/>
+            <a:spLocks noGrp="1" noRot="1" noChangeAspect="1"/>
           </p:cNvSpPr>
           <p:nvPr>
             <p:ph type="sldImg"/>
           </p:nvPr>
         </p:nvSpPr>
-        <p:spPr bwMode="auto">
-          <a:noFill/>
-          <a:ln>
-            <a:solidFill>
-              <a:srgbClr val="000000"/>
-            </a:solidFill>
-            <a:miter lim="800000"/>
-            <a:headEnd/>
-            <a:tailEnd/>
-          </a:ln>
-          <a:extLst>
-            <a:ext uri="{909E8E84-426E-40dd-AFC4-6F175D3DCCD1}">
-              <a14:hiddenFill xmlns="" xmlns:a14="http://schemas.microsoft.com/office/drawing/2010/main">
-                <a:solidFill>
-                  <a:srgbClr val="FFFFFF"/>
-                </a:solidFill>
-              </a14:hiddenFill>
-            </a:ext>
-          </a:extLst>
-        </p:spPr>
-      </p:sp>
-      <p:sp>
-        <p:nvSpPr>
-          <p:cNvPr id="34819" name="Notes Placeholder 2"/>
+        <p:spPr/>
+      </p:sp>
+      <p:sp>
+        <p:nvSpPr>
+          <p:cNvPr id="3" name="Notes Placeholder 2"/>
           <p:cNvSpPr>
             <a:spLocks noGrp="1"/>
           </p:cNvSpPr>
@@ -2302,270 +1906,48 @@
             <p:ph type="body" idx="1"/>
           </p:nvPr>
         </p:nvSpPr>
-        <p:spPr>
-          <a:noFill/>
-          <a:ln/>
-          <a:extLst>
-            <a:ext uri="{909E8E84-426E-40dd-AFC4-6F175D3DCCD1}">
-              <a14:hiddenFill xmlns="" xmlns:a14="http://schemas.microsoft.com/office/drawing/2010/main">
-                <a:solidFill>
-                  <a:srgbClr val="FFFFFF"/>
-                </a:solidFill>
-              </a14:hiddenFill>
-            </a:ext>
-            <a:ext uri="{91240B29-F687-4f45-9708-019B960494DF}">
-              <a14:hiddenLine xmlns="" xmlns:a14="http://schemas.microsoft.com/office/drawing/2010/main" w="9525">
-                <a:solidFill>
-                  <a:srgbClr val="000000"/>
-                </a:solidFill>
-                <a:miter lim="800000"/>
-                <a:headEnd/>
-                <a:tailEnd/>
-              </a14:hiddenLine>
-            </a:ext>
-          </a:extLst>
-        </p:spPr>
+        <p:spPr/>
         <p:txBody>
           <a:bodyPr/>
           <a:lstStyle/>
           <a:p>
-            <a:r>
-              <a:rPr lang="en-US" dirty="0"/>
-              <a:t>Get ideas for adding buttons to </a:t>
-            </a:r>
-            <a:r>
-              <a:rPr lang="en-US" dirty="0" err="1"/>
-              <a:t>JPanel</a:t>
-            </a:r>
-            <a:r>
-              <a:rPr lang="en-US" dirty="0"/>
-              <a:t>, then adding </a:t>
-            </a:r>
-            <a:r>
-              <a:rPr lang="en-US" dirty="0" err="1"/>
-              <a:t>JPanel</a:t>
-            </a:r>
-            <a:r>
-              <a:rPr lang="en-US" dirty="0"/>
-              <a:t> to the SOUTH of the JFrame.</a:t>
-            </a:r>
-          </a:p>
-          <a:p>
             <a:endParaRPr lang="en-US" dirty="0"/>
           </a:p>
-          <a:p>
-            <a:r>
-              <a:rPr lang="en-US" dirty="0"/>
-              <a:t>Work on </a:t>
-            </a:r>
-            <a:r>
-              <a:rPr lang="en-US" dirty="0" err="1"/>
-              <a:t>ChargesMain</a:t>
-            </a:r>
-            <a:r>
-              <a:rPr lang="en-US" dirty="0"/>
-              <a:t>:</a:t>
-            </a:r>
-          </a:p>
-          <a:p>
-            <a:r>
-              <a:rPr lang="en-US" dirty="0"/>
-              <a:t>- add </a:t>
-            </a:r>
-            <a:r>
-              <a:rPr lang="en-US" dirty="0" err="1"/>
-              <a:t>JPanel</a:t>
-            </a:r>
-            <a:r>
-              <a:rPr lang="en-US" dirty="0"/>
-              <a:t> and </a:t>
-            </a:r>
-            <a:r>
-              <a:rPr lang="en-US" dirty="0" err="1"/>
-              <a:t>JButtons</a:t>
-            </a:r>
-            <a:r>
-              <a:rPr lang="en-US" dirty="0"/>
-              <a:t>, but no listeners</a:t>
-            </a:r>
-          </a:p>
-          <a:p>
-            <a:r>
-              <a:rPr lang="en-US" dirty="0"/>
-              <a:t>- add zoom in and zoom out listeners, requires </a:t>
-            </a:r>
-            <a:r>
-              <a:rPr lang="en-US" dirty="0" err="1"/>
-              <a:t>mutators</a:t>
-            </a:r>
-            <a:r>
-              <a:rPr lang="en-US" dirty="0"/>
-              <a:t> in Space also</a:t>
-            </a:r>
-          </a:p>
-        </p:txBody>
-      </p:sp>
-      <p:sp>
-        <p:nvSpPr>
-          <p:cNvPr id="34820" name="Slide Number Placeholder 3"/>
+        </p:txBody>
+      </p:sp>
+      <p:sp>
+        <p:nvSpPr>
+          <p:cNvPr id="4" name="Slide Number Placeholder 3"/>
           <p:cNvSpPr>
             <a:spLocks noGrp="1"/>
           </p:cNvSpPr>
           <p:nvPr>
-            <p:ph type="sldNum" sz="quarter" idx="5"/>
+            <p:ph type="sldNum" sz="quarter" idx="10"/>
           </p:nvPr>
         </p:nvSpPr>
-        <p:spPr>
-          <a:noFill/>
-          <a:ln/>
-          <a:extLst>
-            <a:ext uri="{909E8E84-426E-40dd-AFC4-6F175D3DCCD1}">
-              <a14:hiddenFill xmlns="" xmlns:a14="http://schemas.microsoft.com/office/drawing/2010/main">
-                <a:solidFill>
-                  <a:srgbClr val="FFFFFF"/>
-                </a:solidFill>
-              </a14:hiddenFill>
-            </a:ext>
-            <a:ext uri="{91240B29-F687-4f45-9708-019B960494DF}">
-              <a14:hiddenLine xmlns="" xmlns:a14="http://schemas.microsoft.com/office/drawing/2010/main" w="9525">
-                <a:solidFill>
-                  <a:srgbClr val="000000"/>
-                </a:solidFill>
-                <a:miter lim="800000"/>
-                <a:headEnd/>
-                <a:tailEnd/>
-              </a14:hiddenLine>
-            </a:ext>
-          </a:extLst>
-        </p:spPr>
+        <p:spPr/>
         <p:txBody>
           <a:bodyPr/>
-          <a:lstStyle>
-            <a:lvl1pPr defTabSz="913525" eaLnBrk="0" hangingPunct="0">
-              <a:defRPr>
-                <a:solidFill>
-                  <a:schemeClr val="tx1"/>
-                </a:solidFill>
-                <a:latin typeface="Arial" charset="0"/>
-                <a:cs typeface="Arial" charset="0"/>
-              </a:defRPr>
-            </a:lvl1pPr>
-            <a:lvl2pPr marL="716130" indent="-275434" defTabSz="913525" eaLnBrk="0" hangingPunct="0">
-              <a:defRPr>
-                <a:solidFill>
-                  <a:schemeClr val="tx1"/>
-                </a:solidFill>
-                <a:latin typeface="Arial" charset="0"/>
-                <a:cs typeface="Arial" charset="0"/>
-              </a:defRPr>
-            </a:lvl2pPr>
-            <a:lvl3pPr marL="1101738" indent="-220348" defTabSz="913525" eaLnBrk="0" hangingPunct="0">
-              <a:defRPr>
-                <a:solidFill>
-                  <a:schemeClr val="tx1"/>
-                </a:solidFill>
-                <a:latin typeface="Arial" charset="0"/>
-                <a:cs typeface="Arial" charset="0"/>
-              </a:defRPr>
-            </a:lvl3pPr>
-            <a:lvl4pPr marL="1542433" indent="-220348" defTabSz="913525" eaLnBrk="0" hangingPunct="0">
-              <a:defRPr>
-                <a:solidFill>
-                  <a:schemeClr val="tx1"/>
-                </a:solidFill>
-                <a:latin typeface="Arial" charset="0"/>
-                <a:cs typeface="Arial" charset="0"/>
-              </a:defRPr>
-            </a:lvl4pPr>
-            <a:lvl5pPr marL="1983128" indent="-220348" defTabSz="913525" eaLnBrk="0" hangingPunct="0">
-              <a:defRPr>
-                <a:solidFill>
-                  <a:schemeClr val="tx1"/>
-                </a:solidFill>
-                <a:latin typeface="Arial" charset="0"/>
-                <a:cs typeface="Arial" charset="0"/>
-              </a:defRPr>
-            </a:lvl5pPr>
-            <a:lvl6pPr marL="2423823" indent="-220348" defTabSz="913525" eaLnBrk="0" fontAlgn="base" hangingPunct="0">
-              <a:spcBef>
-                <a:spcPct val="0"/>
-              </a:spcBef>
-              <a:spcAft>
-                <a:spcPct val="0"/>
-              </a:spcAft>
-              <a:defRPr>
-                <a:solidFill>
-                  <a:schemeClr val="tx1"/>
-                </a:solidFill>
-                <a:latin typeface="Arial" charset="0"/>
-                <a:cs typeface="Arial" charset="0"/>
-              </a:defRPr>
-            </a:lvl6pPr>
-            <a:lvl7pPr marL="2864518" indent="-220348" defTabSz="913525" eaLnBrk="0" fontAlgn="base" hangingPunct="0">
-              <a:spcBef>
-                <a:spcPct val="0"/>
-              </a:spcBef>
-              <a:spcAft>
-                <a:spcPct val="0"/>
-              </a:spcAft>
-              <a:defRPr>
-                <a:solidFill>
-                  <a:schemeClr val="tx1"/>
-                </a:solidFill>
-                <a:latin typeface="Arial" charset="0"/>
-                <a:cs typeface="Arial" charset="0"/>
-              </a:defRPr>
-            </a:lvl7pPr>
-            <a:lvl8pPr marL="3305213" indent="-220348" defTabSz="913525" eaLnBrk="0" fontAlgn="base" hangingPunct="0">
-              <a:spcBef>
-                <a:spcPct val="0"/>
-              </a:spcBef>
-              <a:spcAft>
-                <a:spcPct val="0"/>
-              </a:spcAft>
-              <a:defRPr>
-                <a:solidFill>
-                  <a:schemeClr val="tx1"/>
-                </a:solidFill>
-                <a:latin typeface="Arial" charset="0"/>
-                <a:cs typeface="Arial" charset="0"/>
-              </a:defRPr>
-            </a:lvl8pPr>
-            <a:lvl9pPr marL="3745908" indent="-220348" defTabSz="913525" eaLnBrk="0" fontAlgn="base" hangingPunct="0">
-              <a:spcBef>
-                <a:spcPct val="0"/>
-              </a:spcBef>
-              <a:spcAft>
-                <a:spcPct val="0"/>
-              </a:spcAft>
-              <a:defRPr>
-                <a:solidFill>
-                  <a:schemeClr val="tx1"/>
-                </a:solidFill>
-                <a:latin typeface="Arial" charset="0"/>
-                <a:cs typeface="Arial" charset="0"/>
-              </a:defRPr>
-            </a:lvl9pPr>
-          </a:lstStyle>
-          <a:p>
-            <a:pPr eaLnBrk="1" hangingPunct="1"/>
-            <a:fld id="{4AA02EF9-B5B3-43AE-A787-51069249C771}" type="slidenum">
-              <a:rPr lang="en-US" smtClean="0">
-                <a:latin typeface="Calibri" pitchFamily="34" charset="0"/>
-              </a:rPr>
-              <a:pPr eaLnBrk="1" hangingPunct="1"/>
-              <a:t>20</a:t>
+          <a:lstStyle/>
+          <a:p>
+            <a:pPr>
+              <a:defRPr/>
+            </a:pPr>
+            <a:fld id="{DA7F4447-3C62-46B7-AE80-9244D33714A7}" type="slidenum">
+              <a:rPr lang="en-US" smtClean="0"/>
+              <a:pPr>
+                <a:defRPr/>
+              </a:pPr>
+              <a:t>19</a:t>
             </a:fld>
-            <a:endParaRPr lang="en-US">
-              <a:latin typeface="Calibri" pitchFamily="34" charset="0"/>
-            </a:endParaRPr>
+            <a:endParaRPr lang="en-US"/>
           </a:p>
         </p:txBody>
       </p:sp>
     </p:spTree>
     <p:extLst>
       <p:ext uri="{BB962C8B-B14F-4D97-AF65-F5344CB8AC3E}">
-        <p14:creationId xmlns:p14="http://schemas.microsoft.com/office/powerpoint/2010/main" val="635115196"/>
+        <p14:creationId xmlns:p14="http://schemas.microsoft.com/office/powerpoint/2010/main" val="2790286530"/>
       </p:ext>
     </p:extLst>
   </p:cSld>
@@ -2594,7 +1976,7 @@
       </p:grpSpPr>
       <p:sp>
         <p:nvSpPr>
-          <p:cNvPr id="29698" name="Slide Image Placeholder 1"/>
+          <p:cNvPr id="36866" name="Slide Image Placeholder 1"/>
           <p:cNvSpPr>
             <a:spLocks noGrp="1" noRot="1" noChangeAspect="1" noTextEdit="1"/>
           </p:cNvSpPr>
@@ -2614,7 +1996,7 @@
           </a:ln>
           <a:extLst>
             <a:ext uri="{909E8E84-426E-40dd-AFC4-6F175D3DCCD1}">
-              <a14:hiddenFill xmlns="" xmlns:a14="http://schemas.microsoft.com/office/drawing/2010/main">
+              <a14:hiddenFill xmlns:a14="http://schemas.microsoft.com/office/drawing/2010/main" xmlns="">
                 <a:solidFill>
                   <a:srgbClr val="FFFFFF"/>
                 </a:solidFill>
@@ -2625,7 +2007,7 @@
       </p:sp>
       <p:sp>
         <p:nvSpPr>
-          <p:cNvPr id="29699" name="Notes Placeholder 2"/>
+          <p:cNvPr id="36867" name="Notes Placeholder 2"/>
           <p:cNvSpPr>
             <a:spLocks noGrp="1"/>
           </p:cNvSpPr>
@@ -2638,14 +2020,14 @@
           <a:ln/>
           <a:extLst>
             <a:ext uri="{909E8E84-426E-40dd-AFC4-6F175D3DCCD1}">
-              <a14:hiddenFill xmlns="" xmlns:a14="http://schemas.microsoft.com/office/drawing/2010/main">
+              <a14:hiddenFill xmlns:a14="http://schemas.microsoft.com/office/drawing/2010/main" xmlns="">
                 <a:solidFill>
                   <a:srgbClr val="FFFFFF"/>
                 </a:solidFill>
               </a14:hiddenFill>
             </a:ext>
             <a:ext uri="{91240B29-F687-4f45-9708-019B960494DF}">
-              <a14:hiddenLine xmlns="" xmlns:a14="http://schemas.microsoft.com/office/drawing/2010/main" w="9525">
+              <a14:hiddenLine xmlns:a14="http://schemas.microsoft.com/office/drawing/2010/main" xmlns="" w="9525">
                 <a:solidFill>
                   <a:srgbClr val="000000"/>
                 </a:solidFill>
@@ -2660,62 +2042,102 @@
           <a:bodyPr/>
           <a:lstStyle/>
           <a:p>
-            <a:r>
-              <a:rPr lang="en-US" dirty="0"/>
-              <a:t>Edit previous example: add an inner class, </a:t>
+            <a:pPr marL="171450" indent="-171450">
+              <a:buFontTx/>
+              <a:buChar char="-"/>
+            </a:pPr>
+            <a:r>
+              <a:rPr lang="en-US" dirty="0"/>
+              <a:t>Implement draw listener for adding squares/circles to </a:t>
             </a:r>
             <a:r>
               <a:rPr lang="en-US" dirty="0" err="1"/>
-              <a:t>MamaBearListener</a:t>
-            </a:r>
-            <a:r>
-              <a:rPr lang="en-US" dirty="0"/>
-              <a:t> that prints “</a:t>
+              <a:t>DrawComponent</a:t>
+            </a:r>
+            <a:endParaRPr lang="en-US" dirty="0"/>
+          </a:p>
+          <a:p>
+            <a:pPr marL="171450" indent="-171450">
+              <a:buFontTx/>
+              <a:buChar char="-"/>
+            </a:pPr>
+            <a:endParaRPr lang="en-US" dirty="0"/>
+          </a:p>
+          <a:p>
+            <a:r>
+              <a:rPr lang="en-US" dirty="0"/>
+              <a:t>[[[Probably</a:t>
+            </a:r>
+            <a:r>
+              <a:rPr lang="en-US" baseline="0" dirty="0"/>
+              <a:t> w</a:t>
+            </a:r>
+            <a:r>
+              <a:rPr lang="en-US" dirty="0"/>
+              <a:t>on’t have time</a:t>
+            </a:r>
+            <a:r>
+              <a:rPr lang="en-US" baseline="0" dirty="0"/>
+              <a:t> to</a:t>
+            </a:r>
+            <a:r>
+              <a:rPr lang="en-US" dirty="0"/>
+              <a:t> add </a:t>
             </a:r>
             <a:r>
               <a:rPr lang="en-US" dirty="0" err="1"/>
-              <a:t>Eww</a:t>
-            </a:r>
-            <a:r>
-              <a:rPr lang="en-US" dirty="0"/>
-              <a:t>, too Cold!”  (Don’t include </a:t>
+              <a:t>LinearCharges</a:t>
+            </a:r>
+            <a:r>
+              <a:rPr lang="en-US" dirty="0"/>
+              <a:t> to space.  Just use </a:t>
             </a:r>
             <a:r>
               <a:rPr lang="en-US" dirty="0" err="1"/>
-              <a:t>tasteDescription</a:t>
-            </a:r>
-            <a:r>
-              <a:rPr lang="en-US" dirty="0"/>
-              <a:t>, let them do that</a:t>
+              <a:t>mouseClicked</a:t>
+            </a:r>
+            <a:r>
+              <a:rPr lang="en-US" dirty="0"/>
+              <a:t> to add </a:t>
+            </a:r>
+            <a:r>
+              <a:rPr lang="en-US" dirty="0" err="1"/>
+              <a:t>PointCharges</a:t>
+            </a:r>
+            <a:r>
+              <a:rPr lang="en-US" dirty="0"/>
+              <a:t>.</a:t>
             </a:r>
             <a:r>
               <a:rPr lang="en-US" baseline="0" dirty="0"/>
-              <a:t> later.</a:t>
-            </a:r>
-            <a:r>
-              <a:rPr lang="en-US" dirty="0"/>
-              <a:t>)</a:t>
-            </a:r>
-          </a:p>
-          <a:p>
-            <a:endParaRPr lang="en-US" dirty="0"/>
-          </a:p>
-          <a:p>
-            <a:r>
-              <a:rPr lang="en-US" dirty="0"/>
-              <a:t>STRESS TO THE STUDENTS that Java 8 messes</a:t>
+              <a:t>  T</a:t>
+            </a:r>
+            <a:r>
+              <a:rPr lang="en-US" dirty="0"/>
+              <a:t>alk about issues we would need to address for </a:t>
+            </a:r>
+            <a:r>
+              <a:rPr lang="en-US" dirty="0" err="1"/>
+              <a:t>LinearCharges</a:t>
+            </a:r>
+            <a:r>
+              <a:rPr lang="en-US" dirty="0"/>
+              <a:t>,</a:t>
             </a:r>
             <a:r>
               <a:rPr lang="en-US" baseline="0" dirty="0"/>
-              <a:t> up the whole idea about inner class variables…  We will be testing this on the exam, and if they use Java 8, they can REALLY mess this up.</a:t>
-            </a:r>
-            <a:endParaRPr lang="en-US" dirty="0"/>
-          </a:p>
-        </p:txBody>
-      </p:sp>
-      <p:sp>
-        <p:nvSpPr>
-          <p:cNvPr id="29700" name="Slide Number Placeholder 3"/>
+              <a:t> like tracking down location and seeing if up location is different.</a:t>
+            </a:r>
+            <a:r>
+              <a:rPr lang="en-US" dirty="0"/>
+              <a:t>]</a:t>
+            </a:r>
+          </a:p>
+        </p:txBody>
+      </p:sp>
+      <p:sp>
+        <p:nvSpPr>
+          <p:cNvPr id="36868" name="Slide Number Placeholder 3"/>
           <p:cNvSpPr>
             <a:spLocks noGrp="1"/>
           </p:cNvSpPr>
@@ -2728,14 +2150,14 @@
           <a:ln/>
           <a:extLst>
             <a:ext uri="{909E8E84-426E-40dd-AFC4-6F175D3DCCD1}">
-              <a14:hiddenFill xmlns="" xmlns:a14="http://schemas.microsoft.com/office/drawing/2010/main">
+              <a14:hiddenFill xmlns:a14="http://schemas.microsoft.com/office/drawing/2010/main" xmlns="">
                 <a:solidFill>
                   <a:srgbClr val="FFFFFF"/>
                 </a:solidFill>
               </a14:hiddenFill>
             </a:ext>
             <a:ext uri="{91240B29-F687-4f45-9708-019B960494DF}">
-              <a14:hiddenLine xmlns="" xmlns:a14="http://schemas.microsoft.com/office/drawing/2010/main" w="9525">
+              <a14:hiddenLine xmlns:a14="http://schemas.microsoft.com/office/drawing/2010/main" xmlns="" w="9525">
                 <a:solidFill>
                   <a:srgbClr val="000000"/>
                 </a:solidFill>
@@ -2857,14 +2279,14 @@
           </a:lstStyle>
           <a:p>
             <a:pPr eaLnBrk="1" hangingPunct="1"/>
-            <a:fld id="{E28600FF-8F5B-4891-B021-FE5486D2647C}" type="slidenum">
+            <a:fld id="{BF9B7CFB-6836-4C08-8E83-F985244DBB2C}" type="slidenum">
               <a:rPr lang="en-US" smtClean="0">
                 <a:latin typeface="Calibri" pitchFamily="34" charset="0"/>
               </a:rPr>
               <a:pPr eaLnBrk="1" hangingPunct="1"/>
               <a:t>21</a:t>
             </a:fld>
-            <a:endParaRPr lang="en-US" dirty="0">
+            <a:endParaRPr lang="en-US">
               <a:latin typeface="Calibri" pitchFamily="34" charset="0"/>
             </a:endParaRPr>
           </a:p>
@@ -2873,7 +2295,7 @@
     </p:spTree>
     <p:extLst>
       <p:ext uri="{BB962C8B-B14F-4D97-AF65-F5344CB8AC3E}">
-        <p14:creationId xmlns:p14="http://schemas.microsoft.com/office/powerpoint/2010/main" val="1755530918"/>
+        <p14:creationId xmlns:p14="http://schemas.microsoft.com/office/powerpoint/2010/main" val="2750227930"/>
       </p:ext>
     </p:extLst>
   </p:cSld>
@@ -2902,7 +2324,7 @@
       </p:grpSpPr>
       <p:sp>
         <p:nvSpPr>
-          <p:cNvPr id="30722" name="Slide Image Placeholder 1"/>
+          <p:cNvPr id="35842" name="Slide Image Placeholder 1"/>
           <p:cNvSpPr>
             <a:spLocks noGrp="1" noRot="1" noChangeAspect="1" noTextEdit="1"/>
           </p:cNvSpPr>
@@ -2922,7 +2344,7 @@
           </a:ln>
           <a:extLst>
             <a:ext uri="{909E8E84-426E-40dd-AFC4-6F175D3DCCD1}">
-              <a14:hiddenFill xmlns="" xmlns:a14="http://schemas.microsoft.com/office/drawing/2010/main">
+              <a14:hiddenFill xmlns:a14="http://schemas.microsoft.com/office/drawing/2010/main" xmlns="">
                 <a:solidFill>
                   <a:srgbClr val="FFFFFF"/>
                 </a:solidFill>
@@ -2933,7 +2355,7 @@
       </p:sp>
       <p:sp>
         <p:nvSpPr>
-          <p:cNvPr id="30723" name="Notes Placeholder 2"/>
+          <p:cNvPr id="35843" name="Notes Placeholder 2"/>
           <p:cNvSpPr>
             <a:spLocks noGrp="1"/>
           </p:cNvSpPr>
@@ -2946,14 +2368,14 @@
           <a:ln/>
           <a:extLst>
             <a:ext uri="{909E8E84-426E-40dd-AFC4-6F175D3DCCD1}">
-              <a14:hiddenFill xmlns="" xmlns:a14="http://schemas.microsoft.com/office/drawing/2010/main">
+              <a14:hiddenFill xmlns:a14="http://schemas.microsoft.com/office/drawing/2010/main" xmlns="">
                 <a:solidFill>
                   <a:srgbClr val="FFFFFF"/>
                 </a:solidFill>
               </a14:hiddenFill>
             </a:ext>
             <a:ext uri="{91240B29-F687-4f45-9708-019B960494DF}">
-              <a14:hiddenLine xmlns="" xmlns:a14="http://schemas.microsoft.com/office/drawing/2010/main" w="9525">
+              <a14:hiddenLine xmlns:a14="http://schemas.microsoft.com/office/drawing/2010/main" xmlns="" w="9525">
                 <a:solidFill>
                   <a:srgbClr val="000000"/>
                 </a:solidFill>
@@ -2969,15 +2391,21 @@
           <a:lstStyle/>
           <a:p>
             <a:r>
-              <a:rPr lang="en-US" dirty="0"/>
-              <a:t>Edit example again: add an anonymous class, print “Hmm.  Just right.”</a:t>
-            </a:r>
-          </a:p>
-        </p:txBody>
-      </p:sp>
-      <p:sp>
-        <p:nvSpPr>
-          <p:cNvPr id="30724" name="Slide Number Placeholder 3"/>
+              <a:rPr lang="en-US"/>
+              <a:t>- User decides which actions to take</a:t>
+            </a:r>
+          </a:p>
+          <a:p>
+            <a:r>
+              <a:rPr lang="en-US"/>
+              <a:t>- Library decides when to update window</a:t>
+            </a:r>
+          </a:p>
+        </p:txBody>
+      </p:sp>
+      <p:sp>
+        <p:nvSpPr>
+          <p:cNvPr id="35844" name="Slide Number Placeholder 3"/>
           <p:cNvSpPr>
             <a:spLocks noGrp="1"/>
           </p:cNvSpPr>
@@ -2990,14 +2418,14 @@
           <a:ln/>
           <a:extLst>
             <a:ext uri="{909E8E84-426E-40dd-AFC4-6F175D3DCCD1}">
-              <a14:hiddenFill xmlns="" xmlns:a14="http://schemas.microsoft.com/office/drawing/2010/main">
+              <a14:hiddenFill xmlns:a14="http://schemas.microsoft.com/office/drawing/2010/main" xmlns="">
                 <a:solidFill>
                   <a:srgbClr val="FFFFFF"/>
                 </a:solidFill>
               </a14:hiddenFill>
             </a:ext>
             <a:ext uri="{91240B29-F687-4f45-9708-019B960494DF}">
-              <a14:hiddenLine xmlns="" xmlns:a14="http://schemas.microsoft.com/office/drawing/2010/main" w="9525">
+              <a14:hiddenLine xmlns:a14="http://schemas.microsoft.com/office/drawing/2010/main" xmlns="" w="9525">
                 <a:solidFill>
                   <a:srgbClr val="000000"/>
                 </a:solidFill>
@@ -3119,7 +2547,7 @@
           </a:lstStyle>
           <a:p>
             <a:pPr eaLnBrk="1" hangingPunct="1"/>
-            <a:fld id="{2B668F83-E173-4489-B2D7-77F2A29982C9}" type="slidenum">
+            <a:fld id="{7004A8EF-C486-46F4-BD1E-89E21A0B62AF}" type="slidenum">
               <a:rPr lang="en-US" smtClean="0">
                 <a:latin typeface="Calibri" pitchFamily="34" charset="0"/>
               </a:rPr>
@@ -3135,7 +2563,7 @@
     </p:spTree>
     <p:extLst>
       <p:ext uri="{BB962C8B-B14F-4D97-AF65-F5344CB8AC3E}">
-        <p14:creationId xmlns:p14="http://schemas.microsoft.com/office/powerpoint/2010/main" val="2084481091"/>
+        <p14:creationId xmlns:p14="http://schemas.microsoft.com/office/powerpoint/2010/main" val="3973521013"/>
       </p:ext>
     </p:extLst>
   </p:cSld>
@@ -3164,7 +2592,7 @@
       </p:grpSpPr>
       <p:sp>
         <p:nvSpPr>
-          <p:cNvPr id="31746" name="Slide Image Placeholder 1"/>
+          <p:cNvPr id="34818" name="Slide Image Placeholder 1"/>
           <p:cNvSpPr>
             <a:spLocks noGrp="1" noRot="1" noChangeAspect="1" noTextEdit="1"/>
           </p:cNvSpPr>
@@ -3184,7 +2612,7 @@
           </a:ln>
           <a:extLst>
             <a:ext uri="{909E8E84-426E-40dd-AFC4-6F175D3DCCD1}">
-              <a14:hiddenFill xmlns="" xmlns:a14="http://schemas.microsoft.com/office/drawing/2010/main">
+              <a14:hiddenFill xmlns:a14="http://schemas.microsoft.com/office/drawing/2010/main" xmlns="">
                 <a:solidFill>
                   <a:srgbClr val="FFFFFF"/>
                 </a:solidFill>
@@ -3195,7 +2623,7 @@
       </p:sp>
       <p:sp>
         <p:nvSpPr>
-          <p:cNvPr id="31747" name="Notes Placeholder 2"/>
+          <p:cNvPr id="34819" name="Notes Placeholder 2"/>
           <p:cNvSpPr>
             <a:spLocks noGrp="1"/>
           </p:cNvSpPr>
@@ -3208,14 +2636,14 @@
           <a:ln/>
           <a:extLst>
             <a:ext uri="{909E8E84-426E-40dd-AFC4-6F175D3DCCD1}">
-              <a14:hiddenFill xmlns="" xmlns:a14="http://schemas.microsoft.com/office/drawing/2010/main">
+              <a14:hiddenFill xmlns:a14="http://schemas.microsoft.com/office/drawing/2010/main" xmlns="">
                 <a:solidFill>
                   <a:srgbClr val="FFFFFF"/>
                 </a:solidFill>
               </a14:hiddenFill>
             </a:ext>
             <a:ext uri="{91240B29-F687-4f45-9708-019B960494DF}">
-              <a14:hiddenLine xmlns="" xmlns:a14="http://schemas.microsoft.com/office/drawing/2010/main" w="9525">
+              <a14:hiddenLine xmlns:a14="http://schemas.microsoft.com/office/drawing/2010/main" xmlns="" w="9525">
                 <a:solidFill>
                   <a:srgbClr val="000000"/>
                 </a:solidFill>
@@ -3232,30 +2660,83 @@
           <a:p>
             <a:r>
               <a:rPr lang="en-US" dirty="0"/>
-              <a:t>Finish last TODO in </a:t>
+              <a:t>Get ideas for adding buttons to </a:t>
             </a:r>
             <a:r>
               <a:rPr lang="en-US" dirty="0" err="1"/>
-              <a:t>BreakfastMain</a:t>
-            </a:r>
-            <a:r>
-              <a:rPr lang="en-US" dirty="0"/>
-              <a:t> – </a:t>
+              <a:t>JPanel</a:t>
+            </a:r>
+            <a:r>
+              <a:rPr lang="en-US" dirty="0"/>
+              <a:t>, then adding </a:t>
             </a:r>
             <a:r>
               <a:rPr lang="en-US" dirty="0" err="1"/>
-              <a:t>tasteDescription</a:t>
-            </a:r>
-            <a:r>
-              <a:rPr lang="en-US" dirty="0"/>
-              <a:t>.</a:t>
-            </a:r>
-          </a:p>
-        </p:txBody>
-      </p:sp>
-      <p:sp>
-        <p:nvSpPr>
-          <p:cNvPr id="31748" name="Slide Number Placeholder 3"/>
+              <a:t>JPanel</a:t>
+            </a:r>
+            <a:r>
+              <a:rPr lang="en-US" dirty="0"/>
+              <a:t> to the SOUTH of the JFrame.</a:t>
+            </a:r>
+          </a:p>
+          <a:p>
+            <a:endParaRPr lang="en-US" dirty="0"/>
+          </a:p>
+          <a:p>
+            <a:r>
+              <a:rPr lang="en-US" dirty="0"/>
+              <a:t>Work on </a:t>
+            </a:r>
+            <a:r>
+              <a:rPr lang="en-US" dirty="0" err="1"/>
+              <a:t>ChargesMain</a:t>
+            </a:r>
+            <a:r>
+              <a:rPr lang="en-US" dirty="0"/>
+              <a:t>:</a:t>
+            </a:r>
+          </a:p>
+          <a:p>
+            <a:r>
+              <a:rPr lang="en-US" dirty="0"/>
+              <a:t>- add </a:t>
+            </a:r>
+            <a:r>
+              <a:rPr lang="en-US" dirty="0" err="1"/>
+              <a:t>JPanel</a:t>
+            </a:r>
+            <a:r>
+              <a:rPr lang="en-US" dirty="0"/>
+              <a:t> and </a:t>
+            </a:r>
+            <a:r>
+              <a:rPr lang="en-US" dirty="0" err="1"/>
+              <a:t>JButtons</a:t>
+            </a:r>
+            <a:r>
+              <a:rPr lang="en-US" dirty="0"/>
+              <a:t>, but no listeners</a:t>
+            </a:r>
+          </a:p>
+          <a:p>
+            <a:r>
+              <a:rPr lang="en-US" dirty="0"/>
+              <a:t>- add zoom in and zoom out listeners, requires </a:t>
+            </a:r>
+            <a:r>
+              <a:rPr lang="en-US" dirty="0" err="1"/>
+              <a:t>mutators</a:t>
+            </a:r>
+            <a:r>
+              <a:rPr lang="en-US" dirty="0"/>
+              <a:t> in Space also</a:t>
+            </a:r>
+          </a:p>
+        </p:txBody>
+      </p:sp>
+      <p:sp>
+        <p:nvSpPr>
+          <p:cNvPr id="34820" name="Slide Number Placeholder 3"/>
           <p:cNvSpPr>
             <a:spLocks noGrp="1"/>
           </p:cNvSpPr>
@@ -3268,14 +2749,14 @@
           <a:ln/>
           <a:extLst>
             <a:ext uri="{909E8E84-426E-40dd-AFC4-6F175D3DCCD1}">
-              <a14:hiddenFill xmlns="" xmlns:a14="http://schemas.microsoft.com/office/drawing/2010/main">
+              <a14:hiddenFill xmlns:a14="http://schemas.microsoft.com/office/drawing/2010/main" xmlns="">
                 <a:solidFill>
                   <a:srgbClr val="FFFFFF"/>
                 </a:solidFill>
               </a14:hiddenFill>
             </a:ext>
             <a:ext uri="{91240B29-F687-4f45-9708-019B960494DF}">
-              <a14:hiddenLine xmlns="" xmlns:a14="http://schemas.microsoft.com/office/drawing/2010/main" w="9525">
+              <a14:hiddenLine xmlns:a14="http://schemas.microsoft.com/office/drawing/2010/main" xmlns="" w="9525">
                 <a:solidFill>
                   <a:srgbClr val="000000"/>
                 </a:solidFill>
@@ -3397,7 +2878,7 @@
           </a:lstStyle>
           <a:p>
             <a:pPr eaLnBrk="1" hangingPunct="1"/>
-            <a:fld id="{EE305874-8EC8-4203-879E-451F23F557DF}" type="slidenum">
+            <a:fld id="{4AA02EF9-B5B3-43AE-A787-51069249C771}" type="slidenum">
               <a:rPr lang="en-US" smtClean="0">
                 <a:latin typeface="Calibri" pitchFamily="34" charset="0"/>
               </a:rPr>
@@ -3413,7 +2894,7 @@
     </p:spTree>
     <p:extLst>
       <p:ext uri="{BB962C8B-B14F-4D97-AF65-F5344CB8AC3E}">
-        <p14:creationId xmlns:p14="http://schemas.microsoft.com/office/powerpoint/2010/main" val="292903955"/>
+        <p14:creationId xmlns:p14="http://schemas.microsoft.com/office/powerpoint/2010/main" val="635115196"/>
       </p:ext>
     </p:extLst>
   </p:cSld>
@@ -3442,7 +2923,7 @@
       </p:grpSpPr>
       <p:sp>
         <p:nvSpPr>
-          <p:cNvPr id="37890" name="Slide Image Placeholder 1"/>
+          <p:cNvPr id="29698" name="Slide Image Placeholder 1"/>
           <p:cNvSpPr>
             <a:spLocks noGrp="1" noRot="1" noChangeAspect="1" noTextEdit="1"/>
           </p:cNvSpPr>
@@ -3462,7 +2943,7 @@
           </a:ln>
           <a:extLst>
             <a:ext uri="{909E8E84-426E-40dd-AFC4-6F175D3DCCD1}">
-              <a14:hiddenFill xmlns="" xmlns:a14="http://schemas.microsoft.com/office/drawing/2010/main">
+              <a14:hiddenFill xmlns:a14="http://schemas.microsoft.com/office/drawing/2010/main" xmlns="">
                 <a:solidFill>
                   <a:srgbClr val="FFFFFF"/>
                 </a:solidFill>
@@ -3473,7 +2954,7 @@
       </p:sp>
       <p:sp>
         <p:nvSpPr>
-          <p:cNvPr id="37891" name="Notes Placeholder 2"/>
+          <p:cNvPr id="29699" name="Notes Placeholder 2"/>
           <p:cNvSpPr>
             <a:spLocks noGrp="1"/>
           </p:cNvSpPr>
@@ -3486,14 +2967,14 @@
           <a:ln/>
           <a:extLst>
             <a:ext uri="{909E8E84-426E-40dd-AFC4-6F175D3DCCD1}">
-              <a14:hiddenFill xmlns="" xmlns:a14="http://schemas.microsoft.com/office/drawing/2010/main">
+              <a14:hiddenFill xmlns:a14="http://schemas.microsoft.com/office/drawing/2010/main" xmlns="">
                 <a:solidFill>
                   <a:srgbClr val="FFFFFF"/>
                 </a:solidFill>
               </a14:hiddenFill>
             </a:ext>
             <a:ext uri="{91240B29-F687-4f45-9708-019B960494DF}">
-              <a14:hiddenLine xmlns="" xmlns:a14="http://schemas.microsoft.com/office/drawing/2010/main" w="9525">
+              <a14:hiddenLine xmlns:a14="http://schemas.microsoft.com/office/drawing/2010/main" xmlns="" w="9525">
                 <a:solidFill>
                   <a:srgbClr val="000000"/>
                 </a:solidFill>
@@ -3508,13 +2989,62 @@
           <a:bodyPr/>
           <a:lstStyle/>
           <a:p>
+            <a:r>
+              <a:rPr lang="en-US" dirty="0"/>
+              <a:t>Edit previous example: add an inner class, </a:t>
+            </a:r>
+            <a:r>
+              <a:rPr lang="en-US" dirty="0" err="1"/>
+              <a:t>MamaBearListener</a:t>
+            </a:r>
+            <a:r>
+              <a:rPr lang="en-US" dirty="0"/>
+              <a:t> that prints “</a:t>
+            </a:r>
+            <a:r>
+              <a:rPr lang="en-US" dirty="0" err="1"/>
+              <a:t>Eww</a:t>
+            </a:r>
+            <a:r>
+              <a:rPr lang="en-US" dirty="0"/>
+              <a:t>, too Cold!”  (Don’t include </a:t>
+            </a:r>
+            <a:r>
+              <a:rPr lang="en-US" dirty="0" err="1"/>
+              <a:t>tasteDescription</a:t>
+            </a:r>
+            <a:r>
+              <a:rPr lang="en-US" dirty="0"/>
+              <a:t>, let them do that</a:t>
+            </a:r>
+            <a:r>
+              <a:rPr lang="en-US" baseline="0" dirty="0"/>
+              <a:t> later.</a:t>
+            </a:r>
+            <a:r>
+              <a:rPr lang="en-US" dirty="0"/>
+              <a:t>)</a:t>
+            </a:r>
+          </a:p>
+          <a:p>
             <a:endParaRPr lang="en-US" dirty="0"/>
           </a:p>
-        </p:txBody>
-      </p:sp>
-      <p:sp>
-        <p:nvSpPr>
-          <p:cNvPr id="37892" name="Slide Number Placeholder 3"/>
+          <a:p>
+            <a:r>
+              <a:rPr lang="en-US" dirty="0"/>
+              <a:t>STRESS TO THE STUDENTS that Java 8 messes</a:t>
+            </a:r>
+            <a:r>
+              <a:rPr lang="en-US" baseline="0" dirty="0"/>
+              <a:t> up the whole idea about inner class variables…  We will be testing this on the exam, and if they use Java 8, they can REALLY mess this up.</a:t>
+            </a:r>
+            <a:endParaRPr lang="en-US" dirty="0"/>
+          </a:p>
+        </p:txBody>
+      </p:sp>
+      <p:sp>
+        <p:nvSpPr>
+          <p:cNvPr id="29700" name="Slide Number Placeholder 3"/>
           <p:cNvSpPr>
             <a:spLocks noGrp="1"/>
           </p:cNvSpPr>
@@ -3527,14 +3057,14 @@
           <a:ln/>
           <a:extLst>
             <a:ext uri="{909E8E84-426E-40dd-AFC4-6F175D3DCCD1}">
-              <a14:hiddenFill xmlns="" xmlns:a14="http://schemas.microsoft.com/office/drawing/2010/main">
+              <a14:hiddenFill xmlns:a14="http://schemas.microsoft.com/office/drawing/2010/main" xmlns="">
                 <a:solidFill>
                   <a:srgbClr val="FFFFFF"/>
                 </a:solidFill>
               </a14:hiddenFill>
             </a:ext>
             <a:ext uri="{91240B29-F687-4f45-9708-019B960494DF}">
-              <a14:hiddenLine xmlns="" xmlns:a14="http://schemas.microsoft.com/office/drawing/2010/main" w="9525">
+              <a14:hiddenLine xmlns:a14="http://schemas.microsoft.com/office/drawing/2010/main" xmlns="" w="9525">
                 <a:solidFill>
                   <a:srgbClr val="000000"/>
                 </a:solidFill>
@@ -3656,13 +3186,275 @@
           </a:lstStyle>
           <a:p>
             <a:pPr eaLnBrk="1" hangingPunct="1"/>
-            <a:fld id="{A152615B-A2F2-486D-B448-77187DEA0D68}" type="slidenum">
+            <a:fld id="{E28600FF-8F5B-4891-B021-FE5486D2647C}" type="slidenum">
               <a:rPr lang="en-US" smtClean="0">
                 <a:latin typeface="Calibri" pitchFamily="34" charset="0"/>
               </a:rPr>
               <a:pPr eaLnBrk="1" hangingPunct="1"/>
               <a:t>24</a:t>
             </a:fld>
+            <a:endParaRPr lang="en-US" dirty="0">
+              <a:latin typeface="Calibri" pitchFamily="34" charset="0"/>
+            </a:endParaRPr>
+          </a:p>
+        </p:txBody>
+      </p:sp>
+    </p:spTree>
+    <p:extLst>
+      <p:ext uri="{BB962C8B-B14F-4D97-AF65-F5344CB8AC3E}">
+        <p14:creationId xmlns:p14="http://schemas.microsoft.com/office/powerpoint/2010/main" val="1755530918"/>
+      </p:ext>
+    </p:extLst>
+  </p:cSld>
+  <p:clrMapOvr>
+    <a:masterClrMapping/>
+  </p:clrMapOvr>
+</p:notes>
+</file>
+
+<file path=ppt/notesSlides/notesSlide19.xml><?xml version="1.0" encoding="utf-8"?>
+<p:notes xmlns:a="http://schemas.openxmlformats.org/drawingml/2006/main" xmlns:r="http://schemas.openxmlformats.org/officeDocument/2006/relationships" xmlns:p="http://schemas.openxmlformats.org/presentationml/2006/main">
+  <p:cSld>
+    <p:spTree>
+      <p:nvGrpSpPr>
+        <p:cNvPr id="1" name=""/>
+        <p:cNvGrpSpPr/>
+        <p:nvPr/>
+      </p:nvGrpSpPr>
+      <p:grpSpPr>
+        <a:xfrm>
+          <a:off x="0" y="0"/>
+          <a:ext cx="0" cy="0"/>
+          <a:chOff x="0" y="0"/>
+          <a:chExt cx="0" cy="0"/>
+        </a:xfrm>
+      </p:grpSpPr>
+      <p:sp>
+        <p:nvSpPr>
+          <p:cNvPr id="30722" name="Slide Image Placeholder 1"/>
+          <p:cNvSpPr>
+            <a:spLocks noGrp="1" noRot="1" noChangeAspect="1" noTextEdit="1"/>
+          </p:cNvSpPr>
+          <p:nvPr>
+            <p:ph type="sldImg"/>
+          </p:nvPr>
+        </p:nvSpPr>
+        <p:spPr bwMode="auto">
+          <a:noFill/>
+          <a:ln>
+            <a:solidFill>
+              <a:srgbClr val="000000"/>
+            </a:solidFill>
+            <a:miter lim="800000"/>
+            <a:headEnd/>
+            <a:tailEnd/>
+          </a:ln>
+          <a:extLst>
+            <a:ext uri="{909E8E84-426E-40dd-AFC4-6F175D3DCCD1}">
+              <a14:hiddenFill xmlns:a14="http://schemas.microsoft.com/office/drawing/2010/main" xmlns="">
+                <a:solidFill>
+                  <a:srgbClr val="FFFFFF"/>
+                </a:solidFill>
+              </a14:hiddenFill>
+            </a:ext>
+          </a:extLst>
+        </p:spPr>
+      </p:sp>
+      <p:sp>
+        <p:nvSpPr>
+          <p:cNvPr id="30723" name="Notes Placeholder 2"/>
+          <p:cNvSpPr>
+            <a:spLocks noGrp="1"/>
+          </p:cNvSpPr>
+          <p:nvPr>
+            <p:ph type="body" idx="1"/>
+          </p:nvPr>
+        </p:nvSpPr>
+        <p:spPr>
+          <a:noFill/>
+          <a:ln/>
+          <a:extLst>
+            <a:ext uri="{909E8E84-426E-40dd-AFC4-6F175D3DCCD1}">
+              <a14:hiddenFill xmlns:a14="http://schemas.microsoft.com/office/drawing/2010/main" xmlns="">
+                <a:solidFill>
+                  <a:srgbClr val="FFFFFF"/>
+                </a:solidFill>
+              </a14:hiddenFill>
+            </a:ext>
+            <a:ext uri="{91240B29-F687-4f45-9708-019B960494DF}">
+              <a14:hiddenLine xmlns:a14="http://schemas.microsoft.com/office/drawing/2010/main" xmlns="" w="9525">
+                <a:solidFill>
+                  <a:srgbClr val="000000"/>
+                </a:solidFill>
+                <a:miter lim="800000"/>
+                <a:headEnd/>
+                <a:tailEnd/>
+              </a14:hiddenLine>
+            </a:ext>
+          </a:extLst>
+        </p:spPr>
+        <p:txBody>
+          <a:bodyPr/>
+          <a:lstStyle/>
+          <a:p>
+            <a:r>
+              <a:rPr lang="en-US" dirty="0"/>
+              <a:t>Edit example again: add an anonymous class, print “Hmm.  Just right.”</a:t>
+            </a:r>
+          </a:p>
+        </p:txBody>
+      </p:sp>
+      <p:sp>
+        <p:nvSpPr>
+          <p:cNvPr id="30724" name="Slide Number Placeholder 3"/>
+          <p:cNvSpPr>
+            <a:spLocks noGrp="1"/>
+          </p:cNvSpPr>
+          <p:nvPr>
+            <p:ph type="sldNum" sz="quarter" idx="5"/>
+          </p:nvPr>
+        </p:nvSpPr>
+        <p:spPr>
+          <a:noFill/>
+          <a:ln/>
+          <a:extLst>
+            <a:ext uri="{909E8E84-426E-40dd-AFC4-6F175D3DCCD1}">
+              <a14:hiddenFill xmlns:a14="http://schemas.microsoft.com/office/drawing/2010/main" xmlns="">
+                <a:solidFill>
+                  <a:srgbClr val="FFFFFF"/>
+                </a:solidFill>
+              </a14:hiddenFill>
+            </a:ext>
+            <a:ext uri="{91240B29-F687-4f45-9708-019B960494DF}">
+              <a14:hiddenLine xmlns:a14="http://schemas.microsoft.com/office/drawing/2010/main" xmlns="" w="9525">
+                <a:solidFill>
+                  <a:srgbClr val="000000"/>
+                </a:solidFill>
+                <a:miter lim="800000"/>
+                <a:headEnd/>
+                <a:tailEnd/>
+              </a14:hiddenLine>
+            </a:ext>
+          </a:extLst>
+        </p:spPr>
+        <p:txBody>
+          <a:bodyPr/>
+          <a:lstStyle>
+            <a:lvl1pPr defTabSz="913525" eaLnBrk="0" hangingPunct="0">
+              <a:defRPr>
+                <a:solidFill>
+                  <a:schemeClr val="tx1"/>
+                </a:solidFill>
+                <a:latin typeface="Arial" charset="0"/>
+                <a:cs typeface="Arial" charset="0"/>
+              </a:defRPr>
+            </a:lvl1pPr>
+            <a:lvl2pPr marL="716130" indent="-275434" defTabSz="913525" eaLnBrk="0" hangingPunct="0">
+              <a:defRPr>
+                <a:solidFill>
+                  <a:schemeClr val="tx1"/>
+                </a:solidFill>
+                <a:latin typeface="Arial" charset="0"/>
+                <a:cs typeface="Arial" charset="0"/>
+              </a:defRPr>
+            </a:lvl2pPr>
+            <a:lvl3pPr marL="1101738" indent="-220348" defTabSz="913525" eaLnBrk="0" hangingPunct="0">
+              <a:defRPr>
+                <a:solidFill>
+                  <a:schemeClr val="tx1"/>
+                </a:solidFill>
+                <a:latin typeface="Arial" charset="0"/>
+                <a:cs typeface="Arial" charset="0"/>
+              </a:defRPr>
+            </a:lvl3pPr>
+            <a:lvl4pPr marL="1542433" indent="-220348" defTabSz="913525" eaLnBrk="0" hangingPunct="0">
+              <a:defRPr>
+                <a:solidFill>
+                  <a:schemeClr val="tx1"/>
+                </a:solidFill>
+                <a:latin typeface="Arial" charset="0"/>
+                <a:cs typeface="Arial" charset="0"/>
+              </a:defRPr>
+            </a:lvl4pPr>
+            <a:lvl5pPr marL="1983128" indent="-220348" defTabSz="913525" eaLnBrk="0" hangingPunct="0">
+              <a:defRPr>
+                <a:solidFill>
+                  <a:schemeClr val="tx1"/>
+                </a:solidFill>
+                <a:latin typeface="Arial" charset="0"/>
+                <a:cs typeface="Arial" charset="0"/>
+              </a:defRPr>
+            </a:lvl5pPr>
+            <a:lvl6pPr marL="2423823" indent="-220348" defTabSz="913525" eaLnBrk="0" fontAlgn="base" hangingPunct="0">
+              <a:spcBef>
+                <a:spcPct val="0"/>
+              </a:spcBef>
+              <a:spcAft>
+                <a:spcPct val="0"/>
+              </a:spcAft>
+              <a:defRPr>
+                <a:solidFill>
+                  <a:schemeClr val="tx1"/>
+                </a:solidFill>
+                <a:latin typeface="Arial" charset="0"/>
+                <a:cs typeface="Arial" charset="0"/>
+              </a:defRPr>
+            </a:lvl6pPr>
+            <a:lvl7pPr marL="2864518" indent="-220348" defTabSz="913525" eaLnBrk="0" fontAlgn="base" hangingPunct="0">
+              <a:spcBef>
+                <a:spcPct val="0"/>
+              </a:spcBef>
+              <a:spcAft>
+                <a:spcPct val="0"/>
+              </a:spcAft>
+              <a:defRPr>
+                <a:solidFill>
+                  <a:schemeClr val="tx1"/>
+                </a:solidFill>
+                <a:latin typeface="Arial" charset="0"/>
+                <a:cs typeface="Arial" charset="0"/>
+              </a:defRPr>
+            </a:lvl7pPr>
+            <a:lvl8pPr marL="3305213" indent="-220348" defTabSz="913525" eaLnBrk="0" fontAlgn="base" hangingPunct="0">
+              <a:spcBef>
+                <a:spcPct val="0"/>
+              </a:spcBef>
+              <a:spcAft>
+                <a:spcPct val="0"/>
+              </a:spcAft>
+              <a:defRPr>
+                <a:solidFill>
+                  <a:schemeClr val="tx1"/>
+                </a:solidFill>
+                <a:latin typeface="Arial" charset="0"/>
+                <a:cs typeface="Arial" charset="0"/>
+              </a:defRPr>
+            </a:lvl8pPr>
+            <a:lvl9pPr marL="3745908" indent="-220348" defTabSz="913525" eaLnBrk="0" fontAlgn="base" hangingPunct="0">
+              <a:spcBef>
+                <a:spcPct val="0"/>
+              </a:spcBef>
+              <a:spcAft>
+                <a:spcPct val="0"/>
+              </a:spcAft>
+              <a:defRPr>
+                <a:solidFill>
+                  <a:schemeClr val="tx1"/>
+                </a:solidFill>
+                <a:latin typeface="Arial" charset="0"/>
+                <a:cs typeface="Arial" charset="0"/>
+              </a:defRPr>
+            </a:lvl9pPr>
+          </a:lstStyle>
+          <a:p>
+            <a:pPr eaLnBrk="1" hangingPunct="1"/>
+            <a:fld id="{2B668F83-E173-4489-B2D7-77F2A29982C9}" type="slidenum">
+              <a:rPr lang="en-US" smtClean="0">
+                <a:latin typeface="Calibri" pitchFamily="34" charset="0"/>
+              </a:rPr>
+              <a:pPr eaLnBrk="1" hangingPunct="1"/>
+              <a:t>25</a:t>
+            </a:fld>
             <a:endParaRPr lang="en-US">
               <a:latin typeface="Calibri" pitchFamily="34" charset="0"/>
             </a:endParaRPr>
@@ -3672,7 +3464,7 @@
     </p:spTree>
     <p:extLst>
       <p:ext uri="{BB962C8B-B14F-4D97-AF65-F5344CB8AC3E}">
-        <p14:creationId xmlns:p14="http://schemas.microsoft.com/office/powerpoint/2010/main" val="920837248"/>
+        <p14:creationId xmlns:p14="http://schemas.microsoft.com/office/powerpoint/2010/main" val="2084481091"/>
       </p:ext>
     </p:extLst>
   </p:cSld>
@@ -3806,6 +3598,543 @@
 </p:notes>
 </file>
 
+<file path=ppt/notesSlides/notesSlide20.xml><?xml version="1.0" encoding="utf-8"?>
+<p:notes xmlns:a="http://schemas.openxmlformats.org/drawingml/2006/main" xmlns:r="http://schemas.openxmlformats.org/officeDocument/2006/relationships" xmlns:p="http://schemas.openxmlformats.org/presentationml/2006/main">
+  <p:cSld>
+    <p:spTree>
+      <p:nvGrpSpPr>
+        <p:cNvPr id="1" name=""/>
+        <p:cNvGrpSpPr/>
+        <p:nvPr/>
+      </p:nvGrpSpPr>
+      <p:grpSpPr>
+        <a:xfrm>
+          <a:off x="0" y="0"/>
+          <a:ext cx="0" cy="0"/>
+          <a:chOff x="0" y="0"/>
+          <a:chExt cx="0" cy="0"/>
+        </a:xfrm>
+      </p:grpSpPr>
+      <p:sp>
+        <p:nvSpPr>
+          <p:cNvPr id="31746" name="Slide Image Placeholder 1"/>
+          <p:cNvSpPr>
+            <a:spLocks noGrp="1" noRot="1" noChangeAspect="1" noTextEdit="1"/>
+          </p:cNvSpPr>
+          <p:nvPr>
+            <p:ph type="sldImg"/>
+          </p:nvPr>
+        </p:nvSpPr>
+        <p:spPr bwMode="auto">
+          <a:noFill/>
+          <a:ln>
+            <a:solidFill>
+              <a:srgbClr val="000000"/>
+            </a:solidFill>
+            <a:miter lim="800000"/>
+            <a:headEnd/>
+            <a:tailEnd/>
+          </a:ln>
+          <a:extLst>
+            <a:ext uri="{909E8E84-426E-40dd-AFC4-6F175D3DCCD1}">
+              <a14:hiddenFill xmlns:a14="http://schemas.microsoft.com/office/drawing/2010/main" xmlns="">
+                <a:solidFill>
+                  <a:srgbClr val="FFFFFF"/>
+                </a:solidFill>
+              </a14:hiddenFill>
+            </a:ext>
+          </a:extLst>
+        </p:spPr>
+      </p:sp>
+      <p:sp>
+        <p:nvSpPr>
+          <p:cNvPr id="31747" name="Notes Placeholder 2"/>
+          <p:cNvSpPr>
+            <a:spLocks noGrp="1"/>
+          </p:cNvSpPr>
+          <p:nvPr>
+            <p:ph type="body" idx="1"/>
+          </p:nvPr>
+        </p:nvSpPr>
+        <p:spPr>
+          <a:noFill/>
+          <a:ln/>
+          <a:extLst>
+            <a:ext uri="{909E8E84-426E-40dd-AFC4-6F175D3DCCD1}">
+              <a14:hiddenFill xmlns:a14="http://schemas.microsoft.com/office/drawing/2010/main" xmlns="">
+                <a:solidFill>
+                  <a:srgbClr val="FFFFFF"/>
+                </a:solidFill>
+              </a14:hiddenFill>
+            </a:ext>
+            <a:ext uri="{91240B29-F687-4f45-9708-019B960494DF}">
+              <a14:hiddenLine xmlns:a14="http://schemas.microsoft.com/office/drawing/2010/main" xmlns="" w="9525">
+                <a:solidFill>
+                  <a:srgbClr val="000000"/>
+                </a:solidFill>
+                <a:miter lim="800000"/>
+                <a:headEnd/>
+                <a:tailEnd/>
+              </a14:hiddenLine>
+            </a:ext>
+          </a:extLst>
+        </p:spPr>
+        <p:txBody>
+          <a:bodyPr/>
+          <a:lstStyle/>
+          <a:p>
+            <a:r>
+              <a:rPr lang="en-US" dirty="0"/>
+              <a:t>Finish last TODO in </a:t>
+            </a:r>
+            <a:r>
+              <a:rPr lang="en-US" dirty="0" err="1"/>
+              <a:t>BreakfastMain</a:t>
+            </a:r>
+            <a:r>
+              <a:rPr lang="en-US" dirty="0"/>
+              <a:t> – </a:t>
+            </a:r>
+            <a:r>
+              <a:rPr lang="en-US" dirty="0" err="1"/>
+              <a:t>tasteDescription</a:t>
+            </a:r>
+            <a:r>
+              <a:rPr lang="en-US" dirty="0"/>
+              <a:t>.</a:t>
+            </a:r>
+          </a:p>
+        </p:txBody>
+      </p:sp>
+      <p:sp>
+        <p:nvSpPr>
+          <p:cNvPr id="31748" name="Slide Number Placeholder 3"/>
+          <p:cNvSpPr>
+            <a:spLocks noGrp="1"/>
+          </p:cNvSpPr>
+          <p:nvPr>
+            <p:ph type="sldNum" sz="quarter" idx="5"/>
+          </p:nvPr>
+        </p:nvSpPr>
+        <p:spPr>
+          <a:noFill/>
+          <a:ln/>
+          <a:extLst>
+            <a:ext uri="{909E8E84-426E-40dd-AFC4-6F175D3DCCD1}">
+              <a14:hiddenFill xmlns:a14="http://schemas.microsoft.com/office/drawing/2010/main" xmlns="">
+                <a:solidFill>
+                  <a:srgbClr val="FFFFFF"/>
+                </a:solidFill>
+              </a14:hiddenFill>
+            </a:ext>
+            <a:ext uri="{91240B29-F687-4f45-9708-019B960494DF}">
+              <a14:hiddenLine xmlns:a14="http://schemas.microsoft.com/office/drawing/2010/main" xmlns="" w="9525">
+                <a:solidFill>
+                  <a:srgbClr val="000000"/>
+                </a:solidFill>
+                <a:miter lim="800000"/>
+                <a:headEnd/>
+                <a:tailEnd/>
+              </a14:hiddenLine>
+            </a:ext>
+          </a:extLst>
+        </p:spPr>
+        <p:txBody>
+          <a:bodyPr/>
+          <a:lstStyle>
+            <a:lvl1pPr defTabSz="913525" eaLnBrk="0" hangingPunct="0">
+              <a:defRPr>
+                <a:solidFill>
+                  <a:schemeClr val="tx1"/>
+                </a:solidFill>
+                <a:latin typeface="Arial" charset="0"/>
+                <a:cs typeface="Arial" charset="0"/>
+              </a:defRPr>
+            </a:lvl1pPr>
+            <a:lvl2pPr marL="716130" indent="-275434" defTabSz="913525" eaLnBrk="0" hangingPunct="0">
+              <a:defRPr>
+                <a:solidFill>
+                  <a:schemeClr val="tx1"/>
+                </a:solidFill>
+                <a:latin typeface="Arial" charset="0"/>
+                <a:cs typeface="Arial" charset="0"/>
+              </a:defRPr>
+            </a:lvl2pPr>
+            <a:lvl3pPr marL="1101738" indent="-220348" defTabSz="913525" eaLnBrk="0" hangingPunct="0">
+              <a:defRPr>
+                <a:solidFill>
+                  <a:schemeClr val="tx1"/>
+                </a:solidFill>
+                <a:latin typeface="Arial" charset="0"/>
+                <a:cs typeface="Arial" charset="0"/>
+              </a:defRPr>
+            </a:lvl3pPr>
+            <a:lvl4pPr marL="1542433" indent="-220348" defTabSz="913525" eaLnBrk="0" hangingPunct="0">
+              <a:defRPr>
+                <a:solidFill>
+                  <a:schemeClr val="tx1"/>
+                </a:solidFill>
+                <a:latin typeface="Arial" charset="0"/>
+                <a:cs typeface="Arial" charset="0"/>
+              </a:defRPr>
+            </a:lvl4pPr>
+            <a:lvl5pPr marL="1983128" indent="-220348" defTabSz="913525" eaLnBrk="0" hangingPunct="0">
+              <a:defRPr>
+                <a:solidFill>
+                  <a:schemeClr val="tx1"/>
+                </a:solidFill>
+                <a:latin typeface="Arial" charset="0"/>
+                <a:cs typeface="Arial" charset="0"/>
+              </a:defRPr>
+            </a:lvl5pPr>
+            <a:lvl6pPr marL="2423823" indent="-220348" defTabSz="913525" eaLnBrk="0" fontAlgn="base" hangingPunct="0">
+              <a:spcBef>
+                <a:spcPct val="0"/>
+              </a:spcBef>
+              <a:spcAft>
+                <a:spcPct val="0"/>
+              </a:spcAft>
+              <a:defRPr>
+                <a:solidFill>
+                  <a:schemeClr val="tx1"/>
+                </a:solidFill>
+                <a:latin typeface="Arial" charset="0"/>
+                <a:cs typeface="Arial" charset="0"/>
+              </a:defRPr>
+            </a:lvl6pPr>
+            <a:lvl7pPr marL="2864518" indent="-220348" defTabSz="913525" eaLnBrk="0" fontAlgn="base" hangingPunct="0">
+              <a:spcBef>
+                <a:spcPct val="0"/>
+              </a:spcBef>
+              <a:spcAft>
+                <a:spcPct val="0"/>
+              </a:spcAft>
+              <a:defRPr>
+                <a:solidFill>
+                  <a:schemeClr val="tx1"/>
+                </a:solidFill>
+                <a:latin typeface="Arial" charset="0"/>
+                <a:cs typeface="Arial" charset="0"/>
+              </a:defRPr>
+            </a:lvl7pPr>
+            <a:lvl8pPr marL="3305213" indent="-220348" defTabSz="913525" eaLnBrk="0" fontAlgn="base" hangingPunct="0">
+              <a:spcBef>
+                <a:spcPct val="0"/>
+              </a:spcBef>
+              <a:spcAft>
+                <a:spcPct val="0"/>
+              </a:spcAft>
+              <a:defRPr>
+                <a:solidFill>
+                  <a:schemeClr val="tx1"/>
+                </a:solidFill>
+                <a:latin typeface="Arial" charset="0"/>
+                <a:cs typeface="Arial" charset="0"/>
+              </a:defRPr>
+            </a:lvl8pPr>
+            <a:lvl9pPr marL="3745908" indent="-220348" defTabSz="913525" eaLnBrk="0" fontAlgn="base" hangingPunct="0">
+              <a:spcBef>
+                <a:spcPct val="0"/>
+              </a:spcBef>
+              <a:spcAft>
+                <a:spcPct val="0"/>
+              </a:spcAft>
+              <a:defRPr>
+                <a:solidFill>
+                  <a:schemeClr val="tx1"/>
+                </a:solidFill>
+                <a:latin typeface="Arial" charset="0"/>
+                <a:cs typeface="Arial" charset="0"/>
+              </a:defRPr>
+            </a:lvl9pPr>
+          </a:lstStyle>
+          <a:p>
+            <a:pPr eaLnBrk="1" hangingPunct="1"/>
+            <a:fld id="{EE305874-8EC8-4203-879E-451F23F557DF}" type="slidenum">
+              <a:rPr lang="en-US" smtClean="0">
+                <a:latin typeface="Calibri" pitchFamily="34" charset="0"/>
+              </a:rPr>
+              <a:pPr eaLnBrk="1" hangingPunct="1"/>
+              <a:t>26</a:t>
+            </a:fld>
+            <a:endParaRPr lang="en-US">
+              <a:latin typeface="Calibri" pitchFamily="34" charset="0"/>
+            </a:endParaRPr>
+          </a:p>
+        </p:txBody>
+      </p:sp>
+    </p:spTree>
+    <p:extLst>
+      <p:ext uri="{BB962C8B-B14F-4D97-AF65-F5344CB8AC3E}">
+        <p14:creationId xmlns:p14="http://schemas.microsoft.com/office/powerpoint/2010/main" val="292903955"/>
+      </p:ext>
+    </p:extLst>
+  </p:cSld>
+  <p:clrMapOvr>
+    <a:masterClrMapping/>
+  </p:clrMapOvr>
+</p:notes>
+</file>
+
+<file path=ppt/notesSlides/notesSlide21.xml><?xml version="1.0" encoding="utf-8"?>
+<p:notes xmlns:a="http://schemas.openxmlformats.org/drawingml/2006/main" xmlns:r="http://schemas.openxmlformats.org/officeDocument/2006/relationships" xmlns:p="http://schemas.openxmlformats.org/presentationml/2006/main">
+  <p:cSld>
+    <p:spTree>
+      <p:nvGrpSpPr>
+        <p:cNvPr id="1" name=""/>
+        <p:cNvGrpSpPr/>
+        <p:nvPr/>
+      </p:nvGrpSpPr>
+      <p:grpSpPr>
+        <a:xfrm>
+          <a:off x="0" y="0"/>
+          <a:ext cx="0" cy="0"/>
+          <a:chOff x="0" y="0"/>
+          <a:chExt cx="0" cy="0"/>
+        </a:xfrm>
+      </p:grpSpPr>
+      <p:sp>
+        <p:nvSpPr>
+          <p:cNvPr id="37890" name="Slide Image Placeholder 1"/>
+          <p:cNvSpPr>
+            <a:spLocks noGrp="1" noRot="1" noChangeAspect="1" noTextEdit="1"/>
+          </p:cNvSpPr>
+          <p:nvPr>
+            <p:ph type="sldImg"/>
+          </p:nvPr>
+        </p:nvSpPr>
+        <p:spPr bwMode="auto">
+          <a:noFill/>
+          <a:ln>
+            <a:solidFill>
+              <a:srgbClr val="000000"/>
+            </a:solidFill>
+            <a:miter lim="800000"/>
+            <a:headEnd/>
+            <a:tailEnd/>
+          </a:ln>
+          <a:extLst>
+            <a:ext uri="{909E8E84-426E-40dd-AFC4-6F175D3DCCD1}">
+              <a14:hiddenFill xmlns:a14="http://schemas.microsoft.com/office/drawing/2010/main" xmlns="">
+                <a:solidFill>
+                  <a:srgbClr val="FFFFFF"/>
+                </a:solidFill>
+              </a14:hiddenFill>
+            </a:ext>
+          </a:extLst>
+        </p:spPr>
+      </p:sp>
+      <p:sp>
+        <p:nvSpPr>
+          <p:cNvPr id="37891" name="Notes Placeholder 2"/>
+          <p:cNvSpPr>
+            <a:spLocks noGrp="1"/>
+          </p:cNvSpPr>
+          <p:nvPr>
+            <p:ph type="body" idx="1"/>
+          </p:nvPr>
+        </p:nvSpPr>
+        <p:spPr>
+          <a:noFill/>
+          <a:ln/>
+          <a:extLst>
+            <a:ext uri="{909E8E84-426E-40dd-AFC4-6F175D3DCCD1}">
+              <a14:hiddenFill xmlns:a14="http://schemas.microsoft.com/office/drawing/2010/main" xmlns="">
+                <a:solidFill>
+                  <a:srgbClr val="FFFFFF"/>
+                </a:solidFill>
+              </a14:hiddenFill>
+            </a:ext>
+            <a:ext uri="{91240B29-F687-4f45-9708-019B960494DF}">
+              <a14:hiddenLine xmlns:a14="http://schemas.microsoft.com/office/drawing/2010/main" xmlns="" w="9525">
+                <a:solidFill>
+                  <a:srgbClr val="000000"/>
+                </a:solidFill>
+                <a:miter lim="800000"/>
+                <a:headEnd/>
+                <a:tailEnd/>
+              </a14:hiddenLine>
+            </a:ext>
+          </a:extLst>
+        </p:spPr>
+        <p:txBody>
+          <a:bodyPr/>
+          <a:lstStyle/>
+          <a:p>
+            <a:endParaRPr lang="en-US" dirty="0"/>
+          </a:p>
+        </p:txBody>
+      </p:sp>
+      <p:sp>
+        <p:nvSpPr>
+          <p:cNvPr id="37892" name="Slide Number Placeholder 3"/>
+          <p:cNvSpPr>
+            <a:spLocks noGrp="1"/>
+          </p:cNvSpPr>
+          <p:nvPr>
+            <p:ph type="sldNum" sz="quarter" idx="5"/>
+          </p:nvPr>
+        </p:nvSpPr>
+        <p:spPr>
+          <a:noFill/>
+          <a:ln/>
+          <a:extLst>
+            <a:ext uri="{909E8E84-426E-40dd-AFC4-6F175D3DCCD1}">
+              <a14:hiddenFill xmlns:a14="http://schemas.microsoft.com/office/drawing/2010/main" xmlns="">
+                <a:solidFill>
+                  <a:srgbClr val="FFFFFF"/>
+                </a:solidFill>
+              </a14:hiddenFill>
+            </a:ext>
+            <a:ext uri="{91240B29-F687-4f45-9708-019B960494DF}">
+              <a14:hiddenLine xmlns:a14="http://schemas.microsoft.com/office/drawing/2010/main" xmlns="" w="9525">
+                <a:solidFill>
+                  <a:srgbClr val="000000"/>
+                </a:solidFill>
+                <a:miter lim="800000"/>
+                <a:headEnd/>
+                <a:tailEnd/>
+              </a14:hiddenLine>
+            </a:ext>
+          </a:extLst>
+        </p:spPr>
+        <p:txBody>
+          <a:bodyPr/>
+          <a:lstStyle>
+            <a:lvl1pPr defTabSz="913525" eaLnBrk="0" hangingPunct="0">
+              <a:defRPr>
+                <a:solidFill>
+                  <a:schemeClr val="tx1"/>
+                </a:solidFill>
+                <a:latin typeface="Arial" charset="0"/>
+                <a:cs typeface="Arial" charset="0"/>
+              </a:defRPr>
+            </a:lvl1pPr>
+            <a:lvl2pPr marL="716130" indent="-275434" defTabSz="913525" eaLnBrk="0" hangingPunct="0">
+              <a:defRPr>
+                <a:solidFill>
+                  <a:schemeClr val="tx1"/>
+                </a:solidFill>
+                <a:latin typeface="Arial" charset="0"/>
+                <a:cs typeface="Arial" charset="0"/>
+              </a:defRPr>
+            </a:lvl2pPr>
+            <a:lvl3pPr marL="1101738" indent="-220348" defTabSz="913525" eaLnBrk="0" hangingPunct="0">
+              <a:defRPr>
+                <a:solidFill>
+                  <a:schemeClr val="tx1"/>
+                </a:solidFill>
+                <a:latin typeface="Arial" charset="0"/>
+                <a:cs typeface="Arial" charset="0"/>
+              </a:defRPr>
+            </a:lvl3pPr>
+            <a:lvl4pPr marL="1542433" indent="-220348" defTabSz="913525" eaLnBrk="0" hangingPunct="0">
+              <a:defRPr>
+                <a:solidFill>
+                  <a:schemeClr val="tx1"/>
+                </a:solidFill>
+                <a:latin typeface="Arial" charset="0"/>
+                <a:cs typeface="Arial" charset="0"/>
+              </a:defRPr>
+            </a:lvl4pPr>
+            <a:lvl5pPr marL="1983128" indent="-220348" defTabSz="913525" eaLnBrk="0" hangingPunct="0">
+              <a:defRPr>
+                <a:solidFill>
+                  <a:schemeClr val="tx1"/>
+                </a:solidFill>
+                <a:latin typeface="Arial" charset="0"/>
+                <a:cs typeface="Arial" charset="0"/>
+              </a:defRPr>
+            </a:lvl5pPr>
+            <a:lvl6pPr marL="2423823" indent="-220348" defTabSz="913525" eaLnBrk="0" fontAlgn="base" hangingPunct="0">
+              <a:spcBef>
+                <a:spcPct val="0"/>
+              </a:spcBef>
+              <a:spcAft>
+                <a:spcPct val="0"/>
+              </a:spcAft>
+              <a:defRPr>
+                <a:solidFill>
+                  <a:schemeClr val="tx1"/>
+                </a:solidFill>
+                <a:latin typeface="Arial" charset="0"/>
+                <a:cs typeface="Arial" charset="0"/>
+              </a:defRPr>
+            </a:lvl6pPr>
+            <a:lvl7pPr marL="2864518" indent="-220348" defTabSz="913525" eaLnBrk="0" fontAlgn="base" hangingPunct="0">
+              <a:spcBef>
+                <a:spcPct val="0"/>
+              </a:spcBef>
+              <a:spcAft>
+                <a:spcPct val="0"/>
+              </a:spcAft>
+              <a:defRPr>
+                <a:solidFill>
+                  <a:schemeClr val="tx1"/>
+                </a:solidFill>
+                <a:latin typeface="Arial" charset="0"/>
+                <a:cs typeface="Arial" charset="0"/>
+              </a:defRPr>
+            </a:lvl7pPr>
+            <a:lvl8pPr marL="3305213" indent="-220348" defTabSz="913525" eaLnBrk="0" fontAlgn="base" hangingPunct="0">
+              <a:spcBef>
+                <a:spcPct val="0"/>
+              </a:spcBef>
+              <a:spcAft>
+                <a:spcPct val="0"/>
+              </a:spcAft>
+              <a:defRPr>
+                <a:solidFill>
+                  <a:schemeClr val="tx1"/>
+                </a:solidFill>
+                <a:latin typeface="Arial" charset="0"/>
+                <a:cs typeface="Arial" charset="0"/>
+              </a:defRPr>
+            </a:lvl8pPr>
+            <a:lvl9pPr marL="3745908" indent="-220348" defTabSz="913525" eaLnBrk="0" fontAlgn="base" hangingPunct="0">
+              <a:spcBef>
+                <a:spcPct val="0"/>
+              </a:spcBef>
+              <a:spcAft>
+                <a:spcPct val="0"/>
+              </a:spcAft>
+              <a:defRPr>
+                <a:solidFill>
+                  <a:schemeClr val="tx1"/>
+                </a:solidFill>
+                <a:latin typeface="Arial" charset="0"/>
+                <a:cs typeface="Arial" charset="0"/>
+              </a:defRPr>
+            </a:lvl9pPr>
+          </a:lstStyle>
+          <a:p>
+            <a:pPr eaLnBrk="1" hangingPunct="1"/>
+            <a:fld id="{A152615B-A2F2-486D-B448-77187DEA0D68}" type="slidenum">
+              <a:rPr lang="en-US" smtClean="0">
+                <a:latin typeface="Calibri" pitchFamily="34" charset="0"/>
+              </a:rPr>
+              <a:pPr eaLnBrk="1" hangingPunct="1"/>
+              <a:t>27</a:t>
+            </a:fld>
+            <a:endParaRPr lang="en-US">
+              <a:latin typeface="Calibri" pitchFamily="34" charset="0"/>
+            </a:endParaRPr>
+          </a:p>
+        </p:txBody>
+      </p:sp>
+    </p:spTree>
+    <p:extLst>
+      <p:ext uri="{BB962C8B-B14F-4D97-AF65-F5344CB8AC3E}">
+        <p14:creationId xmlns:p14="http://schemas.microsoft.com/office/powerpoint/2010/main" val="920837248"/>
+      </p:ext>
+    </p:extLst>
+  </p:cSld>
+  <p:clrMapOvr>
+    <a:masterClrMapping/>
+  </p:clrMapOvr>
+</p:notes>
+</file>
+
 <file path=ppt/notesSlides/notesSlide3.xml><?xml version="1.0" encoding="utf-8"?>
 <p:notes xmlns:a="http://schemas.openxmlformats.org/drawingml/2006/main" xmlns:r="http://schemas.openxmlformats.org/officeDocument/2006/relationships" xmlns:p="http://schemas.openxmlformats.org/presentationml/2006/main">
   <p:cSld>
@@ -3851,22 +4180,9 @@
           <a:lstStyle/>
           <a:p>
             <a:r>
-              <a:rPr lang="en-US" dirty="0"/>
-              <a:t>Coupling,</a:t>
-            </a:r>
-            <a:r>
-              <a:rPr lang="en-US" baseline="0" dirty="0"/>
-              <a:t> a</a:t>
-            </a:r>
-            <a:r>
-              <a:rPr lang="en-US" dirty="0"/>
-              <a:t>lso</a:t>
-            </a:r>
-            <a:r>
-              <a:rPr lang="en-US" baseline="0" dirty="0"/>
-              <a:t> dependencies</a:t>
-            </a:r>
-            <a:endParaRPr lang="en-US" dirty="0"/>
+              <a:rPr lang="en-US"/>
+              <a:t>Now that we have developed an interface, let’s implement the changes in code.</a:t>
+            </a:r>
           </a:p>
         </p:txBody>
       </p:sp>
@@ -3888,12 +4204,12 @@
             <a:pPr>
               <a:defRPr/>
             </a:pPr>
-            <a:fld id="{DA7F4447-3C62-46B7-AE80-9244D33714A7}" type="slidenum">
+            <a:fld id="{3F6B6C2D-0897-4206-AD94-4D1FCFA82106}" type="slidenum">
               <a:rPr lang="en-US" smtClean="0"/>
               <a:pPr>
                 <a:defRPr/>
               </a:pPr>
-              <a:t>6</a:t>
+              <a:t>4</a:t>
             </a:fld>
             <a:endParaRPr lang="en-US"/>
           </a:p>
@@ -3902,7 +4218,7 @@
     </p:spTree>
     <p:extLst>
       <p:ext uri="{BB962C8B-B14F-4D97-AF65-F5344CB8AC3E}">
-        <p14:creationId xmlns:p14="http://schemas.microsoft.com/office/powerpoint/2010/main" val="895915223"/>
+        <p14:creationId xmlns:p14="http://schemas.microsoft.com/office/powerpoint/2010/main" val="1317189948"/>
       </p:ext>
     </p:extLst>
   </p:cSld>
@@ -3931,38 +4247,19 @@
       </p:grpSpPr>
       <p:sp>
         <p:nvSpPr>
-          <p:cNvPr id="27650" name="Slide Image Placeholder 1"/>
+          <p:cNvPr id="2" name="Slide Image Placeholder 1"/>
           <p:cNvSpPr>
-            <a:spLocks noGrp="1" noRot="1" noChangeAspect="1" noTextEdit="1"/>
+            <a:spLocks noGrp="1" noRot="1" noChangeAspect="1"/>
           </p:cNvSpPr>
           <p:nvPr>
             <p:ph type="sldImg"/>
           </p:nvPr>
         </p:nvSpPr>
-        <p:spPr bwMode="auto">
-          <a:noFill/>
-          <a:ln>
-            <a:solidFill>
-              <a:srgbClr val="000000"/>
-            </a:solidFill>
-            <a:miter lim="800000"/>
-            <a:headEnd/>
-            <a:tailEnd/>
-          </a:ln>
-          <a:extLst>
-            <a:ext uri="{909E8E84-426E-40dd-AFC4-6F175D3DCCD1}">
-              <a14:hiddenFill xmlns="" xmlns:a14="http://schemas.microsoft.com/office/drawing/2010/main">
-                <a:solidFill>
-                  <a:srgbClr val="FFFFFF"/>
-                </a:solidFill>
-              </a14:hiddenFill>
-            </a:ext>
-          </a:extLst>
-        </p:spPr>
-      </p:sp>
-      <p:sp>
-        <p:nvSpPr>
-          <p:cNvPr id="27651" name="Notes Placeholder 2"/>
+        <p:spPr/>
+      </p:sp>
+      <p:sp>
+        <p:nvSpPr>
+          <p:cNvPr id="3" name="Notes Placeholder 2"/>
           <p:cNvSpPr>
             <a:spLocks noGrp="1"/>
           </p:cNvSpPr>
@@ -3970,74 +4267,26 @@
             <p:ph type="body" idx="1"/>
           </p:nvPr>
         </p:nvSpPr>
-        <p:spPr>
-          <a:noFill/>
-          <a:ln/>
-          <a:extLst>
-            <a:ext uri="{909E8E84-426E-40dd-AFC4-6F175D3DCCD1}">
-              <a14:hiddenFill xmlns="" xmlns:a14="http://schemas.microsoft.com/office/drawing/2010/main">
-                <a:solidFill>
-                  <a:srgbClr val="FFFFFF"/>
-                </a:solidFill>
-              </a14:hiddenFill>
-            </a:ext>
-            <a:ext uri="{91240B29-F687-4f45-9708-019B960494DF}">
-              <a14:hiddenLine xmlns="" xmlns:a14="http://schemas.microsoft.com/office/drawing/2010/main" w="9525">
-                <a:solidFill>
-                  <a:srgbClr val="000000"/>
-                </a:solidFill>
-                <a:miter lim="800000"/>
-                <a:headEnd/>
-                <a:tailEnd/>
-              </a14:hiddenLine>
-            </a:ext>
-          </a:extLst>
-        </p:spPr>
+        <p:spPr/>
         <p:txBody>
           <a:bodyPr/>
           <a:lstStyle/>
           <a:p>
             <a:r>
               <a:rPr lang="en-US" dirty="0"/>
-              <a:t>Define each of the highlighted terms</a:t>
-            </a:r>
-          </a:p>
-          <a:p>
-            <a:r>
-              <a:rPr lang="en-US" dirty="0"/>
-              <a:t>A callback is a mechanism for specifying a block of code so it can be executed later.</a:t>
-            </a:r>
-          </a:p>
-          <a:p>
-            <a:r>
-              <a:rPr lang="en-US" dirty="0"/>
-              <a:t>An event is a notification to the program that a</a:t>
+              <a:t>Coupling,</a:t>
             </a:r>
             <a:r>
               <a:rPr lang="en-US" baseline="0" dirty="0"/>
-              <a:t> user</a:t>
-            </a:r>
-            <a:r>
-              <a:rPr lang="en-US" dirty="0"/>
-              <a:t> action (key press,</a:t>
+              <a:t> a</a:t>
+            </a:r>
+            <a:r>
+              <a:rPr lang="en-US" dirty="0"/>
+              <a:t>lso</a:t>
             </a:r>
             <a:r>
               <a:rPr lang="en-US" baseline="0" dirty="0"/>
-              <a:t> mouse move, menu selection, etc</a:t>
-            </a:r>
-            <a:r>
-              <a:rPr lang="en-US" dirty="0"/>
-              <a:t>) has occurred.</a:t>
-            </a:r>
-          </a:p>
-          <a:p>
-            <a:r>
-              <a:rPr lang="en-US" dirty="0"/>
-              <a:t>We handle events</a:t>
-            </a:r>
-            <a:r>
-              <a:rPr lang="en-US" baseline="0" dirty="0"/>
-              <a:t> by writing code that respond to them so that the user receives the appropriate response.</a:t>
+              <a:t> dependencies</a:t>
             </a:r>
             <a:endParaRPr lang="en-US" dirty="0"/>
           </a:p>
@@ -4045,165 +4294,37 @@
       </p:sp>
       <p:sp>
         <p:nvSpPr>
-          <p:cNvPr id="27652" name="Slide Number Placeholder 3"/>
+          <p:cNvPr id="4" name="Slide Number Placeholder 3"/>
           <p:cNvSpPr>
             <a:spLocks noGrp="1"/>
           </p:cNvSpPr>
           <p:nvPr>
-            <p:ph type="sldNum" sz="quarter" idx="5"/>
+            <p:ph type="sldNum" sz="quarter" idx="10"/>
           </p:nvPr>
         </p:nvSpPr>
-        <p:spPr>
-          <a:noFill/>
-          <a:ln/>
-          <a:extLst>
-            <a:ext uri="{909E8E84-426E-40dd-AFC4-6F175D3DCCD1}">
-              <a14:hiddenFill xmlns="" xmlns:a14="http://schemas.microsoft.com/office/drawing/2010/main">
-                <a:solidFill>
-                  <a:srgbClr val="FFFFFF"/>
-                </a:solidFill>
-              </a14:hiddenFill>
-            </a:ext>
-            <a:ext uri="{91240B29-F687-4f45-9708-019B960494DF}">
-              <a14:hiddenLine xmlns="" xmlns:a14="http://schemas.microsoft.com/office/drawing/2010/main" w="9525">
-                <a:solidFill>
-                  <a:srgbClr val="000000"/>
-                </a:solidFill>
-                <a:miter lim="800000"/>
-                <a:headEnd/>
-                <a:tailEnd/>
-              </a14:hiddenLine>
-            </a:ext>
-          </a:extLst>
-        </p:spPr>
+        <p:spPr/>
         <p:txBody>
           <a:bodyPr/>
-          <a:lstStyle>
-            <a:lvl1pPr defTabSz="913525" eaLnBrk="0" hangingPunct="0">
-              <a:defRPr>
-                <a:solidFill>
-                  <a:schemeClr val="tx1"/>
-                </a:solidFill>
-                <a:latin typeface="Arial" charset="0"/>
-                <a:cs typeface="Arial" charset="0"/>
-              </a:defRPr>
-            </a:lvl1pPr>
-            <a:lvl2pPr marL="716130" indent="-275434" defTabSz="913525" eaLnBrk="0" hangingPunct="0">
-              <a:defRPr>
-                <a:solidFill>
-                  <a:schemeClr val="tx1"/>
-                </a:solidFill>
-                <a:latin typeface="Arial" charset="0"/>
-                <a:cs typeface="Arial" charset="0"/>
-              </a:defRPr>
-            </a:lvl2pPr>
-            <a:lvl3pPr marL="1101738" indent="-220348" defTabSz="913525" eaLnBrk="0" hangingPunct="0">
-              <a:defRPr>
-                <a:solidFill>
-                  <a:schemeClr val="tx1"/>
-                </a:solidFill>
-                <a:latin typeface="Arial" charset="0"/>
-                <a:cs typeface="Arial" charset="0"/>
-              </a:defRPr>
-            </a:lvl3pPr>
-            <a:lvl4pPr marL="1542433" indent="-220348" defTabSz="913525" eaLnBrk="0" hangingPunct="0">
-              <a:defRPr>
-                <a:solidFill>
-                  <a:schemeClr val="tx1"/>
-                </a:solidFill>
-                <a:latin typeface="Arial" charset="0"/>
-                <a:cs typeface="Arial" charset="0"/>
-              </a:defRPr>
-            </a:lvl4pPr>
-            <a:lvl5pPr marL="1983128" indent="-220348" defTabSz="913525" eaLnBrk="0" hangingPunct="0">
-              <a:defRPr>
-                <a:solidFill>
-                  <a:schemeClr val="tx1"/>
-                </a:solidFill>
-                <a:latin typeface="Arial" charset="0"/>
-                <a:cs typeface="Arial" charset="0"/>
-              </a:defRPr>
-            </a:lvl5pPr>
-            <a:lvl6pPr marL="2423823" indent="-220348" defTabSz="913525" eaLnBrk="0" fontAlgn="base" hangingPunct="0">
-              <a:spcBef>
-                <a:spcPct val="0"/>
-              </a:spcBef>
-              <a:spcAft>
-                <a:spcPct val="0"/>
-              </a:spcAft>
-              <a:defRPr>
-                <a:solidFill>
-                  <a:schemeClr val="tx1"/>
-                </a:solidFill>
-                <a:latin typeface="Arial" charset="0"/>
-                <a:cs typeface="Arial" charset="0"/>
-              </a:defRPr>
-            </a:lvl6pPr>
-            <a:lvl7pPr marL="2864518" indent="-220348" defTabSz="913525" eaLnBrk="0" fontAlgn="base" hangingPunct="0">
-              <a:spcBef>
-                <a:spcPct val="0"/>
-              </a:spcBef>
-              <a:spcAft>
-                <a:spcPct val="0"/>
-              </a:spcAft>
-              <a:defRPr>
-                <a:solidFill>
-                  <a:schemeClr val="tx1"/>
-                </a:solidFill>
-                <a:latin typeface="Arial" charset="0"/>
-                <a:cs typeface="Arial" charset="0"/>
-              </a:defRPr>
-            </a:lvl7pPr>
-            <a:lvl8pPr marL="3305213" indent="-220348" defTabSz="913525" eaLnBrk="0" fontAlgn="base" hangingPunct="0">
-              <a:spcBef>
-                <a:spcPct val="0"/>
-              </a:spcBef>
-              <a:spcAft>
-                <a:spcPct val="0"/>
-              </a:spcAft>
-              <a:defRPr>
-                <a:solidFill>
-                  <a:schemeClr val="tx1"/>
-                </a:solidFill>
-                <a:latin typeface="Arial" charset="0"/>
-                <a:cs typeface="Arial" charset="0"/>
-              </a:defRPr>
-            </a:lvl8pPr>
-            <a:lvl9pPr marL="3745908" indent="-220348" defTabSz="913525" eaLnBrk="0" fontAlgn="base" hangingPunct="0">
-              <a:spcBef>
-                <a:spcPct val="0"/>
-              </a:spcBef>
-              <a:spcAft>
-                <a:spcPct val="0"/>
-              </a:spcAft>
-              <a:defRPr>
-                <a:solidFill>
-                  <a:schemeClr val="tx1"/>
-                </a:solidFill>
-                <a:latin typeface="Arial" charset="0"/>
-                <a:cs typeface="Arial" charset="0"/>
-              </a:defRPr>
-            </a:lvl9pPr>
-          </a:lstStyle>
-          <a:p>
-            <a:pPr eaLnBrk="1" hangingPunct="1"/>
-            <a:fld id="{C18E4308-E94C-4F61-A214-DCFBCE0866EB}" type="slidenum">
-              <a:rPr lang="en-US" smtClean="0">
-                <a:latin typeface="Calibri" pitchFamily="34" charset="0"/>
-              </a:rPr>
-              <a:pPr eaLnBrk="1" hangingPunct="1"/>
+          <a:lstStyle/>
+          <a:p>
+            <a:pPr>
+              <a:defRPr/>
+            </a:pPr>
+            <a:fld id="{DA7F4447-3C62-46B7-AE80-9244D33714A7}" type="slidenum">
+              <a:rPr lang="en-US" smtClean="0"/>
+              <a:pPr>
+                <a:defRPr/>
+              </a:pPr>
               <a:t>7</a:t>
             </a:fld>
-            <a:endParaRPr lang="en-US">
-              <a:latin typeface="Calibri" pitchFamily="34" charset="0"/>
-            </a:endParaRPr>
+            <a:endParaRPr lang="en-US"/>
           </a:p>
         </p:txBody>
       </p:sp>
     </p:spTree>
     <p:extLst>
       <p:ext uri="{BB962C8B-B14F-4D97-AF65-F5344CB8AC3E}">
-        <p14:creationId xmlns:p14="http://schemas.microsoft.com/office/powerpoint/2010/main" val="718158070"/>
+        <p14:creationId xmlns:p14="http://schemas.microsoft.com/office/powerpoint/2010/main" val="895915223"/>
       </p:ext>
     </p:extLst>
   </p:cSld>
@@ -4232,38 +4353,19 @@
       </p:grpSpPr>
       <p:sp>
         <p:nvSpPr>
-          <p:cNvPr id="28674" name="Slide Image Placeholder 1"/>
+          <p:cNvPr id="2" name="Slide Image Placeholder 1"/>
           <p:cNvSpPr>
-            <a:spLocks noGrp="1" noRot="1" noChangeAspect="1" noTextEdit="1"/>
+            <a:spLocks noGrp="1" noRot="1" noChangeAspect="1"/>
           </p:cNvSpPr>
           <p:nvPr>
             <p:ph type="sldImg"/>
           </p:nvPr>
         </p:nvSpPr>
-        <p:spPr bwMode="auto">
-          <a:noFill/>
-          <a:ln>
-            <a:solidFill>
-              <a:srgbClr val="000000"/>
-            </a:solidFill>
-            <a:miter lim="800000"/>
-            <a:headEnd/>
-            <a:tailEnd/>
-          </a:ln>
-          <a:extLst>
-            <a:ext uri="{909E8E84-426E-40dd-AFC4-6F175D3DCCD1}">
-              <a14:hiddenFill xmlns="" xmlns:a14="http://schemas.microsoft.com/office/drawing/2010/main">
-                <a:solidFill>
-                  <a:srgbClr val="FFFFFF"/>
-                </a:solidFill>
-              </a14:hiddenFill>
-            </a:ext>
-          </a:extLst>
-        </p:spPr>
-      </p:sp>
-      <p:sp>
-        <p:nvSpPr>
-          <p:cNvPr id="28675" name="Notes Placeholder 2"/>
+        <p:spPr/>
+      </p:sp>
+      <p:sp>
+        <p:nvSpPr>
+          <p:cNvPr id="3" name="Notes Placeholder 2"/>
           <p:cNvSpPr>
             <a:spLocks noGrp="1"/>
           </p:cNvSpPr>
@@ -4271,289 +4373,48 @@
             <p:ph type="body" idx="1"/>
           </p:nvPr>
         </p:nvSpPr>
-        <p:spPr>
-          <a:noFill/>
-          <a:ln/>
-          <a:extLst>
-            <a:ext uri="{909E8E84-426E-40dd-AFC4-6F175D3DCCD1}">
-              <a14:hiddenFill xmlns="" xmlns:a14="http://schemas.microsoft.com/office/drawing/2010/main">
-                <a:solidFill>
-                  <a:srgbClr val="FFFFFF"/>
-                </a:solidFill>
-              </a14:hiddenFill>
-            </a:ext>
-            <a:ext uri="{91240B29-F687-4f45-9708-019B960494DF}">
-              <a14:hiddenLine xmlns="" xmlns:a14="http://schemas.microsoft.com/office/drawing/2010/main" w="9525">
-                <a:solidFill>
-                  <a:srgbClr val="000000"/>
-                </a:solidFill>
-                <a:miter lim="800000"/>
-                <a:headEnd/>
-                <a:tailEnd/>
-              </a14:hiddenLine>
-            </a:ext>
-          </a:extLst>
-        </p:spPr>
+        <p:spPr/>
         <p:txBody>
           <a:bodyPr/>
           <a:lstStyle/>
           <a:p>
-            <a:r>
-              <a:rPr lang="en-US" dirty="0"/>
-              <a:t>QUIZ QUESTION 1  - things that happen,</a:t>
-            </a:r>
-            <a:r>
-              <a:rPr lang="en-US" baseline="0" dirty="0"/>
-              <a:t> where they come from</a:t>
-            </a:r>
-            <a:endParaRPr lang="en-US" dirty="0"/>
-          </a:p>
-          <a:p>
-            <a:endParaRPr lang="en-US" dirty="0"/>
-          </a:p>
-          <a:p>
-            <a:r>
-              <a:rPr lang="en-US" dirty="0"/>
-              <a:t>An event source is an object that can notify other classes of events.</a:t>
-            </a:r>
-          </a:p>
-          <a:p>
-            <a:r>
-              <a:rPr lang="en-US" sz="1200" kern="1200" dirty="0" err="1">
-                <a:solidFill>
-                  <a:schemeClr val="tx1"/>
-                </a:solidFill>
-                <a:latin typeface="+mn-lt"/>
-                <a:ea typeface="+mn-ea"/>
-                <a:cs typeface="+mn-cs"/>
-              </a:rPr>
-              <a:t>ActionListener</a:t>
-            </a:r>
-            <a:r>
-              <a:rPr lang="en-US" sz="1200" kern="1200" dirty="0">
-                <a:solidFill>
-                  <a:schemeClr val="tx1"/>
-                </a:solidFill>
-                <a:latin typeface="+mn-lt"/>
-                <a:ea typeface="+mn-ea"/>
-                <a:cs typeface="+mn-cs"/>
-              </a:rPr>
-              <a:t> is an interface that MUST be implemented</a:t>
-            </a:r>
-            <a:r>
-              <a:rPr lang="en-US" sz="1200" kern="1200" baseline="0" dirty="0">
-                <a:solidFill>
-                  <a:schemeClr val="tx1"/>
-                </a:solidFill>
-                <a:latin typeface="+mn-lt"/>
-                <a:ea typeface="+mn-ea"/>
-                <a:cs typeface="+mn-cs"/>
-              </a:rPr>
-              <a:t> as a class.</a:t>
-            </a:r>
-          </a:p>
-          <a:p>
-            <a:r>
-              <a:rPr lang="en-US" sz="1200" kern="1200" dirty="0" err="1">
-                <a:solidFill>
-                  <a:schemeClr val="tx1"/>
-                </a:solidFill>
-                <a:latin typeface="+mn-lt"/>
-                <a:ea typeface="+mn-ea"/>
-                <a:cs typeface="+mn-cs"/>
-              </a:rPr>
-              <a:t>MouseListener</a:t>
-            </a:r>
-            <a:r>
-              <a:rPr lang="en-US" sz="1200" kern="1200" dirty="0">
-                <a:solidFill>
-                  <a:schemeClr val="tx1"/>
-                </a:solidFill>
-                <a:latin typeface="+mn-lt"/>
-                <a:ea typeface="+mn-ea"/>
-                <a:cs typeface="+mn-cs"/>
-              </a:rPr>
-              <a:t> is an interface that declares the mouse functions</a:t>
-            </a:r>
-            <a:r>
-              <a:rPr lang="en-US" sz="1200" kern="1200" baseline="0" dirty="0">
-                <a:solidFill>
-                  <a:schemeClr val="tx1"/>
-                </a:solidFill>
-                <a:latin typeface="+mn-lt"/>
-                <a:ea typeface="+mn-ea"/>
-                <a:cs typeface="+mn-cs"/>
-              </a:rPr>
-              <a:t> listed in the first bullet.</a:t>
-            </a:r>
-            <a:endParaRPr lang="en-US" dirty="0"/>
-          </a:p>
-          <a:p>
-            <a:endParaRPr lang="en-US" dirty="0"/>
-          </a:p>
-        </p:txBody>
-      </p:sp>
-      <p:sp>
-        <p:nvSpPr>
-          <p:cNvPr id="28676" name="Slide Number Placeholder 3"/>
+            <a:endParaRPr lang="en-US"/>
+          </a:p>
+        </p:txBody>
+      </p:sp>
+      <p:sp>
+        <p:nvSpPr>
+          <p:cNvPr id="4" name="Slide Number Placeholder 3"/>
           <p:cNvSpPr>
             <a:spLocks noGrp="1"/>
           </p:cNvSpPr>
           <p:nvPr>
-            <p:ph type="sldNum" sz="quarter" idx="5"/>
+            <p:ph type="sldNum" sz="quarter" idx="10"/>
           </p:nvPr>
         </p:nvSpPr>
-        <p:spPr>
-          <a:noFill/>
-          <a:ln/>
-          <a:extLst>
-            <a:ext uri="{909E8E84-426E-40dd-AFC4-6F175D3DCCD1}">
-              <a14:hiddenFill xmlns="" xmlns:a14="http://schemas.microsoft.com/office/drawing/2010/main">
-                <a:solidFill>
-                  <a:srgbClr val="FFFFFF"/>
-                </a:solidFill>
-              </a14:hiddenFill>
-            </a:ext>
-            <a:ext uri="{91240B29-F687-4f45-9708-019B960494DF}">
-              <a14:hiddenLine xmlns="" xmlns:a14="http://schemas.microsoft.com/office/drawing/2010/main" w="9525">
-                <a:solidFill>
-                  <a:srgbClr val="000000"/>
-                </a:solidFill>
-                <a:miter lim="800000"/>
-                <a:headEnd/>
-                <a:tailEnd/>
-              </a14:hiddenLine>
-            </a:ext>
-          </a:extLst>
-        </p:spPr>
+        <p:spPr/>
         <p:txBody>
           <a:bodyPr/>
-          <a:lstStyle>
-            <a:lvl1pPr defTabSz="913525" eaLnBrk="0" hangingPunct="0">
-              <a:defRPr>
-                <a:solidFill>
-                  <a:schemeClr val="tx1"/>
-                </a:solidFill>
-                <a:latin typeface="Arial" charset="0"/>
-                <a:cs typeface="Arial" charset="0"/>
-              </a:defRPr>
-            </a:lvl1pPr>
-            <a:lvl2pPr marL="716130" indent="-275434" defTabSz="913525" eaLnBrk="0" hangingPunct="0">
-              <a:defRPr>
-                <a:solidFill>
-                  <a:schemeClr val="tx1"/>
-                </a:solidFill>
-                <a:latin typeface="Arial" charset="0"/>
-                <a:cs typeface="Arial" charset="0"/>
-              </a:defRPr>
-            </a:lvl2pPr>
-            <a:lvl3pPr marL="1101738" indent="-220348" defTabSz="913525" eaLnBrk="0" hangingPunct="0">
-              <a:defRPr>
-                <a:solidFill>
-                  <a:schemeClr val="tx1"/>
-                </a:solidFill>
-                <a:latin typeface="Arial" charset="0"/>
-                <a:cs typeface="Arial" charset="0"/>
-              </a:defRPr>
-            </a:lvl3pPr>
-            <a:lvl4pPr marL="1542433" indent="-220348" defTabSz="913525" eaLnBrk="0" hangingPunct="0">
-              <a:defRPr>
-                <a:solidFill>
-                  <a:schemeClr val="tx1"/>
-                </a:solidFill>
-                <a:latin typeface="Arial" charset="0"/>
-                <a:cs typeface="Arial" charset="0"/>
-              </a:defRPr>
-            </a:lvl4pPr>
-            <a:lvl5pPr marL="1983128" indent="-220348" defTabSz="913525" eaLnBrk="0" hangingPunct="0">
-              <a:defRPr>
-                <a:solidFill>
-                  <a:schemeClr val="tx1"/>
-                </a:solidFill>
-                <a:latin typeface="Arial" charset="0"/>
-                <a:cs typeface="Arial" charset="0"/>
-              </a:defRPr>
-            </a:lvl5pPr>
-            <a:lvl6pPr marL="2423823" indent="-220348" defTabSz="913525" eaLnBrk="0" fontAlgn="base" hangingPunct="0">
-              <a:spcBef>
-                <a:spcPct val="0"/>
-              </a:spcBef>
-              <a:spcAft>
-                <a:spcPct val="0"/>
-              </a:spcAft>
-              <a:defRPr>
-                <a:solidFill>
-                  <a:schemeClr val="tx1"/>
-                </a:solidFill>
-                <a:latin typeface="Arial" charset="0"/>
-                <a:cs typeface="Arial" charset="0"/>
-              </a:defRPr>
-            </a:lvl6pPr>
-            <a:lvl7pPr marL="2864518" indent="-220348" defTabSz="913525" eaLnBrk="0" fontAlgn="base" hangingPunct="0">
-              <a:spcBef>
-                <a:spcPct val="0"/>
-              </a:spcBef>
-              <a:spcAft>
-                <a:spcPct val="0"/>
-              </a:spcAft>
-              <a:defRPr>
-                <a:solidFill>
-                  <a:schemeClr val="tx1"/>
-                </a:solidFill>
-                <a:latin typeface="Arial" charset="0"/>
-                <a:cs typeface="Arial" charset="0"/>
-              </a:defRPr>
-            </a:lvl7pPr>
-            <a:lvl8pPr marL="3305213" indent="-220348" defTabSz="913525" eaLnBrk="0" fontAlgn="base" hangingPunct="0">
-              <a:spcBef>
-                <a:spcPct val="0"/>
-              </a:spcBef>
-              <a:spcAft>
-                <a:spcPct val="0"/>
-              </a:spcAft>
-              <a:defRPr>
-                <a:solidFill>
-                  <a:schemeClr val="tx1"/>
-                </a:solidFill>
-                <a:latin typeface="Arial" charset="0"/>
-                <a:cs typeface="Arial" charset="0"/>
-              </a:defRPr>
-            </a:lvl8pPr>
-            <a:lvl9pPr marL="3745908" indent="-220348" defTabSz="913525" eaLnBrk="0" fontAlgn="base" hangingPunct="0">
-              <a:spcBef>
-                <a:spcPct val="0"/>
-              </a:spcBef>
-              <a:spcAft>
-                <a:spcPct val="0"/>
-              </a:spcAft>
-              <a:defRPr>
-                <a:solidFill>
-                  <a:schemeClr val="tx1"/>
-                </a:solidFill>
-                <a:latin typeface="Arial" charset="0"/>
-                <a:cs typeface="Arial" charset="0"/>
-              </a:defRPr>
-            </a:lvl9pPr>
-          </a:lstStyle>
-          <a:p>
-            <a:pPr eaLnBrk="1" hangingPunct="1"/>
-            <a:fld id="{9FC38695-F9AA-4AB6-ADD1-ED6500CD0BFF}" type="slidenum">
-              <a:rPr lang="en-US" smtClean="0">
-                <a:latin typeface="Calibri" pitchFamily="34" charset="0"/>
-              </a:rPr>
-              <a:pPr eaLnBrk="1" hangingPunct="1"/>
-              <a:t>9</a:t>
+          <a:lstStyle/>
+          <a:p>
+            <a:pPr>
+              <a:defRPr/>
+            </a:pPr>
+            <a:fld id="{3F6B6C2D-0897-4206-AD94-4D1FCFA82106}" type="slidenum">
+              <a:rPr lang="en-US" smtClean="0"/>
+              <a:pPr>
+                <a:defRPr/>
+              </a:pPr>
+              <a:t>8</a:t>
             </a:fld>
-            <a:endParaRPr lang="en-US">
-              <a:latin typeface="Calibri" pitchFamily="34" charset="0"/>
-            </a:endParaRPr>
+            <a:endParaRPr lang="en-US"/>
           </a:p>
         </p:txBody>
       </p:sp>
     </p:spTree>
     <p:extLst>
       <p:ext uri="{BB962C8B-B14F-4D97-AF65-F5344CB8AC3E}">
-        <p14:creationId xmlns:p14="http://schemas.microsoft.com/office/powerpoint/2010/main" val="1259478443"/>
+        <p14:creationId xmlns:p14="http://schemas.microsoft.com/office/powerpoint/2010/main" val="3584165380"/>
       </p:ext>
     </p:extLst>
   </p:cSld>
@@ -4582,19 +4443,38 @@
       </p:grpSpPr>
       <p:sp>
         <p:nvSpPr>
-          <p:cNvPr id="2" name="Slide Image Placeholder 1"/>
+          <p:cNvPr id="24578" name="Slide Image Placeholder 1"/>
           <p:cNvSpPr>
-            <a:spLocks noGrp="1" noRot="1" noChangeAspect="1"/>
+            <a:spLocks noGrp="1" noRot="1" noChangeAspect="1" noTextEdit="1"/>
           </p:cNvSpPr>
           <p:nvPr>
             <p:ph type="sldImg"/>
           </p:nvPr>
         </p:nvSpPr>
-        <p:spPr/>
-      </p:sp>
-      <p:sp>
-        <p:nvSpPr>
-          <p:cNvPr id="3" name="Notes Placeholder 2"/>
+        <p:spPr bwMode="auto">
+          <a:noFill/>
+          <a:ln>
+            <a:solidFill>
+              <a:srgbClr val="000000"/>
+            </a:solidFill>
+            <a:miter lim="800000"/>
+            <a:headEnd/>
+            <a:tailEnd/>
+          </a:ln>
+          <a:extLst>
+            <a:ext uri="{909E8E84-426E-40dd-AFC4-6F175D3DCCD1}">
+              <a14:hiddenFill xmlns="" xmlns:a14="http://schemas.microsoft.com/office/drawing/2010/main">
+                <a:solidFill>
+                  <a:srgbClr val="FFFFFF"/>
+                </a:solidFill>
+              </a14:hiddenFill>
+            </a:ext>
+          </a:extLst>
+        </p:spPr>
+      </p:sp>
+      <p:sp>
+        <p:nvSpPr>
+          <p:cNvPr id="24579" name="Notes Placeholder 2"/>
           <p:cNvSpPr>
             <a:spLocks noGrp="1"/>
           </p:cNvSpPr>
@@ -4602,74 +4482,203 @@
             <p:ph type="body" idx="1"/>
           </p:nvPr>
         </p:nvSpPr>
-        <p:spPr/>
+        <p:spPr>
+          <a:noFill/>
+          <a:ln/>
+          <a:extLst>
+            <a:ext uri="{909E8E84-426E-40dd-AFC4-6F175D3DCCD1}">
+              <a14:hiddenFill xmlns="" xmlns:a14="http://schemas.microsoft.com/office/drawing/2010/main">
+                <a:solidFill>
+                  <a:srgbClr val="FFFFFF"/>
+                </a:solidFill>
+              </a14:hiddenFill>
+            </a:ext>
+            <a:ext uri="{91240B29-F687-4f45-9708-019B960494DF}">
+              <a14:hiddenLine xmlns="" xmlns:a14="http://schemas.microsoft.com/office/drawing/2010/main" w="9525">
+                <a:solidFill>
+                  <a:srgbClr val="000000"/>
+                </a:solidFill>
+                <a:miter lim="800000"/>
+                <a:headEnd/>
+                <a:tailEnd/>
+              </a14:hiddenLine>
+            </a:ext>
+          </a:extLst>
+        </p:spPr>
         <p:txBody>
           <a:bodyPr/>
           <a:lstStyle/>
           <a:p>
-            <a:r>
-              <a:rPr lang="en-US" dirty="0"/>
-              <a:t>Animated to walk through the idea of events being generated</a:t>
-            </a:r>
-            <a:r>
-              <a:rPr lang="en-US" baseline="0" dirty="0"/>
-              <a:t> and then Listeners which can be registered to them.</a:t>
-            </a:r>
-          </a:p>
-          <a:p>
-            <a:pPr marL="228600" indent="-228600">
-              <a:buAutoNum type="arabicPeriod"/>
+            <a:pPr eaLnBrk="1" hangingPunct="1">
+              <a:spcBef>
+                <a:spcPct val="0"/>
+              </a:spcBef>
             </a:pPr>
-            <a:r>
-              <a:rPr lang="en-US" baseline="0" dirty="0"/>
-              <a:t>If we do not register/attach our listener to an event source, then nothing happens</a:t>
-            </a:r>
-          </a:p>
-          <a:p>
-            <a:pPr marL="228600" indent="-228600">
-              <a:buAutoNum type="arabicPeriod"/>
-            </a:pPr>
-            <a:r>
-              <a:rPr lang="en-US" baseline="0" dirty="0"/>
-              <a:t>We have to decide what happens when our listener is triggered</a:t>
-            </a:r>
             <a:endParaRPr lang="en-US" dirty="0"/>
           </a:p>
         </p:txBody>
       </p:sp>
       <p:sp>
         <p:nvSpPr>
-          <p:cNvPr id="4" name="Slide Number Placeholder 3"/>
+          <p:cNvPr id="24580" name="Slide Number Placeholder 3"/>
           <p:cNvSpPr>
             <a:spLocks noGrp="1"/>
           </p:cNvSpPr>
           <p:nvPr>
-            <p:ph type="sldNum" sz="quarter" idx="10"/>
+            <p:ph type="sldNum" sz="quarter" idx="5"/>
           </p:nvPr>
         </p:nvSpPr>
-        <p:spPr/>
+        <p:spPr>
+          <a:noFill/>
+          <a:ln/>
+          <a:extLst>
+            <a:ext uri="{909E8E84-426E-40dd-AFC4-6F175D3DCCD1}">
+              <a14:hiddenFill xmlns="" xmlns:a14="http://schemas.microsoft.com/office/drawing/2010/main">
+                <a:solidFill>
+                  <a:srgbClr val="FFFFFF"/>
+                </a:solidFill>
+              </a14:hiddenFill>
+            </a:ext>
+            <a:ext uri="{91240B29-F687-4f45-9708-019B960494DF}">
+              <a14:hiddenLine xmlns="" xmlns:a14="http://schemas.microsoft.com/office/drawing/2010/main" w="9525">
+                <a:solidFill>
+                  <a:srgbClr val="000000"/>
+                </a:solidFill>
+                <a:miter lim="800000"/>
+                <a:headEnd/>
+                <a:tailEnd/>
+              </a14:hiddenLine>
+            </a:ext>
+          </a:extLst>
+        </p:spPr>
         <p:txBody>
           <a:bodyPr/>
-          <a:lstStyle/>
-          <a:p>
-            <a:pPr>
-              <a:defRPr/>
-            </a:pPr>
-            <a:fld id="{DA7F4447-3C62-46B7-AE80-9244D33714A7}" type="slidenum">
-              <a:rPr lang="en-US" smtClean="0"/>
-              <a:pPr>
-                <a:defRPr/>
-              </a:pPr>
-              <a:t>10</a:t>
+          <a:lstStyle>
+            <a:lvl1pPr defTabSz="913525" eaLnBrk="0" hangingPunct="0">
+              <a:defRPr>
+                <a:solidFill>
+                  <a:schemeClr val="tx1"/>
+                </a:solidFill>
+                <a:latin typeface="Arial" charset="0"/>
+                <a:cs typeface="Arial" charset="0"/>
+              </a:defRPr>
+            </a:lvl1pPr>
+            <a:lvl2pPr marL="716130" indent="-275434" defTabSz="913525" eaLnBrk="0" hangingPunct="0">
+              <a:defRPr>
+                <a:solidFill>
+                  <a:schemeClr val="tx1"/>
+                </a:solidFill>
+                <a:latin typeface="Arial" charset="0"/>
+                <a:cs typeface="Arial" charset="0"/>
+              </a:defRPr>
+            </a:lvl2pPr>
+            <a:lvl3pPr marL="1101738" indent="-220348" defTabSz="913525" eaLnBrk="0" hangingPunct="0">
+              <a:defRPr>
+                <a:solidFill>
+                  <a:schemeClr val="tx1"/>
+                </a:solidFill>
+                <a:latin typeface="Arial" charset="0"/>
+                <a:cs typeface="Arial" charset="0"/>
+              </a:defRPr>
+            </a:lvl3pPr>
+            <a:lvl4pPr marL="1542433" indent="-220348" defTabSz="913525" eaLnBrk="0" hangingPunct="0">
+              <a:defRPr>
+                <a:solidFill>
+                  <a:schemeClr val="tx1"/>
+                </a:solidFill>
+                <a:latin typeface="Arial" charset="0"/>
+                <a:cs typeface="Arial" charset="0"/>
+              </a:defRPr>
+            </a:lvl4pPr>
+            <a:lvl5pPr marL="1983128" indent="-220348" defTabSz="913525" eaLnBrk="0" hangingPunct="0">
+              <a:defRPr>
+                <a:solidFill>
+                  <a:schemeClr val="tx1"/>
+                </a:solidFill>
+                <a:latin typeface="Arial" charset="0"/>
+                <a:cs typeface="Arial" charset="0"/>
+              </a:defRPr>
+            </a:lvl5pPr>
+            <a:lvl6pPr marL="2423823" indent="-220348" defTabSz="913525" eaLnBrk="0" fontAlgn="base" hangingPunct="0">
+              <a:spcBef>
+                <a:spcPct val="0"/>
+              </a:spcBef>
+              <a:spcAft>
+                <a:spcPct val="0"/>
+              </a:spcAft>
+              <a:defRPr>
+                <a:solidFill>
+                  <a:schemeClr val="tx1"/>
+                </a:solidFill>
+                <a:latin typeface="Arial" charset="0"/>
+                <a:cs typeface="Arial" charset="0"/>
+              </a:defRPr>
+            </a:lvl6pPr>
+            <a:lvl7pPr marL="2864518" indent="-220348" defTabSz="913525" eaLnBrk="0" fontAlgn="base" hangingPunct="0">
+              <a:spcBef>
+                <a:spcPct val="0"/>
+              </a:spcBef>
+              <a:spcAft>
+                <a:spcPct val="0"/>
+              </a:spcAft>
+              <a:defRPr>
+                <a:solidFill>
+                  <a:schemeClr val="tx1"/>
+                </a:solidFill>
+                <a:latin typeface="Arial" charset="0"/>
+                <a:cs typeface="Arial" charset="0"/>
+              </a:defRPr>
+            </a:lvl7pPr>
+            <a:lvl8pPr marL="3305213" indent="-220348" defTabSz="913525" eaLnBrk="0" fontAlgn="base" hangingPunct="0">
+              <a:spcBef>
+                <a:spcPct val="0"/>
+              </a:spcBef>
+              <a:spcAft>
+                <a:spcPct val="0"/>
+              </a:spcAft>
+              <a:defRPr>
+                <a:solidFill>
+                  <a:schemeClr val="tx1"/>
+                </a:solidFill>
+                <a:latin typeface="Arial" charset="0"/>
+                <a:cs typeface="Arial" charset="0"/>
+              </a:defRPr>
+            </a:lvl8pPr>
+            <a:lvl9pPr marL="3745908" indent="-220348" defTabSz="913525" eaLnBrk="0" fontAlgn="base" hangingPunct="0">
+              <a:spcBef>
+                <a:spcPct val="0"/>
+              </a:spcBef>
+              <a:spcAft>
+                <a:spcPct val="0"/>
+              </a:spcAft>
+              <a:defRPr>
+                <a:solidFill>
+                  <a:schemeClr val="tx1"/>
+                </a:solidFill>
+                <a:latin typeface="Arial" charset="0"/>
+                <a:cs typeface="Arial" charset="0"/>
+              </a:defRPr>
+            </a:lvl9pPr>
+          </a:lstStyle>
+          <a:p>
+            <a:pPr eaLnBrk="1" hangingPunct="1"/>
+            <a:fld id="{BD8CC908-311D-4078-9476-7CF3BBA88EFB}" type="slidenum">
+              <a:rPr lang="en-US" smtClean="0">
+                <a:latin typeface="Calibri" pitchFamily="34" charset="0"/>
+              </a:rPr>
+              <a:pPr eaLnBrk="1" hangingPunct="1"/>
+              <a:t>9</a:t>
             </a:fld>
-            <a:endParaRPr lang="en-US"/>
+            <a:endParaRPr lang="en-US">
+              <a:latin typeface="Calibri" pitchFamily="34" charset="0"/>
+            </a:endParaRPr>
           </a:p>
         </p:txBody>
       </p:sp>
     </p:spTree>
     <p:extLst>
       <p:ext uri="{BB962C8B-B14F-4D97-AF65-F5344CB8AC3E}">
-        <p14:creationId xmlns:p14="http://schemas.microsoft.com/office/powerpoint/2010/main" val="97827896"/>
+        <p14:creationId xmlns:p14="http://schemas.microsoft.com/office/powerpoint/2010/main" val="2439797949"/>
       </p:ext>
     </p:extLst>
   </p:cSld>
@@ -4698,19 +4707,38 @@
       </p:grpSpPr>
       <p:sp>
         <p:nvSpPr>
-          <p:cNvPr id="2" name="Slide Image Placeholder 1"/>
+          <p:cNvPr id="27650" name="Slide Image Placeholder 1"/>
           <p:cNvSpPr>
-            <a:spLocks noGrp="1" noRot="1" noChangeAspect="1"/>
+            <a:spLocks noGrp="1" noRot="1" noChangeAspect="1" noTextEdit="1"/>
           </p:cNvSpPr>
           <p:nvPr>
             <p:ph type="sldImg"/>
           </p:nvPr>
         </p:nvSpPr>
-        <p:spPr/>
-      </p:sp>
-      <p:sp>
-        <p:nvSpPr>
-          <p:cNvPr id="3" name="Notes Placeholder 2"/>
+        <p:spPr bwMode="auto">
+          <a:noFill/>
+          <a:ln>
+            <a:solidFill>
+              <a:srgbClr val="000000"/>
+            </a:solidFill>
+            <a:miter lim="800000"/>
+            <a:headEnd/>
+            <a:tailEnd/>
+          </a:ln>
+          <a:extLst>
+            <a:ext uri="{909E8E84-426E-40dd-AFC4-6F175D3DCCD1}">
+              <a14:hiddenFill xmlns:a14="http://schemas.microsoft.com/office/drawing/2010/main" xmlns="">
+                <a:solidFill>
+                  <a:srgbClr val="FFFFFF"/>
+                </a:solidFill>
+              </a14:hiddenFill>
+            </a:ext>
+          </a:extLst>
+        </p:spPr>
+      </p:sp>
+      <p:sp>
+        <p:nvSpPr>
+          <p:cNvPr id="27651" name="Notes Placeholder 2"/>
           <p:cNvSpPr>
             <a:spLocks noGrp="1"/>
           </p:cNvSpPr>
@@ -4718,24 +4746,74 @@
             <p:ph type="body" idx="1"/>
           </p:nvPr>
         </p:nvSpPr>
-        <p:spPr/>
+        <p:spPr>
+          <a:noFill/>
+          <a:ln/>
+          <a:extLst>
+            <a:ext uri="{909E8E84-426E-40dd-AFC4-6F175D3DCCD1}">
+              <a14:hiddenFill xmlns:a14="http://schemas.microsoft.com/office/drawing/2010/main" xmlns="">
+                <a:solidFill>
+                  <a:srgbClr val="FFFFFF"/>
+                </a:solidFill>
+              </a14:hiddenFill>
+            </a:ext>
+            <a:ext uri="{91240B29-F687-4f45-9708-019B960494DF}">
+              <a14:hiddenLine xmlns:a14="http://schemas.microsoft.com/office/drawing/2010/main" xmlns="" w="9525">
+                <a:solidFill>
+                  <a:srgbClr val="000000"/>
+                </a:solidFill>
+                <a:miter lim="800000"/>
+                <a:headEnd/>
+                <a:tailEnd/>
+              </a14:hiddenLine>
+            </a:ext>
+          </a:extLst>
+        </p:spPr>
         <p:txBody>
           <a:bodyPr/>
           <a:lstStyle/>
           <a:p>
             <a:r>
               <a:rPr lang="en-US" dirty="0"/>
-              <a:t>This slide is animated and offers a chance to show how what</a:t>
+              <a:t>Define each of the highlighted terms</a:t>
+            </a:r>
+          </a:p>
+          <a:p>
+            <a:r>
+              <a:rPr lang="en-US" dirty="0"/>
+              <a:t>A callback is a mechanism for specifying a block of code so it can be executed later.</a:t>
+            </a:r>
+          </a:p>
+          <a:p>
+            <a:r>
+              <a:rPr lang="en-US" dirty="0"/>
+              <a:t>An event is a notification to the program that a</a:t>
             </a:r>
             <a:r>
               <a:rPr lang="en-US" baseline="0" dirty="0"/>
-              <a:t> is happening conceptually in the code connects to the code that causes it.</a:t>
-            </a:r>
-          </a:p>
-          <a:p>
+              <a:t> user</a:t>
+            </a:r>
+            <a:r>
+              <a:rPr lang="en-US" dirty="0"/>
+              <a:t> action (key press,</a:t>
+            </a:r>
             <a:r>
               <a:rPr lang="en-US" baseline="0" dirty="0"/>
-              <a:t>This could be used before live coding or after if desired to review what was done.</a:t>
+              <a:t> mouse move, menu selection, etc</a:t>
+            </a:r>
+            <a:r>
+              <a:rPr lang="en-US" dirty="0"/>
+              <a:t>) has occurred.</a:t>
+            </a:r>
+          </a:p>
+          <a:p>
+            <a:r>
+              <a:rPr lang="en-US" dirty="0"/>
+              <a:t>We handle events</a:t>
+            </a:r>
+            <a:r>
+              <a:rPr lang="en-US" baseline="0" dirty="0"/>
+              <a:t> by writing code that respond to them so that the user receives the appropriate response.</a:t>
             </a:r>
             <a:endParaRPr lang="en-US" dirty="0"/>
           </a:p>
@@ -4743,37 +4821,165 @@
       </p:sp>
       <p:sp>
         <p:nvSpPr>
-          <p:cNvPr id="4" name="Slide Number Placeholder 3"/>
+          <p:cNvPr id="27652" name="Slide Number Placeholder 3"/>
           <p:cNvSpPr>
             <a:spLocks noGrp="1"/>
           </p:cNvSpPr>
           <p:nvPr>
-            <p:ph type="sldNum" sz="quarter" idx="10"/>
+            <p:ph type="sldNum" sz="quarter" idx="5"/>
           </p:nvPr>
         </p:nvSpPr>
-        <p:spPr/>
+        <p:spPr>
+          <a:noFill/>
+          <a:ln/>
+          <a:extLst>
+            <a:ext uri="{909E8E84-426E-40dd-AFC4-6F175D3DCCD1}">
+              <a14:hiddenFill xmlns:a14="http://schemas.microsoft.com/office/drawing/2010/main" xmlns="">
+                <a:solidFill>
+                  <a:srgbClr val="FFFFFF"/>
+                </a:solidFill>
+              </a14:hiddenFill>
+            </a:ext>
+            <a:ext uri="{91240B29-F687-4f45-9708-019B960494DF}">
+              <a14:hiddenLine xmlns:a14="http://schemas.microsoft.com/office/drawing/2010/main" xmlns="" w="9525">
+                <a:solidFill>
+                  <a:srgbClr val="000000"/>
+                </a:solidFill>
+                <a:miter lim="800000"/>
+                <a:headEnd/>
+                <a:tailEnd/>
+              </a14:hiddenLine>
+            </a:ext>
+          </a:extLst>
+        </p:spPr>
         <p:txBody>
           <a:bodyPr/>
-          <a:lstStyle/>
-          <a:p>
-            <a:pPr>
-              <a:defRPr/>
-            </a:pPr>
-            <a:fld id="{DA7F4447-3C62-46B7-AE80-9244D33714A7}" type="slidenum">
-              <a:rPr lang="en-US" smtClean="0"/>
-              <a:pPr>
-                <a:defRPr/>
-              </a:pPr>
-              <a:t>11</a:t>
+          <a:lstStyle>
+            <a:lvl1pPr defTabSz="913525" eaLnBrk="0" hangingPunct="0">
+              <a:defRPr>
+                <a:solidFill>
+                  <a:schemeClr val="tx1"/>
+                </a:solidFill>
+                <a:latin typeface="Arial" charset="0"/>
+                <a:cs typeface="Arial" charset="0"/>
+              </a:defRPr>
+            </a:lvl1pPr>
+            <a:lvl2pPr marL="716130" indent="-275434" defTabSz="913525" eaLnBrk="0" hangingPunct="0">
+              <a:defRPr>
+                <a:solidFill>
+                  <a:schemeClr val="tx1"/>
+                </a:solidFill>
+                <a:latin typeface="Arial" charset="0"/>
+                <a:cs typeface="Arial" charset="0"/>
+              </a:defRPr>
+            </a:lvl2pPr>
+            <a:lvl3pPr marL="1101738" indent="-220348" defTabSz="913525" eaLnBrk="0" hangingPunct="0">
+              <a:defRPr>
+                <a:solidFill>
+                  <a:schemeClr val="tx1"/>
+                </a:solidFill>
+                <a:latin typeface="Arial" charset="0"/>
+                <a:cs typeface="Arial" charset="0"/>
+              </a:defRPr>
+            </a:lvl3pPr>
+            <a:lvl4pPr marL="1542433" indent="-220348" defTabSz="913525" eaLnBrk="0" hangingPunct="0">
+              <a:defRPr>
+                <a:solidFill>
+                  <a:schemeClr val="tx1"/>
+                </a:solidFill>
+                <a:latin typeface="Arial" charset="0"/>
+                <a:cs typeface="Arial" charset="0"/>
+              </a:defRPr>
+            </a:lvl4pPr>
+            <a:lvl5pPr marL="1983128" indent="-220348" defTabSz="913525" eaLnBrk="0" hangingPunct="0">
+              <a:defRPr>
+                <a:solidFill>
+                  <a:schemeClr val="tx1"/>
+                </a:solidFill>
+                <a:latin typeface="Arial" charset="0"/>
+                <a:cs typeface="Arial" charset="0"/>
+              </a:defRPr>
+            </a:lvl5pPr>
+            <a:lvl6pPr marL="2423823" indent="-220348" defTabSz="913525" eaLnBrk="0" fontAlgn="base" hangingPunct="0">
+              <a:spcBef>
+                <a:spcPct val="0"/>
+              </a:spcBef>
+              <a:spcAft>
+                <a:spcPct val="0"/>
+              </a:spcAft>
+              <a:defRPr>
+                <a:solidFill>
+                  <a:schemeClr val="tx1"/>
+                </a:solidFill>
+                <a:latin typeface="Arial" charset="0"/>
+                <a:cs typeface="Arial" charset="0"/>
+              </a:defRPr>
+            </a:lvl6pPr>
+            <a:lvl7pPr marL="2864518" indent="-220348" defTabSz="913525" eaLnBrk="0" fontAlgn="base" hangingPunct="0">
+              <a:spcBef>
+                <a:spcPct val="0"/>
+              </a:spcBef>
+              <a:spcAft>
+                <a:spcPct val="0"/>
+              </a:spcAft>
+              <a:defRPr>
+                <a:solidFill>
+                  <a:schemeClr val="tx1"/>
+                </a:solidFill>
+                <a:latin typeface="Arial" charset="0"/>
+                <a:cs typeface="Arial" charset="0"/>
+              </a:defRPr>
+            </a:lvl7pPr>
+            <a:lvl8pPr marL="3305213" indent="-220348" defTabSz="913525" eaLnBrk="0" fontAlgn="base" hangingPunct="0">
+              <a:spcBef>
+                <a:spcPct val="0"/>
+              </a:spcBef>
+              <a:spcAft>
+                <a:spcPct val="0"/>
+              </a:spcAft>
+              <a:defRPr>
+                <a:solidFill>
+                  <a:schemeClr val="tx1"/>
+                </a:solidFill>
+                <a:latin typeface="Arial" charset="0"/>
+                <a:cs typeface="Arial" charset="0"/>
+              </a:defRPr>
+            </a:lvl8pPr>
+            <a:lvl9pPr marL="3745908" indent="-220348" defTabSz="913525" eaLnBrk="0" fontAlgn="base" hangingPunct="0">
+              <a:spcBef>
+                <a:spcPct val="0"/>
+              </a:spcBef>
+              <a:spcAft>
+                <a:spcPct val="0"/>
+              </a:spcAft>
+              <a:defRPr>
+                <a:solidFill>
+                  <a:schemeClr val="tx1"/>
+                </a:solidFill>
+                <a:latin typeface="Arial" charset="0"/>
+                <a:cs typeface="Arial" charset="0"/>
+              </a:defRPr>
+            </a:lvl9pPr>
+          </a:lstStyle>
+          <a:p>
+            <a:pPr eaLnBrk="1" hangingPunct="1"/>
+            <a:fld id="{C18E4308-E94C-4F61-A214-DCFBCE0866EB}" type="slidenum">
+              <a:rPr lang="en-US" smtClean="0">
+                <a:latin typeface="Calibri" pitchFamily="34" charset="0"/>
+              </a:rPr>
+              <a:pPr eaLnBrk="1" hangingPunct="1"/>
+              <a:t>10</a:t>
             </a:fld>
-            <a:endParaRPr lang="en-US"/>
+            <a:endParaRPr lang="en-US">
+              <a:latin typeface="Calibri" pitchFamily="34" charset="0"/>
+            </a:endParaRPr>
           </a:p>
         </p:txBody>
       </p:sp>
     </p:spTree>
     <p:extLst>
       <p:ext uri="{BB962C8B-B14F-4D97-AF65-F5344CB8AC3E}">
-        <p14:creationId xmlns:p14="http://schemas.microsoft.com/office/powerpoint/2010/main" val="458040626"/>
+        <p14:creationId xmlns:p14="http://schemas.microsoft.com/office/powerpoint/2010/main" val="718158070"/>
       </p:ext>
     </p:extLst>
   </p:cSld>
@@ -4802,19 +5008,38 @@
       </p:grpSpPr>
       <p:sp>
         <p:nvSpPr>
-          <p:cNvPr id="2" name="Slide Image Placeholder 1"/>
+          <p:cNvPr id="28674" name="Slide Image Placeholder 1"/>
           <p:cNvSpPr>
-            <a:spLocks noGrp="1" noRot="1" noChangeAspect="1"/>
+            <a:spLocks noGrp="1" noRot="1" noChangeAspect="1" noTextEdit="1"/>
           </p:cNvSpPr>
           <p:nvPr>
             <p:ph type="sldImg"/>
           </p:nvPr>
         </p:nvSpPr>
-        <p:spPr/>
-      </p:sp>
-      <p:sp>
-        <p:nvSpPr>
-          <p:cNvPr id="3" name="Notes Placeholder 2"/>
+        <p:spPr bwMode="auto">
+          <a:noFill/>
+          <a:ln>
+            <a:solidFill>
+              <a:srgbClr val="000000"/>
+            </a:solidFill>
+            <a:miter lim="800000"/>
+            <a:headEnd/>
+            <a:tailEnd/>
+          </a:ln>
+          <a:extLst>
+            <a:ext uri="{909E8E84-426E-40dd-AFC4-6F175D3DCCD1}">
+              <a14:hiddenFill xmlns:a14="http://schemas.microsoft.com/office/drawing/2010/main" xmlns="">
+                <a:solidFill>
+                  <a:srgbClr val="FFFFFF"/>
+                </a:solidFill>
+              </a14:hiddenFill>
+            </a:ext>
+          </a:extLst>
+        </p:spPr>
+      </p:sp>
+      <p:sp>
+        <p:nvSpPr>
+          <p:cNvPr id="28675" name="Notes Placeholder 2"/>
           <p:cNvSpPr>
             <a:spLocks noGrp="1"/>
           </p:cNvSpPr>
@@ -4822,73 +5047,289 @@
             <p:ph type="body" idx="1"/>
           </p:nvPr>
         </p:nvSpPr>
-        <p:spPr/>
+        <p:spPr>
+          <a:noFill/>
+          <a:ln/>
+          <a:extLst>
+            <a:ext uri="{909E8E84-426E-40dd-AFC4-6F175D3DCCD1}">
+              <a14:hiddenFill xmlns:a14="http://schemas.microsoft.com/office/drawing/2010/main" xmlns="">
+                <a:solidFill>
+                  <a:srgbClr val="FFFFFF"/>
+                </a:solidFill>
+              </a14:hiddenFill>
+            </a:ext>
+            <a:ext uri="{91240B29-F687-4f45-9708-019B960494DF}">
+              <a14:hiddenLine xmlns:a14="http://schemas.microsoft.com/office/drawing/2010/main" xmlns="" w="9525">
+                <a:solidFill>
+                  <a:srgbClr val="000000"/>
+                </a:solidFill>
+                <a:miter lim="800000"/>
+                <a:headEnd/>
+                <a:tailEnd/>
+              </a14:hiddenLine>
+            </a:ext>
+          </a:extLst>
+        </p:spPr>
         <p:txBody>
           <a:bodyPr/>
           <a:lstStyle/>
           <a:p>
             <a:r>
               <a:rPr lang="en-US" dirty="0"/>
-              <a:t>This is a reminder to do the</a:t>
+              <a:t>QUIZ QUESTION 1  - things that happen,</a:t>
             </a:r>
             <a:r>
               <a:rPr lang="en-US" baseline="0" dirty="0"/>
-              <a:t> first part only (external listener) of </a:t>
-            </a:r>
-            <a:r>
-              <a:rPr lang="en-US" baseline="0" dirty="0" err="1"/>
-              <a:t>BreakfastMain.java</a:t>
-            </a:r>
-            <a:r>
-              <a:rPr lang="en-US" baseline="0" dirty="0"/>
-              <a:t> in the slides package.</a:t>
-            </a:r>
-          </a:p>
-          <a:p>
-            <a:endParaRPr lang="en-US" baseline="0" dirty="0"/>
-          </a:p>
-          <a:p>
-            <a:r>
-              <a:rPr lang="en-US" baseline="0" dirty="0"/>
-              <a:t>Might want to demo how to have the button update the frame’s title (by passing in the frame to the listener’s constructor and calling back).</a:t>
+              <a:t> where they come from</a:t>
             </a:r>
             <a:endParaRPr lang="en-US" dirty="0"/>
           </a:p>
-        </p:txBody>
-      </p:sp>
-      <p:sp>
-        <p:nvSpPr>
-          <p:cNvPr id="4" name="Slide Number Placeholder 3"/>
+          <a:p>
+            <a:endParaRPr lang="en-US" dirty="0"/>
+          </a:p>
+          <a:p>
+            <a:r>
+              <a:rPr lang="en-US" dirty="0"/>
+              <a:t>An event source is an object that can notify other classes of events.</a:t>
+            </a:r>
+          </a:p>
+          <a:p>
+            <a:r>
+              <a:rPr lang="en-US" sz="1200" kern="1200" dirty="0" err="1">
+                <a:solidFill>
+                  <a:schemeClr val="tx1"/>
+                </a:solidFill>
+                <a:latin typeface="+mn-lt"/>
+                <a:ea typeface="+mn-ea"/>
+                <a:cs typeface="+mn-cs"/>
+              </a:rPr>
+              <a:t>ActionListener</a:t>
+            </a:r>
+            <a:r>
+              <a:rPr lang="en-US" sz="1200" kern="1200" dirty="0">
+                <a:solidFill>
+                  <a:schemeClr val="tx1"/>
+                </a:solidFill>
+                <a:latin typeface="+mn-lt"/>
+                <a:ea typeface="+mn-ea"/>
+                <a:cs typeface="+mn-cs"/>
+              </a:rPr>
+              <a:t> is an interface that MUST be implemented</a:t>
+            </a:r>
+            <a:r>
+              <a:rPr lang="en-US" sz="1200" kern="1200" baseline="0" dirty="0">
+                <a:solidFill>
+                  <a:schemeClr val="tx1"/>
+                </a:solidFill>
+                <a:latin typeface="+mn-lt"/>
+                <a:ea typeface="+mn-ea"/>
+                <a:cs typeface="+mn-cs"/>
+              </a:rPr>
+              <a:t> as a class.</a:t>
+            </a:r>
+          </a:p>
+          <a:p>
+            <a:r>
+              <a:rPr lang="en-US" sz="1200" kern="1200" dirty="0" err="1">
+                <a:solidFill>
+                  <a:schemeClr val="tx1"/>
+                </a:solidFill>
+                <a:latin typeface="+mn-lt"/>
+                <a:ea typeface="+mn-ea"/>
+                <a:cs typeface="+mn-cs"/>
+              </a:rPr>
+              <a:t>MouseListener</a:t>
+            </a:r>
+            <a:r>
+              <a:rPr lang="en-US" sz="1200" kern="1200" dirty="0">
+                <a:solidFill>
+                  <a:schemeClr val="tx1"/>
+                </a:solidFill>
+                <a:latin typeface="+mn-lt"/>
+                <a:ea typeface="+mn-ea"/>
+                <a:cs typeface="+mn-cs"/>
+              </a:rPr>
+              <a:t> is an interface that declares the mouse functions</a:t>
+            </a:r>
+            <a:r>
+              <a:rPr lang="en-US" sz="1200" kern="1200" baseline="0" dirty="0">
+                <a:solidFill>
+                  <a:schemeClr val="tx1"/>
+                </a:solidFill>
+                <a:latin typeface="+mn-lt"/>
+                <a:ea typeface="+mn-ea"/>
+                <a:cs typeface="+mn-cs"/>
+              </a:rPr>
+              <a:t> listed in the first bullet.</a:t>
+            </a:r>
+            <a:endParaRPr lang="en-US" dirty="0"/>
+          </a:p>
+          <a:p>
+            <a:endParaRPr lang="en-US" dirty="0"/>
+          </a:p>
+        </p:txBody>
+      </p:sp>
+      <p:sp>
+        <p:nvSpPr>
+          <p:cNvPr id="28676" name="Slide Number Placeholder 3"/>
           <p:cNvSpPr>
             <a:spLocks noGrp="1"/>
           </p:cNvSpPr>
           <p:nvPr>
-            <p:ph type="sldNum" sz="quarter" idx="10"/>
+            <p:ph type="sldNum" sz="quarter" idx="5"/>
           </p:nvPr>
         </p:nvSpPr>
-        <p:spPr/>
+        <p:spPr>
+          <a:noFill/>
+          <a:ln/>
+          <a:extLst>
+            <a:ext uri="{909E8E84-426E-40dd-AFC4-6F175D3DCCD1}">
+              <a14:hiddenFill xmlns:a14="http://schemas.microsoft.com/office/drawing/2010/main" xmlns="">
+                <a:solidFill>
+                  <a:srgbClr val="FFFFFF"/>
+                </a:solidFill>
+              </a14:hiddenFill>
+            </a:ext>
+            <a:ext uri="{91240B29-F687-4f45-9708-019B960494DF}">
+              <a14:hiddenLine xmlns:a14="http://schemas.microsoft.com/office/drawing/2010/main" xmlns="" w="9525">
+                <a:solidFill>
+                  <a:srgbClr val="000000"/>
+                </a:solidFill>
+                <a:miter lim="800000"/>
+                <a:headEnd/>
+                <a:tailEnd/>
+              </a14:hiddenLine>
+            </a:ext>
+          </a:extLst>
+        </p:spPr>
         <p:txBody>
           <a:bodyPr/>
-          <a:lstStyle/>
-          <a:p>
-            <a:pPr>
-              <a:defRPr/>
-            </a:pPr>
-            <a:fld id="{DA7F4447-3C62-46B7-AE80-9244D33714A7}" type="slidenum">
-              <a:rPr lang="en-US" smtClean="0"/>
-              <a:pPr>
-                <a:defRPr/>
-              </a:pPr>
+          <a:lstStyle>
+            <a:lvl1pPr defTabSz="913525" eaLnBrk="0" hangingPunct="0">
+              <a:defRPr>
+                <a:solidFill>
+                  <a:schemeClr val="tx1"/>
+                </a:solidFill>
+                <a:latin typeface="Arial" charset="0"/>
+                <a:cs typeface="Arial" charset="0"/>
+              </a:defRPr>
+            </a:lvl1pPr>
+            <a:lvl2pPr marL="716130" indent="-275434" defTabSz="913525" eaLnBrk="0" hangingPunct="0">
+              <a:defRPr>
+                <a:solidFill>
+                  <a:schemeClr val="tx1"/>
+                </a:solidFill>
+                <a:latin typeface="Arial" charset="0"/>
+                <a:cs typeface="Arial" charset="0"/>
+              </a:defRPr>
+            </a:lvl2pPr>
+            <a:lvl3pPr marL="1101738" indent="-220348" defTabSz="913525" eaLnBrk="0" hangingPunct="0">
+              <a:defRPr>
+                <a:solidFill>
+                  <a:schemeClr val="tx1"/>
+                </a:solidFill>
+                <a:latin typeface="Arial" charset="0"/>
+                <a:cs typeface="Arial" charset="0"/>
+              </a:defRPr>
+            </a:lvl3pPr>
+            <a:lvl4pPr marL="1542433" indent="-220348" defTabSz="913525" eaLnBrk="0" hangingPunct="0">
+              <a:defRPr>
+                <a:solidFill>
+                  <a:schemeClr val="tx1"/>
+                </a:solidFill>
+                <a:latin typeface="Arial" charset="0"/>
+                <a:cs typeface="Arial" charset="0"/>
+              </a:defRPr>
+            </a:lvl4pPr>
+            <a:lvl5pPr marL="1983128" indent="-220348" defTabSz="913525" eaLnBrk="0" hangingPunct="0">
+              <a:defRPr>
+                <a:solidFill>
+                  <a:schemeClr val="tx1"/>
+                </a:solidFill>
+                <a:latin typeface="Arial" charset="0"/>
+                <a:cs typeface="Arial" charset="0"/>
+              </a:defRPr>
+            </a:lvl5pPr>
+            <a:lvl6pPr marL="2423823" indent="-220348" defTabSz="913525" eaLnBrk="0" fontAlgn="base" hangingPunct="0">
+              <a:spcBef>
+                <a:spcPct val="0"/>
+              </a:spcBef>
+              <a:spcAft>
+                <a:spcPct val="0"/>
+              </a:spcAft>
+              <a:defRPr>
+                <a:solidFill>
+                  <a:schemeClr val="tx1"/>
+                </a:solidFill>
+                <a:latin typeface="Arial" charset="0"/>
+                <a:cs typeface="Arial" charset="0"/>
+              </a:defRPr>
+            </a:lvl6pPr>
+            <a:lvl7pPr marL="2864518" indent="-220348" defTabSz="913525" eaLnBrk="0" fontAlgn="base" hangingPunct="0">
+              <a:spcBef>
+                <a:spcPct val="0"/>
+              </a:spcBef>
+              <a:spcAft>
+                <a:spcPct val="0"/>
+              </a:spcAft>
+              <a:defRPr>
+                <a:solidFill>
+                  <a:schemeClr val="tx1"/>
+                </a:solidFill>
+                <a:latin typeface="Arial" charset="0"/>
+                <a:cs typeface="Arial" charset="0"/>
+              </a:defRPr>
+            </a:lvl7pPr>
+            <a:lvl8pPr marL="3305213" indent="-220348" defTabSz="913525" eaLnBrk="0" fontAlgn="base" hangingPunct="0">
+              <a:spcBef>
+                <a:spcPct val="0"/>
+              </a:spcBef>
+              <a:spcAft>
+                <a:spcPct val="0"/>
+              </a:spcAft>
+              <a:defRPr>
+                <a:solidFill>
+                  <a:schemeClr val="tx1"/>
+                </a:solidFill>
+                <a:latin typeface="Arial" charset="0"/>
+                <a:cs typeface="Arial" charset="0"/>
+              </a:defRPr>
+            </a:lvl8pPr>
+            <a:lvl9pPr marL="3745908" indent="-220348" defTabSz="913525" eaLnBrk="0" fontAlgn="base" hangingPunct="0">
+              <a:spcBef>
+                <a:spcPct val="0"/>
+              </a:spcBef>
+              <a:spcAft>
+                <a:spcPct val="0"/>
+              </a:spcAft>
+              <a:defRPr>
+                <a:solidFill>
+                  <a:schemeClr val="tx1"/>
+                </a:solidFill>
+                <a:latin typeface="Arial" charset="0"/>
+                <a:cs typeface="Arial" charset="0"/>
+              </a:defRPr>
+            </a:lvl9pPr>
+          </a:lstStyle>
+          <a:p>
+            <a:pPr eaLnBrk="1" hangingPunct="1"/>
+            <a:fld id="{9FC38695-F9AA-4AB6-ADD1-ED6500CD0BFF}" type="slidenum">
+              <a:rPr lang="en-US" smtClean="0">
+                <a:latin typeface="Calibri" pitchFamily="34" charset="0"/>
+              </a:rPr>
+              <a:pPr eaLnBrk="1" hangingPunct="1"/>
               <a:t>12</a:t>
             </a:fld>
-            <a:endParaRPr lang="en-US"/>
+            <a:endParaRPr lang="en-US">
+              <a:latin typeface="Calibri" pitchFamily="34" charset="0"/>
+            </a:endParaRPr>
           </a:p>
         </p:txBody>
       </p:sp>
     </p:spTree>
     <p:extLst>
       <p:ext uri="{BB962C8B-B14F-4D97-AF65-F5344CB8AC3E}">
-        <p14:creationId xmlns:p14="http://schemas.microsoft.com/office/powerpoint/2010/main" val="724160813"/>
+        <p14:creationId xmlns:p14="http://schemas.microsoft.com/office/powerpoint/2010/main" val="1259478443"/>
       </p:ext>
     </p:extLst>
   </p:cSld>
@@ -4944,22 +5385,31 @@
           <a:p>
             <a:r>
               <a:rPr lang="en-US" dirty="0"/>
-              <a:t>Students will try to add multiple Buttons to the Frame and wonder where they went. </a:t>
-            </a:r>
-          </a:p>
-          <a:p>
-            <a:r>
-              <a:rPr lang="en-US" dirty="0"/>
-              <a:t>Let them do this for just a minute or two before you show them about </a:t>
-            </a:r>
-            <a:r>
-              <a:rPr lang="en-US" dirty="0" err="1"/>
-              <a:t>JPanels</a:t>
-            </a:r>
-            <a:r>
-              <a:rPr lang="en-US" dirty="0"/>
-              <a:t>.</a:t>
-            </a:r>
+              <a:t>Animated to walk through the idea of events being generated</a:t>
+            </a:r>
+            <a:r>
+              <a:rPr lang="en-US" baseline="0" dirty="0"/>
+              <a:t> and then Listeners which can be registered to them.</a:t>
+            </a:r>
+          </a:p>
+          <a:p>
+            <a:pPr marL="228600" indent="-228600">
+              <a:buAutoNum type="arabicPeriod"/>
+            </a:pPr>
+            <a:r>
+              <a:rPr lang="en-US" baseline="0" dirty="0"/>
+              <a:t>If we do not register/attach our listener to an event source, then nothing happens</a:t>
+            </a:r>
+          </a:p>
+          <a:p>
+            <a:pPr marL="228600" indent="-228600">
+              <a:buAutoNum type="arabicPeriod"/>
+            </a:pPr>
+            <a:r>
+              <a:rPr lang="en-US" baseline="0" dirty="0"/>
+              <a:t>We have to decide what happens when our listener is triggered</a:t>
+            </a:r>
+            <a:endParaRPr lang="en-US" dirty="0"/>
           </a:p>
         </p:txBody>
       </p:sp>
@@ -4995,7 +5445,7 @@
     </p:spTree>
     <p:extLst>
       <p:ext uri="{BB962C8B-B14F-4D97-AF65-F5344CB8AC3E}">
-        <p14:creationId xmlns:p14="http://schemas.microsoft.com/office/powerpoint/2010/main" val="3974534740"/>
+        <p14:creationId xmlns:p14="http://schemas.microsoft.com/office/powerpoint/2010/main" val="97827896"/>
       </p:ext>
     </p:extLst>
   </p:cSld>
@@ -5190,7 +5640,7 @@
               <a:pPr>
                 <a:defRPr/>
               </a:pPr>
-              <a:t>Thursday, February 24, 2022</a:t>
+              <a:t>Tuesday, March 1, 2022</a:t>
             </a:fld>
             <a:endParaRPr lang="en-US" dirty="0"/>
           </a:p>
@@ -5373,7 +5823,7 @@
               <a:pPr>
                 <a:defRPr/>
               </a:pPr>
-              <a:t>Thursday, February 24, 2022</a:t>
+              <a:t>Tuesday, March 1, 2022</a:t>
             </a:fld>
             <a:endParaRPr lang="en-US" dirty="0"/>
           </a:p>
@@ -5566,7 +6016,7 @@
               <a:pPr>
                 <a:defRPr/>
               </a:pPr>
-              <a:t>Thursday, February 24, 2022</a:t>
+              <a:t>Tuesday, March 1, 2022</a:t>
             </a:fld>
             <a:endParaRPr lang="en-US" dirty="0"/>
           </a:p>
@@ -5749,7 +6199,7 @@
               <a:pPr>
                 <a:defRPr/>
               </a:pPr>
-              <a:t>Thursday, February 24, 2022</a:t>
+              <a:t>Tuesday, March 1, 2022</a:t>
             </a:fld>
             <a:endParaRPr lang="en-US" dirty="0"/>
           </a:p>
@@ -6009,7 +6459,7 @@
               <a:pPr>
                 <a:defRPr/>
               </a:pPr>
-              <a:t>Thursday, February 24, 2022</a:t>
+              <a:t>Tuesday, March 1, 2022</a:t>
             </a:fld>
             <a:endParaRPr lang="en-US"/>
           </a:p>
@@ -6309,7 +6759,7 @@
               <a:pPr>
                 <a:defRPr/>
               </a:pPr>
-              <a:t>Thursday, February 24, 2022</a:t>
+              <a:t>Tuesday, March 1, 2022</a:t>
             </a:fld>
             <a:endParaRPr lang="en-US"/>
           </a:p>
@@ -6743,7 +7193,7 @@
               <a:pPr>
                 <a:defRPr/>
               </a:pPr>
-              <a:t>Thursday, February 24, 2022</a:t>
+              <a:t>Tuesday, March 1, 2022</a:t>
             </a:fld>
             <a:endParaRPr lang="en-US"/>
           </a:p>
@@ -6875,7 +7325,7 @@
               <a:pPr>
                 <a:defRPr/>
               </a:pPr>
-              <a:t>Thursday, February 24, 2022</a:t>
+              <a:t>Tuesday, March 1, 2022</a:t>
             </a:fld>
             <a:endParaRPr lang="en-US"/>
           </a:p>
@@ -6985,7 +7435,7 @@
               <a:pPr>
                 <a:defRPr/>
               </a:pPr>
-              <a:t>Thursday, February 24, 2022</a:t>
+              <a:t>Tuesday, March 1, 2022</a:t>
             </a:fld>
             <a:endParaRPr lang="en-US" dirty="0"/>
           </a:p>
@@ -7275,7 +7725,7 @@
               <a:pPr>
                 <a:defRPr/>
               </a:pPr>
-              <a:t>Thursday, February 24, 2022</a:t>
+              <a:t>Tuesday, March 1, 2022</a:t>
             </a:fld>
             <a:endParaRPr lang="en-US"/>
           </a:p>
@@ -7542,7 +7992,7 @@
               <a:pPr>
                 <a:defRPr/>
               </a:pPr>
-              <a:t>Thursday, February 24, 2022</a:t>
+              <a:t>Tuesday, March 1, 2022</a:t>
             </a:fld>
             <a:endParaRPr lang="en-US"/>
           </a:p>
@@ -7768,7 +8218,7 @@
               <a:pPr>
                 <a:defRPr/>
               </a:pPr>
-              <a:t>Thursday, February 24, 2022</a:t>
+              <a:t>Tuesday, March 1, 2022</a:t>
             </a:fld>
             <a:endParaRPr lang="en-US" dirty="0"/>
           </a:p>
@@ -8309,6 +8759,707 @@
 </file>
 
 <file path=ppt/slides/slide10.xml><?xml version="1.0" encoding="utf-8"?>
+<p:sld xmlns:a="http://schemas.openxmlformats.org/drawingml/2006/main" xmlns:r="http://schemas.openxmlformats.org/officeDocument/2006/relationships" xmlns:p="http://schemas.openxmlformats.org/presentationml/2006/main">
+  <p:cSld>
+    <p:spTree>
+      <p:nvGrpSpPr>
+        <p:cNvPr id="1" name=""/>
+        <p:cNvGrpSpPr/>
+        <p:nvPr/>
+      </p:nvGrpSpPr>
+      <p:grpSpPr>
+        <a:xfrm>
+          <a:off x="0" y="0"/>
+          <a:ext cx="0" cy="0"/>
+          <a:chOff x="0" y="0"/>
+          <a:chExt cx="0" cy="0"/>
+        </a:xfrm>
+      </p:grpSpPr>
+      <p:sp>
+        <p:nvSpPr>
+          <p:cNvPr id="4" name="Title 3"/>
+          <p:cNvSpPr>
+            <a:spLocks noGrp="1"/>
+          </p:cNvSpPr>
+          <p:nvPr>
+            <p:ph type="title"/>
+          </p:nvPr>
+        </p:nvSpPr>
+        <p:spPr/>
+        <p:txBody>
+          <a:bodyPr>
+            <a:normAutofit/>
+          </a:bodyPr>
+          <a:lstStyle/>
+          <a:p>
+            <a:pPr>
+              <a:defRPr/>
+            </a:pPr>
+            <a:r>
+              <a:rPr lang="en-US" dirty="0">
+                <a:solidFill>
+                  <a:schemeClr val="accent2"/>
+                </a:solidFill>
+              </a:rPr>
+              <a:t>Graphical User Interfaces </a:t>
+            </a:r>
+            <a:r>
+              <a:rPr lang="en-US" dirty="0"/>
+              <a:t>in Java</a:t>
+            </a:r>
+          </a:p>
+        </p:txBody>
+      </p:sp>
+      <p:sp>
+        <p:nvSpPr>
+          <p:cNvPr id="12290" name="Content Placeholder 4"/>
+          <p:cNvSpPr>
+            <a:spLocks noGrp="1"/>
+          </p:cNvSpPr>
+          <p:nvPr>
+            <p:ph idx="1"/>
+          </p:nvPr>
+        </p:nvSpPr>
+        <p:spPr>
+          <a:xfrm>
+            <a:off x="0" y="1481138"/>
+            <a:ext cx="5257800" cy="4525962"/>
+          </a:xfrm>
+        </p:spPr>
+        <p:txBody>
+          <a:bodyPr>
+            <a:normAutofit/>
+          </a:bodyPr>
+          <a:lstStyle/>
+          <a:p>
+            <a:r>
+              <a:rPr lang="en-US" dirty="0"/>
+              <a:t>We say what to draw</a:t>
+            </a:r>
+          </a:p>
+          <a:p>
+            <a:endParaRPr lang="en-US" dirty="0"/>
+          </a:p>
+          <a:p>
+            <a:r>
+              <a:rPr lang="en-US" dirty="0"/>
+              <a:t>Java windowing library:</a:t>
+            </a:r>
+          </a:p>
+          <a:p>
+            <a:pPr lvl="1"/>
+            <a:r>
+              <a:rPr lang="en-US" dirty="0"/>
+              <a:t>Draws it</a:t>
+            </a:r>
+          </a:p>
+          <a:p>
+            <a:pPr lvl="1"/>
+            <a:r>
+              <a:rPr lang="en-US" dirty="0"/>
+              <a:t>Gets user input</a:t>
+            </a:r>
+          </a:p>
+          <a:p>
+            <a:pPr lvl="1"/>
+            <a:r>
+              <a:rPr lang="en-US" dirty="0">
+                <a:solidFill>
+                  <a:schemeClr val="accent2"/>
+                </a:solidFill>
+              </a:rPr>
+              <a:t>Calls back </a:t>
+            </a:r>
+            <a:r>
+              <a:rPr lang="en-US" dirty="0"/>
+              <a:t>to us with </a:t>
+            </a:r>
+            <a:r>
+              <a:rPr lang="en-US" dirty="0">
+                <a:solidFill>
+                  <a:schemeClr val="accent2"/>
+                </a:solidFill>
+              </a:rPr>
+              <a:t>events</a:t>
+            </a:r>
+          </a:p>
+          <a:p>
+            <a:endParaRPr lang="en-US" dirty="0"/>
+          </a:p>
+          <a:p>
+            <a:r>
+              <a:rPr lang="en-US" dirty="0"/>
+              <a:t>We </a:t>
+            </a:r>
+            <a:r>
+              <a:rPr lang="en-US" dirty="0">
+                <a:solidFill>
+                  <a:schemeClr val="accent2"/>
+                </a:solidFill>
+              </a:rPr>
+              <a:t>handle</a:t>
+            </a:r>
+            <a:r>
+              <a:rPr lang="en-US" dirty="0"/>
+              <a:t> events</a:t>
+            </a:r>
+          </a:p>
+        </p:txBody>
+      </p:sp>
+      <p:pic>
+        <p:nvPicPr>
+          <p:cNvPr id="12292" name="Picture 2" descr="C:\DOCUME~1\ADMINI~1\LOCALS~1\Temp\VMwareDnD\00003fcd\paczki.jpg"/>
+          <p:cNvPicPr>
+            <a:picLocks noChangeAspect="1" noChangeArrowheads="1"/>
+          </p:cNvPicPr>
+          <p:nvPr/>
+        </p:nvPicPr>
+        <p:blipFill>
+          <a:blip r:embed="rId3" cstate="print">
+            <a:extLst>
+              <a:ext uri="{28A0092B-C50C-407E-A947-70E740481C1C}">
+                <a14:useLocalDpi xmlns:a14="http://schemas.microsoft.com/office/drawing/2010/main" val="0"/>
+              </a:ext>
+            </a:extLst>
+          </a:blip>
+          <a:srcRect/>
+          <a:stretch>
+            <a:fillRect/>
+          </a:stretch>
+        </p:blipFill>
+        <p:spPr bwMode="auto">
+          <a:xfrm>
+            <a:off x="4876800" y="1752600"/>
+            <a:ext cx="3810000" cy="3095625"/>
+          </a:xfrm>
+          <a:prstGeom prst="rect">
+            <a:avLst/>
+          </a:prstGeom>
+          <a:noFill/>
+          <a:ln>
+            <a:noFill/>
+          </a:ln>
+          <a:extLst>
+            <a:ext uri="{909E8E84-426E-40dd-AFC4-6F175D3DCCD1}">
+              <a14:hiddenFill xmlns:a14="http://schemas.microsoft.com/office/drawing/2010/main" xmlns="">
+                <a:solidFill>
+                  <a:srgbClr val="FFFFFF"/>
+                </a:solidFill>
+              </a14:hiddenFill>
+            </a:ext>
+            <a:ext uri="{91240B29-F687-4f45-9708-019B960494DF}">
+              <a14:hiddenLine xmlns:a14="http://schemas.microsoft.com/office/drawing/2010/main" xmlns="" w="9525">
+                <a:solidFill>
+                  <a:srgbClr val="000000"/>
+                </a:solidFill>
+                <a:miter lim="800000"/>
+                <a:headEnd/>
+                <a:tailEnd/>
+              </a14:hiddenLine>
+            </a:ext>
+          </a:extLst>
+        </p:spPr>
+      </p:pic>
+      <p:sp>
+        <p:nvSpPr>
+          <p:cNvPr id="7" name="TextBox 6"/>
+          <p:cNvSpPr txBox="1"/>
+          <p:nvPr/>
+        </p:nvSpPr>
+        <p:spPr>
+          <a:xfrm>
+            <a:off x="4876800" y="5072063"/>
+            <a:ext cx="3810000" cy="369887"/>
+          </a:xfrm>
+          <a:prstGeom prst="rect">
+            <a:avLst/>
+          </a:prstGeom>
+          <a:noFill/>
+        </p:spPr>
+        <p:txBody>
+          <a:bodyPr>
+            <a:spAutoFit/>
+          </a:bodyPr>
+          <a:lstStyle/>
+          <a:p>
+            <a:pPr algn="ctr">
+              <a:defRPr/>
+            </a:pPr>
+            <a:r>
+              <a:rPr lang="en-US" dirty="0">
+                <a:latin typeface="+mn-lt"/>
+              </a:rPr>
+              <a:t>Hmm, donuts</a:t>
+            </a:r>
+          </a:p>
+        </p:txBody>
+      </p:sp>
+      <p:sp>
+        <p:nvSpPr>
+          <p:cNvPr id="9" name="Line Callout 3 (Accent Bar) 8"/>
+          <p:cNvSpPr/>
+          <p:nvPr/>
+        </p:nvSpPr>
+        <p:spPr>
+          <a:xfrm>
+            <a:off x="4953000" y="5594350"/>
+            <a:ext cx="1371600" cy="412750"/>
+          </a:xfrm>
+          <a:prstGeom prst="accentCallout3">
+            <a:avLst>
+              <a:gd name="adj1" fmla="val 18750"/>
+              <a:gd name="adj2" fmla="val -8333"/>
+              <a:gd name="adj3" fmla="val 18750"/>
+              <a:gd name="adj4" fmla="val -16667"/>
+              <a:gd name="adj5" fmla="val -85834"/>
+              <a:gd name="adj6" fmla="val -17125"/>
+              <a:gd name="adj7" fmla="val -489906"/>
+              <a:gd name="adj8" fmla="val 62457"/>
+            </a:avLst>
+          </a:prstGeom>
+        </p:spPr>
+        <p:style>
+          <a:lnRef idx="2">
+            <a:schemeClr val="accent1">
+              <a:shade val="50000"/>
+            </a:schemeClr>
+          </a:lnRef>
+          <a:fillRef idx="1">
+            <a:schemeClr val="accent1"/>
+          </a:fillRef>
+          <a:effectRef idx="0">
+            <a:schemeClr val="accent1"/>
+          </a:effectRef>
+          <a:fontRef idx="minor">
+            <a:schemeClr val="lt1"/>
+          </a:fontRef>
+        </p:style>
+        <p:txBody>
+          <a:bodyPr anchor="ctr"/>
+          <a:lstStyle/>
+          <a:p>
+            <a:pPr algn="ctr">
+              <a:defRPr/>
+            </a:pPr>
+            <a:r>
+              <a:rPr lang="en-US" dirty="0"/>
+              <a:t>Gooey</a:t>
+            </a:r>
+          </a:p>
+        </p:txBody>
+      </p:sp>
+    </p:spTree>
+  </p:cSld>
+  <p:clrMapOvr>
+    <a:masterClrMapping/>
+  </p:clrMapOvr>
+</p:sld>
+</file>
+
+<file path=ppt/slides/slide11.xml><?xml version="1.0" encoding="utf-8"?>
+<p:sld xmlns:a="http://schemas.openxmlformats.org/drawingml/2006/main" xmlns:r="http://schemas.openxmlformats.org/officeDocument/2006/relationships" xmlns:p="http://schemas.openxmlformats.org/presentationml/2006/main">
+  <p:cSld>
+    <p:spTree>
+      <p:nvGrpSpPr>
+        <p:cNvPr id="1" name=""/>
+        <p:cNvGrpSpPr/>
+        <p:nvPr/>
+      </p:nvGrpSpPr>
+      <p:grpSpPr>
+        <a:xfrm>
+          <a:off x="0" y="0"/>
+          <a:ext cx="0" cy="0"/>
+          <a:chOff x="0" y="0"/>
+          <a:chExt cx="0" cy="0"/>
+        </a:xfrm>
+      </p:grpSpPr>
+      <p:sp>
+        <p:nvSpPr>
+          <p:cNvPr id="2" name="Title 1"/>
+          <p:cNvSpPr>
+            <a:spLocks noGrp="1"/>
+          </p:cNvSpPr>
+          <p:nvPr>
+            <p:ph type="title"/>
+          </p:nvPr>
+        </p:nvSpPr>
+        <p:spPr/>
+        <p:txBody>
+          <a:bodyPr/>
+          <a:lstStyle/>
+          <a:p>
+            <a:r>
+              <a:rPr lang="en-US" dirty="0"/>
+              <a:t>Next Assignment Preview</a:t>
+            </a:r>
+          </a:p>
+        </p:txBody>
+      </p:sp>
+      <p:sp>
+        <p:nvSpPr>
+          <p:cNvPr id="3" name="Content Placeholder 2"/>
+          <p:cNvSpPr>
+            <a:spLocks noGrp="1"/>
+          </p:cNvSpPr>
+          <p:nvPr>
+            <p:ph idx="1"/>
+          </p:nvPr>
+        </p:nvSpPr>
+        <p:spPr/>
+        <p:txBody>
+          <a:bodyPr/>
+          <a:lstStyle/>
+          <a:p>
+            <a:r>
+              <a:rPr lang="en-US" dirty="0"/>
+              <a:t>Two stages</a:t>
+            </a:r>
+          </a:p>
+          <a:p>
+            <a:pPr lvl="1"/>
+            <a:r>
+              <a:rPr lang="en-US" dirty="0"/>
+              <a:t>Part 1: Ball Strike Counter (individual)</a:t>
+            </a:r>
+          </a:p>
+          <a:p>
+            <a:pPr lvl="1"/>
+            <a:r>
+              <a:rPr lang="en-US" dirty="0"/>
+              <a:t>Part 2: Optionally work with 1 partner</a:t>
+            </a:r>
+          </a:p>
+          <a:p>
+            <a:pPr lvl="2"/>
+            <a:r>
+              <a:rPr lang="en-US" b="1" dirty="0"/>
+              <a:t>Each list the other’s name in </a:t>
+            </a:r>
+            <a:r>
+              <a:rPr lang="en-US" b="1" dirty="0" err="1"/>
+              <a:t>javadoc</a:t>
+            </a:r>
+            <a:r>
+              <a:rPr lang="en-US" b="1" dirty="0"/>
+              <a:t> at top of file</a:t>
+            </a:r>
+          </a:p>
+          <a:p>
+            <a:pPr lvl="2"/>
+            <a:r>
+              <a:rPr lang="en-US" b="1" dirty="0"/>
+              <a:t>Both responsible for submitting own code</a:t>
+            </a:r>
+          </a:p>
+        </p:txBody>
+      </p:sp>
+    </p:spTree>
+    <p:extLst>
+      <p:ext uri="{BB962C8B-B14F-4D97-AF65-F5344CB8AC3E}">
+        <p14:creationId xmlns:p14="http://schemas.microsoft.com/office/powerpoint/2010/main" val="1746538263"/>
+      </p:ext>
+    </p:extLst>
+  </p:cSld>
+  <p:clrMapOvr>
+    <a:masterClrMapping/>
+  </p:clrMapOvr>
+</p:sld>
+</file>
+
+<file path=ppt/slides/slide12.xml><?xml version="1.0" encoding="utf-8"?>
+<p:sld xmlns:a="http://schemas.openxmlformats.org/drawingml/2006/main" xmlns:r="http://schemas.openxmlformats.org/officeDocument/2006/relationships" xmlns:p="http://schemas.openxmlformats.org/presentationml/2006/main">
+  <p:cSld>
+    <p:spTree>
+      <p:nvGrpSpPr>
+        <p:cNvPr id="1" name=""/>
+        <p:cNvGrpSpPr/>
+        <p:nvPr/>
+      </p:nvGrpSpPr>
+      <p:grpSpPr>
+        <a:xfrm>
+          <a:off x="0" y="0"/>
+          <a:ext cx="0" cy="0"/>
+          <a:chOff x="0" y="0"/>
+          <a:chExt cx="0" cy="0"/>
+        </a:xfrm>
+      </p:grpSpPr>
+      <p:sp>
+        <p:nvSpPr>
+          <p:cNvPr id="3" name="Title 2"/>
+          <p:cNvSpPr>
+            <a:spLocks noGrp="1"/>
+          </p:cNvSpPr>
+          <p:nvPr>
+            <p:ph type="title"/>
+          </p:nvPr>
+        </p:nvSpPr>
+        <p:spPr/>
+        <p:txBody>
+          <a:bodyPr/>
+          <a:lstStyle/>
+          <a:p>
+            <a:pPr>
+              <a:defRPr/>
+            </a:pPr>
+            <a:r>
+              <a:rPr lang="en-US" dirty="0"/>
+              <a:t>Handling Events</a:t>
+            </a:r>
+          </a:p>
+        </p:txBody>
+      </p:sp>
+      <p:sp>
+        <p:nvSpPr>
+          <p:cNvPr id="2" name="Content Placeholder 1"/>
+          <p:cNvSpPr>
+            <a:spLocks noGrp="1"/>
+          </p:cNvSpPr>
+          <p:nvPr>
+            <p:ph idx="1"/>
+          </p:nvPr>
+        </p:nvSpPr>
+        <p:spPr/>
+        <p:txBody>
+          <a:bodyPr>
+            <a:normAutofit fontScale="92500" lnSpcReduction="20000"/>
+          </a:bodyPr>
+          <a:lstStyle/>
+          <a:p>
+            <a:pPr>
+              <a:defRPr/>
+            </a:pPr>
+            <a:r>
+              <a:rPr lang="en-US" dirty="0"/>
+              <a:t>Many kinds of events:</a:t>
+            </a:r>
+          </a:p>
+          <a:p>
+            <a:pPr lvl="1">
+              <a:defRPr/>
+            </a:pPr>
+            <a:r>
+              <a:rPr lang="en-US" dirty="0"/>
+              <a:t>Mouse pressed, mouse released, mouse moved, mouse clicked, button clicked, key pressed, menu item selected, …</a:t>
+            </a:r>
+          </a:p>
+          <a:p>
+            <a:pPr lvl="1">
+              <a:defRPr/>
+            </a:pPr>
+            <a:endParaRPr lang="en-US" dirty="0"/>
+          </a:p>
+          <a:p>
+            <a:pPr>
+              <a:defRPr/>
+            </a:pPr>
+            <a:r>
+              <a:rPr lang="en-US" dirty="0"/>
+              <a:t>We create </a:t>
+            </a:r>
+            <a:r>
+              <a:rPr lang="en-US" b="1" dirty="0">
+                <a:solidFill>
+                  <a:schemeClr val="accent3"/>
+                </a:solidFill>
+              </a:rPr>
+              <a:t>event listener objects   </a:t>
+            </a:r>
+          </a:p>
+          <a:p>
+            <a:pPr lvl="1">
+              <a:defRPr/>
+            </a:pPr>
+            <a:r>
+              <a:rPr lang="en-US" dirty="0"/>
+              <a:t>that implement the right </a:t>
+            </a:r>
+            <a:r>
+              <a:rPr lang="en-US" b="1" dirty="0"/>
+              <a:t>interface</a:t>
+            </a:r>
+          </a:p>
+          <a:p>
+            <a:pPr lvl="1">
+              <a:defRPr/>
+            </a:pPr>
+            <a:r>
+              <a:rPr lang="en-US" dirty="0"/>
+              <a:t>that handle the event as we wish</a:t>
+            </a:r>
+          </a:p>
+          <a:p>
+            <a:pPr lvl="1">
+              <a:defRPr/>
+            </a:pPr>
+            <a:endParaRPr lang="en-US" dirty="0"/>
+          </a:p>
+          <a:p>
+            <a:pPr>
+              <a:defRPr/>
+            </a:pPr>
+            <a:r>
+              <a:rPr lang="en-US" dirty="0"/>
+              <a:t>We </a:t>
+            </a:r>
+            <a:r>
+              <a:rPr lang="en-US" b="1" dirty="0">
+                <a:solidFill>
+                  <a:schemeClr val="accent3"/>
+                </a:solidFill>
+              </a:rPr>
+              <a:t>register</a:t>
+            </a:r>
+            <a:r>
+              <a:rPr lang="en-US" dirty="0"/>
+              <a:t> our listener with an </a:t>
+            </a:r>
+            <a:r>
+              <a:rPr lang="en-US" b="1" dirty="0">
+                <a:solidFill>
+                  <a:schemeClr val="accent3"/>
+                </a:solidFill>
+              </a:rPr>
+              <a:t>event source</a:t>
+            </a:r>
+          </a:p>
+          <a:p>
+            <a:pPr lvl="1">
+              <a:defRPr/>
+            </a:pPr>
+            <a:r>
+              <a:rPr lang="en-US" dirty="0"/>
+              <a:t>Sources: buttons, menu items, graphics area, …</a:t>
+            </a:r>
+          </a:p>
+        </p:txBody>
+      </p:sp>
+      <p:sp>
+        <p:nvSpPr>
+          <p:cNvPr id="4" name="TextBox 3"/>
+          <p:cNvSpPr txBox="1"/>
+          <p:nvPr/>
+        </p:nvSpPr>
+        <p:spPr>
+          <a:xfrm>
+            <a:off x="8382224" y="6324600"/>
+            <a:ext cx="457176" cy="369332"/>
+          </a:xfrm>
+          <a:prstGeom prst="rect">
+            <a:avLst/>
+          </a:prstGeom>
+        </p:spPr>
+        <p:style>
+          <a:lnRef idx="2">
+            <a:schemeClr val="accent3">
+              <a:shade val="50000"/>
+            </a:schemeClr>
+          </a:lnRef>
+          <a:fillRef idx="1">
+            <a:schemeClr val="accent3"/>
+          </a:fillRef>
+          <a:effectRef idx="0">
+            <a:schemeClr val="accent3"/>
+          </a:effectRef>
+          <a:fontRef idx="minor">
+            <a:schemeClr val="lt1"/>
+          </a:fontRef>
+        </p:style>
+        <p:txBody>
+          <a:bodyPr wrap="none" rtlCol="0">
+            <a:spAutoFit/>
+          </a:bodyPr>
+          <a:lstStyle/>
+          <a:p>
+            <a:r>
+              <a:rPr lang="en-US" dirty="0"/>
+              <a:t>Q1</a:t>
+            </a:r>
+          </a:p>
+        </p:txBody>
+      </p:sp>
+      <p:pic>
+        <p:nvPicPr>
+          <p:cNvPr id="5" name="Picture 2" descr="Image result for ear"/>
+          <p:cNvPicPr>
+            <a:picLocks noChangeAspect="1" noChangeArrowheads="1"/>
+          </p:cNvPicPr>
+          <p:nvPr/>
+        </p:nvPicPr>
+        <p:blipFill>
+          <a:blip r:embed="rId3">
+            <a:extLst>
+              <a:ext uri="{28A0092B-C50C-407E-A947-70E740481C1C}">
+                <a14:useLocalDpi xmlns:a14="http://schemas.microsoft.com/office/drawing/2010/main" val="0"/>
+              </a:ext>
+            </a:extLst>
+          </a:blip>
+          <a:srcRect/>
+          <a:stretch>
+            <a:fillRect/>
+          </a:stretch>
+        </p:blipFill>
+        <p:spPr bwMode="auto">
+          <a:xfrm>
+            <a:off x="6477224" y="2819400"/>
+            <a:ext cx="1905000" cy="1905000"/>
+          </a:xfrm>
+          <a:prstGeom prst="rect">
+            <a:avLst/>
+          </a:prstGeom>
+          <a:noFill/>
+          <a:extLst>
+            <a:ext uri="{909E8E84-426E-40DD-AFC4-6F175D3DCCD1}">
+              <a14:hiddenFill xmlns:a14="http://schemas.microsoft.com/office/drawing/2010/main">
+                <a:solidFill>
+                  <a:srgbClr val="FFFFFF"/>
+                </a:solidFill>
+              </a14:hiddenFill>
+            </a:ext>
+          </a:extLst>
+        </p:spPr>
+      </p:pic>
+      <p:cxnSp>
+        <p:nvCxnSpPr>
+          <p:cNvPr id="7" name="Straight Arrow Connector 6"/>
+          <p:cNvCxnSpPr/>
+          <p:nvPr/>
+        </p:nvCxnSpPr>
+        <p:spPr>
+          <a:xfrm>
+            <a:off x="6171013" y="3749040"/>
+            <a:ext cx="532952" cy="0"/>
+          </a:xfrm>
+          <a:prstGeom prst="straightConnector1">
+            <a:avLst/>
+          </a:prstGeom>
+          <a:ln>
+            <a:tailEnd type="triangle"/>
+          </a:ln>
+        </p:spPr>
+        <p:style>
+          <a:lnRef idx="3">
+            <a:schemeClr val="accent1"/>
+          </a:lnRef>
+          <a:fillRef idx="0">
+            <a:schemeClr val="accent1"/>
+          </a:fillRef>
+          <a:effectRef idx="2">
+            <a:schemeClr val="accent1"/>
+          </a:effectRef>
+          <a:fontRef idx="minor">
+            <a:schemeClr val="tx1"/>
+          </a:fontRef>
+        </p:style>
+      </p:cxnSp>
+    </p:spTree>
+  </p:cSld>
+  <p:clrMapOvr>
+    <a:masterClrMapping/>
+  </p:clrMapOvr>
+</p:sld>
+</file>
+
+<file path=ppt/slides/slide13.xml><?xml version="1.0" encoding="utf-8"?>
 <p:sld xmlns:a="http://schemas.openxmlformats.org/drawingml/2006/main" xmlns:r="http://schemas.openxmlformats.org/officeDocument/2006/relationships" xmlns:p="http://schemas.openxmlformats.org/presentationml/2006/main">
   <p:cSld>
     <p:spTree>
@@ -10621,7 +11772,7 @@
 </p:sld>
 </file>
 
-<file path=ppt/slides/slide11.xml><?xml version="1.0" encoding="utf-8"?>
+<file path=ppt/slides/slide14.xml><?xml version="1.0" encoding="utf-8"?>
 <p:sld xmlns:a="http://schemas.openxmlformats.org/drawingml/2006/main" xmlns:r="http://schemas.openxmlformats.org/officeDocument/2006/relationships" xmlns:p="http://schemas.openxmlformats.org/presentationml/2006/main">
   <p:cSld>
     <p:spTree>
@@ -12415,7 +13566,7 @@
 </p:sld>
 </file>
 
-<file path=ppt/slides/slide12.xml><?xml version="1.0" encoding="utf-8"?>
+<file path=ppt/slides/slide15.xml><?xml version="1.0" encoding="utf-8"?>
 <p:sld xmlns:a="http://schemas.openxmlformats.org/drawingml/2006/main" xmlns:r="http://schemas.openxmlformats.org/officeDocument/2006/relationships" xmlns:p="http://schemas.openxmlformats.org/presentationml/2006/main">
   <p:cSld>
     <p:spTree>
@@ -12489,7 +13640,7 @@
 </p:sld>
 </file>
 
-<file path=ppt/slides/slide13.xml><?xml version="1.0" encoding="utf-8"?>
+<file path=ppt/slides/slide16.xml><?xml version="1.0" encoding="utf-8"?>
 <p:sld xmlns:a="http://schemas.openxmlformats.org/drawingml/2006/main" xmlns:r="http://schemas.openxmlformats.org/officeDocument/2006/relationships" xmlns:p="http://schemas.openxmlformats.org/presentationml/2006/main">
   <p:cSld>
     <p:spTree>
@@ -12614,7 +13765,7 @@
 </p:sld>
 </file>
 
-<file path=ppt/slides/slide14.xml><?xml version="1.0" encoding="utf-8"?>
+<file path=ppt/slides/slide17.xml><?xml version="1.0" encoding="utf-8"?>
 <p:sld xmlns:a="http://schemas.openxmlformats.org/drawingml/2006/main" xmlns:r="http://schemas.openxmlformats.org/officeDocument/2006/relationships" xmlns:p="http://schemas.openxmlformats.org/presentationml/2006/main">
   <p:cSld>
     <p:spTree>
@@ -12803,7 +13954,7 @@
 </p:sld>
 </file>
 
-<file path=ppt/slides/slide15.xml><?xml version="1.0" encoding="utf-8"?>
+<file path=ppt/slides/slide18.xml><?xml version="1.0" encoding="utf-8"?>
 <p:sld xmlns:a="http://schemas.openxmlformats.org/drawingml/2006/main" xmlns:r="http://schemas.openxmlformats.org/officeDocument/2006/relationships" xmlns:p="http://schemas.openxmlformats.org/presentationml/2006/main">
   <p:cSld>
     <p:spTree>
@@ -12901,7 +14052,7 @@
 </p:sld>
 </file>
 
-<file path=ppt/slides/slide16.xml><?xml version="1.0" encoding="utf-8"?>
+<file path=ppt/slides/slide19.xml><?xml version="1.0" encoding="utf-8"?>
 <p:sld xmlns:a="http://schemas.openxmlformats.org/drawingml/2006/main" xmlns:r="http://schemas.openxmlformats.org/officeDocument/2006/relationships" xmlns:p="http://schemas.openxmlformats.org/presentationml/2006/main">
   <p:cSld>
     <p:spTree>
@@ -13061,7 +14212,7 @@
 </p:sld>
 </file>
 
-<file path=ppt/slides/slide17.xml><?xml version="1.0" encoding="utf-8"?>
+<file path=ppt/slides/slide2.xml><?xml version="1.0" encoding="utf-8"?>
 <p:sld xmlns:a="http://schemas.openxmlformats.org/drawingml/2006/main" xmlns:r="http://schemas.openxmlformats.org/officeDocument/2006/relationships" xmlns:p="http://schemas.openxmlformats.org/presentationml/2006/main">
   <p:cSld>
     <p:spTree>
@@ -13090,6 +14241,188 @@
         </p:nvSpPr>
         <p:spPr/>
         <p:txBody>
+          <a:bodyPr/>
+          <a:lstStyle/>
+          <a:p>
+            <a:r>
+              <a:rPr lang="en-US" dirty="0"/>
+              <a:t>Interfaces - Review</a:t>
+            </a:r>
+          </a:p>
+        </p:txBody>
+      </p:sp>
+      <p:sp>
+        <p:nvSpPr>
+          <p:cNvPr id="3" name="Content Placeholder 2"/>
+          <p:cNvSpPr>
+            <a:spLocks noGrp="1"/>
+          </p:cNvSpPr>
+          <p:nvPr>
+            <p:ph idx="1"/>
+          </p:nvPr>
+        </p:nvSpPr>
+        <p:spPr>
+          <a:xfrm>
+            <a:off x="228600" y="1295400"/>
+            <a:ext cx="8763000" cy="5105400"/>
+          </a:xfrm>
+        </p:spPr>
+        <p:txBody>
+          <a:bodyPr>
+            <a:normAutofit fontScale="92500" lnSpcReduction="20000"/>
+          </a:bodyPr>
+          <a:lstStyle/>
+          <a:p>
+            <a:r>
+              <a:rPr lang="en-US" dirty="0"/>
+              <a:t>Interfaces are contracts</a:t>
+            </a:r>
+          </a:p>
+          <a:p>
+            <a:pPr lvl="1"/>
+            <a:r>
+              <a:rPr lang="en-US" dirty="0"/>
+              <a:t>Any class that </a:t>
+            </a:r>
+            <a:r>
+              <a:rPr lang="en-US" b="1" i="1" dirty="0"/>
+              <a:t>implements</a:t>
+            </a:r>
+            <a:r>
+              <a:rPr lang="en-US" dirty="0"/>
+              <a:t> an interface </a:t>
+            </a:r>
+            <a:r>
+              <a:rPr lang="en-US" b="1" u="sng" dirty="0"/>
+              <a:t>MUST</a:t>
+            </a:r>
+            <a:r>
+              <a:rPr lang="en-US" dirty="0"/>
+              <a:t> provide an implementation for all methods defined in the interface.</a:t>
+            </a:r>
+          </a:p>
+          <a:p>
+            <a:r>
+              <a:rPr lang="en-US" dirty="0"/>
+              <a:t>Interfaces represent the abstract idea (and what it can do):</a:t>
+            </a:r>
+          </a:p>
+          <a:p>
+            <a:pPr lvl="1"/>
+            <a:r>
+              <a:rPr lang="en-US" dirty="0"/>
+              <a:t>Weighable objects (return weight in </a:t>
+            </a:r>
+            <a:r>
+              <a:rPr lang="en-US" dirty="0" err="1"/>
+              <a:t>lbs</a:t>
+            </a:r>
+            <a:r>
+              <a:rPr lang="en-US" dirty="0"/>
+              <a:t>)</a:t>
+            </a:r>
+          </a:p>
+          <a:p>
+            <a:pPr lvl="1"/>
+            <a:r>
+              <a:rPr lang="en-US" dirty="0" err="1"/>
+              <a:t>NumberSequences</a:t>
+            </a:r>
+            <a:r>
+              <a:rPr lang="en-US" dirty="0"/>
+              <a:t> (get the next number, reset)</a:t>
+            </a:r>
+          </a:p>
+          <a:p>
+            <a:pPr lvl="1"/>
+            <a:r>
+              <a:rPr lang="en-US" dirty="0"/>
+              <a:t>Pet (Can be fed, can tell if eating, can tell name)</a:t>
+            </a:r>
+          </a:p>
+          <a:p>
+            <a:r>
+              <a:rPr lang="en-US" dirty="0"/>
+              <a:t>Classes represent the concrete idea:</a:t>
+            </a:r>
+          </a:p>
+          <a:p>
+            <a:pPr lvl="1"/>
+            <a:r>
+              <a:rPr lang="en-US" dirty="0"/>
+              <a:t>Country, Bank Account</a:t>
+            </a:r>
+          </a:p>
+          <a:p>
+            <a:pPr lvl="1"/>
+            <a:r>
+              <a:rPr lang="en-US" dirty="0" err="1"/>
+              <a:t>AddOne</a:t>
+            </a:r>
+            <a:r>
+              <a:rPr lang="en-US" dirty="0"/>
+              <a:t>, </a:t>
+            </a:r>
+            <a:r>
+              <a:rPr lang="en-US" dirty="0" err="1"/>
+              <a:t>PowersOfTwo</a:t>
+            </a:r>
+            <a:r>
+              <a:rPr lang="en-US" dirty="0"/>
+              <a:t>. </a:t>
+            </a:r>
+          </a:p>
+          <a:p>
+            <a:pPr lvl="1"/>
+            <a:r>
+              <a:rPr lang="en-US" dirty="0"/>
+              <a:t>Dog, Cat, Fish</a:t>
+            </a:r>
+          </a:p>
+        </p:txBody>
+      </p:sp>
+    </p:spTree>
+    <p:extLst>
+      <p:ext uri="{BB962C8B-B14F-4D97-AF65-F5344CB8AC3E}">
+        <p14:creationId xmlns:p14="http://schemas.microsoft.com/office/powerpoint/2010/main" val="4235691500"/>
+      </p:ext>
+    </p:extLst>
+  </p:cSld>
+  <p:clrMapOvr>
+    <a:masterClrMapping/>
+  </p:clrMapOvr>
+</p:sld>
+</file>
+
+<file path=ppt/slides/slide20.xml><?xml version="1.0" encoding="utf-8"?>
+<p:sld xmlns:a="http://schemas.openxmlformats.org/drawingml/2006/main" xmlns:r="http://schemas.openxmlformats.org/officeDocument/2006/relationships" xmlns:p="http://schemas.openxmlformats.org/presentationml/2006/main">
+  <p:cSld>
+    <p:spTree>
+      <p:nvGrpSpPr>
+        <p:cNvPr id="1" name=""/>
+        <p:cNvGrpSpPr/>
+        <p:nvPr/>
+      </p:nvGrpSpPr>
+      <p:grpSpPr>
+        <a:xfrm>
+          <a:off x="0" y="0"/>
+          <a:ext cx="0" cy="0"/>
+          <a:chOff x="0" y="0"/>
+          <a:chExt cx="0" cy="0"/>
+        </a:xfrm>
+      </p:grpSpPr>
+      <p:sp>
+        <p:nvSpPr>
+          <p:cNvPr id="2" name="Title 1"/>
+          <p:cNvSpPr>
+            <a:spLocks noGrp="1"/>
+          </p:cNvSpPr>
+          <p:nvPr>
+            <p:ph type="title"/>
+          </p:nvPr>
+        </p:nvSpPr>
+        <p:spPr/>
+        <p:txBody>
           <a:bodyPr>
             <a:normAutofit fontScale="90000"/>
           </a:bodyPr>
@@ -13282,7 +14615,7 @@
 </p:sld>
 </file>
 
-<file path=ppt/slides/slide18.xml><?xml version="1.0" encoding="utf-8"?>
+<file path=ppt/slides/slide21.xml><?xml version="1.0" encoding="utf-8"?>
 <p:sld xmlns:a="http://schemas.openxmlformats.org/drawingml/2006/main" xmlns:r="http://schemas.openxmlformats.org/officeDocument/2006/relationships" xmlns:p="http://schemas.openxmlformats.org/presentationml/2006/main">
   <p:cSld>
     <p:spTree>
@@ -13334,14 +14667,14 @@
           </a:ln>
           <a:extLst>
             <a:ext uri="{909E8E84-426E-40dd-AFC4-6F175D3DCCD1}">
-              <a14:hiddenFill xmlns="" xmlns:a14="http://schemas.microsoft.com/office/drawing/2010/main">
+              <a14:hiddenFill xmlns:a14="http://schemas.microsoft.com/office/drawing/2010/main" xmlns="">
                 <a:solidFill>
                   <a:srgbClr val="FFFFFF"/>
                 </a:solidFill>
               </a14:hiddenFill>
             </a:ext>
             <a:ext uri="{91240B29-F687-4f45-9708-019B960494DF}">
-              <a14:hiddenLine xmlns="" xmlns:a14="http://schemas.microsoft.com/office/drawing/2010/main" w="9525">
+              <a14:hiddenLine xmlns:a14="http://schemas.microsoft.com/office/drawing/2010/main" xmlns="" w="9525">
                 <a:solidFill>
                   <a:srgbClr val="000000"/>
                 </a:solidFill>
@@ -13784,7 +15117,7 @@
 </p:sld>
 </file>
 
-<file path=ppt/slides/slide19.xml><?xml version="1.0" encoding="utf-8"?>
+<file path=ppt/slides/slide22.xml><?xml version="1.0" encoding="utf-8"?>
 <p:sld xmlns:a="http://schemas.openxmlformats.org/drawingml/2006/main" xmlns:r="http://schemas.openxmlformats.org/officeDocument/2006/relationships" xmlns:p="http://schemas.openxmlformats.org/presentationml/2006/main">
   <p:cSld>
     <p:spTree>
@@ -14128,189 +15461,7 @@
 </p:sld>
 </file>
 
-<file path=ppt/slides/slide2.xml><?xml version="1.0" encoding="utf-8"?>
-<p:sld xmlns:a="http://schemas.openxmlformats.org/drawingml/2006/main" xmlns:r="http://schemas.openxmlformats.org/officeDocument/2006/relationships" xmlns:p="http://schemas.openxmlformats.org/presentationml/2006/main">
-  <p:cSld>
-    <p:spTree>
-      <p:nvGrpSpPr>
-        <p:cNvPr id="1" name=""/>
-        <p:cNvGrpSpPr/>
-        <p:nvPr/>
-      </p:nvGrpSpPr>
-      <p:grpSpPr>
-        <a:xfrm>
-          <a:off x="0" y="0"/>
-          <a:ext cx="0" cy="0"/>
-          <a:chOff x="0" y="0"/>
-          <a:chExt cx="0" cy="0"/>
-        </a:xfrm>
-      </p:grpSpPr>
-      <p:sp>
-        <p:nvSpPr>
-          <p:cNvPr id="2" name="Title 1"/>
-          <p:cNvSpPr>
-            <a:spLocks noGrp="1"/>
-          </p:cNvSpPr>
-          <p:nvPr>
-            <p:ph type="title"/>
-          </p:nvPr>
-        </p:nvSpPr>
-        <p:spPr/>
-        <p:txBody>
-          <a:bodyPr/>
-          <a:lstStyle/>
-          <a:p>
-            <a:r>
-              <a:rPr lang="en-US" dirty="0"/>
-              <a:t>Interfaces - Review</a:t>
-            </a:r>
-          </a:p>
-        </p:txBody>
-      </p:sp>
-      <p:sp>
-        <p:nvSpPr>
-          <p:cNvPr id="3" name="Content Placeholder 2"/>
-          <p:cNvSpPr>
-            <a:spLocks noGrp="1"/>
-          </p:cNvSpPr>
-          <p:nvPr>
-            <p:ph idx="1"/>
-          </p:nvPr>
-        </p:nvSpPr>
-        <p:spPr>
-          <a:xfrm>
-            <a:off x="228600" y="1295400"/>
-            <a:ext cx="8763000" cy="5105400"/>
-          </a:xfrm>
-        </p:spPr>
-        <p:txBody>
-          <a:bodyPr>
-            <a:normAutofit fontScale="92500" lnSpcReduction="20000"/>
-          </a:bodyPr>
-          <a:lstStyle/>
-          <a:p>
-            <a:r>
-              <a:rPr lang="en-US" dirty="0"/>
-              <a:t>Interfaces are contracts</a:t>
-            </a:r>
-          </a:p>
-          <a:p>
-            <a:pPr lvl="1"/>
-            <a:r>
-              <a:rPr lang="en-US" dirty="0"/>
-              <a:t>Any class that </a:t>
-            </a:r>
-            <a:r>
-              <a:rPr lang="en-US" b="1" i="1" dirty="0"/>
-              <a:t>implements</a:t>
-            </a:r>
-            <a:r>
-              <a:rPr lang="en-US" dirty="0"/>
-              <a:t> an interface </a:t>
-            </a:r>
-            <a:r>
-              <a:rPr lang="en-US" b="1" u="sng" dirty="0"/>
-              <a:t>MUST</a:t>
-            </a:r>
-            <a:r>
-              <a:rPr lang="en-US" dirty="0"/>
-              <a:t> provide an implementation for all methods defined in the interface.</a:t>
-            </a:r>
-          </a:p>
-          <a:p>
-            <a:r>
-              <a:rPr lang="en-US" dirty="0"/>
-              <a:t>Interfaces represent the abstract idea (and what it can do):</a:t>
-            </a:r>
-          </a:p>
-          <a:p>
-            <a:pPr lvl="1"/>
-            <a:r>
-              <a:rPr lang="en-US" dirty="0"/>
-              <a:t>Weighable objects (return weight in </a:t>
-            </a:r>
-            <a:r>
-              <a:rPr lang="en-US" dirty="0" err="1"/>
-              <a:t>lbs</a:t>
-            </a:r>
-            <a:r>
-              <a:rPr lang="en-US" dirty="0"/>
-              <a:t>)</a:t>
-            </a:r>
-          </a:p>
-          <a:p>
-            <a:pPr lvl="1"/>
-            <a:r>
-              <a:rPr lang="en-US" dirty="0" err="1"/>
-              <a:t>NumberSequences</a:t>
-            </a:r>
-            <a:r>
-              <a:rPr lang="en-US" dirty="0"/>
-              <a:t> (get the next number, reset)</a:t>
-            </a:r>
-          </a:p>
-          <a:p>
-            <a:pPr lvl="1"/>
-            <a:r>
-              <a:rPr lang="en-US" dirty="0"/>
-              <a:t>Pet (Can be fed, can tell if eating, can tell name)</a:t>
-            </a:r>
-          </a:p>
-          <a:p>
-            <a:r>
-              <a:rPr lang="en-US" dirty="0"/>
-              <a:t>Classes represent the concrete idea:</a:t>
-            </a:r>
-          </a:p>
-          <a:p>
-            <a:pPr lvl="1"/>
-            <a:r>
-              <a:rPr lang="en-US" dirty="0"/>
-              <a:t>Country, Bank Account</a:t>
-            </a:r>
-          </a:p>
-          <a:p>
-            <a:pPr lvl="1"/>
-            <a:r>
-              <a:rPr lang="en-US" dirty="0" err="1"/>
-              <a:t>AddOne</a:t>
-            </a:r>
-            <a:r>
-              <a:rPr lang="en-US" dirty="0"/>
-              <a:t>, </a:t>
-            </a:r>
-            <a:r>
-              <a:rPr lang="en-US" dirty="0" err="1"/>
-              <a:t>PowersOfTwo</a:t>
-            </a:r>
-            <a:r>
-              <a:rPr lang="en-US" dirty="0"/>
-              <a:t>. </a:t>
-            </a:r>
-          </a:p>
-          <a:p>
-            <a:pPr lvl="1"/>
-            <a:r>
-              <a:rPr lang="en-US" dirty="0"/>
-              <a:t>Dog, Cat, Fish</a:t>
-            </a:r>
-          </a:p>
-        </p:txBody>
-      </p:sp>
-    </p:spTree>
-    <p:extLst>
-      <p:ext uri="{BB962C8B-B14F-4D97-AF65-F5344CB8AC3E}">
-        <p14:creationId xmlns:p14="http://schemas.microsoft.com/office/powerpoint/2010/main" val="4235691500"/>
-      </p:ext>
-    </p:extLst>
-  </p:cSld>
-  <p:clrMapOvr>
-    <a:masterClrMapping/>
-  </p:clrMapOvr>
-</p:sld>
-</file>
-
-<file path=ppt/slides/slide20.xml><?xml version="1.0" encoding="utf-8"?>
+<file path=ppt/slides/slide23.xml><?xml version="1.0" encoding="utf-8"?>
 <p:sld xmlns:a="http://schemas.openxmlformats.org/drawingml/2006/main" xmlns:r="http://schemas.openxmlformats.org/officeDocument/2006/relationships" xmlns:p="http://schemas.openxmlformats.org/presentationml/2006/main">
   <p:cSld>
     <p:spTree>
@@ -14512,7 +15663,7 @@
 </p:sld>
 </file>
 
-<file path=ppt/slides/slide21.xml><?xml version="1.0" encoding="utf-8"?>
+<file path=ppt/slides/slide24.xml><?xml version="1.0" encoding="utf-8"?>
 <p:sld xmlns:a="http://schemas.openxmlformats.org/drawingml/2006/main" xmlns:r="http://schemas.openxmlformats.org/officeDocument/2006/relationships" xmlns:p="http://schemas.openxmlformats.org/presentationml/2006/main">
   <p:cSld>
     <p:spTree>
@@ -14844,7 +15995,7 @@
 </p:sld>
 </file>
 
-<file path=ppt/slides/slide22.xml><?xml version="1.0" encoding="utf-8"?>
+<file path=ppt/slides/slide25.xml><?xml version="1.0" encoding="utf-8"?>
 <p:sld xmlns:a="http://schemas.openxmlformats.org/drawingml/2006/main" xmlns:r="http://schemas.openxmlformats.org/officeDocument/2006/relationships" xmlns:p="http://schemas.openxmlformats.org/presentationml/2006/main">
   <p:cSld>
     <p:spTree>
@@ -15015,7 +16166,7 @@
 </p:sld>
 </file>
 
-<file path=ppt/slides/slide23.xml><?xml version="1.0" encoding="utf-8"?>
+<file path=ppt/slides/slide26.xml><?xml version="1.0" encoding="utf-8"?>
 <p:sld xmlns:a="http://schemas.openxmlformats.org/drawingml/2006/main" xmlns:r="http://schemas.openxmlformats.org/officeDocument/2006/relationships" xmlns:p="http://schemas.openxmlformats.org/presentationml/2006/main">
   <p:cSld>
     <p:spTree>
@@ -15149,7 +16300,7 @@
 </p:sld>
 </file>
 
-<file path=ppt/slides/slide24.xml><?xml version="1.0" encoding="utf-8"?>
+<file path=ppt/slides/slide27.xml><?xml version="1.0" encoding="utf-8"?>
 <p:sld xmlns:a="http://schemas.openxmlformats.org/drawingml/2006/main" xmlns:r="http://schemas.openxmlformats.org/officeDocument/2006/relationships" xmlns:p="http://schemas.openxmlformats.org/presentationml/2006/main">
   <p:cSld>
     <p:spTree>
@@ -15618,6 +16769,54 @@
           <a:chExt cx="0" cy="0"/>
         </a:xfrm>
       </p:grpSpPr>
+      <p:pic>
+        <p:nvPicPr>
+          <p:cNvPr id="14" name="Picture 4" descr="https://lh3.googleusercontent.com/4iUDcmqSQGrlqblNG5mEh0wBFbmVCRLwimd_7n_UhoBlmFJB9m9FZ7YAIfSkUSZHVVax7lFxIWGhg_t338-DEHGoTY20ZX36zjEN_qRbRyOvH2NJUbpheCQvq1Wb5uylXR8YOh0O">
+            <a:hlinkClick r:id="rId3"/>
+            <a:extLst>
+              <a:ext uri="{FF2B5EF4-FFF2-40B4-BE49-F238E27FC236}">
+                <a16:creationId xmlns:a16="http://schemas.microsoft.com/office/drawing/2014/main" id="{F7EE57CE-57AA-4321-ADF1-6B2AB513BE0D}"/>
+              </a:ext>
+            </a:extLst>
+          </p:cNvPr>
+          <p:cNvPicPr>
+            <a:picLocks noChangeAspect="1" noChangeArrowheads="1"/>
+          </p:cNvPicPr>
+          <p:nvPr/>
+        </p:nvPicPr>
+        <p:blipFill>
+          <a:blip r:embed="rId4">
+            <a:extLst>
+              <a:ext uri="{28A0092B-C50C-407E-A947-70E740481C1C}">
+                <a14:useLocalDpi xmlns:a14="http://schemas.microsoft.com/office/drawing/2010/main" val="0"/>
+              </a:ext>
+            </a:extLst>
+          </a:blip>
+          <a:srcRect/>
+          <a:stretch>
+            <a:fillRect/>
+          </a:stretch>
+        </p:blipFill>
+        <p:spPr bwMode="auto">
+          <a:xfrm>
+            <a:off x="76200" y="1219200"/>
+            <a:ext cx="5791200" cy="4976813"/>
+          </a:xfrm>
+          <a:prstGeom prst="rect">
+            <a:avLst/>
+          </a:prstGeom>
+          <a:noFill/>
+          <a:extLst>
+            <a:ext uri="{909E8E84-426E-40DD-AFC4-6F175D3DCCD1}">
+              <a14:hiddenFill xmlns:a14="http://schemas.microsoft.com/office/drawing/2010/main">
+                <a:solidFill>
+                  <a:srgbClr val="FFFFFF"/>
+                </a:solidFill>
+              </a14:hiddenFill>
+            </a:ext>
+          </a:extLst>
+        </p:spPr>
+      </p:pic>
       <p:sp>
         <p:nvSpPr>
           <p:cNvPr id="2" name="Title 1"/>
@@ -15634,164 +16833,517 @@
           <a:lstStyle/>
           <a:p>
             <a:r>
-              <a:rPr lang="en-US" dirty="0"/>
-              <a:t>Polymorphic method calls</a:t>
-            </a:r>
-          </a:p>
-        </p:txBody>
-      </p:sp>
-      <p:sp>
-        <p:nvSpPr>
-          <p:cNvPr id="3" name="Content Placeholder 2"/>
-          <p:cNvSpPr>
-            <a:spLocks noGrp="1"/>
-          </p:cNvSpPr>
-          <p:nvPr>
-            <p:ph idx="1"/>
-          </p:nvPr>
-        </p:nvSpPr>
-        <p:spPr/>
-        <p:txBody>
-          <a:bodyPr>
-            <a:normAutofit lnSpcReduction="10000"/>
-          </a:bodyPr>
-          <a:lstStyle/>
-          <a:p>
-            <a:r>
-              <a:rPr lang="en-US" dirty="0" err="1"/>
-              <a:t>pet.feed</a:t>
-            </a:r>
-            <a:r>
-              <a:rPr lang="en-US" dirty="0"/>
-              <a:t>() </a:t>
-            </a:r>
-            <a:r>
-              <a:rPr lang="en-US" b="1" dirty="0"/>
-              <a:t>could </a:t>
-            </a:r>
-            <a:r>
-              <a:rPr lang="en-US" dirty="0"/>
-              <a:t>call:</a:t>
-            </a:r>
-          </a:p>
-          <a:p>
-            <a:pPr lvl="1"/>
-            <a:r>
-              <a:rPr lang="en-US" dirty="0"/>
-              <a:t>Dog’s feed()</a:t>
-            </a:r>
-          </a:p>
-          <a:p>
-            <a:pPr lvl="1"/>
-            <a:r>
-              <a:rPr lang="en-US" dirty="0"/>
-              <a:t>Cat’s feed()</a:t>
-            </a:r>
-          </a:p>
-          <a:p>
-            <a:pPr lvl="1"/>
-            <a:r>
-              <a:rPr lang="en-US" dirty="0"/>
-              <a:t>Fish’s feed()</a:t>
-            </a:r>
-          </a:p>
-          <a:p>
-            <a:endParaRPr lang="en-US" dirty="0"/>
-          </a:p>
-          <a:p>
-            <a:r>
-              <a:rPr lang="en-US" dirty="0"/>
-              <a:t>Your code is well designed if:</a:t>
-            </a:r>
-          </a:p>
-          <a:p>
-            <a:pPr lvl="1"/>
-            <a:r>
-              <a:rPr lang="en-US" dirty="0"/>
-              <a:t>You </a:t>
-            </a:r>
-            <a:r>
-              <a:rPr lang="en-US" b="1" dirty="0"/>
-              <a:t>don’t</a:t>
-            </a:r>
-            <a:r>
-              <a:rPr lang="en-US" dirty="0"/>
-              <a:t> </a:t>
-            </a:r>
-            <a:r>
-              <a:rPr lang="en-US" b="1" dirty="0"/>
-              <a:t>need</a:t>
-            </a:r>
-            <a:r>
-              <a:rPr lang="en-US" dirty="0"/>
-              <a:t> </a:t>
-            </a:r>
-            <a:r>
-              <a:rPr lang="en-US" b="1" dirty="0"/>
-              <a:t>to know</a:t>
-            </a:r>
-            <a:r>
-              <a:rPr lang="en-US" dirty="0"/>
-              <a:t> which implementation is used.</a:t>
-            </a:r>
-          </a:p>
-          <a:p>
-            <a:pPr lvl="1"/>
-            <a:r>
-              <a:rPr lang="en-US" dirty="0"/>
-              <a:t>The end result is the same. (“pet is fed”)</a:t>
-            </a:r>
-          </a:p>
-        </p:txBody>
-      </p:sp>
-      <p:sp>
-        <p:nvSpPr>
-          <p:cNvPr id="4" name="TextBox 3"/>
+              <a:rPr lang="en-US"/>
+              <a:t>Pet Interface Example</a:t>
+            </a:r>
+          </a:p>
+        </p:txBody>
+      </p:sp>
+      <p:cxnSp>
+        <p:nvCxnSpPr>
+          <p:cNvPr id="6" name="Straight Arrow Connector 5">
+            <a:extLst>
+              <a:ext uri="{FF2B5EF4-FFF2-40B4-BE49-F238E27FC236}">
+                <a16:creationId xmlns:a16="http://schemas.microsoft.com/office/drawing/2014/main" id="{2F72C880-828E-48B0-B478-9AE9FC2A8B24}"/>
+              </a:ext>
+            </a:extLst>
+          </p:cNvPr>
+          <p:cNvCxnSpPr>
+            <a:cxnSpLocks/>
+          </p:cNvCxnSpPr>
+          <p:nvPr/>
+        </p:nvCxnSpPr>
+        <p:spPr>
+          <a:xfrm flipV="1">
+            <a:off x="1485900" y="4953000"/>
+            <a:ext cx="723900" cy="1048979"/>
+          </a:xfrm>
+          <a:prstGeom prst="straightConnector1">
+            <a:avLst/>
+          </a:prstGeom>
+          <a:ln w="22225">
+            <a:solidFill>
+              <a:schemeClr val="tx1"/>
+            </a:solidFill>
+            <a:tailEnd type="triangle"/>
+          </a:ln>
+        </p:spPr>
+        <p:style>
+          <a:lnRef idx="1">
+            <a:schemeClr val="accent1"/>
+          </a:lnRef>
+          <a:fillRef idx="0">
+            <a:schemeClr val="accent1"/>
+          </a:fillRef>
+          <a:effectRef idx="0">
+            <a:schemeClr val="accent1"/>
+          </a:effectRef>
+          <a:fontRef idx="minor">
+            <a:schemeClr val="tx1"/>
+          </a:fontRef>
+        </p:style>
+      </p:cxnSp>
+      <p:grpSp>
+        <p:nvGrpSpPr>
+          <p:cNvPr id="4" name="Group 3">
+            <a:extLst>
+              <a:ext uri="{FF2B5EF4-FFF2-40B4-BE49-F238E27FC236}">
+                <a16:creationId xmlns:a16="http://schemas.microsoft.com/office/drawing/2014/main" id="{99E76F8A-F546-45FF-B363-0D205D263FBB}"/>
+              </a:ext>
+            </a:extLst>
+          </p:cNvPr>
+          <p:cNvGrpSpPr/>
+          <p:nvPr/>
+        </p:nvGrpSpPr>
+        <p:grpSpPr>
+          <a:xfrm>
+            <a:off x="304800" y="6026224"/>
+            <a:ext cx="2362200" cy="448508"/>
+            <a:chOff x="0" y="5647492"/>
+            <a:chExt cx="2362200" cy="448508"/>
+          </a:xfrm>
+        </p:grpSpPr>
+        <p:sp>
+          <p:nvSpPr>
+            <p:cNvPr id="3" name="TextBox 2">
+              <a:extLst>
+                <a:ext uri="{FF2B5EF4-FFF2-40B4-BE49-F238E27FC236}">
+                  <a16:creationId xmlns:a16="http://schemas.microsoft.com/office/drawing/2014/main" id="{E1609261-AE43-4DC7-A9DC-FF49B1ACA6A3}"/>
+                </a:ext>
+              </a:extLst>
+            </p:cNvPr>
+            <p:cNvSpPr txBox="1"/>
+            <p:nvPr/>
+          </p:nvSpPr>
+          <p:spPr>
+            <a:xfrm>
+              <a:off x="55557" y="5718447"/>
+              <a:ext cx="2251086" cy="307777"/>
+            </a:xfrm>
+            <a:prstGeom prst="rect">
+              <a:avLst/>
+            </a:prstGeom>
+            <a:noFill/>
+          </p:spPr>
+          <p:txBody>
+            <a:bodyPr wrap="square" rtlCol="0">
+              <a:spAutoFit/>
+            </a:bodyPr>
+            <a:lstStyle/>
+            <a:p>
+              <a:r>
+                <a:rPr lang="en-US" sz="1400"/>
+                <a:t>1 of List&lt;Pet&gt; in </a:t>
+              </a:r>
+              <a:r>
+                <a:rPr lang="en-US" sz="1400" err="1"/>
+                <a:t>PetMain</a:t>
+              </a:r>
+              <a:endParaRPr lang="en-US" sz="1400"/>
+            </a:p>
+          </p:txBody>
+        </p:sp>
+        <p:sp>
+          <p:nvSpPr>
+            <p:cNvPr id="8" name="Rectangle: Rounded Corners 7">
+              <a:extLst>
+                <a:ext uri="{FF2B5EF4-FFF2-40B4-BE49-F238E27FC236}">
+                  <a16:creationId xmlns:a16="http://schemas.microsoft.com/office/drawing/2014/main" id="{E15EF6D3-366A-4D7C-928E-DB3E8AD2FF82}"/>
+                </a:ext>
+              </a:extLst>
+            </p:cNvPr>
+            <p:cNvSpPr/>
+            <p:nvPr/>
+          </p:nvSpPr>
+          <p:spPr>
+            <a:xfrm>
+              <a:off x="0" y="5647492"/>
+              <a:ext cx="2362200" cy="448508"/>
+            </a:xfrm>
+            <a:prstGeom prst="roundRect">
+              <a:avLst/>
+            </a:prstGeom>
+            <a:noFill/>
+            <a:ln>
+              <a:solidFill>
+                <a:schemeClr val="tx1"/>
+              </a:solidFill>
+            </a:ln>
+          </p:spPr>
+          <p:style>
+            <a:lnRef idx="2">
+              <a:schemeClr val="accent1">
+                <a:shade val="50000"/>
+              </a:schemeClr>
+            </a:lnRef>
+            <a:fillRef idx="1">
+              <a:schemeClr val="accent1"/>
+            </a:fillRef>
+            <a:effectRef idx="0">
+              <a:schemeClr val="accent1"/>
+            </a:effectRef>
+            <a:fontRef idx="minor">
+              <a:schemeClr val="lt1"/>
+            </a:fontRef>
+          </p:style>
+          <p:txBody>
+            <a:bodyPr rtlCol="0" anchor="ctr"/>
+            <a:lstStyle/>
+            <a:p>
+              <a:pPr algn="ctr"/>
+              <a:endParaRPr lang="en-US"/>
+            </a:p>
+          </p:txBody>
+        </p:sp>
+      </p:grpSp>
+      <p:sp>
+        <p:nvSpPr>
+          <p:cNvPr id="11" name="TextBox 10">
+            <a:extLst>
+              <a:ext uri="{FF2B5EF4-FFF2-40B4-BE49-F238E27FC236}">
+                <a16:creationId xmlns:a16="http://schemas.microsoft.com/office/drawing/2014/main" id="{E1451234-EAC6-428F-B7E4-2950ED3825D1}"/>
+              </a:ext>
+            </a:extLst>
+          </p:cNvPr>
           <p:cNvSpPr txBox="1"/>
           <p:nvPr/>
         </p:nvSpPr>
         <p:spPr>
           <a:xfrm>
-            <a:off x="8382224" y="6324600"/>
-            <a:ext cx="457176" cy="369332"/>
+            <a:off x="6353393" y="2270681"/>
+            <a:ext cx="2193229" cy="1600438"/>
           </a:xfrm>
           <a:prstGeom prst="rect">
             <a:avLst/>
           </a:prstGeom>
+          <a:noFill/>
+        </p:spPr>
+        <p:txBody>
+          <a:bodyPr wrap="none" rtlCol="0">
+            <a:spAutoFit/>
+          </a:bodyPr>
+          <a:lstStyle/>
+          <a:p>
+            <a:r>
+              <a:rPr lang="en-US" sz="1400"/>
+              <a:t>Method </a:t>
+            </a:r>
+            <a:r>
+              <a:rPr lang="en-US" sz="1400" i="1" err="1"/>
+              <a:t>makePets</a:t>
+            </a:r>
+            <a:r>
+              <a:rPr lang="en-US" sz="1400" i="1"/>
+              <a:t>()</a:t>
+            </a:r>
+          </a:p>
+          <a:p>
+            <a:r>
+              <a:rPr lang="en-US" sz="1400"/>
+              <a:t>still must directly call</a:t>
+            </a:r>
+          </a:p>
+          <a:p>
+            <a:r>
+              <a:rPr lang="en-US" sz="1400"/>
+              <a:t>constructor for Dog,</a:t>
+            </a:r>
+          </a:p>
+          <a:p>
+            <a:r>
+              <a:rPr lang="en-US" sz="1400"/>
+              <a:t>Cat, and Fish</a:t>
+            </a:r>
+          </a:p>
+          <a:p>
+            <a:endParaRPr lang="en-US" sz="1400"/>
+          </a:p>
+          <a:p>
+            <a:r>
+              <a:rPr lang="en-US" sz="1400"/>
+              <a:t>That’s why we have</a:t>
+            </a:r>
+          </a:p>
+          <a:p>
+            <a:r>
+              <a:rPr lang="en-US" sz="1400"/>
+              <a:t>the 3 dependency arrows</a:t>
+            </a:r>
+          </a:p>
+        </p:txBody>
+      </p:sp>
+      <p:sp>
+        <p:nvSpPr>
+          <p:cNvPr id="12" name="Rectangle: Rounded Corners 11">
+            <a:extLst>
+              <a:ext uri="{FF2B5EF4-FFF2-40B4-BE49-F238E27FC236}">
+                <a16:creationId xmlns:a16="http://schemas.microsoft.com/office/drawing/2014/main" id="{B5E9BE8C-5807-4282-BF24-4F090CEA632C}"/>
+              </a:ext>
+            </a:extLst>
+          </p:cNvPr>
+          <p:cNvSpPr/>
+          <p:nvPr/>
+        </p:nvSpPr>
+        <p:spPr>
+          <a:xfrm>
+            <a:off x="6248400" y="2209800"/>
+            <a:ext cx="2362200" cy="1659889"/>
+          </a:xfrm>
+          <a:prstGeom prst="roundRect">
+            <a:avLst/>
+          </a:prstGeom>
+          <a:noFill/>
+          <a:ln>
+            <a:solidFill>
+              <a:schemeClr val="tx1"/>
+            </a:solidFill>
+          </a:ln>
         </p:spPr>
         <p:style>
           <a:lnRef idx="2">
-            <a:schemeClr val="accent3">
+            <a:schemeClr val="accent1">
               <a:shade val="50000"/>
             </a:schemeClr>
           </a:lnRef>
           <a:fillRef idx="1">
-            <a:schemeClr val="accent3"/>
+            <a:schemeClr val="accent1"/>
           </a:fillRef>
           <a:effectRef idx="0">
-            <a:schemeClr val="accent3"/>
+            <a:schemeClr val="accent1"/>
           </a:effectRef>
           <a:fontRef idx="minor">
             <a:schemeClr val="lt1"/>
           </a:fontRef>
         </p:style>
         <p:txBody>
+          <a:bodyPr rtlCol="0" anchor="ctr"/>
+          <a:lstStyle/>
+          <a:p>
+            <a:pPr algn="ctr"/>
+            <a:endParaRPr lang="en-US"/>
+          </a:p>
+        </p:txBody>
+      </p:sp>
+      <p:cxnSp>
+        <p:nvCxnSpPr>
+          <p:cNvPr id="13" name="Straight Arrow Connector 12">
+            <a:extLst>
+              <a:ext uri="{FF2B5EF4-FFF2-40B4-BE49-F238E27FC236}">
+                <a16:creationId xmlns:a16="http://schemas.microsoft.com/office/drawing/2014/main" id="{55D3A702-4568-4ED9-9F3C-1E5765B3D976}"/>
+              </a:ext>
+            </a:extLst>
+          </p:cNvPr>
+          <p:cNvCxnSpPr>
+            <a:cxnSpLocks/>
+          </p:cNvCxnSpPr>
+          <p:nvPr/>
+        </p:nvCxnSpPr>
+        <p:spPr>
+          <a:xfrm flipH="1">
+            <a:off x="3988378" y="2514600"/>
+            <a:ext cx="2260022" cy="0"/>
+          </a:xfrm>
+          <a:prstGeom prst="straightConnector1">
+            <a:avLst/>
+          </a:prstGeom>
+          <a:ln w="22225">
+            <a:solidFill>
+              <a:schemeClr val="tx1"/>
+            </a:solidFill>
+            <a:tailEnd type="triangle"/>
+          </a:ln>
+        </p:spPr>
+        <p:style>
+          <a:lnRef idx="1">
+            <a:schemeClr val="accent1"/>
+          </a:lnRef>
+          <a:fillRef idx="0">
+            <a:schemeClr val="accent1"/>
+          </a:fillRef>
+          <a:effectRef idx="0">
+            <a:schemeClr val="accent1"/>
+          </a:effectRef>
+          <a:fontRef idx="minor">
+            <a:schemeClr val="tx1"/>
+          </a:fontRef>
+        </p:style>
+      </p:cxnSp>
+      <p:sp>
+        <p:nvSpPr>
+          <p:cNvPr id="15" name="TextBox 14">
+            <a:extLst>
+              <a:ext uri="{FF2B5EF4-FFF2-40B4-BE49-F238E27FC236}">
+                <a16:creationId xmlns:a16="http://schemas.microsoft.com/office/drawing/2014/main" id="{B155CCCE-A22D-4D9F-8641-1F643E1CE3BB}"/>
+              </a:ext>
+            </a:extLst>
+          </p:cNvPr>
+          <p:cNvSpPr txBox="1"/>
+          <p:nvPr/>
+        </p:nvSpPr>
+        <p:spPr>
+          <a:xfrm>
+            <a:off x="6019800" y="4461264"/>
+            <a:ext cx="2093843" cy="1169551"/>
+          </a:xfrm>
+          <a:prstGeom prst="rect">
+            <a:avLst/>
+          </a:prstGeom>
+          <a:noFill/>
+        </p:spPr>
+        <p:txBody>
           <a:bodyPr wrap="none" rtlCol="0">
             <a:spAutoFit/>
           </a:bodyPr>
           <a:lstStyle/>
           <a:p>
             <a:r>
-              <a:rPr lang="en-US" dirty="0"/>
-              <a:t>Q5</a:t>
-            </a:r>
-          </a:p>
-        </p:txBody>
-      </p:sp>
+              <a:rPr lang="en-US" sz="1400"/>
+              <a:t>Method </a:t>
+            </a:r>
+            <a:r>
+              <a:rPr lang="en-US" sz="1400" i="1" err="1"/>
+              <a:t>feedPet</a:t>
+            </a:r>
+            <a:r>
+              <a:rPr lang="en-US" sz="1400" i="1"/>
+              <a:t>()</a:t>
+            </a:r>
+          </a:p>
+          <a:p>
+            <a:r>
+              <a:rPr lang="en-US" sz="1400"/>
+              <a:t>calls </a:t>
+            </a:r>
+            <a:r>
+              <a:rPr lang="en-US" sz="1400" i="1" err="1"/>
+              <a:t>eatFood</a:t>
+            </a:r>
+            <a:r>
+              <a:rPr lang="en-US" sz="1400" i="1"/>
+              <a:t>()</a:t>
+            </a:r>
+            <a:r>
+              <a:rPr lang="en-US" sz="1400"/>
+              <a:t> from Pet</a:t>
+            </a:r>
+          </a:p>
+          <a:p>
+            <a:endParaRPr lang="en-US" sz="1400"/>
+          </a:p>
+          <a:p>
+            <a:r>
+              <a:rPr lang="en-US" sz="1400"/>
+              <a:t>That’s why we have</a:t>
+            </a:r>
+          </a:p>
+          <a:p>
+            <a:r>
+              <a:rPr lang="en-US" sz="1400"/>
+              <a:t>this dependency arrow</a:t>
+            </a:r>
+          </a:p>
+        </p:txBody>
+      </p:sp>
+      <p:sp>
+        <p:nvSpPr>
+          <p:cNvPr id="19" name="Rectangle: Rounded Corners 18">
+            <a:extLst>
+              <a:ext uri="{FF2B5EF4-FFF2-40B4-BE49-F238E27FC236}">
+                <a16:creationId xmlns:a16="http://schemas.microsoft.com/office/drawing/2014/main" id="{8DE2F343-B693-40E9-94BB-27A7321BE975}"/>
+              </a:ext>
+            </a:extLst>
+          </p:cNvPr>
+          <p:cNvSpPr/>
+          <p:nvPr/>
+        </p:nvSpPr>
+        <p:spPr>
+          <a:xfrm>
+            <a:off x="5943600" y="4457550"/>
+            <a:ext cx="2362200" cy="1173266"/>
+          </a:xfrm>
+          <a:prstGeom prst="roundRect">
+            <a:avLst/>
+          </a:prstGeom>
+          <a:noFill/>
+          <a:ln>
+            <a:solidFill>
+              <a:schemeClr val="tx1"/>
+            </a:solidFill>
+          </a:ln>
+        </p:spPr>
+        <p:style>
+          <a:lnRef idx="2">
+            <a:schemeClr val="accent1">
+              <a:shade val="50000"/>
+            </a:schemeClr>
+          </a:lnRef>
+          <a:fillRef idx="1">
+            <a:schemeClr val="accent1"/>
+          </a:fillRef>
+          <a:effectRef idx="0">
+            <a:schemeClr val="accent1"/>
+          </a:effectRef>
+          <a:fontRef idx="minor">
+            <a:schemeClr val="lt1"/>
+          </a:fontRef>
+        </p:style>
+        <p:txBody>
+          <a:bodyPr rtlCol="0" anchor="ctr"/>
+          <a:lstStyle/>
+          <a:p>
+            <a:pPr algn="ctr"/>
+            <a:endParaRPr lang="en-US"/>
+          </a:p>
+        </p:txBody>
+      </p:sp>
+      <p:cxnSp>
+        <p:nvCxnSpPr>
+          <p:cNvPr id="20" name="Straight Arrow Connector 19">
+            <a:extLst>
+              <a:ext uri="{FF2B5EF4-FFF2-40B4-BE49-F238E27FC236}">
+                <a16:creationId xmlns:a16="http://schemas.microsoft.com/office/drawing/2014/main" id="{FE219F73-5806-4D7C-A529-DA2E4523E04D}"/>
+              </a:ext>
+            </a:extLst>
+          </p:cNvPr>
+          <p:cNvCxnSpPr>
+            <a:cxnSpLocks/>
+          </p:cNvCxnSpPr>
+          <p:nvPr/>
+        </p:nvCxnSpPr>
+        <p:spPr>
+          <a:xfrm flipH="1" flipV="1">
+            <a:off x="5029200" y="4457550"/>
+            <a:ext cx="914400" cy="495450"/>
+          </a:xfrm>
+          <a:prstGeom prst="straightConnector1">
+            <a:avLst/>
+          </a:prstGeom>
+          <a:ln w="22225">
+            <a:solidFill>
+              <a:schemeClr val="tx1"/>
+            </a:solidFill>
+            <a:tailEnd type="triangle"/>
+          </a:ln>
+        </p:spPr>
+        <p:style>
+          <a:lnRef idx="1">
+            <a:schemeClr val="accent1"/>
+          </a:lnRef>
+          <a:fillRef idx="0">
+            <a:schemeClr val="accent1"/>
+          </a:fillRef>
+          <a:effectRef idx="0">
+            <a:schemeClr val="accent1"/>
+          </a:effectRef>
+          <a:fontRef idx="minor">
+            <a:schemeClr val="tx1"/>
+          </a:fontRef>
+        </p:style>
+      </p:cxnSp>
     </p:spTree>
     <p:extLst>
       <p:ext uri="{BB962C8B-B14F-4D97-AF65-F5344CB8AC3E}">
-        <p14:creationId xmlns:p14="http://schemas.microsoft.com/office/powerpoint/2010/main" val="919940394"/>
+        <p14:creationId xmlns:p14="http://schemas.microsoft.com/office/powerpoint/2010/main" val="2051576271"/>
       </p:ext>
     </p:extLst>
   </p:cSld>
@@ -15834,8 +17386,8 @@
           <a:lstStyle/>
           <a:p>
             <a:r>
-              <a:rPr lang="en-US" dirty="0"/>
-              <a:t>Interfaces – Review (continued)</a:t>
+              <a:rPr lang="en-US"/>
+              <a:t>Polymorphic method calls</a:t>
             </a:r>
           </a:p>
         </p:txBody>
@@ -15852,256 +17404,277 @@
         </p:nvSpPr>
         <p:spPr>
           <a:xfrm>
-            <a:off x="228600" y="1600200"/>
-            <a:ext cx="8686800" cy="4525963"/>
+            <a:off x="228600" y="1295400"/>
+            <a:ext cx="8458200" cy="4830763"/>
           </a:xfrm>
         </p:spPr>
         <p:txBody>
           <a:bodyPr>
-            <a:normAutofit fontScale="92500"/>
+            <a:normAutofit fontScale="92500" lnSpcReduction="10000"/>
           </a:bodyPr>
           <a:lstStyle/>
-          <a:p>
-            <a:r>
-              <a:rPr lang="en-US" dirty="0"/>
-              <a:t>The specific method to use at runtime is decided by late-binding</a:t>
-            </a:r>
-          </a:p>
-          <a:p>
-            <a:pPr marL="457200" lvl="1" indent="0">
-              <a:buNone/>
-            </a:pPr>
-            <a:r>
-              <a:rPr lang="en-US" dirty="0"/>
-              <a:t>	 Sequence sequence = new </a:t>
-            </a:r>
-            <a:r>
-              <a:rPr lang="en-US" dirty="0" err="1"/>
-              <a:t>PowersOfTwo</a:t>
-            </a:r>
-            <a:r>
-              <a:rPr lang="en-US" dirty="0"/>
-              <a:t>();</a:t>
-            </a:r>
-          </a:p>
-          <a:p>
-            <a:pPr marL="457200" lvl="1" indent="0">
-              <a:buNone/>
-            </a:pPr>
-            <a:r>
-              <a:rPr lang="en-US" dirty="0"/>
-              <a:t>	  </a:t>
-            </a:r>
-            <a:r>
-              <a:rPr lang="en-US" dirty="0" err="1"/>
-              <a:t>System.</a:t>
-            </a:r>
-            <a:r>
-              <a:rPr lang="en-US" b="1" i="1" dirty="0" err="1"/>
-              <a:t>out.println</a:t>
-            </a:r>
-            <a:r>
-              <a:rPr lang="en-US" b="1" i="1" dirty="0"/>
-              <a:t>(</a:t>
-            </a:r>
-            <a:r>
-              <a:rPr lang="en-US" b="1" i="1" dirty="0" err="1"/>
-              <a:t>sequence.next</a:t>
-            </a:r>
-            <a:r>
-              <a:rPr lang="en-US" b="1" i="1" dirty="0"/>
-              <a:t>());</a:t>
-            </a:r>
-            <a:endParaRPr lang="en-US" dirty="0"/>
-          </a:p>
-          <a:p>
-            <a:pPr marL="457200" lvl="1" indent="0">
-              <a:buNone/>
-            </a:pPr>
-            <a:r>
-              <a:rPr lang="en-US" dirty="0"/>
-              <a:t>The </a:t>
-            </a:r>
-            <a:r>
-              <a:rPr lang="en-US" sz="4400" i="1" u="sng" dirty="0"/>
-              <a:t>declared</a:t>
-            </a:r>
-            <a:r>
-              <a:rPr lang="en-US" sz="4800" i="1" u="sng" dirty="0"/>
-              <a:t> type</a:t>
-            </a:r>
-            <a:r>
-              <a:rPr lang="en-US" sz="4800" i="1" dirty="0"/>
-              <a:t> </a:t>
-            </a:r>
-            <a:r>
-              <a:rPr lang="en-US" dirty="0"/>
-              <a:t>of operation is </a:t>
-            </a:r>
-            <a:r>
-              <a:rPr lang="en-US" b="1" dirty="0"/>
-              <a:t>Sequence</a:t>
-            </a:r>
-          </a:p>
-          <a:p>
-            <a:pPr marL="457200" lvl="1" indent="0">
-              <a:buNone/>
-            </a:pPr>
-            <a:r>
-              <a:rPr lang="en-US" dirty="0"/>
-              <a:t>The </a:t>
-            </a:r>
-            <a:r>
-              <a:rPr lang="en-US" sz="4400" i="1" u="sng" dirty="0"/>
-              <a:t>instantiation type</a:t>
-            </a:r>
-            <a:r>
-              <a:rPr lang="en-US" sz="4400" i="1" dirty="0"/>
-              <a:t> </a:t>
-            </a:r>
-            <a:r>
-              <a:rPr lang="en-US" dirty="0"/>
-              <a:t>is </a:t>
-            </a:r>
-            <a:r>
-              <a:rPr lang="en-US" b="1" dirty="0" err="1"/>
-              <a:t>PowersOfTwo</a:t>
-            </a:r>
-            <a:endParaRPr lang="en-US" dirty="0"/>
-          </a:p>
-          <a:p>
-            <a:pPr marL="457200" lvl="1" indent="0">
-              <a:buNone/>
-            </a:pPr>
-            <a:r>
-              <a:rPr lang="en-US" dirty="0"/>
-              <a:t>At runtime, Java will use the method implementation of next() from the </a:t>
-            </a:r>
-            <a:r>
-              <a:rPr lang="en-US" b="1" dirty="0" err="1"/>
-              <a:t>PowersOfTwo</a:t>
-            </a:r>
-            <a:r>
-              <a:rPr lang="en-US" b="1" dirty="0"/>
-              <a:t> </a:t>
-            </a:r>
-            <a:r>
-              <a:rPr lang="en-US" dirty="0"/>
-              <a:t>class, thanks to late-binding.</a:t>
-            </a:r>
-          </a:p>
           <a:p>
             <a:pPr marL="0" indent="0">
               <a:buNone/>
             </a:pPr>
+            <a:r>
+              <a:rPr lang="en-US" sz="2800" dirty="0">
+                <a:cs typeface="Courier New" panose="02070309020205020404" pitchFamily="49" charset="0"/>
+              </a:rPr>
+              <a:t>In the following call to </a:t>
+            </a:r>
+            <a:r>
+              <a:rPr lang="en-US" sz="2800" i="1" dirty="0" err="1">
+                <a:cs typeface="Courier New" panose="02070309020205020404" pitchFamily="49" charset="0"/>
+              </a:rPr>
+              <a:t>eatFood</a:t>
+            </a:r>
+            <a:r>
+              <a:rPr lang="en-US" sz="2800" dirty="0">
+                <a:cs typeface="Courier New" panose="02070309020205020404" pitchFamily="49" charset="0"/>
+              </a:rPr>
+              <a:t>: </a:t>
+            </a:r>
+            <a:r>
+              <a:rPr lang="en-US" sz="2800" dirty="0" err="1">
+                <a:latin typeface="Courier New" panose="02070309020205020404" pitchFamily="49" charset="0"/>
+                <a:cs typeface="Courier New" panose="02070309020205020404" pitchFamily="49" charset="0"/>
+              </a:rPr>
+              <a:t>myPet.eatFood</a:t>
+            </a:r>
+            <a:r>
+              <a:rPr lang="en-US" sz="2800" dirty="0">
+                <a:latin typeface="Courier New" panose="02070309020205020404" pitchFamily="49" charset="0"/>
+                <a:cs typeface="Courier New" panose="02070309020205020404" pitchFamily="49" charset="0"/>
+              </a:rPr>
+              <a:t>();</a:t>
+            </a:r>
             <a:endParaRPr lang="en-US" dirty="0"/>
           </a:p>
-        </p:txBody>
-      </p:sp>
-      <p:sp>
-        <p:nvSpPr>
-          <p:cNvPr id="5" name="Line Callout 3 (Accent Bar) 4"/>
-          <p:cNvSpPr/>
+          <a:p>
+            <a:r>
+              <a:rPr lang="en-US" dirty="0"/>
+              <a:t>If variable </a:t>
+            </a:r>
+            <a:r>
+              <a:rPr lang="en-US" i="1" dirty="0" err="1">
+                <a:latin typeface="Courier New" panose="02070309020205020404" pitchFamily="49" charset="0"/>
+                <a:cs typeface="Courier New" panose="02070309020205020404" pitchFamily="49" charset="0"/>
+              </a:rPr>
+              <a:t>myPet</a:t>
+            </a:r>
+            <a:r>
+              <a:rPr lang="en-US" dirty="0"/>
+              <a:t> contains a reference to a:</a:t>
+            </a:r>
+          </a:p>
+          <a:p>
+            <a:pPr lvl="1"/>
+            <a:r>
+              <a:rPr lang="en-US" dirty="0"/>
+              <a:t>Dog object, then Dog’s </a:t>
+            </a:r>
+            <a:r>
+              <a:rPr lang="en-US" dirty="0" err="1">
+                <a:latin typeface="Courier New" panose="02070309020205020404" pitchFamily="49" charset="0"/>
+                <a:cs typeface="Courier New" panose="02070309020205020404" pitchFamily="49" charset="0"/>
+              </a:rPr>
+              <a:t>eatFood</a:t>
+            </a:r>
+            <a:r>
+              <a:rPr lang="en-US" dirty="0">
+                <a:latin typeface="Courier New" panose="02070309020205020404" pitchFamily="49" charset="0"/>
+                <a:cs typeface="Courier New" panose="02070309020205020404" pitchFamily="49" charset="0"/>
+              </a:rPr>
+              <a:t>()</a:t>
+            </a:r>
+            <a:r>
+              <a:rPr lang="en-US" dirty="0">
+                <a:cs typeface="Courier New" panose="02070309020205020404" pitchFamily="49" charset="0"/>
+              </a:rPr>
+              <a:t>will be called</a:t>
+            </a:r>
+          </a:p>
+          <a:p>
+            <a:pPr lvl="1"/>
+            <a:r>
+              <a:rPr lang="en-US" dirty="0"/>
+              <a:t>Cat object, then Cat’s </a:t>
+            </a:r>
+            <a:r>
+              <a:rPr lang="en-US" dirty="0" err="1">
+                <a:latin typeface="Courier New" panose="02070309020205020404" pitchFamily="49" charset="0"/>
+                <a:cs typeface="Courier New" panose="02070309020205020404" pitchFamily="49" charset="0"/>
+              </a:rPr>
+              <a:t>eatFood</a:t>
+            </a:r>
+            <a:r>
+              <a:rPr lang="en-US" dirty="0">
+                <a:latin typeface="Courier New" panose="02070309020205020404" pitchFamily="49" charset="0"/>
+                <a:cs typeface="Courier New" panose="02070309020205020404" pitchFamily="49" charset="0"/>
+              </a:rPr>
+              <a:t>()</a:t>
+            </a:r>
+            <a:r>
+              <a:rPr lang="en-US" dirty="0">
+                <a:cs typeface="Courier New" panose="02070309020205020404" pitchFamily="49" charset="0"/>
+              </a:rPr>
+              <a:t>will be called</a:t>
+            </a:r>
+            <a:endParaRPr lang="en-US" dirty="0">
+              <a:latin typeface="Courier New" panose="02070309020205020404" pitchFamily="49" charset="0"/>
+              <a:cs typeface="Courier New" panose="02070309020205020404" pitchFamily="49" charset="0"/>
+            </a:endParaRPr>
+          </a:p>
+          <a:p>
+            <a:pPr lvl="1"/>
+            <a:r>
+              <a:rPr lang="en-US" dirty="0"/>
+              <a:t>Fish object, then Fish’s </a:t>
+            </a:r>
+            <a:r>
+              <a:rPr lang="en-US" dirty="0" err="1">
+                <a:latin typeface="Courier New" panose="02070309020205020404" pitchFamily="49" charset="0"/>
+                <a:cs typeface="Courier New" panose="02070309020205020404" pitchFamily="49" charset="0"/>
+              </a:rPr>
+              <a:t>eatFood</a:t>
+            </a:r>
+            <a:r>
+              <a:rPr lang="en-US" dirty="0">
+                <a:latin typeface="Courier New" panose="02070309020205020404" pitchFamily="49" charset="0"/>
+                <a:cs typeface="Courier New" panose="02070309020205020404" pitchFamily="49" charset="0"/>
+              </a:rPr>
+              <a:t>()</a:t>
+            </a:r>
+            <a:r>
+              <a:rPr lang="en-US" dirty="0">
+                <a:cs typeface="Courier New" panose="02070309020205020404" pitchFamily="49" charset="0"/>
+              </a:rPr>
+              <a:t> will be called</a:t>
+            </a:r>
+            <a:endParaRPr lang="en-US" dirty="0">
+              <a:latin typeface="Courier New" panose="02070309020205020404" pitchFamily="49" charset="0"/>
+              <a:cs typeface="Courier New" panose="02070309020205020404" pitchFamily="49" charset="0"/>
+            </a:endParaRPr>
+          </a:p>
+          <a:p>
+            <a:endParaRPr lang="en-US" dirty="0"/>
+          </a:p>
+          <a:p>
+            <a:r>
+              <a:rPr lang="en-US" dirty="0"/>
+              <a:t>Your code is well designed if:</a:t>
+            </a:r>
+          </a:p>
+          <a:p>
+            <a:pPr lvl="1"/>
+            <a:r>
+              <a:rPr lang="en-US" dirty="0"/>
+              <a:t>You </a:t>
+            </a:r>
+            <a:r>
+              <a:rPr lang="en-US" b="1" dirty="0"/>
+              <a:t>don’t</a:t>
+            </a:r>
+            <a:r>
+              <a:rPr lang="en-US" dirty="0"/>
+              <a:t> </a:t>
+            </a:r>
+            <a:r>
+              <a:rPr lang="en-US" b="1" dirty="0"/>
+              <a:t>need</a:t>
+            </a:r>
+            <a:r>
+              <a:rPr lang="en-US" dirty="0"/>
+              <a:t> </a:t>
+            </a:r>
+            <a:r>
+              <a:rPr lang="en-US" b="1" dirty="0"/>
+              <a:t>to know</a:t>
+            </a:r>
+            <a:r>
+              <a:rPr lang="en-US" dirty="0"/>
+              <a:t> which </a:t>
+            </a:r>
+            <a:r>
+              <a:rPr lang="en-US" dirty="0" err="1">
+                <a:latin typeface="Courier New" panose="02070309020205020404" pitchFamily="49" charset="0"/>
+                <a:cs typeface="Courier New" panose="02070309020205020404" pitchFamily="49" charset="0"/>
+              </a:rPr>
+              <a:t>eatFood</a:t>
+            </a:r>
+            <a:r>
+              <a:rPr lang="en-US" dirty="0">
+                <a:latin typeface="Courier New" panose="02070309020205020404" pitchFamily="49" charset="0"/>
+                <a:cs typeface="Courier New" panose="02070309020205020404" pitchFamily="49" charset="0"/>
+              </a:rPr>
+              <a:t>  </a:t>
+            </a:r>
+            <a:r>
+              <a:rPr lang="en-US" dirty="0"/>
+              <a:t>implementation is called (i.e., the Dog's, Cat's, or Fish's)</a:t>
+            </a:r>
+          </a:p>
+          <a:p>
+            <a:pPr lvl="1"/>
+            <a:r>
+              <a:rPr lang="en-US" dirty="0"/>
+              <a:t>The end result is the same. (“</a:t>
+            </a:r>
+            <a:r>
+              <a:rPr lang="en-US" dirty="0" err="1">
+                <a:latin typeface="Courier New" panose="02070309020205020404" pitchFamily="49" charset="0"/>
+                <a:cs typeface="Courier New" panose="02070309020205020404" pitchFamily="49" charset="0"/>
+              </a:rPr>
+              <a:t>myPet</a:t>
+            </a:r>
+            <a:r>
+              <a:rPr lang="en-US" dirty="0"/>
+              <a:t> eats”)</a:t>
+            </a:r>
+          </a:p>
+        </p:txBody>
+      </p:sp>
+      <p:sp>
+        <p:nvSpPr>
+          <p:cNvPr id="4" name="TextBox 3"/>
+          <p:cNvSpPr txBox="1"/>
           <p:nvPr/>
         </p:nvSpPr>
         <p:spPr>
           <a:xfrm>
-            <a:off x="401444" y="1302544"/>
-            <a:ext cx="1905000" cy="412750"/>
+            <a:off x="8382224" y="6324600"/>
+            <a:ext cx="457176" cy="369332"/>
           </a:xfrm>
-          <a:prstGeom prst="accentCallout3">
-            <a:avLst>
-              <a:gd name="adj1" fmla="val 10645"/>
-              <a:gd name="adj2" fmla="val -723"/>
-              <a:gd name="adj3" fmla="val 18750"/>
-              <a:gd name="adj4" fmla="val -16667"/>
-              <a:gd name="adj5" fmla="val 378856"/>
-              <a:gd name="adj6" fmla="val -1905"/>
-              <a:gd name="adj7" fmla="val 380038"/>
-              <a:gd name="adj8" fmla="val 46652"/>
-            </a:avLst>
+          <a:prstGeom prst="rect">
+            <a:avLst/>
           </a:prstGeom>
         </p:spPr>
         <p:style>
           <a:lnRef idx="2">
-            <a:schemeClr val="accent1">
+            <a:schemeClr val="accent3">
               <a:shade val="50000"/>
             </a:schemeClr>
           </a:lnRef>
           <a:fillRef idx="1">
-            <a:schemeClr val="accent1"/>
+            <a:schemeClr val="accent3"/>
           </a:fillRef>
           <a:effectRef idx="0">
-            <a:schemeClr val="accent1"/>
+            <a:schemeClr val="accent3"/>
           </a:effectRef>
           <a:fontRef idx="minor">
             <a:schemeClr val="lt1"/>
           </a:fontRef>
         </p:style>
         <p:txBody>
-          <a:bodyPr anchor="ctr"/>
+          <a:bodyPr wrap="none" rtlCol="0">
+            <a:spAutoFit/>
+          </a:bodyPr>
           <a:lstStyle/>
           <a:p>
-            <a:pPr algn="ctr">
-              <a:defRPr/>
-            </a:pPr>
-            <a:r>
-              <a:rPr lang="en-US" dirty="0"/>
-              <a:t>Declared type</a:t>
-            </a:r>
-          </a:p>
-        </p:txBody>
-      </p:sp>
-      <p:sp>
-        <p:nvSpPr>
-          <p:cNvPr id="6" name="Line Callout 3 (Accent Bar) 5"/>
-          <p:cNvSpPr/>
-          <p:nvPr/>
-        </p:nvSpPr>
-        <p:spPr>
-          <a:xfrm>
-            <a:off x="7086600" y="2133600"/>
-            <a:ext cx="1905000" cy="412750"/>
-          </a:xfrm>
-          <a:prstGeom prst="accentCallout3">
-            <a:avLst>
-              <a:gd name="adj1" fmla="val 70083"/>
-              <a:gd name="adj2" fmla="val 98789"/>
-              <a:gd name="adj3" fmla="val 197062"/>
-              <a:gd name="adj4" fmla="val 93967"/>
-              <a:gd name="adj5" fmla="val 227561"/>
-              <a:gd name="adj6" fmla="val 63071"/>
-              <a:gd name="adj7" fmla="val 185516"/>
-              <a:gd name="adj8" fmla="val 1578"/>
-            </a:avLst>
-          </a:prstGeom>
-        </p:spPr>
-        <p:style>
-          <a:lnRef idx="2">
-            <a:schemeClr val="accent1">
-              <a:shade val="50000"/>
-            </a:schemeClr>
-          </a:lnRef>
-          <a:fillRef idx="1">
-            <a:schemeClr val="accent1"/>
-          </a:fillRef>
-          <a:effectRef idx="0">
-            <a:schemeClr val="accent1"/>
-          </a:effectRef>
-          <a:fontRef idx="minor">
-            <a:schemeClr val="lt1"/>
-          </a:fontRef>
-        </p:style>
-        <p:txBody>
-          <a:bodyPr anchor="ctr"/>
-          <a:lstStyle/>
-          <a:p>
-            <a:pPr algn="ctr">
-              <a:defRPr/>
-            </a:pPr>
-            <a:r>
-              <a:rPr lang="en-US" dirty="0"/>
-              <a:t>Instantiated type</a:t>
+            <a:r>
+              <a:rPr lang="en-US"/>
+              <a:t>Q5</a:t>
             </a:r>
           </a:p>
         </p:txBody>
@@ -16109,7 +17682,7 @@
     </p:spTree>
     <p:extLst>
       <p:ext uri="{BB962C8B-B14F-4D97-AF65-F5344CB8AC3E}">
-        <p14:creationId xmlns:p14="http://schemas.microsoft.com/office/powerpoint/2010/main" val="4032452962"/>
+        <p14:creationId xmlns:p14="http://schemas.microsoft.com/office/powerpoint/2010/main" val="2955316848"/>
       </p:ext>
     </p:extLst>
   </p:cSld>
@@ -16146,14 +17719,21 @@
             <p:ph type="title"/>
           </p:nvPr>
         </p:nvSpPr>
-        <p:spPr/>
-        <p:txBody>
-          <a:bodyPr/>
+        <p:spPr>
+          <a:xfrm>
+            <a:off x="457200" y="4482"/>
+            <a:ext cx="8229600" cy="833718"/>
+          </a:xfrm>
+        </p:spPr>
+        <p:txBody>
+          <a:bodyPr>
+            <a:normAutofit/>
+          </a:bodyPr>
           <a:lstStyle/>
           <a:p>
             <a:r>
-              <a:rPr lang="en-US" dirty="0"/>
-              <a:t>Finish the sentence</a:t>
+              <a:rPr lang="en-US" sz="3600"/>
+              <a:t>Interfaces – Review (continued)</a:t>
             </a:r>
           </a:p>
         </p:txBody>
@@ -16168,75 +17748,293 @@
             <p:ph idx="1"/>
           </p:nvPr>
         </p:nvSpPr>
-        <p:spPr/>
+        <p:spPr>
+          <a:xfrm>
+            <a:off x="228600" y="1295400"/>
+            <a:ext cx="8686800" cy="4953000"/>
+          </a:xfrm>
+        </p:spPr>
         <p:txBody>
           <a:bodyPr>
-            <a:normAutofit lnSpcReduction="10000"/>
+            <a:normAutofit fontScale="92500" lnSpcReduction="10000"/>
           </a:bodyPr>
           <a:lstStyle/>
+          <a:p>
+            <a:r>
+              <a:rPr lang="en-US" dirty="0"/>
+              <a:t>The specific method to use at runtime is decided by late-binding</a:t>
+            </a:r>
+          </a:p>
+          <a:p>
+            <a:pPr marL="457200" lvl="1" indent="0">
+              <a:buNone/>
+            </a:pPr>
+            <a:r>
+              <a:rPr lang="en-US" dirty="0"/>
+              <a:t>	 </a:t>
+            </a:r>
+            <a:r>
+              <a:rPr lang="en-US" dirty="0">
+                <a:latin typeface="Courier New" panose="02070309020205020404" pitchFamily="49" charset="0"/>
+                <a:cs typeface="Courier New" panose="02070309020205020404" pitchFamily="49" charset="0"/>
+              </a:rPr>
+              <a:t>Pet </a:t>
+            </a:r>
+            <a:r>
+              <a:rPr lang="en-US" dirty="0" err="1">
+                <a:latin typeface="Courier New" panose="02070309020205020404" pitchFamily="49" charset="0"/>
+                <a:cs typeface="Courier New" panose="02070309020205020404" pitchFamily="49" charset="0"/>
+              </a:rPr>
+              <a:t>myPet</a:t>
+            </a:r>
+            <a:r>
+              <a:rPr lang="en-US" dirty="0">
+                <a:latin typeface="Courier New" panose="02070309020205020404" pitchFamily="49" charset="0"/>
+                <a:cs typeface="Courier New" panose="02070309020205020404" pitchFamily="49" charset="0"/>
+              </a:rPr>
+              <a:t> = </a:t>
+            </a:r>
+            <a:r>
+              <a:rPr lang="en-US" b="1" dirty="0">
+                <a:latin typeface="Courier New" panose="02070309020205020404" pitchFamily="49" charset="0"/>
+                <a:cs typeface="Courier New" panose="02070309020205020404" pitchFamily="49" charset="0"/>
+              </a:rPr>
+              <a:t>new</a:t>
+            </a:r>
+            <a:r>
+              <a:rPr lang="en-US" dirty="0">
+                <a:latin typeface="Courier New" panose="02070309020205020404" pitchFamily="49" charset="0"/>
+                <a:cs typeface="Courier New" panose="02070309020205020404" pitchFamily="49" charset="0"/>
+              </a:rPr>
+              <a:t> Dog();</a:t>
+            </a:r>
+          </a:p>
+          <a:p>
+            <a:pPr marL="457200" lvl="1" indent="0">
+              <a:buNone/>
+            </a:pPr>
+            <a:r>
+              <a:rPr lang="en-US" dirty="0"/>
+              <a:t>	 </a:t>
+            </a:r>
+            <a:r>
+              <a:rPr lang="en-US" dirty="0" err="1">
+                <a:latin typeface="Courier New" panose="02070309020205020404" pitchFamily="49" charset="0"/>
+                <a:cs typeface="Courier New" panose="02070309020205020404" pitchFamily="49" charset="0"/>
+              </a:rPr>
+              <a:t>myPet.eatFood</a:t>
+            </a:r>
+            <a:r>
+              <a:rPr lang="en-US" dirty="0">
+                <a:latin typeface="Courier New" panose="02070309020205020404" pitchFamily="49" charset="0"/>
+                <a:cs typeface="Courier New" panose="02070309020205020404" pitchFamily="49" charset="0"/>
+              </a:rPr>
+              <a:t>();</a:t>
+            </a:r>
+          </a:p>
+          <a:p>
+            <a:pPr marL="514350" indent="-457200"/>
+            <a:r>
+              <a:rPr lang="en-US" dirty="0"/>
+              <a:t>Pet is the </a:t>
+            </a:r>
+            <a:r>
+              <a:rPr lang="en-US" i="1" u="sng" dirty="0"/>
+              <a:t>declared type</a:t>
+            </a:r>
+            <a:r>
+              <a:rPr lang="en-US" sz="5200" i="1" dirty="0"/>
+              <a:t> </a:t>
+            </a:r>
+            <a:r>
+              <a:rPr lang="en-US" dirty="0"/>
+              <a:t>of </a:t>
+            </a:r>
+            <a:r>
+              <a:rPr lang="en-US" i="1" dirty="0" err="1"/>
+              <a:t>myPet</a:t>
+            </a:r>
+            <a:r>
+              <a:rPr lang="en-US" i="1" dirty="0"/>
+              <a:t>. </a:t>
+            </a:r>
+            <a:r>
+              <a:rPr lang="en-US" dirty="0"/>
+              <a:t>This fact is used at compile time to determine if calling </a:t>
+            </a:r>
+            <a:r>
+              <a:rPr lang="en-US" i="1" dirty="0" err="1"/>
+              <a:t>eatFood</a:t>
+            </a:r>
+            <a:r>
+              <a:rPr lang="en-US" i="1" dirty="0"/>
+              <a:t> </a:t>
+            </a:r>
+            <a:r>
+              <a:rPr lang="en-US" dirty="0"/>
+              <a:t>is legal</a:t>
+            </a:r>
+            <a:endParaRPr lang="en-US" b="1" dirty="0"/>
+          </a:p>
+          <a:p>
+            <a:pPr marL="514350" indent="-457200"/>
+            <a:r>
+              <a:rPr lang="en-US" dirty="0"/>
+              <a:t>Dog is the </a:t>
+            </a:r>
+            <a:r>
+              <a:rPr lang="en-US" i="1" u="sng" dirty="0"/>
+              <a:t>instantiation type</a:t>
+            </a:r>
+            <a:r>
+              <a:rPr lang="en-US" i="1" dirty="0"/>
+              <a:t> </a:t>
+            </a:r>
+            <a:r>
+              <a:rPr lang="en-US" dirty="0"/>
+              <a:t>of </a:t>
+            </a:r>
+            <a:r>
+              <a:rPr lang="en-US" i="1" dirty="0" err="1"/>
+              <a:t>myPet</a:t>
+            </a:r>
+            <a:r>
+              <a:rPr lang="en-US" i="1" dirty="0"/>
+              <a:t>. </a:t>
+            </a:r>
+            <a:r>
+              <a:rPr lang="en-US" dirty="0"/>
+              <a:t>This fact is used by Java at runtime to make sure Dog's </a:t>
+            </a:r>
+            <a:r>
+              <a:rPr lang="en-US" i="1" dirty="0" err="1"/>
+              <a:t>eatFood</a:t>
+            </a:r>
+            <a:r>
+              <a:rPr lang="en-US" dirty="0"/>
+              <a:t>() gets called</a:t>
+            </a:r>
+          </a:p>
           <a:p>
             <a:pPr marL="0" indent="0">
               <a:buNone/>
             </a:pPr>
-            <a:r>
-              <a:rPr lang="en-US" dirty="0"/>
-              <a:t>Using interfaces can help reduce _______ between classes.</a:t>
-            </a:r>
-          </a:p>
-          <a:p>
-            <a:pPr marL="914400" lvl="1" indent="-514350">
-              <a:buFont typeface="+mj-lt"/>
-              <a:buAutoNum type="arabicPeriod"/>
+            <a:endParaRPr lang="en-US" dirty="0"/>
+          </a:p>
+        </p:txBody>
+      </p:sp>
+      <p:sp>
+        <p:nvSpPr>
+          <p:cNvPr id="5" name="Line Callout 3 (Accent Bar) 4"/>
+          <p:cNvSpPr/>
+          <p:nvPr/>
+        </p:nvSpPr>
+        <p:spPr>
+          <a:xfrm>
+            <a:off x="838200" y="914400"/>
+            <a:ext cx="2819400" cy="412750"/>
+          </a:xfrm>
+          <a:prstGeom prst="accentCallout3">
+            <a:avLst>
+              <a:gd name="adj1" fmla="val 10645"/>
+              <a:gd name="adj2" fmla="val -723"/>
+              <a:gd name="adj3" fmla="val 18750"/>
+              <a:gd name="adj4" fmla="val -16667"/>
+              <a:gd name="adj5" fmla="val 378856"/>
+              <a:gd name="adj6" fmla="val -1905"/>
+              <a:gd name="adj7" fmla="val 376780"/>
+              <a:gd name="adj8" fmla="val 17081"/>
+            </a:avLst>
+          </a:prstGeom>
+        </p:spPr>
+        <p:style>
+          <a:lnRef idx="2">
+            <a:schemeClr val="accent1">
+              <a:shade val="50000"/>
+            </a:schemeClr>
+          </a:lnRef>
+          <a:fillRef idx="1">
+            <a:schemeClr val="accent1"/>
+          </a:fillRef>
+          <a:effectRef idx="0">
+            <a:schemeClr val="accent1"/>
+          </a:effectRef>
+          <a:fontRef idx="minor">
+            <a:schemeClr val="lt1"/>
+          </a:fontRef>
+        </p:style>
+        <p:txBody>
+          <a:bodyPr anchor="ctr"/>
+          <a:lstStyle/>
+          <a:p>
+            <a:pPr algn="ctr">
+              <a:defRPr/>
             </a:pPr>
             <a:r>
-              <a:rPr lang="en-US" dirty="0"/>
-              <a:t>Coupling</a:t>
-            </a:r>
-          </a:p>
-          <a:p>
-            <a:pPr marL="914400" lvl="1" indent="-514350">
-              <a:buFont typeface="+mj-lt"/>
-              <a:buAutoNum type="arabicPeriod"/>
+              <a:rPr lang="en-US"/>
+              <a:t>Declared type is </a:t>
+            </a:r>
+            <a:r>
+              <a:rPr lang="en-US" i="1"/>
+              <a:t>Pet</a:t>
+            </a:r>
+          </a:p>
+        </p:txBody>
+      </p:sp>
+      <p:sp>
+        <p:nvSpPr>
+          <p:cNvPr id="6" name="Line Callout 3 (Accent Bar) 5"/>
+          <p:cNvSpPr/>
+          <p:nvPr/>
+        </p:nvSpPr>
+        <p:spPr>
+          <a:xfrm>
+            <a:off x="5638800" y="1981200"/>
+            <a:ext cx="3048000" cy="412750"/>
+          </a:xfrm>
+          <a:prstGeom prst="accentCallout3">
+            <a:avLst>
+              <a:gd name="adj1" fmla="val 70083"/>
+              <a:gd name="adj2" fmla="val 98789"/>
+              <a:gd name="adj3" fmla="val 197062"/>
+              <a:gd name="adj4" fmla="val 93967"/>
+              <a:gd name="adj5" fmla="val 227561"/>
+              <a:gd name="adj6" fmla="val 63071"/>
+              <a:gd name="adj7" fmla="val 156194"/>
+              <a:gd name="adj8" fmla="val -18274"/>
+            </a:avLst>
+          </a:prstGeom>
+        </p:spPr>
+        <p:style>
+          <a:lnRef idx="2">
+            <a:schemeClr val="accent1">
+              <a:shade val="50000"/>
+            </a:schemeClr>
+          </a:lnRef>
+          <a:fillRef idx="1">
+            <a:schemeClr val="accent1"/>
+          </a:fillRef>
+          <a:effectRef idx="0">
+            <a:schemeClr val="accent1"/>
+          </a:effectRef>
+          <a:fontRef idx="minor">
+            <a:schemeClr val="lt1"/>
+          </a:fontRef>
+        </p:style>
+        <p:txBody>
+          <a:bodyPr anchor="ctr"/>
+          <a:lstStyle/>
+          <a:p>
+            <a:pPr algn="ctr">
+              <a:defRPr/>
             </a:pPr>
             <a:r>
-              <a:rPr lang="en-US" dirty="0"/>
-              <a:t>Cohesion</a:t>
-            </a:r>
-          </a:p>
-          <a:p>
-            <a:pPr marL="914400" lvl="1" indent="-514350">
-              <a:buFont typeface="+mj-lt"/>
-              <a:buAutoNum type="arabicPeriod"/>
-            </a:pPr>
-            <a:r>
-              <a:rPr lang="en-US" dirty="0"/>
-              <a:t>Encapsulation</a:t>
-            </a:r>
-          </a:p>
-          <a:p>
-            <a:pPr marL="914400" lvl="1" indent="-514350">
-              <a:buFont typeface="+mj-lt"/>
-              <a:buAutoNum type="arabicPeriod"/>
-            </a:pPr>
-            <a:r>
-              <a:rPr lang="en-US" dirty="0"/>
-              <a:t>Polymorphism</a:t>
-            </a:r>
-          </a:p>
-          <a:p>
-            <a:pPr marL="514350" indent="-514350">
-              <a:buFont typeface="+mj-lt"/>
-              <a:buAutoNum type="alphaLcPeriod"/>
-            </a:pPr>
-            <a:endParaRPr lang="en-US" dirty="0"/>
-          </a:p>
-          <a:p>
-            <a:pPr marL="0" indent="0">
-              <a:buNone/>
-            </a:pPr>
-            <a:r>
-              <a:rPr lang="en-US" dirty="0"/>
-              <a:t>We need interfaces for event-based programming in Java.</a:t>
+              <a:rPr lang="en-US"/>
+              <a:t>Instantiated type is </a:t>
+            </a:r>
+            <a:r>
+              <a:rPr lang="en-US" i="1"/>
+              <a:t>Dog</a:t>
             </a:r>
           </a:p>
         </p:txBody>
@@ -16244,7 +18042,7 @@
     </p:spTree>
     <p:extLst>
       <p:ext uri="{BB962C8B-B14F-4D97-AF65-F5344CB8AC3E}">
-        <p14:creationId xmlns:p14="http://schemas.microsoft.com/office/powerpoint/2010/main" val="1512040240"/>
+        <p14:creationId xmlns:p14="http://schemas.microsoft.com/office/powerpoint/2010/main" val="3011690874"/>
       </p:ext>
     </p:extLst>
   </p:cSld>
@@ -16273,7 +18071,7 @@
       </p:grpSpPr>
       <p:sp>
         <p:nvSpPr>
-          <p:cNvPr id="4" name="Title 3"/>
+          <p:cNvPr id="2" name="Title 1"/>
           <p:cNvSpPr>
             <a:spLocks noGrp="1"/>
           </p:cNvSpPr>
@@ -16283,32 +18081,19 @@
         </p:nvSpPr>
         <p:spPr/>
         <p:txBody>
-          <a:bodyPr>
-            <a:normAutofit/>
-          </a:bodyPr>
+          <a:bodyPr/>
           <a:lstStyle/>
           <a:p>
-            <a:pPr>
-              <a:defRPr/>
-            </a:pPr>
-            <a:r>
-              <a:rPr lang="en-US" dirty="0">
-                <a:solidFill>
-                  <a:schemeClr val="accent2"/>
-                </a:solidFill>
-              </a:rPr>
-              <a:t>Graphical User Interfaces </a:t>
-            </a:r>
-            <a:r>
-              <a:rPr lang="en-US" dirty="0"/>
-              <a:t>in Java</a:t>
-            </a:r>
-          </a:p>
-        </p:txBody>
-      </p:sp>
-      <p:sp>
-        <p:nvSpPr>
-          <p:cNvPr id="12290" name="Content Placeholder 4"/>
+            <a:r>
+              <a:rPr lang="en-US" dirty="0"/>
+              <a:t>Finish the sentence</a:t>
+            </a:r>
+          </a:p>
+        </p:txBody>
+      </p:sp>
+      <p:sp>
+        <p:nvSpPr>
+          <p:cNvPr id="3" name="Content Placeholder 2"/>
           <p:cNvSpPr>
             <a:spLocks noGrp="1"/>
           </p:cNvSpPr>
@@ -16316,235 +18101,85 @@
             <p:ph idx="1"/>
           </p:nvPr>
         </p:nvSpPr>
-        <p:spPr>
-          <a:xfrm>
-            <a:off x="0" y="1481138"/>
-            <a:ext cx="5257800" cy="4525962"/>
-          </a:xfrm>
-        </p:spPr>
+        <p:spPr/>
         <p:txBody>
           <a:bodyPr>
-            <a:normAutofit/>
+            <a:normAutofit lnSpcReduction="10000"/>
           </a:bodyPr>
           <a:lstStyle/>
           <a:p>
-            <a:r>
-              <a:rPr lang="en-US" dirty="0"/>
-              <a:t>We say what to draw</a:t>
-            </a:r>
-          </a:p>
-          <a:p>
+            <a:pPr marL="0" indent="0">
+              <a:buNone/>
+            </a:pPr>
+            <a:r>
+              <a:rPr lang="en-US" dirty="0"/>
+              <a:t>Using interfaces can help reduce _______ between classes.</a:t>
+            </a:r>
+          </a:p>
+          <a:p>
+            <a:pPr marL="914400" lvl="1" indent="-514350">
+              <a:buFont typeface="+mj-lt"/>
+              <a:buAutoNum type="arabicPeriod"/>
+            </a:pPr>
+            <a:r>
+              <a:rPr lang="en-US" dirty="0"/>
+              <a:t>Coupling</a:t>
+            </a:r>
+          </a:p>
+          <a:p>
+            <a:pPr marL="914400" lvl="1" indent="-514350">
+              <a:buFont typeface="+mj-lt"/>
+              <a:buAutoNum type="arabicPeriod"/>
+            </a:pPr>
+            <a:r>
+              <a:rPr lang="en-US" dirty="0"/>
+              <a:t>Cohesion</a:t>
+            </a:r>
+          </a:p>
+          <a:p>
+            <a:pPr marL="914400" lvl="1" indent="-514350">
+              <a:buFont typeface="+mj-lt"/>
+              <a:buAutoNum type="arabicPeriod"/>
+            </a:pPr>
+            <a:r>
+              <a:rPr lang="en-US" dirty="0"/>
+              <a:t>Encapsulation</a:t>
+            </a:r>
+          </a:p>
+          <a:p>
+            <a:pPr marL="914400" lvl="1" indent="-514350">
+              <a:buFont typeface="+mj-lt"/>
+              <a:buAutoNum type="arabicPeriod"/>
+            </a:pPr>
+            <a:r>
+              <a:rPr lang="en-US" dirty="0"/>
+              <a:t>Polymorphism</a:t>
+            </a:r>
+          </a:p>
+          <a:p>
+            <a:pPr marL="514350" indent="-514350">
+              <a:buFont typeface="+mj-lt"/>
+              <a:buAutoNum type="alphaLcPeriod"/>
+            </a:pPr>
             <a:endParaRPr lang="en-US" dirty="0"/>
           </a:p>
           <a:p>
-            <a:r>
-              <a:rPr lang="en-US" dirty="0"/>
-              <a:t>Java windowing library:</a:t>
-            </a:r>
-          </a:p>
-          <a:p>
-            <a:pPr lvl="1"/>
-            <a:r>
-              <a:rPr lang="en-US" dirty="0"/>
-              <a:t>Draws it</a:t>
-            </a:r>
-          </a:p>
-          <a:p>
-            <a:pPr lvl="1"/>
-            <a:r>
-              <a:rPr lang="en-US" dirty="0"/>
-              <a:t>Gets user input</a:t>
-            </a:r>
-          </a:p>
-          <a:p>
-            <a:pPr lvl="1"/>
-            <a:r>
-              <a:rPr lang="en-US" dirty="0">
-                <a:solidFill>
-                  <a:schemeClr val="accent2"/>
-                </a:solidFill>
-              </a:rPr>
-              <a:t>Calls back </a:t>
-            </a:r>
-            <a:r>
-              <a:rPr lang="en-US" dirty="0"/>
-              <a:t>to us with </a:t>
-            </a:r>
-            <a:r>
-              <a:rPr lang="en-US" dirty="0">
-                <a:solidFill>
-                  <a:schemeClr val="accent2"/>
-                </a:solidFill>
-              </a:rPr>
-              <a:t>events</a:t>
-            </a:r>
-          </a:p>
-          <a:p>
-            <a:endParaRPr lang="en-US" dirty="0"/>
-          </a:p>
-          <a:p>
-            <a:r>
-              <a:rPr lang="en-US" dirty="0"/>
-              <a:t>We </a:t>
-            </a:r>
-            <a:r>
-              <a:rPr lang="en-US" dirty="0">
-                <a:solidFill>
-                  <a:schemeClr val="accent2"/>
-                </a:solidFill>
-              </a:rPr>
-              <a:t>handle</a:t>
-            </a:r>
-            <a:r>
-              <a:rPr lang="en-US" dirty="0"/>
-              <a:t> events</a:t>
-            </a:r>
-          </a:p>
-        </p:txBody>
-      </p:sp>
-      <p:pic>
-        <p:nvPicPr>
-          <p:cNvPr id="12292" name="Picture 2" descr="C:\DOCUME~1\ADMINI~1\LOCALS~1\Temp\VMwareDnD\00003fcd\paczki.jpg"/>
-          <p:cNvPicPr>
-            <a:picLocks noChangeAspect="1" noChangeArrowheads="1"/>
-          </p:cNvPicPr>
-          <p:nvPr/>
-        </p:nvPicPr>
-        <p:blipFill>
-          <a:blip r:embed="rId3" cstate="print">
-            <a:extLst>
-              <a:ext uri="{28A0092B-C50C-407E-A947-70E740481C1C}">
-                <a14:useLocalDpi xmlns:a14="http://schemas.microsoft.com/office/drawing/2010/main" val="0"/>
-              </a:ext>
-            </a:extLst>
-          </a:blip>
-          <a:srcRect/>
-          <a:stretch>
-            <a:fillRect/>
-          </a:stretch>
-        </p:blipFill>
-        <p:spPr bwMode="auto">
-          <a:xfrm>
-            <a:off x="4876800" y="1752600"/>
-            <a:ext cx="3810000" cy="3095625"/>
-          </a:xfrm>
-          <a:prstGeom prst="rect">
-            <a:avLst/>
-          </a:prstGeom>
-          <a:noFill/>
-          <a:ln>
-            <a:noFill/>
-          </a:ln>
-          <a:extLst>
-            <a:ext uri="{909E8E84-426E-40dd-AFC4-6F175D3DCCD1}">
-              <a14:hiddenFill xmlns="" xmlns:a14="http://schemas.microsoft.com/office/drawing/2010/main">
-                <a:solidFill>
-                  <a:srgbClr val="FFFFFF"/>
-                </a:solidFill>
-              </a14:hiddenFill>
-            </a:ext>
-            <a:ext uri="{91240B29-F687-4f45-9708-019B960494DF}">
-              <a14:hiddenLine xmlns="" xmlns:a14="http://schemas.microsoft.com/office/drawing/2010/main" w="9525">
-                <a:solidFill>
-                  <a:srgbClr val="000000"/>
-                </a:solidFill>
-                <a:miter lim="800000"/>
-                <a:headEnd/>
-                <a:tailEnd/>
-              </a14:hiddenLine>
-            </a:ext>
-          </a:extLst>
-        </p:spPr>
-      </p:pic>
-      <p:sp>
-        <p:nvSpPr>
-          <p:cNvPr id="7" name="TextBox 6"/>
-          <p:cNvSpPr txBox="1"/>
-          <p:nvPr/>
-        </p:nvSpPr>
-        <p:spPr>
-          <a:xfrm>
-            <a:off x="4876800" y="5072063"/>
-            <a:ext cx="3810000" cy="369887"/>
-          </a:xfrm>
-          <a:prstGeom prst="rect">
-            <a:avLst/>
-          </a:prstGeom>
-          <a:noFill/>
-        </p:spPr>
-        <p:txBody>
-          <a:bodyPr>
-            <a:spAutoFit/>
-          </a:bodyPr>
-          <a:lstStyle/>
-          <a:p>
-            <a:pPr algn="ctr">
-              <a:defRPr/>
+            <a:pPr marL="0" indent="0">
+              <a:buNone/>
             </a:pPr>
             <a:r>
-              <a:rPr lang="en-US" dirty="0">
-                <a:latin typeface="+mn-lt"/>
-              </a:rPr>
-              <a:t>Hmm, donuts</a:t>
-            </a:r>
-          </a:p>
-        </p:txBody>
-      </p:sp>
-      <p:sp>
-        <p:nvSpPr>
-          <p:cNvPr id="9" name="Line Callout 3 (Accent Bar) 8"/>
-          <p:cNvSpPr/>
-          <p:nvPr/>
-        </p:nvSpPr>
-        <p:spPr>
-          <a:xfrm>
-            <a:off x="4953000" y="5594350"/>
-            <a:ext cx="1371600" cy="412750"/>
-          </a:xfrm>
-          <a:prstGeom prst="accentCallout3">
-            <a:avLst>
-              <a:gd name="adj1" fmla="val 18750"/>
-              <a:gd name="adj2" fmla="val -8333"/>
-              <a:gd name="adj3" fmla="val 18750"/>
-              <a:gd name="adj4" fmla="val -16667"/>
-              <a:gd name="adj5" fmla="val -85834"/>
-              <a:gd name="adj6" fmla="val -17125"/>
-              <a:gd name="adj7" fmla="val -489906"/>
-              <a:gd name="adj8" fmla="val 62457"/>
-            </a:avLst>
-          </a:prstGeom>
-        </p:spPr>
-        <p:style>
-          <a:lnRef idx="2">
-            <a:schemeClr val="accent1">
-              <a:shade val="50000"/>
-            </a:schemeClr>
-          </a:lnRef>
-          <a:fillRef idx="1">
-            <a:schemeClr val="accent1"/>
-          </a:fillRef>
-          <a:effectRef idx="0">
-            <a:schemeClr val="accent1"/>
-          </a:effectRef>
-          <a:fontRef idx="minor">
-            <a:schemeClr val="lt1"/>
-          </a:fontRef>
-        </p:style>
-        <p:txBody>
-          <a:bodyPr anchor="ctr"/>
-          <a:lstStyle/>
-          <a:p>
-            <a:pPr algn="ctr">
-              <a:defRPr/>
-            </a:pPr>
-            <a:r>
-              <a:rPr lang="en-US" dirty="0"/>
-              <a:t>Gooey</a:t>
+              <a:rPr lang="en-US" dirty="0"/>
+              <a:t>We need interfaces for event-based programming in Java.</a:t>
             </a:r>
           </a:p>
         </p:txBody>
       </p:sp>
     </p:spTree>
+    <p:extLst>
+      <p:ext uri="{BB962C8B-B14F-4D97-AF65-F5344CB8AC3E}">
+        <p14:creationId xmlns:p14="http://schemas.microsoft.com/office/powerpoint/2010/main" val="1512040240"/>
+      </p:ext>
+    </p:extLst>
   </p:cSld>
   <p:clrMapOvr>
     <a:masterClrMapping/>
@@ -16581,78 +18216,208 @@
         </p:nvSpPr>
         <p:spPr/>
         <p:txBody>
-          <a:bodyPr/>
+          <a:bodyPr>
+            <a:normAutofit fontScale="90000"/>
+          </a:bodyPr>
           <a:lstStyle/>
           <a:p>
             <a:r>
-              <a:rPr lang="en-US" dirty="0"/>
-              <a:t>Next Assignment Preview</a:t>
-            </a:r>
-          </a:p>
-        </p:txBody>
-      </p:sp>
-      <p:sp>
-        <p:nvSpPr>
-          <p:cNvPr id="3" name="Content Placeholder 2"/>
-          <p:cNvSpPr>
-            <a:spLocks noGrp="1"/>
-          </p:cNvSpPr>
-          <p:nvPr>
-            <p:ph idx="1"/>
-          </p:nvPr>
-        </p:nvSpPr>
-        <p:spPr/>
-        <p:txBody>
-          <a:bodyPr/>
+              <a:rPr lang="en-US"/>
+              <a:t>Less Coupling with Interface Version</a:t>
+            </a:r>
+          </a:p>
+        </p:txBody>
+      </p:sp>
+      <p:pic>
+        <p:nvPicPr>
+          <p:cNvPr id="7" name="Picture 4" descr="https://lh3.googleusercontent.com/4iUDcmqSQGrlqblNG5mEh0wBFbmVCRLwimd_7n_UhoBlmFJB9m9FZ7YAIfSkUSZHVVax7lFxIWGhg_t338-DEHGoTY20ZX36zjEN_qRbRyOvH2NJUbpheCQvq1Wb5uylXR8YOh0O">
+            <a:hlinkClick r:id="rId3"/>
+            <a:extLst>
+              <a:ext uri="{FF2B5EF4-FFF2-40B4-BE49-F238E27FC236}">
+                <a16:creationId xmlns:a16="http://schemas.microsoft.com/office/drawing/2014/main" id="{EDD8EEF1-E802-41BB-AB17-EE46323C45A7}"/>
+              </a:ext>
+            </a:extLst>
+          </p:cNvPr>
+          <p:cNvPicPr>
+            <a:picLocks noChangeAspect="1" noChangeArrowheads="1"/>
+          </p:cNvPicPr>
+          <p:nvPr/>
+        </p:nvPicPr>
+        <p:blipFill>
+          <a:blip r:embed="rId4">
+            <a:extLst>
+              <a:ext uri="{28A0092B-C50C-407E-A947-70E740481C1C}">
+                <a14:useLocalDpi xmlns:a14="http://schemas.microsoft.com/office/drawing/2010/main" val="0"/>
+              </a:ext>
+            </a:extLst>
+          </a:blip>
+          <a:srcRect/>
+          <a:stretch>
+            <a:fillRect/>
+          </a:stretch>
+        </p:blipFill>
+        <p:spPr bwMode="auto">
+          <a:xfrm>
+            <a:off x="4419600" y="2743200"/>
+            <a:ext cx="4638502" cy="3986213"/>
+          </a:xfrm>
+          <a:prstGeom prst="rect">
+            <a:avLst/>
+          </a:prstGeom>
+          <a:noFill/>
+          <a:extLst>
+            <a:ext uri="{909E8E84-426E-40DD-AFC4-6F175D3DCCD1}">
+              <a14:hiddenFill xmlns:a14="http://schemas.microsoft.com/office/drawing/2010/main">
+                <a:solidFill>
+                  <a:srgbClr val="FFFFFF"/>
+                </a:solidFill>
+              </a14:hiddenFill>
+            </a:ext>
+          </a:extLst>
+        </p:spPr>
+      </p:pic>
+      <p:pic>
+        <p:nvPicPr>
+          <p:cNvPr id="6" name="Picture 6" descr="https://lh3.googleusercontent.com/W-vFKPsfFrf54DMxw7OXJLQCzUEJYHSY5aooEcAttQR99fk_aPQ4Fgr3ikZsB3qKbiMwgLI_kWVuisyOAJIpDf9edFL3ioHQaCG480oc3H2KWeMaGopQsKKonbHK9Am-vXbsHM_7">
+            <a:hlinkClick r:id="rId5"/>
+            <a:extLst>
+              <a:ext uri="{FF2B5EF4-FFF2-40B4-BE49-F238E27FC236}">
+                <a16:creationId xmlns:a16="http://schemas.microsoft.com/office/drawing/2014/main" id="{3259758C-416C-1740-B46E-44B5789AFA83}"/>
+              </a:ext>
+            </a:extLst>
+          </p:cNvPr>
+          <p:cNvPicPr>
+            <a:picLocks noChangeAspect="1" noChangeArrowheads="1"/>
+          </p:cNvPicPr>
+          <p:nvPr/>
+        </p:nvPicPr>
+        <p:blipFill rotWithShape="1">
+          <a:blip r:embed="rId6">
+            <a:extLst>
+              <a:ext uri="{28A0092B-C50C-407E-A947-70E740481C1C}">
+                <a14:useLocalDpi xmlns:a14="http://schemas.microsoft.com/office/drawing/2010/main" val="0"/>
+              </a:ext>
+            </a:extLst>
+          </a:blip>
+          <a:srcRect t="2940" b="3130"/>
+          <a:stretch/>
+        </p:blipFill>
+        <p:spPr bwMode="auto">
+          <a:xfrm>
+            <a:off x="1" y="1524000"/>
+            <a:ext cx="4536440" cy="2895600"/>
+          </a:xfrm>
+          <a:prstGeom prst="rect">
+            <a:avLst/>
+          </a:prstGeom>
+          <a:noFill/>
+          <a:extLst>
+            <a:ext uri="{909E8E84-426E-40DD-AFC4-6F175D3DCCD1}">
+              <a14:hiddenFill xmlns:a14="http://schemas.microsoft.com/office/drawing/2010/main">
+                <a:solidFill>
+                  <a:srgbClr val="FFFFFF"/>
+                </a:solidFill>
+              </a14:hiddenFill>
+            </a:ext>
+          </a:extLst>
+        </p:spPr>
+      </p:pic>
+      <p:sp>
+        <p:nvSpPr>
+          <p:cNvPr id="3" name="Freeform 2">
+            <a:extLst>
+              <a:ext uri="{FF2B5EF4-FFF2-40B4-BE49-F238E27FC236}">
+                <a16:creationId xmlns:a16="http://schemas.microsoft.com/office/drawing/2014/main" id="{25118856-F7BC-4349-AD5F-DACBEC68BD9F}"/>
+              </a:ext>
+            </a:extLst>
+          </p:cNvPr>
+          <p:cNvSpPr/>
+          <p:nvPr/>
+        </p:nvSpPr>
+        <p:spPr>
+          <a:xfrm>
+            <a:off x="6248400" y="1143000"/>
+            <a:ext cx="667913" cy="1506071"/>
+          </a:xfrm>
+          <a:custGeom>
+            <a:avLst/>
+            <a:gdLst>
+              <a:gd name="connsiteX0" fmla="*/ 0 w 667913"/>
+              <a:gd name="connsiteY0" fmla="*/ 0 h 1506071"/>
+              <a:gd name="connsiteX1" fmla="*/ 605117 w 667913"/>
+              <a:gd name="connsiteY1" fmla="*/ 753036 h 1506071"/>
+              <a:gd name="connsiteX2" fmla="*/ 618565 w 667913"/>
+              <a:gd name="connsiteY2" fmla="*/ 1506071 h 1506071"/>
+            </a:gdLst>
+            <a:ahLst/>
+            <a:cxnLst>
+              <a:cxn ang="0">
+                <a:pos x="connsiteX0" y="connsiteY0"/>
+              </a:cxn>
+              <a:cxn ang="0">
+                <a:pos x="connsiteX1" y="connsiteY1"/>
+              </a:cxn>
+              <a:cxn ang="0">
+                <a:pos x="connsiteX2" y="connsiteY2"/>
+              </a:cxn>
+            </a:cxnLst>
+            <a:rect l="l" t="t" r="r" b="b"/>
+            <a:pathLst>
+              <a:path w="667913" h="1506071">
+                <a:moveTo>
+                  <a:pt x="0" y="0"/>
+                </a:moveTo>
+                <a:cubicBezTo>
+                  <a:pt x="251011" y="251012"/>
+                  <a:pt x="502023" y="502024"/>
+                  <a:pt x="605117" y="753036"/>
+                </a:cubicBezTo>
+                <a:cubicBezTo>
+                  <a:pt x="708211" y="1004048"/>
+                  <a:pt x="663388" y="1255059"/>
+                  <a:pt x="618565" y="1506071"/>
+                </a:cubicBezTo>
+              </a:path>
+            </a:pathLst>
+          </a:custGeom>
+          <a:noFill/>
+          <a:ln w="38100">
+            <a:solidFill>
+              <a:srgbClr val="FF0000"/>
+            </a:solidFill>
+            <a:headEnd type="none" w="med" len="med"/>
+            <a:tailEnd type="arrow" w="med" len="med"/>
+          </a:ln>
+        </p:spPr>
+        <p:style>
+          <a:lnRef idx="2">
+            <a:schemeClr val="accent1">
+              <a:shade val="50000"/>
+            </a:schemeClr>
+          </a:lnRef>
+          <a:fillRef idx="1">
+            <a:schemeClr val="accent1"/>
+          </a:fillRef>
+          <a:effectRef idx="0">
+            <a:schemeClr val="accent1"/>
+          </a:effectRef>
+          <a:fontRef idx="minor">
+            <a:schemeClr val="lt1"/>
+          </a:fontRef>
+        </p:style>
+        <p:txBody>
+          <a:bodyPr rtlCol="0" anchor="ctr"/>
           <a:lstStyle/>
           <a:p>
-            <a:r>
-              <a:rPr lang="en-US" dirty="0"/>
-              <a:t>Two stages</a:t>
-            </a:r>
-          </a:p>
-          <a:p>
-            <a:pPr lvl="1"/>
-            <a:r>
-              <a:rPr lang="en-US" dirty="0"/>
-              <a:t>Part 1: Ball Strike Counter (individual)</a:t>
-            </a:r>
-          </a:p>
-          <a:p>
-            <a:pPr lvl="1"/>
-            <a:r>
-              <a:rPr lang="en-US" dirty="0"/>
-              <a:t>Part 2: Optionally work with 1 partner</a:t>
-            </a:r>
-          </a:p>
-          <a:p>
-            <a:pPr lvl="2"/>
-            <a:r>
-              <a:rPr lang="en-US" b="1" dirty="0"/>
-              <a:t>Each list the other’s name in </a:t>
-            </a:r>
-            <a:r>
-              <a:rPr lang="en-US" b="1" dirty="0" err="1"/>
-              <a:t>javadoc</a:t>
-            </a:r>
-            <a:r>
-              <a:rPr lang="en-US" b="1" dirty="0"/>
-              <a:t> at top of file</a:t>
-            </a:r>
-          </a:p>
-          <a:p>
-            <a:pPr lvl="2"/>
-            <a:r>
-              <a:rPr lang="en-US" b="1" dirty="0"/>
-              <a:t>Both responsible for submitting own code</a:t>
-            </a:r>
+            <a:pPr algn="ctr"/>
+            <a:endParaRPr lang="en-US"/>
           </a:p>
         </p:txBody>
       </p:sp>
     </p:spTree>
     <p:extLst>
       <p:ext uri="{BB962C8B-B14F-4D97-AF65-F5344CB8AC3E}">
-        <p14:creationId xmlns:p14="http://schemas.microsoft.com/office/powerpoint/2010/main" val="1746538263"/>
+        <p14:creationId xmlns:p14="http://schemas.microsoft.com/office/powerpoint/2010/main" val="3320106443"/>
       </p:ext>
     </p:extLst>
   </p:cSld>
@@ -16681,12 +18446,12 @@
       </p:grpSpPr>
       <p:sp>
         <p:nvSpPr>
-          <p:cNvPr id="3" name="Title 2"/>
+          <p:cNvPr id="9219" name="Rectangle 2"/>
           <p:cNvSpPr>
             <a:spLocks noGrp="1"/>
           </p:cNvSpPr>
           <p:nvPr>
-            <p:ph type="title"/>
+            <p:ph type="subTitle" idx="1"/>
           </p:nvPr>
         </p:nvSpPr>
         <p:spPr/>
@@ -16694,259 +18459,18 @@
           <a:bodyPr/>
           <a:lstStyle/>
           <a:p>
-            <a:pPr>
-              <a:defRPr/>
+            <a:pPr marR="0" eaLnBrk="1" hangingPunct="1">
+              <a:lnSpc>
+                <a:spcPct val="90000"/>
+              </a:lnSpc>
             </a:pPr>
             <a:r>
-              <a:rPr lang="en-US" dirty="0"/>
-              <a:t>Handling Events</a:t>
-            </a:r>
-          </a:p>
-        </p:txBody>
-      </p:sp>
-      <p:sp>
-        <p:nvSpPr>
-          <p:cNvPr id="2" name="Content Placeholder 1"/>
-          <p:cNvSpPr>
-            <a:spLocks noGrp="1"/>
-          </p:cNvSpPr>
-          <p:nvPr>
-            <p:ph idx="1"/>
-          </p:nvPr>
-        </p:nvSpPr>
-        <p:spPr/>
-        <p:txBody>
-          <a:bodyPr>
-            <a:normAutofit fontScale="92500" lnSpcReduction="20000"/>
-          </a:bodyPr>
-          <a:lstStyle/>
-          <a:p>
-            <a:pPr>
-              <a:defRPr/>
-            </a:pPr>
-            <a:r>
-              <a:rPr lang="en-US" dirty="0"/>
-              <a:t>Many kinds of events:</a:t>
-            </a:r>
-          </a:p>
-          <a:p>
-            <a:pPr lvl="1">
-              <a:defRPr/>
-            </a:pPr>
-            <a:r>
-              <a:rPr lang="en-US" dirty="0"/>
-              <a:t>Mouse pressed, mouse released, mouse moved, mouse clicked, button clicked, key pressed, menu item selected, …</a:t>
-            </a:r>
-          </a:p>
-          <a:p>
-            <a:pPr lvl="1">
-              <a:defRPr/>
-            </a:pPr>
-            <a:endParaRPr lang="en-US" dirty="0"/>
-          </a:p>
-          <a:p>
-            <a:pPr>
-              <a:defRPr/>
-            </a:pPr>
-            <a:r>
-              <a:rPr lang="en-US" dirty="0"/>
-              <a:t>We create </a:t>
-            </a:r>
-            <a:r>
-              <a:rPr lang="en-US" b="1" dirty="0">
-                <a:solidFill>
-                  <a:schemeClr val="accent3"/>
-                </a:solidFill>
-              </a:rPr>
-              <a:t>event listener objects   </a:t>
-            </a:r>
-          </a:p>
-          <a:p>
-            <a:pPr lvl="1">
-              <a:defRPr/>
-            </a:pPr>
-            <a:r>
-              <a:rPr lang="en-US" dirty="0"/>
-              <a:t>that implement the right </a:t>
-            </a:r>
-            <a:r>
-              <a:rPr lang="en-US" b="1" dirty="0"/>
-              <a:t>interface</a:t>
-            </a:r>
-          </a:p>
-          <a:p>
-            <a:pPr lvl="1">
-              <a:defRPr/>
-            </a:pPr>
-            <a:r>
-              <a:rPr lang="en-US" dirty="0"/>
-              <a:t>that handle the event as we wish</a:t>
-            </a:r>
-          </a:p>
-          <a:p>
-            <a:pPr lvl="1">
-              <a:defRPr/>
-            </a:pPr>
-            <a:endParaRPr lang="en-US" dirty="0"/>
-          </a:p>
-          <a:p>
-            <a:pPr>
-              <a:defRPr/>
-            </a:pPr>
-            <a:r>
-              <a:rPr lang="en-US" dirty="0"/>
-              <a:t>We </a:t>
-            </a:r>
-            <a:r>
-              <a:rPr lang="en-US" b="1" dirty="0">
-                <a:solidFill>
-                  <a:schemeClr val="accent3"/>
-                </a:solidFill>
-              </a:rPr>
-              <a:t>register</a:t>
-            </a:r>
-            <a:r>
-              <a:rPr lang="en-US" dirty="0"/>
-              <a:t> our listener with an </a:t>
-            </a:r>
-            <a:r>
-              <a:rPr lang="en-US" b="1" dirty="0">
-                <a:solidFill>
-                  <a:schemeClr val="accent3"/>
-                </a:solidFill>
-              </a:rPr>
-              <a:t>event source</a:t>
-            </a:r>
-          </a:p>
-          <a:p>
-            <a:pPr lvl="1">
-              <a:defRPr/>
-            </a:pPr>
-            <a:r>
-              <a:rPr lang="en-US" dirty="0"/>
-              <a:t>Sources: buttons, menu items, graphics area, …</a:t>
-            </a:r>
-          </a:p>
-        </p:txBody>
-      </p:sp>
-      <p:sp>
-        <p:nvSpPr>
-          <p:cNvPr id="4" name="TextBox 3"/>
-          <p:cNvSpPr txBox="1"/>
-          <p:nvPr/>
-        </p:nvSpPr>
-        <p:spPr>
-          <a:xfrm>
-            <a:off x="8382224" y="6324600"/>
-            <a:ext cx="457176" cy="369332"/>
-          </a:xfrm>
-          <a:prstGeom prst="rect">
-            <a:avLst/>
-          </a:prstGeom>
-        </p:spPr>
-        <p:style>
-          <a:lnRef idx="2">
-            <a:schemeClr val="accent3">
-              <a:shade val="50000"/>
-            </a:schemeClr>
-          </a:lnRef>
-          <a:fillRef idx="1">
-            <a:schemeClr val="accent3"/>
-          </a:fillRef>
-          <a:effectRef idx="0">
-            <a:schemeClr val="accent3"/>
-          </a:effectRef>
-          <a:fontRef idx="minor">
-            <a:schemeClr val="lt1"/>
-          </a:fontRef>
-        </p:style>
-        <p:txBody>
-          <a:bodyPr wrap="none" rtlCol="0">
-            <a:spAutoFit/>
-          </a:bodyPr>
-          <a:lstStyle/>
-          <a:p>
-            <a:r>
-              <a:rPr lang="en-US" dirty="0"/>
-              <a:t>Q1</a:t>
-            </a:r>
-          </a:p>
-        </p:txBody>
-      </p:sp>
-      <p:pic>
-        <p:nvPicPr>
-          <p:cNvPr id="5" name="Picture 2" descr="Image result for ear"/>
-          <p:cNvPicPr>
-            <a:picLocks noChangeAspect="1" noChangeArrowheads="1"/>
-          </p:cNvPicPr>
-          <p:nvPr/>
-        </p:nvPicPr>
-        <p:blipFill>
-          <a:blip r:embed="rId3">
-            <a:extLst>
-              <a:ext uri="{28A0092B-C50C-407E-A947-70E740481C1C}">
-                <a14:useLocalDpi xmlns:a14="http://schemas.microsoft.com/office/drawing/2010/main" val="0"/>
-              </a:ext>
-            </a:extLst>
-          </a:blip>
-          <a:srcRect/>
-          <a:stretch>
-            <a:fillRect/>
-          </a:stretch>
-        </p:blipFill>
-        <p:spPr bwMode="auto">
-          <a:xfrm>
-            <a:off x="6477224" y="2819400"/>
-            <a:ext cx="1905000" cy="1905000"/>
-          </a:xfrm>
-          <a:prstGeom prst="rect">
-            <a:avLst/>
-          </a:prstGeom>
-          <a:noFill/>
-          <a:extLst>
-            <a:ext uri="{909E8E84-426E-40DD-AFC4-6F175D3DCCD1}">
-              <a14:hiddenFill xmlns:a14="http://schemas.microsoft.com/office/drawing/2010/main">
-                <a:solidFill>
-                  <a:srgbClr val="FFFFFF"/>
-                </a:solidFill>
-              </a14:hiddenFill>
-            </a:ext>
-          </a:extLst>
-        </p:spPr>
-      </p:pic>
-      <p:cxnSp>
-        <p:nvCxnSpPr>
-          <p:cNvPr id="7" name="Straight Arrow Connector 6"/>
-          <p:cNvCxnSpPr/>
-          <p:nvPr/>
-        </p:nvCxnSpPr>
-        <p:spPr>
-          <a:xfrm>
-            <a:off x="6171013" y="3749040"/>
-            <a:ext cx="532952" cy="0"/>
-          </a:xfrm>
-          <a:prstGeom prst="straightConnector1">
-            <a:avLst/>
-          </a:prstGeom>
-          <a:ln>
-            <a:tailEnd type="triangle"/>
-          </a:ln>
-        </p:spPr>
-        <p:style>
-          <a:lnRef idx="3">
-            <a:schemeClr val="accent1"/>
-          </a:lnRef>
-          <a:fillRef idx="0">
-            <a:schemeClr val="accent1"/>
-          </a:fillRef>
-          <a:effectRef idx="2">
-            <a:schemeClr val="accent1"/>
-          </a:effectRef>
-          <a:fontRef idx="minor">
-            <a:schemeClr val="tx1"/>
-          </a:fontRef>
-        </p:style>
-      </p:cxnSp>
+              <a:rPr lang="en-US" sz="2500" dirty="0"/>
+              <a:t>Event Based Programming</a:t>
+            </a:r>
+          </a:p>
+        </p:txBody>
+      </p:sp>
     </p:spTree>
   </p:cSld>
   <p:clrMapOvr>
